--- a/materials/slides/ch11.pptx
+++ b/materials/slides/ch11.pptx
@@ -5,68 +5,67 @@
     <p:sldMasterId id="2147483648" r:id="rId1"/>
   </p:sldMasterIdLst>
   <p:notesMasterIdLst>
-    <p:notesMasterId r:id="rId29"/>
+    <p:notesMasterId r:id="rId5"/>
   </p:notesMasterIdLst>
   <p:sldIdLst>
-    <p:sldId id="256" r:id="rId2"/>
-    <p:sldId id="547" r:id="rId3"/>
-    <p:sldId id="518" r:id="rId4"/>
-    <p:sldId id="500" r:id="rId5"/>
-    <p:sldId id="561" r:id="rId6"/>
-    <p:sldId id="554" r:id="rId7"/>
-    <p:sldId id="557" r:id="rId8"/>
-    <p:sldId id="528" r:id="rId9"/>
-    <p:sldId id="562" r:id="rId10"/>
-    <p:sldId id="563" r:id="rId11"/>
-    <p:sldId id="564" r:id="rId12"/>
-    <p:sldId id="529" r:id="rId13"/>
-    <p:sldId id="530" r:id="rId14"/>
-    <p:sldId id="531" r:id="rId15"/>
-    <p:sldId id="534" r:id="rId16"/>
-    <p:sldId id="532" r:id="rId17"/>
-    <p:sldId id="533" r:id="rId18"/>
-    <p:sldId id="501" r:id="rId19"/>
-    <p:sldId id="502" r:id="rId20"/>
-    <p:sldId id="503" r:id="rId21"/>
-    <p:sldId id="515" r:id="rId22"/>
-    <p:sldId id="516" r:id="rId23"/>
-    <p:sldId id="520" r:id="rId24"/>
-    <p:sldId id="558" r:id="rId25"/>
-    <p:sldId id="543" r:id="rId26"/>
-    <p:sldId id="560" r:id="rId27"/>
-    <p:sldId id="379" r:id="rId28"/>
+    <p:sldId id="256" r:id="rId3"/>
+    <p:sldId id="547" r:id="rId4"/>
+    <p:sldId id="518" r:id="rId6"/>
+    <p:sldId id="500" r:id="rId7"/>
+    <p:sldId id="561" r:id="rId8"/>
+    <p:sldId id="554" r:id="rId9"/>
+    <p:sldId id="557" r:id="rId10"/>
+    <p:sldId id="528" r:id="rId11"/>
+    <p:sldId id="562" r:id="rId12"/>
+    <p:sldId id="563" r:id="rId13"/>
+    <p:sldId id="564" r:id="rId14"/>
+    <p:sldId id="529" r:id="rId15"/>
+    <p:sldId id="530" r:id="rId16"/>
+    <p:sldId id="531" r:id="rId17"/>
+    <p:sldId id="534" r:id="rId18"/>
+    <p:sldId id="532" r:id="rId19"/>
+    <p:sldId id="533" r:id="rId20"/>
+    <p:sldId id="501" r:id="rId21"/>
+    <p:sldId id="502" r:id="rId22"/>
+    <p:sldId id="503" r:id="rId23"/>
+    <p:sldId id="515" r:id="rId24"/>
+    <p:sldId id="516" r:id="rId25"/>
+    <p:sldId id="520" r:id="rId26"/>
+    <p:sldId id="558" r:id="rId27"/>
+    <p:sldId id="584" r:id="rId28"/>
+    <p:sldId id="560" r:id="rId29"/>
+    <p:sldId id="379" r:id="rId30"/>
   </p:sldIdLst>
   <p:sldSz cx="12192000" cy="6858000"/>
   <p:notesSz cx="6858000" cy="9144000"/>
   <p:embeddedFontLst>
     <p:embeddedFont>
-      <p:font typeface="Calibri Light" panose="020F0302020204030204" pitchFamily="34" charset="0"/>
-      <p:regular r:id="rId30"/>
-      <p:italic r:id="rId31"/>
-    </p:embeddedFont>
-    <p:embeddedFont>
-      <p:font typeface="Calibri" panose="020F0502020204030204" pitchFamily="34" charset="0"/>
-      <p:regular r:id="rId32"/>
-      <p:bold r:id="rId33"/>
-      <p:italic r:id="rId34"/>
-      <p:boldItalic r:id="rId35"/>
+      <p:font typeface="隶书" panose="02010509060101010101" pitchFamily="49" charset="-122"/>
+      <p:regular r:id="rId35"/>
     </p:embeddedFont>
     <p:embeddedFont>
       <p:font typeface="微软雅黑" panose="020B0503020204020204" pitchFamily="34" charset="-122"/>
       <p:regular r:id="rId36"/>
-      <p:bold r:id="rId37"/>
+    </p:embeddedFont>
+    <p:embeddedFont>
+      <p:font typeface="黑体" panose="02010609060101010101" charset="-122"/>
+      <p:regular r:id="rId37"/>
     </p:embeddedFont>
     <p:embeddedFont>
       <p:font typeface="MS PGothic" panose="020B0600070205080204" pitchFamily="34" charset="-128"/>
       <p:regular r:id="rId38"/>
     </p:embeddedFont>
     <p:embeddedFont>
-      <p:font typeface="隶书" panose="02010509060101010101" pitchFamily="49" charset="-122"/>
+      <p:font typeface="Calibri" panose="020F0502020204030204" charset="0"/>
       <p:regular r:id="rId39"/>
+      <p:bold r:id="rId40"/>
+      <p:italic r:id="rId41"/>
+      <p:boldItalic r:id="rId42"/>
     </p:embeddedFont>
     <p:embeddedFont>
-      <p:font typeface="黑体" panose="02010609060101010101" pitchFamily="49" charset="-122"/>
-      <p:regular r:id="rId40"/>
+      <p:font typeface="Calibri Light" panose="020F0302020204030204" charset="0"/>
+      <p:regular r:id="rId43"/>
+      <p:italic r:id="rId44"/>
     </p:embeddedFont>
   </p:embeddedFontLst>
   <p:defaultTextStyle>
@@ -164,54 +163,12 @@
       </a:defRPr>
     </a:lvl9pPr>
   </p:defaultTextStyle>
-  <p:extLst>
-    <p:ext uri="{EFAFB233-063F-42B5-8137-9DF3F51BA10A}">
-      <p15:sldGuideLst xmlns:p15="http://schemas.microsoft.com/office/powerpoint/2012/main">
-        <p15:guide id="1" orient="horz" pos="1094" userDrawn="1">
-          <p15:clr>
-            <a:srgbClr val="A4A3A4"/>
-          </p15:clr>
-        </p15:guide>
-        <p15:guide id="2" pos="325" userDrawn="1">
-          <p15:clr>
-            <a:srgbClr val="A4A3A4"/>
-          </p15:clr>
-        </p15:guide>
-        <p15:guide id="3" orient="horz" pos="4065" userDrawn="1">
-          <p15:clr>
-            <a:srgbClr val="A4A3A4"/>
-          </p15:clr>
-        </p15:guide>
-        <p15:guide id="4" pos="7106" userDrawn="1">
-          <p15:clr>
-            <a:srgbClr val="A4A3A4"/>
-          </p15:clr>
-        </p15:guide>
-        <p15:guide id="5" pos="189" userDrawn="1">
-          <p15:clr>
-            <a:srgbClr val="A4A3A4"/>
-          </p15:clr>
-        </p15:guide>
-        <p15:guide id="6" pos="3840" userDrawn="1">
-          <p15:clr>
-            <a:srgbClr val="A4A3A4"/>
-          </p15:clr>
-        </p15:guide>
-      </p15:sldGuideLst>
-    </p:ext>
-  </p:extLst>
 </p:presentation>
 </file>
 
 <file path=ppt/commentAuthors.xml><?xml version="1.0" encoding="utf-8"?>
 <p:cmAuthorLst xmlns:a="http://schemas.openxmlformats.org/drawingml/2006/main" xmlns:r="http://schemas.openxmlformats.org/officeDocument/2006/relationships" xmlns:p="http://schemas.openxmlformats.org/presentationml/2006/main">
-  <p:cmAuthor id="1" name="赵胜" initials="赵胜" lastIdx="1" clrIdx="0">
-    <p:extLst>
-      <p:ext uri="{19B8F6BF-5375-455C-9EA6-DF929625EA0E}">
-        <p15:presenceInfo xmlns:p15="http://schemas.microsoft.com/office/powerpoint/2012/main" userId="970764a52baece7c" providerId="Windows Live"/>
-      </p:ext>
-    </p:extLst>
-  </p:cmAuthor>
+  <p:cmAuthor id="1" name="赵胜" initials="赵胜" lastIdx="1" clrIdx="0"/>
 </p:cmAuthorLst>
 </file>
 
@@ -297,7 +254,6 @@
           <a:p>
             <a:fld id="{C94C0826-6BC5-4534-8F91-2515044AF1B8}" type="datetimeFigureOut">
               <a:rPr lang="zh-CN" altLang="en-US" smtClean="0"/>
-              <a:t>2020/7/23</a:t>
             </a:fld>
             <a:endParaRPr lang="zh-CN" altLang="en-US"/>
           </a:p>
@@ -364,6 +320,7 @@
               <a:rPr lang="zh-CN" altLang="en-US"/>
               <a:t>单击此处编辑母版文本样式</a:t>
             </a:r>
+            <a:endParaRPr lang="zh-CN" altLang="en-US"/>
           </a:p>
           <a:p>
             <a:pPr lvl="1"/>
@@ -371,6 +328,7 @@
               <a:rPr lang="zh-CN" altLang="en-US"/>
               <a:t>第二级</a:t>
             </a:r>
+            <a:endParaRPr lang="zh-CN" altLang="en-US"/>
           </a:p>
           <a:p>
             <a:pPr lvl="2"/>
@@ -378,6 +336,7 @@
               <a:rPr lang="zh-CN" altLang="en-US"/>
               <a:t>第三级</a:t>
             </a:r>
+            <a:endParaRPr lang="zh-CN" altLang="en-US"/>
           </a:p>
           <a:p>
             <a:pPr lvl="3"/>
@@ -385,6 +344,7 @@
               <a:rPr lang="zh-CN" altLang="en-US"/>
               <a:t>第四级</a:t>
             </a:r>
+            <a:endParaRPr lang="zh-CN" altLang="en-US"/>
           </a:p>
           <a:p>
             <a:pPr lvl="4"/>
@@ -392,6 +352,7 @@
               <a:rPr lang="zh-CN" altLang="en-US"/>
               <a:t>第五级</a:t>
             </a:r>
+            <a:endParaRPr lang="zh-CN" altLang="en-US"/>
           </a:p>
         </p:txBody>
       </p:sp>
@@ -455,18 +416,12 @@
           <a:p>
             <a:fld id="{2954993C-2851-4B37-8A50-837DDC8B7B44}" type="slidenum">
               <a:rPr lang="zh-CN" altLang="en-US" smtClean="0"/>
-              <a:t>‹#›</a:t>
             </a:fld>
             <a:endParaRPr lang="zh-CN" altLang="en-US"/>
           </a:p>
         </p:txBody>
       </p:sp>
     </p:spTree>
-    <p:extLst>
-      <p:ext uri="{BB962C8B-B14F-4D97-AF65-F5344CB8AC3E}">
-        <p14:creationId xmlns:p14="http://schemas.microsoft.com/office/powerpoint/2010/main" val="3119557761"/>
-      </p:ext>
-    </p:extLst>
   </p:cSld>
   <p:clrMap bg1="lt1" tx1="dk1" bg2="lt2" tx2="dk2" accent1="accent1" accent2="accent2" accent3="accent3" accent4="accent4" accent5="accent5" accent6="accent6" hlink="hlink" folHlink="folHlink"/>
   <p:notesStyle>
@@ -629,18 +584,12 @@
           <a:p>
             <a:fld id="{2954993C-2851-4B37-8A50-837DDC8B7B44}" type="slidenum">
               <a:rPr lang="zh-CN" altLang="en-US" smtClean="0"/>
-              <a:t>2</a:t>
             </a:fld>
             <a:endParaRPr lang="zh-CN" altLang="en-US"/>
           </a:p>
         </p:txBody>
       </p:sp>
     </p:spTree>
-    <p:extLst>
-      <p:ext uri="{BB962C8B-B14F-4D97-AF65-F5344CB8AC3E}">
-        <p14:creationId xmlns:p14="http://schemas.microsoft.com/office/powerpoint/2010/main" val="4027788266"/>
-      </p:ext>
-    </p:extLst>
   </p:cSld>
   <p:clrMapOvr>
     <a:masterClrMapping/>
@@ -677,7 +626,6 @@
         </p:nvSpPr>
         <p:spPr>
           <a:noFill/>
-          <a:ln/>
           <a:extLst>
             <a:ext uri="{909E8E84-426E-40DD-AFC4-6F175D3DCCD1}">
               <a14:hiddenFill xmlns:a14="http://schemas.microsoft.com/office/drawing/2010/main">
@@ -707,7 +655,7 @@
                   <a:srgbClr val="990000"/>
                 </a:solidFill>
                 <a:latin typeface="FrutigerNext LT Medium" pitchFamily="34" charset="0"/>
-                <a:ea typeface="黑体" panose="02010609060101010101" pitchFamily="49" charset="-122"/>
+                <a:ea typeface="黑体" panose="02010609060101010101" charset="-122"/>
               </a:defRPr>
             </a:lvl1pPr>
             <a:lvl2pPr marL="742950" indent="-285750" eaLnBrk="0" hangingPunct="0">
@@ -716,7 +664,7 @@
                   <a:srgbClr val="990000"/>
                 </a:solidFill>
                 <a:latin typeface="FrutigerNext LT Medium" pitchFamily="34" charset="0"/>
-                <a:ea typeface="黑体" panose="02010609060101010101" pitchFamily="49" charset="-122"/>
+                <a:ea typeface="黑体" panose="02010609060101010101" charset="-122"/>
               </a:defRPr>
             </a:lvl2pPr>
             <a:lvl3pPr marL="1143000" indent="-228600" eaLnBrk="0" hangingPunct="0">
@@ -725,7 +673,7 @@
                   <a:srgbClr val="990000"/>
                 </a:solidFill>
                 <a:latin typeface="FrutigerNext LT Medium" pitchFamily="34" charset="0"/>
-                <a:ea typeface="黑体" panose="02010609060101010101" pitchFamily="49" charset="-122"/>
+                <a:ea typeface="黑体" panose="02010609060101010101" charset="-122"/>
               </a:defRPr>
             </a:lvl3pPr>
             <a:lvl4pPr marL="1600200" indent="-228600" eaLnBrk="0" hangingPunct="0">
@@ -734,7 +682,7 @@
                   <a:srgbClr val="990000"/>
                 </a:solidFill>
                 <a:latin typeface="FrutigerNext LT Medium" pitchFamily="34" charset="0"/>
-                <a:ea typeface="黑体" panose="02010609060101010101" pitchFamily="49" charset="-122"/>
+                <a:ea typeface="黑体" panose="02010609060101010101" charset="-122"/>
               </a:defRPr>
             </a:lvl4pPr>
             <a:lvl5pPr marL="2057400" indent="-228600" eaLnBrk="0" hangingPunct="0">
@@ -743,7 +691,7 @@
                   <a:srgbClr val="990000"/>
                 </a:solidFill>
                 <a:latin typeface="FrutigerNext LT Medium" pitchFamily="34" charset="0"/>
-                <a:ea typeface="黑体" panose="02010609060101010101" pitchFamily="49" charset="-122"/>
+                <a:ea typeface="黑体" panose="02010609060101010101" charset="-122"/>
               </a:defRPr>
             </a:lvl5pPr>
             <a:lvl6pPr marL="2514600" indent="-228600" algn="ctr" eaLnBrk="0" fontAlgn="base" hangingPunct="0">
@@ -758,7 +706,7 @@
                   <a:srgbClr val="990000"/>
                 </a:solidFill>
                 <a:latin typeface="FrutigerNext LT Medium" pitchFamily="34" charset="0"/>
-                <a:ea typeface="黑体" panose="02010609060101010101" pitchFamily="49" charset="-122"/>
+                <a:ea typeface="黑体" panose="02010609060101010101" charset="-122"/>
               </a:defRPr>
             </a:lvl6pPr>
             <a:lvl7pPr marL="2971800" indent="-228600" algn="ctr" eaLnBrk="0" fontAlgn="base" hangingPunct="0">
@@ -773,7 +721,7 @@
                   <a:srgbClr val="990000"/>
                 </a:solidFill>
                 <a:latin typeface="FrutigerNext LT Medium" pitchFamily="34" charset="0"/>
-                <a:ea typeface="黑体" panose="02010609060101010101" pitchFamily="49" charset="-122"/>
+                <a:ea typeface="黑体" panose="02010609060101010101" charset="-122"/>
               </a:defRPr>
             </a:lvl7pPr>
             <a:lvl8pPr marL="3429000" indent="-228600" algn="ctr" eaLnBrk="0" fontAlgn="base" hangingPunct="0">
@@ -788,7 +736,7 @@
                   <a:srgbClr val="990000"/>
                 </a:solidFill>
                 <a:latin typeface="FrutigerNext LT Medium" pitchFamily="34" charset="0"/>
-                <a:ea typeface="黑体" panose="02010609060101010101" pitchFamily="49" charset="-122"/>
+                <a:ea typeface="黑体" panose="02010609060101010101" charset="-122"/>
               </a:defRPr>
             </a:lvl8pPr>
             <a:lvl9pPr marL="3886200" indent="-228600" algn="ctr" eaLnBrk="0" fontAlgn="base" hangingPunct="0">
@@ -803,7 +751,7 @@
                   <a:srgbClr val="990000"/>
                 </a:solidFill>
                 <a:latin typeface="FrutigerNext LT Medium" pitchFamily="34" charset="0"/>
-                <a:ea typeface="黑体" panose="02010609060101010101" pitchFamily="49" charset="-122"/>
+                <a:ea typeface="黑体" panose="02010609060101010101" charset="-122"/>
               </a:defRPr>
             </a:lvl9pPr>
           </a:lstStyle>
@@ -816,8 +764,6 @@
                 <a:latin typeface="Arial" panose="020B0604020202020204" pitchFamily="34" charset="0"/>
                 <a:ea typeface="MS PGothic" panose="020B0600070205080204" pitchFamily="34" charset="-128"/>
               </a:rPr>
-              <a:pPr/>
-              <a:t>18</a:t>
             </a:fld>
             <a:endParaRPr lang="en-US" altLang="zh-CN" sz="1200">
               <a:solidFill>
@@ -844,7 +790,6 @@
             <a:off x="90488" y="744538"/>
             <a:ext cx="6616700" cy="3722687"/>
           </a:xfrm>
-          <a:ln/>
         </p:spPr>
       </p:sp>
       <p:sp>
@@ -859,7 +804,6 @@
         </p:nvSpPr>
         <p:spPr>
           <a:noFill/>
-          <a:ln/>
           <a:extLst>
             <a:ext uri="{909E8E84-426E-40DD-AFC4-6F175D3DCCD1}">
               <a14:hiddenFill xmlns:a14="http://schemas.microsoft.com/office/drawing/2010/main">
@@ -890,11 +834,6 @@
         </p:txBody>
       </p:sp>
     </p:spTree>
-    <p:extLst>
-      <p:ext uri="{BB962C8B-B14F-4D97-AF65-F5344CB8AC3E}">
-        <p14:creationId xmlns:p14="http://schemas.microsoft.com/office/powerpoint/2010/main" val="3219107950"/>
-      </p:ext>
-    </p:extLst>
   </p:cSld>
   <p:clrMapOvr>
     <a:masterClrMapping/>
@@ -931,7 +870,6 @@
         </p:nvSpPr>
         <p:spPr>
           <a:noFill/>
-          <a:ln/>
           <a:extLst>
             <a:ext uri="{909E8E84-426E-40DD-AFC4-6F175D3DCCD1}">
               <a14:hiddenFill xmlns:a14="http://schemas.microsoft.com/office/drawing/2010/main">
@@ -961,7 +899,7 @@
                   <a:srgbClr val="990000"/>
                 </a:solidFill>
                 <a:latin typeface="FrutigerNext LT Medium" pitchFamily="34" charset="0"/>
-                <a:ea typeface="黑体" panose="02010609060101010101" pitchFamily="49" charset="-122"/>
+                <a:ea typeface="黑体" panose="02010609060101010101" charset="-122"/>
               </a:defRPr>
             </a:lvl1pPr>
             <a:lvl2pPr marL="742950" indent="-285750" eaLnBrk="0" hangingPunct="0">
@@ -970,7 +908,7 @@
                   <a:srgbClr val="990000"/>
                 </a:solidFill>
                 <a:latin typeface="FrutigerNext LT Medium" pitchFamily="34" charset="0"/>
-                <a:ea typeface="黑体" panose="02010609060101010101" pitchFamily="49" charset="-122"/>
+                <a:ea typeface="黑体" panose="02010609060101010101" charset="-122"/>
               </a:defRPr>
             </a:lvl2pPr>
             <a:lvl3pPr marL="1143000" indent="-228600" eaLnBrk="0" hangingPunct="0">
@@ -979,7 +917,7 @@
                   <a:srgbClr val="990000"/>
                 </a:solidFill>
                 <a:latin typeface="FrutigerNext LT Medium" pitchFamily="34" charset="0"/>
-                <a:ea typeface="黑体" panose="02010609060101010101" pitchFamily="49" charset="-122"/>
+                <a:ea typeface="黑体" panose="02010609060101010101" charset="-122"/>
               </a:defRPr>
             </a:lvl3pPr>
             <a:lvl4pPr marL="1600200" indent="-228600" eaLnBrk="0" hangingPunct="0">
@@ -988,7 +926,7 @@
                   <a:srgbClr val="990000"/>
                 </a:solidFill>
                 <a:latin typeface="FrutigerNext LT Medium" pitchFamily="34" charset="0"/>
-                <a:ea typeface="黑体" panose="02010609060101010101" pitchFamily="49" charset="-122"/>
+                <a:ea typeface="黑体" panose="02010609060101010101" charset="-122"/>
               </a:defRPr>
             </a:lvl4pPr>
             <a:lvl5pPr marL="2057400" indent="-228600" eaLnBrk="0" hangingPunct="0">
@@ -997,7 +935,7 @@
                   <a:srgbClr val="990000"/>
                 </a:solidFill>
                 <a:latin typeface="FrutigerNext LT Medium" pitchFamily="34" charset="0"/>
-                <a:ea typeface="黑体" panose="02010609060101010101" pitchFamily="49" charset="-122"/>
+                <a:ea typeface="黑体" panose="02010609060101010101" charset="-122"/>
               </a:defRPr>
             </a:lvl5pPr>
             <a:lvl6pPr marL="2514600" indent="-228600" algn="ctr" eaLnBrk="0" fontAlgn="base" hangingPunct="0">
@@ -1012,7 +950,7 @@
                   <a:srgbClr val="990000"/>
                 </a:solidFill>
                 <a:latin typeface="FrutigerNext LT Medium" pitchFamily="34" charset="0"/>
-                <a:ea typeface="黑体" panose="02010609060101010101" pitchFamily="49" charset="-122"/>
+                <a:ea typeface="黑体" panose="02010609060101010101" charset="-122"/>
               </a:defRPr>
             </a:lvl6pPr>
             <a:lvl7pPr marL="2971800" indent="-228600" algn="ctr" eaLnBrk="0" fontAlgn="base" hangingPunct="0">
@@ -1027,7 +965,7 @@
                   <a:srgbClr val="990000"/>
                 </a:solidFill>
                 <a:latin typeface="FrutigerNext LT Medium" pitchFamily="34" charset="0"/>
-                <a:ea typeface="黑体" panose="02010609060101010101" pitchFamily="49" charset="-122"/>
+                <a:ea typeface="黑体" panose="02010609060101010101" charset="-122"/>
               </a:defRPr>
             </a:lvl7pPr>
             <a:lvl8pPr marL="3429000" indent="-228600" algn="ctr" eaLnBrk="0" fontAlgn="base" hangingPunct="0">
@@ -1042,7 +980,7 @@
                   <a:srgbClr val="990000"/>
                 </a:solidFill>
                 <a:latin typeface="FrutigerNext LT Medium" pitchFamily="34" charset="0"/>
-                <a:ea typeface="黑体" panose="02010609060101010101" pitchFamily="49" charset="-122"/>
+                <a:ea typeface="黑体" panose="02010609060101010101" charset="-122"/>
               </a:defRPr>
             </a:lvl8pPr>
             <a:lvl9pPr marL="3886200" indent="-228600" algn="ctr" eaLnBrk="0" fontAlgn="base" hangingPunct="0">
@@ -1057,7 +995,7 @@
                   <a:srgbClr val="990000"/>
                 </a:solidFill>
                 <a:latin typeface="FrutigerNext LT Medium" pitchFamily="34" charset="0"/>
-                <a:ea typeface="黑体" panose="02010609060101010101" pitchFamily="49" charset="-122"/>
+                <a:ea typeface="黑体" panose="02010609060101010101" charset="-122"/>
               </a:defRPr>
             </a:lvl9pPr>
           </a:lstStyle>
@@ -1070,8 +1008,6 @@
                 <a:latin typeface="Arial" panose="020B0604020202020204" pitchFamily="34" charset="0"/>
                 <a:ea typeface="MS PGothic" panose="020B0600070205080204" pitchFamily="34" charset="-128"/>
               </a:rPr>
-              <a:pPr/>
-              <a:t>19</a:t>
             </a:fld>
             <a:endParaRPr lang="en-US" altLang="zh-CN" sz="1200">
               <a:solidFill>
@@ -1098,7 +1034,6 @@
             <a:off x="90488" y="744538"/>
             <a:ext cx="6616700" cy="3722687"/>
           </a:xfrm>
-          <a:ln/>
         </p:spPr>
       </p:sp>
       <p:sp>
@@ -1117,7 +1052,6 @@
             <a:ext cx="5438775" cy="4467225"/>
           </a:xfrm>
           <a:noFill/>
-          <a:ln/>
           <a:extLst>
             <a:ext uri="{909E8E84-426E-40DD-AFC4-6F175D3DCCD1}">
               <a14:hiddenFill xmlns:a14="http://schemas.microsoft.com/office/drawing/2010/main">
@@ -1160,11 +1094,6 @@
         </p:txBody>
       </p:sp>
     </p:spTree>
-    <p:extLst>
-      <p:ext uri="{BB962C8B-B14F-4D97-AF65-F5344CB8AC3E}">
-        <p14:creationId xmlns:p14="http://schemas.microsoft.com/office/powerpoint/2010/main" val="3272554671"/>
-      </p:ext>
-    </p:extLst>
   </p:cSld>
   <p:clrMapOvr>
     <a:masterClrMapping/>
@@ -1201,7 +1130,6 @@
         </p:nvSpPr>
         <p:spPr>
           <a:noFill/>
-          <a:ln/>
           <a:extLst>
             <a:ext uri="{909E8E84-426E-40DD-AFC4-6F175D3DCCD1}">
               <a14:hiddenFill xmlns:a14="http://schemas.microsoft.com/office/drawing/2010/main">
@@ -1231,7 +1159,7 @@
                   <a:srgbClr val="990000"/>
                 </a:solidFill>
                 <a:latin typeface="FrutigerNext LT Medium" pitchFamily="34" charset="0"/>
-                <a:ea typeface="黑体" panose="02010609060101010101" pitchFamily="49" charset="-122"/>
+                <a:ea typeface="黑体" panose="02010609060101010101" charset="-122"/>
               </a:defRPr>
             </a:lvl1pPr>
             <a:lvl2pPr marL="742950" indent="-285750" eaLnBrk="0" hangingPunct="0">
@@ -1240,7 +1168,7 @@
                   <a:srgbClr val="990000"/>
                 </a:solidFill>
                 <a:latin typeface="FrutigerNext LT Medium" pitchFamily="34" charset="0"/>
-                <a:ea typeface="黑体" panose="02010609060101010101" pitchFamily="49" charset="-122"/>
+                <a:ea typeface="黑体" panose="02010609060101010101" charset="-122"/>
               </a:defRPr>
             </a:lvl2pPr>
             <a:lvl3pPr marL="1143000" indent="-228600" eaLnBrk="0" hangingPunct="0">
@@ -1249,7 +1177,7 @@
                   <a:srgbClr val="990000"/>
                 </a:solidFill>
                 <a:latin typeface="FrutigerNext LT Medium" pitchFamily="34" charset="0"/>
-                <a:ea typeface="黑体" panose="02010609060101010101" pitchFamily="49" charset="-122"/>
+                <a:ea typeface="黑体" panose="02010609060101010101" charset="-122"/>
               </a:defRPr>
             </a:lvl3pPr>
             <a:lvl4pPr marL="1600200" indent="-228600" eaLnBrk="0" hangingPunct="0">
@@ -1258,7 +1186,7 @@
                   <a:srgbClr val="990000"/>
                 </a:solidFill>
                 <a:latin typeface="FrutigerNext LT Medium" pitchFamily="34" charset="0"/>
-                <a:ea typeface="黑体" panose="02010609060101010101" pitchFamily="49" charset="-122"/>
+                <a:ea typeface="黑体" panose="02010609060101010101" charset="-122"/>
               </a:defRPr>
             </a:lvl4pPr>
             <a:lvl5pPr marL="2057400" indent="-228600" eaLnBrk="0" hangingPunct="0">
@@ -1267,7 +1195,7 @@
                   <a:srgbClr val="990000"/>
                 </a:solidFill>
                 <a:latin typeface="FrutigerNext LT Medium" pitchFamily="34" charset="0"/>
-                <a:ea typeface="黑体" panose="02010609060101010101" pitchFamily="49" charset="-122"/>
+                <a:ea typeface="黑体" panose="02010609060101010101" charset="-122"/>
               </a:defRPr>
             </a:lvl5pPr>
             <a:lvl6pPr marL="2514600" indent="-228600" algn="ctr" eaLnBrk="0" fontAlgn="base" hangingPunct="0">
@@ -1282,7 +1210,7 @@
                   <a:srgbClr val="990000"/>
                 </a:solidFill>
                 <a:latin typeface="FrutigerNext LT Medium" pitchFamily="34" charset="0"/>
-                <a:ea typeface="黑体" panose="02010609060101010101" pitchFamily="49" charset="-122"/>
+                <a:ea typeface="黑体" panose="02010609060101010101" charset="-122"/>
               </a:defRPr>
             </a:lvl6pPr>
             <a:lvl7pPr marL="2971800" indent="-228600" algn="ctr" eaLnBrk="0" fontAlgn="base" hangingPunct="0">
@@ -1297,7 +1225,7 @@
                   <a:srgbClr val="990000"/>
                 </a:solidFill>
                 <a:latin typeface="FrutigerNext LT Medium" pitchFamily="34" charset="0"/>
-                <a:ea typeface="黑体" panose="02010609060101010101" pitchFamily="49" charset="-122"/>
+                <a:ea typeface="黑体" panose="02010609060101010101" charset="-122"/>
               </a:defRPr>
             </a:lvl7pPr>
             <a:lvl8pPr marL="3429000" indent="-228600" algn="ctr" eaLnBrk="0" fontAlgn="base" hangingPunct="0">
@@ -1312,7 +1240,7 @@
                   <a:srgbClr val="990000"/>
                 </a:solidFill>
                 <a:latin typeface="FrutigerNext LT Medium" pitchFamily="34" charset="0"/>
-                <a:ea typeface="黑体" panose="02010609060101010101" pitchFamily="49" charset="-122"/>
+                <a:ea typeface="黑体" panose="02010609060101010101" charset="-122"/>
               </a:defRPr>
             </a:lvl8pPr>
             <a:lvl9pPr marL="3886200" indent="-228600" algn="ctr" eaLnBrk="0" fontAlgn="base" hangingPunct="0">
@@ -1327,7 +1255,7 @@
                   <a:srgbClr val="990000"/>
                 </a:solidFill>
                 <a:latin typeface="FrutigerNext LT Medium" pitchFamily="34" charset="0"/>
-                <a:ea typeface="黑体" panose="02010609060101010101" pitchFamily="49" charset="-122"/>
+                <a:ea typeface="黑体" panose="02010609060101010101" charset="-122"/>
               </a:defRPr>
             </a:lvl9pPr>
           </a:lstStyle>
@@ -1340,8 +1268,6 @@
                 <a:latin typeface="Arial" panose="020B0604020202020204" pitchFamily="34" charset="0"/>
                 <a:ea typeface="MS PGothic" panose="020B0600070205080204" pitchFamily="34" charset="-128"/>
               </a:rPr>
-              <a:pPr/>
-              <a:t>20</a:t>
             </a:fld>
             <a:endParaRPr lang="en-US" altLang="zh-CN" sz="1200">
               <a:solidFill>
@@ -1368,7 +1294,6 @@
             <a:off x="90488" y="744538"/>
             <a:ext cx="6616700" cy="3722687"/>
           </a:xfrm>
-          <a:ln/>
         </p:spPr>
       </p:sp>
       <p:sp>
@@ -1387,7 +1312,6 @@
             <a:ext cx="5438775" cy="4467225"/>
           </a:xfrm>
           <a:noFill/>
-          <a:ln/>
           <a:extLst>
             <a:ext uri="{909E8E84-426E-40DD-AFC4-6F175D3DCCD1}">
               <a14:hiddenFill xmlns:a14="http://schemas.microsoft.com/office/drawing/2010/main">
@@ -1417,6 +1341,7 @@
               <a:rPr lang="en-US" altLang="zh-CN" dirty="0" smtClean="0"/>
               <a:t>Continuous Integration</a:t>
             </a:r>
+            <a:endParaRPr lang="en-US" altLang="zh-CN" dirty="0" smtClean="0"/>
           </a:p>
           <a:p>
             <a:pPr eaLnBrk="1" hangingPunct="1"/>
@@ -1485,11 +1410,6 @@
         </p:txBody>
       </p:sp>
     </p:spTree>
-    <p:extLst>
-      <p:ext uri="{BB962C8B-B14F-4D97-AF65-F5344CB8AC3E}">
-        <p14:creationId xmlns:p14="http://schemas.microsoft.com/office/powerpoint/2010/main" val="2750214098"/>
-      </p:ext>
-    </p:extLst>
   </p:cSld>
   <p:clrMapOvr>
     <a:masterClrMapping/>
@@ -1526,7 +1446,6 @@
         </p:nvSpPr>
         <p:spPr>
           <a:noFill/>
-          <a:ln/>
           <a:extLst>
             <a:ext uri="{909E8E84-426E-40DD-AFC4-6F175D3DCCD1}">
               <a14:hiddenFill xmlns:a14="http://schemas.microsoft.com/office/drawing/2010/main">
@@ -1556,7 +1475,7 @@
                   <a:srgbClr val="990000"/>
                 </a:solidFill>
                 <a:latin typeface="FrutigerNext LT Medium" pitchFamily="34" charset="0"/>
-                <a:ea typeface="黑体" panose="02010609060101010101" pitchFamily="49" charset="-122"/>
+                <a:ea typeface="黑体" panose="02010609060101010101" charset="-122"/>
               </a:defRPr>
             </a:lvl1pPr>
             <a:lvl2pPr marL="742950" indent="-285750" eaLnBrk="0" hangingPunct="0">
@@ -1565,7 +1484,7 @@
                   <a:srgbClr val="990000"/>
                 </a:solidFill>
                 <a:latin typeface="FrutigerNext LT Medium" pitchFamily="34" charset="0"/>
-                <a:ea typeface="黑体" panose="02010609060101010101" pitchFamily="49" charset="-122"/>
+                <a:ea typeface="黑体" panose="02010609060101010101" charset="-122"/>
               </a:defRPr>
             </a:lvl2pPr>
             <a:lvl3pPr marL="1143000" indent="-228600" eaLnBrk="0" hangingPunct="0">
@@ -1574,7 +1493,7 @@
                   <a:srgbClr val="990000"/>
                 </a:solidFill>
                 <a:latin typeface="FrutigerNext LT Medium" pitchFamily="34" charset="0"/>
-                <a:ea typeface="黑体" panose="02010609060101010101" pitchFamily="49" charset="-122"/>
+                <a:ea typeface="黑体" panose="02010609060101010101" charset="-122"/>
               </a:defRPr>
             </a:lvl3pPr>
             <a:lvl4pPr marL="1600200" indent="-228600" eaLnBrk="0" hangingPunct="0">
@@ -1583,7 +1502,7 @@
                   <a:srgbClr val="990000"/>
                 </a:solidFill>
                 <a:latin typeface="FrutigerNext LT Medium" pitchFamily="34" charset="0"/>
-                <a:ea typeface="黑体" panose="02010609060101010101" pitchFamily="49" charset="-122"/>
+                <a:ea typeface="黑体" panose="02010609060101010101" charset="-122"/>
               </a:defRPr>
             </a:lvl4pPr>
             <a:lvl5pPr marL="2057400" indent="-228600" eaLnBrk="0" hangingPunct="0">
@@ -1592,7 +1511,7 @@
                   <a:srgbClr val="990000"/>
                 </a:solidFill>
                 <a:latin typeface="FrutigerNext LT Medium" pitchFamily="34" charset="0"/>
-                <a:ea typeface="黑体" panose="02010609060101010101" pitchFamily="49" charset="-122"/>
+                <a:ea typeface="黑体" panose="02010609060101010101" charset="-122"/>
               </a:defRPr>
             </a:lvl5pPr>
             <a:lvl6pPr marL="2514600" indent="-228600" algn="ctr" eaLnBrk="0" fontAlgn="base" hangingPunct="0">
@@ -1607,7 +1526,7 @@
                   <a:srgbClr val="990000"/>
                 </a:solidFill>
                 <a:latin typeface="FrutigerNext LT Medium" pitchFamily="34" charset="0"/>
-                <a:ea typeface="黑体" panose="02010609060101010101" pitchFamily="49" charset="-122"/>
+                <a:ea typeface="黑体" panose="02010609060101010101" charset="-122"/>
               </a:defRPr>
             </a:lvl6pPr>
             <a:lvl7pPr marL="2971800" indent="-228600" algn="ctr" eaLnBrk="0" fontAlgn="base" hangingPunct="0">
@@ -1622,7 +1541,7 @@
                   <a:srgbClr val="990000"/>
                 </a:solidFill>
                 <a:latin typeface="FrutigerNext LT Medium" pitchFamily="34" charset="0"/>
-                <a:ea typeface="黑体" panose="02010609060101010101" pitchFamily="49" charset="-122"/>
+                <a:ea typeface="黑体" panose="02010609060101010101" charset="-122"/>
               </a:defRPr>
             </a:lvl7pPr>
             <a:lvl8pPr marL="3429000" indent="-228600" algn="ctr" eaLnBrk="0" fontAlgn="base" hangingPunct="0">
@@ -1637,7 +1556,7 @@
                   <a:srgbClr val="990000"/>
                 </a:solidFill>
                 <a:latin typeface="FrutigerNext LT Medium" pitchFamily="34" charset="0"/>
-                <a:ea typeface="黑体" panose="02010609060101010101" pitchFamily="49" charset="-122"/>
+                <a:ea typeface="黑体" panose="02010609060101010101" charset="-122"/>
               </a:defRPr>
             </a:lvl8pPr>
             <a:lvl9pPr marL="3886200" indent="-228600" algn="ctr" eaLnBrk="0" fontAlgn="base" hangingPunct="0">
@@ -1652,7 +1571,7 @@
                   <a:srgbClr val="990000"/>
                 </a:solidFill>
                 <a:latin typeface="FrutigerNext LT Medium" pitchFamily="34" charset="0"/>
-                <a:ea typeface="黑体" panose="02010609060101010101" pitchFamily="49" charset="-122"/>
+                <a:ea typeface="黑体" panose="02010609060101010101" charset="-122"/>
               </a:defRPr>
             </a:lvl9pPr>
           </a:lstStyle>
@@ -1665,8 +1584,6 @@
                 <a:latin typeface="Arial" panose="020B0604020202020204" pitchFamily="34" charset="0"/>
                 <a:ea typeface="MS PGothic" panose="020B0600070205080204" pitchFamily="34" charset="-128"/>
               </a:rPr>
-              <a:pPr/>
-              <a:t>21</a:t>
             </a:fld>
             <a:endParaRPr lang="en-US" altLang="zh-CN" sz="1200">
               <a:solidFill>
@@ -1693,7 +1610,6 @@
             <a:off x="90488" y="744538"/>
             <a:ext cx="6616700" cy="3722687"/>
           </a:xfrm>
-          <a:ln/>
         </p:spPr>
       </p:sp>
       <p:sp>
@@ -1712,7 +1628,6 @@
             <a:ext cx="5438775" cy="4467225"/>
           </a:xfrm>
           <a:noFill/>
-          <a:ln/>
           <a:extLst>
             <a:ext uri="{909E8E84-426E-40DD-AFC4-6F175D3DCCD1}">
               <a14:hiddenFill xmlns:a14="http://schemas.microsoft.com/office/drawing/2010/main">
@@ -1743,11 +1658,6 @@
         </p:txBody>
       </p:sp>
     </p:spTree>
-    <p:extLst>
-      <p:ext uri="{BB962C8B-B14F-4D97-AF65-F5344CB8AC3E}">
-        <p14:creationId xmlns:p14="http://schemas.microsoft.com/office/powerpoint/2010/main" val="1550228545"/>
-      </p:ext>
-    </p:extLst>
   </p:cSld>
   <p:clrMapOvr>
     <a:masterClrMapping/>
@@ -1784,7 +1694,6 @@
         </p:nvSpPr>
         <p:spPr>
           <a:noFill/>
-          <a:ln/>
           <a:extLst>
             <a:ext uri="{909E8E84-426E-40DD-AFC4-6F175D3DCCD1}">
               <a14:hiddenFill xmlns:a14="http://schemas.microsoft.com/office/drawing/2010/main">
@@ -1814,7 +1723,7 @@
                   <a:srgbClr val="990000"/>
                 </a:solidFill>
                 <a:latin typeface="FrutigerNext LT Medium" pitchFamily="34" charset="0"/>
-                <a:ea typeface="黑体" panose="02010609060101010101" pitchFamily="49" charset="-122"/>
+                <a:ea typeface="黑体" panose="02010609060101010101" charset="-122"/>
               </a:defRPr>
             </a:lvl1pPr>
             <a:lvl2pPr marL="742950" indent="-285750" eaLnBrk="0" hangingPunct="0">
@@ -1823,7 +1732,7 @@
                   <a:srgbClr val="990000"/>
                 </a:solidFill>
                 <a:latin typeface="FrutigerNext LT Medium" pitchFamily="34" charset="0"/>
-                <a:ea typeface="黑体" panose="02010609060101010101" pitchFamily="49" charset="-122"/>
+                <a:ea typeface="黑体" panose="02010609060101010101" charset="-122"/>
               </a:defRPr>
             </a:lvl2pPr>
             <a:lvl3pPr marL="1143000" indent="-228600" eaLnBrk="0" hangingPunct="0">
@@ -1832,7 +1741,7 @@
                   <a:srgbClr val="990000"/>
                 </a:solidFill>
                 <a:latin typeface="FrutigerNext LT Medium" pitchFamily="34" charset="0"/>
-                <a:ea typeface="黑体" panose="02010609060101010101" pitchFamily="49" charset="-122"/>
+                <a:ea typeface="黑体" panose="02010609060101010101" charset="-122"/>
               </a:defRPr>
             </a:lvl3pPr>
             <a:lvl4pPr marL="1600200" indent="-228600" eaLnBrk="0" hangingPunct="0">
@@ -1841,7 +1750,7 @@
                   <a:srgbClr val="990000"/>
                 </a:solidFill>
                 <a:latin typeface="FrutigerNext LT Medium" pitchFamily="34" charset="0"/>
-                <a:ea typeface="黑体" panose="02010609060101010101" pitchFamily="49" charset="-122"/>
+                <a:ea typeface="黑体" panose="02010609060101010101" charset="-122"/>
               </a:defRPr>
             </a:lvl4pPr>
             <a:lvl5pPr marL="2057400" indent="-228600" eaLnBrk="0" hangingPunct="0">
@@ -1850,7 +1759,7 @@
                   <a:srgbClr val="990000"/>
                 </a:solidFill>
                 <a:latin typeface="FrutigerNext LT Medium" pitchFamily="34" charset="0"/>
-                <a:ea typeface="黑体" panose="02010609060101010101" pitchFamily="49" charset="-122"/>
+                <a:ea typeface="黑体" panose="02010609060101010101" charset="-122"/>
               </a:defRPr>
             </a:lvl5pPr>
             <a:lvl6pPr marL="2514600" indent="-228600" algn="ctr" eaLnBrk="0" fontAlgn="base" hangingPunct="0">
@@ -1865,7 +1774,7 @@
                   <a:srgbClr val="990000"/>
                 </a:solidFill>
                 <a:latin typeface="FrutigerNext LT Medium" pitchFamily="34" charset="0"/>
-                <a:ea typeface="黑体" panose="02010609060101010101" pitchFamily="49" charset="-122"/>
+                <a:ea typeface="黑体" panose="02010609060101010101" charset="-122"/>
               </a:defRPr>
             </a:lvl6pPr>
             <a:lvl7pPr marL="2971800" indent="-228600" algn="ctr" eaLnBrk="0" fontAlgn="base" hangingPunct="0">
@@ -1880,7 +1789,7 @@
                   <a:srgbClr val="990000"/>
                 </a:solidFill>
                 <a:latin typeface="FrutigerNext LT Medium" pitchFamily="34" charset="0"/>
-                <a:ea typeface="黑体" panose="02010609060101010101" pitchFamily="49" charset="-122"/>
+                <a:ea typeface="黑体" panose="02010609060101010101" charset="-122"/>
               </a:defRPr>
             </a:lvl7pPr>
             <a:lvl8pPr marL="3429000" indent="-228600" algn="ctr" eaLnBrk="0" fontAlgn="base" hangingPunct="0">
@@ -1895,7 +1804,7 @@
                   <a:srgbClr val="990000"/>
                 </a:solidFill>
                 <a:latin typeface="FrutigerNext LT Medium" pitchFamily="34" charset="0"/>
-                <a:ea typeface="黑体" panose="02010609060101010101" pitchFamily="49" charset="-122"/>
+                <a:ea typeface="黑体" panose="02010609060101010101" charset="-122"/>
               </a:defRPr>
             </a:lvl8pPr>
             <a:lvl9pPr marL="3886200" indent="-228600" algn="ctr" eaLnBrk="0" fontAlgn="base" hangingPunct="0">
@@ -1910,7 +1819,7 @@
                   <a:srgbClr val="990000"/>
                 </a:solidFill>
                 <a:latin typeface="FrutigerNext LT Medium" pitchFamily="34" charset="0"/>
-                <a:ea typeface="黑体" panose="02010609060101010101" pitchFamily="49" charset="-122"/>
+                <a:ea typeface="黑体" panose="02010609060101010101" charset="-122"/>
               </a:defRPr>
             </a:lvl9pPr>
           </a:lstStyle>
@@ -1923,8 +1832,6 @@
                 <a:latin typeface="Arial" panose="020B0604020202020204" pitchFamily="34" charset="0"/>
                 <a:ea typeface="MS PGothic" panose="020B0600070205080204" pitchFamily="34" charset="-128"/>
               </a:rPr>
-              <a:pPr/>
-              <a:t>22</a:t>
             </a:fld>
             <a:endParaRPr lang="en-US" altLang="zh-CN" sz="1200">
               <a:solidFill>
@@ -1951,7 +1858,6 @@
             <a:off x="90488" y="744538"/>
             <a:ext cx="6616700" cy="3722687"/>
           </a:xfrm>
-          <a:ln/>
         </p:spPr>
       </p:sp>
       <p:sp>
@@ -1970,7 +1876,6 @@
             <a:ext cx="5438775" cy="4467225"/>
           </a:xfrm>
           <a:noFill/>
-          <a:ln/>
           <a:extLst>
             <a:ext uri="{909E8E84-426E-40DD-AFC4-6F175D3DCCD1}">
               <a14:hiddenFill xmlns:a14="http://schemas.microsoft.com/office/drawing/2010/main">
@@ -2001,11 +1906,6 @@
         </p:txBody>
       </p:sp>
     </p:spTree>
-    <p:extLst>
-      <p:ext uri="{BB962C8B-B14F-4D97-AF65-F5344CB8AC3E}">
-        <p14:creationId xmlns:p14="http://schemas.microsoft.com/office/powerpoint/2010/main" val="2231684292"/>
-      </p:ext>
-    </p:extLst>
   </p:cSld>
   <p:clrMapOvr>
     <a:masterClrMapping/>
@@ -2102,18 +2002,12 @@
           <a:p>
             <a:fld id="{2954993C-2851-4B37-8A50-837DDC8B7B44}" type="slidenum">
               <a:rPr lang="zh-CN" altLang="en-US" smtClean="0"/>
-              <a:t>23</a:t>
             </a:fld>
             <a:endParaRPr lang="zh-CN" altLang="en-US"/>
           </a:p>
         </p:txBody>
       </p:sp>
     </p:spTree>
-    <p:extLst>
-      <p:ext uri="{BB962C8B-B14F-4D97-AF65-F5344CB8AC3E}">
-        <p14:creationId xmlns:p14="http://schemas.microsoft.com/office/powerpoint/2010/main" val="2146646708"/>
-      </p:ext>
-    </p:extLst>
   </p:cSld>
   <p:clrMapOvr>
     <a:masterClrMapping/>
@@ -2186,18 +2080,108 @@
           <a:p>
             <a:fld id="{2954993C-2851-4B37-8A50-837DDC8B7B44}" type="slidenum">
               <a:rPr lang="zh-CN" altLang="en-US" smtClean="0"/>
-              <a:t>24</a:t>
             </a:fld>
             <a:endParaRPr lang="zh-CN" altLang="en-US"/>
           </a:p>
         </p:txBody>
       </p:sp>
     </p:spTree>
-    <p:extLst>
-      <p:ext uri="{BB962C8B-B14F-4D97-AF65-F5344CB8AC3E}">
-        <p14:creationId xmlns:p14="http://schemas.microsoft.com/office/powerpoint/2010/main" val="3369534664"/>
-      </p:ext>
-    </p:extLst>
+  </p:cSld>
+  <p:clrMapOvr>
+    <a:masterClrMapping/>
+  </p:clrMapOvr>
+</p:notes>
+</file>
+
+<file path=ppt/notesSlides/notesSlide17.xml><?xml version="1.0" encoding="utf-8"?>
+<p:notes xmlns:a="http://schemas.openxmlformats.org/drawingml/2006/main" xmlns:r="http://schemas.openxmlformats.org/officeDocument/2006/relationships" xmlns:p="http://schemas.openxmlformats.org/presentationml/2006/main">
+  <p:cSld>
+    <p:spTree>
+      <p:nvGrpSpPr>
+        <p:cNvPr id="1" name=""/>
+        <p:cNvGrpSpPr/>
+        <p:nvPr/>
+      </p:nvGrpSpPr>
+      <p:grpSpPr>
+        <a:xfrm>
+          <a:off x="0" y="0"/>
+          <a:ext cx="0" cy="0"/>
+          <a:chOff x="0" y="0"/>
+          <a:chExt cx="0" cy="0"/>
+        </a:xfrm>
+      </p:grpSpPr>
+      <p:sp>
+        <p:nvSpPr>
+          <p:cNvPr id="2" name="幻灯片图像占位符 1"/>
+          <p:cNvSpPr>
+            <a:spLocks noGrp="1" noRot="1" noChangeAspect="1"/>
+          </p:cNvSpPr>
+          <p:nvPr>
+            <p:ph type="sldImg"/>
+          </p:nvPr>
+        </p:nvSpPr>
+        <p:spPr/>
+      </p:sp>
+      <p:sp>
+        <p:nvSpPr>
+          <p:cNvPr id="3" name="备注占位符 2"/>
+          <p:cNvSpPr>
+            <a:spLocks noGrp="1"/>
+          </p:cNvSpPr>
+          <p:nvPr>
+            <p:ph type="body" idx="1"/>
+          </p:nvPr>
+        </p:nvSpPr>
+        <p:spPr/>
+        <p:txBody>
+          <a:bodyPr/>
+          <a:lstStyle/>
+          <a:p>
+            <a:r>
+              <a:rPr lang="zh-CN" altLang="en-US" dirty="0" smtClean="0"/>
+              <a:t>问用户想要什么不靠谱，而让用户作为团队的一员则效果会好很多。采用用户故事研讨会、绘制故事地图是两种比较有效的方法。</a:t>
+            </a:r>
+            <a:endParaRPr lang="zh-CN" altLang="en-US" dirty="0" smtClean="0"/>
+          </a:p>
+          <a:p>
+            <a:r>
+              <a:rPr lang="zh-CN" altLang="en-US" dirty="0" smtClean="0"/>
+              <a:t>用户故事研讨会：可以集中进行头脑风暴，讨论预期的业务价值，并为目标产品和服务创建用户故事占位符。</a:t>
+            </a:r>
+            <a:endParaRPr lang="zh-CN" altLang="en-US" dirty="0" smtClean="0"/>
+          </a:p>
+          <a:p>
+            <a:r>
+              <a:rPr lang="zh-CN" altLang="en-US" dirty="0" smtClean="0"/>
+              <a:t>绘制故事地图：将概要性用户活动分解为工作流，工作流还可以继续分解为一套明确的任务。如下图所示，横轴为工作流（使用顺序）纵轴为优先顺序。它结合了用户为中心和故事分解这两大概念。</a:t>
+            </a:r>
+            <a:endParaRPr lang="zh-CN" altLang="en-US" dirty="0" smtClean="0"/>
+          </a:p>
+        </p:txBody>
+      </p:sp>
+      <p:sp>
+        <p:nvSpPr>
+          <p:cNvPr id="4" name="灯片编号占位符 3"/>
+          <p:cNvSpPr>
+            <a:spLocks noGrp="1"/>
+          </p:cNvSpPr>
+          <p:nvPr>
+            <p:ph type="sldNum" sz="quarter" idx="10"/>
+          </p:nvPr>
+        </p:nvSpPr>
+        <p:spPr/>
+        <p:txBody>
+          <a:bodyPr/>
+          <a:lstStyle/>
+          <a:p>
+            <a:fld id="{2954993C-2851-4B37-8A50-837DDC8B7B44}" type="slidenum">
+              <a:rPr lang="zh-CN" altLang="en-US" smtClean="0"/>
+            </a:fld>
+            <a:endParaRPr lang="zh-CN" altLang="en-US"/>
+          </a:p>
+        </p:txBody>
+      </p:sp>
+    </p:spTree>
   </p:cSld>
   <p:clrMapOvr>
     <a:masterClrMapping/>
@@ -2234,7 +2218,6 @@
         </p:nvSpPr>
         <p:spPr>
           <a:noFill/>
-          <a:ln/>
           <a:extLst>
             <a:ext uri="{909E8E84-426E-40DD-AFC4-6F175D3DCCD1}">
               <a14:hiddenFill xmlns:a14="http://schemas.microsoft.com/office/drawing/2010/main">
@@ -2264,7 +2247,7 @@
                   <a:srgbClr val="990000"/>
                 </a:solidFill>
                 <a:latin typeface="FrutigerNext LT Medium" pitchFamily="34" charset="0"/>
-                <a:ea typeface="黑体" panose="02010609060101010101" pitchFamily="49" charset="-122"/>
+                <a:ea typeface="黑体" panose="02010609060101010101" charset="-122"/>
               </a:defRPr>
             </a:lvl1pPr>
             <a:lvl2pPr marL="742950" indent="-285750" eaLnBrk="0" hangingPunct="0">
@@ -2273,7 +2256,7 @@
                   <a:srgbClr val="990000"/>
                 </a:solidFill>
                 <a:latin typeface="FrutigerNext LT Medium" pitchFamily="34" charset="0"/>
-                <a:ea typeface="黑体" panose="02010609060101010101" pitchFamily="49" charset="-122"/>
+                <a:ea typeface="黑体" panose="02010609060101010101" charset="-122"/>
               </a:defRPr>
             </a:lvl2pPr>
             <a:lvl3pPr marL="1143000" indent="-228600" eaLnBrk="0" hangingPunct="0">
@@ -2282,7 +2265,7 @@
                   <a:srgbClr val="990000"/>
                 </a:solidFill>
                 <a:latin typeface="FrutigerNext LT Medium" pitchFamily="34" charset="0"/>
-                <a:ea typeface="黑体" panose="02010609060101010101" pitchFamily="49" charset="-122"/>
+                <a:ea typeface="黑体" panose="02010609060101010101" charset="-122"/>
               </a:defRPr>
             </a:lvl3pPr>
             <a:lvl4pPr marL="1600200" indent="-228600" eaLnBrk="0" hangingPunct="0">
@@ -2291,7 +2274,7 @@
                   <a:srgbClr val="990000"/>
                 </a:solidFill>
                 <a:latin typeface="FrutigerNext LT Medium" pitchFamily="34" charset="0"/>
-                <a:ea typeface="黑体" panose="02010609060101010101" pitchFamily="49" charset="-122"/>
+                <a:ea typeface="黑体" panose="02010609060101010101" charset="-122"/>
               </a:defRPr>
             </a:lvl4pPr>
             <a:lvl5pPr marL="2057400" indent="-228600" eaLnBrk="0" hangingPunct="0">
@@ -2300,7 +2283,7 @@
                   <a:srgbClr val="990000"/>
                 </a:solidFill>
                 <a:latin typeface="FrutigerNext LT Medium" pitchFamily="34" charset="0"/>
-                <a:ea typeface="黑体" panose="02010609060101010101" pitchFamily="49" charset="-122"/>
+                <a:ea typeface="黑体" panose="02010609060101010101" charset="-122"/>
               </a:defRPr>
             </a:lvl5pPr>
             <a:lvl6pPr marL="2514600" indent="-228600" algn="ctr" eaLnBrk="0" fontAlgn="base" hangingPunct="0">
@@ -2315,7 +2298,7 @@
                   <a:srgbClr val="990000"/>
                 </a:solidFill>
                 <a:latin typeface="FrutigerNext LT Medium" pitchFamily="34" charset="0"/>
-                <a:ea typeface="黑体" panose="02010609060101010101" pitchFamily="49" charset="-122"/>
+                <a:ea typeface="黑体" panose="02010609060101010101" charset="-122"/>
               </a:defRPr>
             </a:lvl6pPr>
             <a:lvl7pPr marL="2971800" indent="-228600" algn="ctr" eaLnBrk="0" fontAlgn="base" hangingPunct="0">
@@ -2330,7 +2313,7 @@
                   <a:srgbClr val="990000"/>
                 </a:solidFill>
                 <a:latin typeface="FrutigerNext LT Medium" pitchFamily="34" charset="0"/>
-                <a:ea typeface="黑体" panose="02010609060101010101" pitchFamily="49" charset="-122"/>
+                <a:ea typeface="黑体" panose="02010609060101010101" charset="-122"/>
               </a:defRPr>
             </a:lvl7pPr>
             <a:lvl8pPr marL="3429000" indent="-228600" algn="ctr" eaLnBrk="0" fontAlgn="base" hangingPunct="0">
@@ -2345,7 +2328,7 @@
                   <a:srgbClr val="990000"/>
                 </a:solidFill>
                 <a:latin typeface="FrutigerNext LT Medium" pitchFamily="34" charset="0"/>
-                <a:ea typeface="黑体" panose="02010609060101010101" pitchFamily="49" charset="-122"/>
+                <a:ea typeface="黑体" panose="02010609060101010101" charset="-122"/>
               </a:defRPr>
             </a:lvl8pPr>
             <a:lvl9pPr marL="3886200" indent="-228600" algn="ctr" eaLnBrk="0" fontAlgn="base" hangingPunct="0">
@@ -2360,7 +2343,7 @@
                   <a:srgbClr val="990000"/>
                 </a:solidFill>
                 <a:latin typeface="FrutigerNext LT Medium" pitchFamily="34" charset="0"/>
-                <a:ea typeface="黑体" panose="02010609060101010101" pitchFamily="49" charset="-122"/>
+                <a:ea typeface="黑体" panose="02010609060101010101" charset="-122"/>
               </a:defRPr>
             </a:lvl9pPr>
           </a:lstStyle>
@@ -2373,8 +2356,6 @@
                 <a:latin typeface="Arial" panose="020B0604020202020204" pitchFamily="34" charset="0"/>
                 <a:ea typeface="MS PGothic" panose="020B0600070205080204" pitchFamily="34" charset="-128"/>
               </a:rPr>
-              <a:pPr/>
-              <a:t>4</a:t>
             </a:fld>
             <a:endParaRPr lang="en-US" altLang="zh-CN" sz="1200">
               <a:solidFill>
@@ -2401,7 +2382,6 @@
             <a:off x="90488" y="744538"/>
             <a:ext cx="6616700" cy="3722687"/>
           </a:xfrm>
-          <a:ln/>
         </p:spPr>
       </p:sp>
       <p:sp>
@@ -2420,7 +2400,6 @@
             <a:ext cx="5438775" cy="4467225"/>
           </a:xfrm>
           <a:noFill/>
-          <a:ln/>
           <a:extLst>
             <a:ext uri="{909E8E84-426E-40DD-AFC4-6F175D3DCCD1}">
               <a14:hiddenFill xmlns:a14="http://schemas.microsoft.com/office/drawing/2010/main">
@@ -2458,10 +2437,6 @@
               </a:rPr>
               <a:t>因此，一个好的用户故事就包括了这三个要素：</a:t>
             </a:r>
-            <a:r>
-              <a:rPr lang="zh-CN" altLang="en-US" dirty="0" smtClean="0"/>
-              <a:t/>
-            </a:r>
             <a:br>
               <a:rPr lang="zh-CN" altLang="en-US" dirty="0" smtClean="0"/>
             </a:br>
@@ -2489,10 +2464,6 @@
               </a:rPr>
               <a:t>角色：使用者。</a:t>
             </a:r>
-            <a:r>
-              <a:rPr lang="zh-CN" altLang="en-US" dirty="0" smtClean="0"/>
-              <a:t/>
-            </a:r>
             <a:br>
               <a:rPr lang="zh-CN" altLang="en-US" dirty="0" smtClean="0"/>
             </a:br>
@@ -2520,10 +2491,6 @@
               </a:rPr>
               <a:t>功能：需要完成什么样的功能。</a:t>
             </a:r>
-            <a:r>
-              <a:rPr lang="zh-CN" altLang="en-US" dirty="0" smtClean="0"/>
-              <a:t/>
-            </a:r>
             <a:br>
               <a:rPr lang="zh-CN" altLang="en-US" dirty="0" smtClean="0"/>
             </a:br>
@@ -2556,11 +2523,6 @@
         </p:txBody>
       </p:sp>
     </p:spTree>
-    <p:extLst>
-      <p:ext uri="{BB962C8B-B14F-4D97-AF65-F5344CB8AC3E}">
-        <p14:creationId xmlns:p14="http://schemas.microsoft.com/office/powerpoint/2010/main" val="3930047980"/>
-      </p:ext>
-    </p:extLst>
   </p:cSld>
   <p:clrMapOvr>
     <a:masterClrMapping/>
@@ -2597,7 +2559,6 @@
         </p:nvSpPr>
         <p:spPr>
           <a:noFill/>
-          <a:ln/>
           <a:extLst>
             <a:ext uri="{909E8E84-426E-40DD-AFC4-6F175D3DCCD1}">
               <a14:hiddenFill xmlns:a14="http://schemas.microsoft.com/office/drawing/2010/main">
@@ -2627,7 +2588,7 @@
                   <a:srgbClr val="990000"/>
                 </a:solidFill>
                 <a:latin typeface="FrutigerNext LT Medium" pitchFamily="34" charset="0"/>
-                <a:ea typeface="黑体" panose="02010609060101010101" pitchFamily="49" charset="-122"/>
+                <a:ea typeface="黑体" panose="02010609060101010101" charset="-122"/>
               </a:defRPr>
             </a:lvl1pPr>
             <a:lvl2pPr marL="742950" indent="-285750" eaLnBrk="0" hangingPunct="0">
@@ -2636,7 +2597,7 @@
                   <a:srgbClr val="990000"/>
                 </a:solidFill>
                 <a:latin typeface="FrutigerNext LT Medium" pitchFamily="34" charset="0"/>
-                <a:ea typeface="黑体" panose="02010609060101010101" pitchFamily="49" charset="-122"/>
+                <a:ea typeface="黑体" panose="02010609060101010101" charset="-122"/>
               </a:defRPr>
             </a:lvl2pPr>
             <a:lvl3pPr marL="1143000" indent="-228600" eaLnBrk="0" hangingPunct="0">
@@ -2645,7 +2606,7 @@
                   <a:srgbClr val="990000"/>
                 </a:solidFill>
                 <a:latin typeface="FrutigerNext LT Medium" pitchFamily="34" charset="0"/>
-                <a:ea typeface="黑体" panose="02010609060101010101" pitchFamily="49" charset="-122"/>
+                <a:ea typeface="黑体" panose="02010609060101010101" charset="-122"/>
               </a:defRPr>
             </a:lvl3pPr>
             <a:lvl4pPr marL="1600200" indent="-228600" eaLnBrk="0" hangingPunct="0">
@@ -2654,7 +2615,7 @@
                   <a:srgbClr val="990000"/>
                 </a:solidFill>
                 <a:latin typeface="FrutigerNext LT Medium" pitchFamily="34" charset="0"/>
-                <a:ea typeface="黑体" panose="02010609060101010101" pitchFamily="49" charset="-122"/>
+                <a:ea typeface="黑体" panose="02010609060101010101" charset="-122"/>
               </a:defRPr>
             </a:lvl4pPr>
             <a:lvl5pPr marL="2057400" indent="-228600" eaLnBrk="0" hangingPunct="0">
@@ -2663,7 +2624,7 @@
                   <a:srgbClr val="990000"/>
                 </a:solidFill>
                 <a:latin typeface="FrutigerNext LT Medium" pitchFamily="34" charset="0"/>
-                <a:ea typeface="黑体" panose="02010609060101010101" pitchFamily="49" charset="-122"/>
+                <a:ea typeface="黑体" panose="02010609060101010101" charset="-122"/>
               </a:defRPr>
             </a:lvl5pPr>
             <a:lvl6pPr marL="2514600" indent="-228600" algn="ctr" eaLnBrk="0" fontAlgn="base" hangingPunct="0">
@@ -2678,7 +2639,7 @@
                   <a:srgbClr val="990000"/>
                 </a:solidFill>
                 <a:latin typeface="FrutigerNext LT Medium" pitchFamily="34" charset="0"/>
-                <a:ea typeface="黑体" panose="02010609060101010101" pitchFamily="49" charset="-122"/>
+                <a:ea typeface="黑体" panose="02010609060101010101" charset="-122"/>
               </a:defRPr>
             </a:lvl6pPr>
             <a:lvl7pPr marL="2971800" indent="-228600" algn="ctr" eaLnBrk="0" fontAlgn="base" hangingPunct="0">
@@ -2693,7 +2654,7 @@
                   <a:srgbClr val="990000"/>
                 </a:solidFill>
                 <a:latin typeface="FrutigerNext LT Medium" pitchFamily="34" charset="0"/>
-                <a:ea typeface="黑体" panose="02010609060101010101" pitchFamily="49" charset="-122"/>
+                <a:ea typeface="黑体" panose="02010609060101010101" charset="-122"/>
               </a:defRPr>
             </a:lvl7pPr>
             <a:lvl8pPr marL="3429000" indent="-228600" algn="ctr" eaLnBrk="0" fontAlgn="base" hangingPunct="0">
@@ -2708,7 +2669,7 @@
                   <a:srgbClr val="990000"/>
                 </a:solidFill>
                 <a:latin typeface="FrutigerNext LT Medium" pitchFamily="34" charset="0"/>
-                <a:ea typeface="黑体" panose="02010609060101010101" pitchFamily="49" charset="-122"/>
+                <a:ea typeface="黑体" panose="02010609060101010101" charset="-122"/>
               </a:defRPr>
             </a:lvl8pPr>
             <a:lvl9pPr marL="3886200" indent="-228600" algn="ctr" eaLnBrk="0" fontAlgn="base" hangingPunct="0">
@@ -2723,7 +2684,7 @@
                   <a:srgbClr val="990000"/>
                 </a:solidFill>
                 <a:latin typeface="FrutigerNext LT Medium" pitchFamily="34" charset="0"/>
-                <a:ea typeface="黑体" panose="02010609060101010101" pitchFamily="49" charset="-122"/>
+                <a:ea typeface="黑体" panose="02010609060101010101" charset="-122"/>
               </a:defRPr>
             </a:lvl9pPr>
           </a:lstStyle>
@@ -2736,8 +2697,6 @@
                 <a:latin typeface="Arial" panose="020B0604020202020204" pitchFamily="34" charset="0"/>
                 <a:ea typeface="MS PGothic" panose="020B0600070205080204" pitchFamily="34" charset="-128"/>
               </a:rPr>
-              <a:pPr/>
-              <a:t>5</a:t>
             </a:fld>
             <a:endParaRPr lang="en-US" altLang="zh-CN" sz="1200">
               <a:solidFill>
@@ -2764,7 +2723,6 @@
             <a:off x="90488" y="744538"/>
             <a:ext cx="6616700" cy="3722687"/>
           </a:xfrm>
-          <a:ln/>
         </p:spPr>
       </p:sp>
       <p:sp>
@@ -2783,7 +2741,6 @@
             <a:ext cx="5438775" cy="4467225"/>
           </a:xfrm>
           <a:noFill/>
-          <a:ln/>
           <a:extLst>
             <a:ext uri="{909E8E84-426E-40DD-AFC4-6F175D3DCCD1}">
               <a14:hiddenFill xmlns:a14="http://schemas.microsoft.com/office/drawing/2010/main">
@@ -2814,11 +2771,6 @@
         </p:txBody>
       </p:sp>
     </p:spTree>
-    <p:extLst>
-      <p:ext uri="{BB962C8B-B14F-4D97-AF65-F5344CB8AC3E}">
-        <p14:creationId xmlns:p14="http://schemas.microsoft.com/office/powerpoint/2010/main" val="710653186"/>
-      </p:ext>
-    </p:extLst>
   </p:cSld>
   <p:clrMapOvr>
     <a:masterClrMapping/>
@@ -2855,7 +2807,6 @@
         </p:nvSpPr>
         <p:spPr>
           <a:noFill/>
-          <a:ln/>
           <a:extLst>
             <a:ext uri="{909E8E84-426E-40DD-AFC4-6F175D3DCCD1}">
               <a14:hiddenFill xmlns:a14="http://schemas.microsoft.com/office/drawing/2010/main">
@@ -2885,7 +2836,7 @@
                   <a:srgbClr val="990000"/>
                 </a:solidFill>
                 <a:latin typeface="FrutigerNext LT Medium" pitchFamily="34" charset="0"/>
-                <a:ea typeface="黑体" panose="02010609060101010101" pitchFamily="49" charset="-122"/>
+                <a:ea typeface="黑体" panose="02010609060101010101" charset="-122"/>
               </a:defRPr>
             </a:lvl1pPr>
             <a:lvl2pPr marL="742950" indent="-285750" eaLnBrk="0" hangingPunct="0">
@@ -2894,7 +2845,7 @@
                   <a:srgbClr val="990000"/>
                 </a:solidFill>
                 <a:latin typeface="FrutigerNext LT Medium" pitchFamily="34" charset="0"/>
-                <a:ea typeface="黑体" panose="02010609060101010101" pitchFamily="49" charset="-122"/>
+                <a:ea typeface="黑体" panose="02010609060101010101" charset="-122"/>
               </a:defRPr>
             </a:lvl2pPr>
             <a:lvl3pPr marL="1143000" indent="-228600" eaLnBrk="0" hangingPunct="0">
@@ -2903,7 +2854,7 @@
                   <a:srgbClr val="990000"/>
                 </a:solidFill>
                 <a:latin typeface="FrutigerNext LT Medium" pitchFamily="34" charset="0"/>
-                <a:ea typeface="黑体" panose="02010609060101010101" pitchFamily="49" charset="-122"/>
+                <a:ea typeface="黑体" panose="02010609060101010101" charset="-122"/>
               </a:defRPr>
             </a:lvl3pPr>
             <a:lvl4pPr marL="1600200" indent="-228600" eaLnBrk="0" hangingPunct="0">
@@ -2912,7 +2863,7 @@
                   <a:srgbClr val="990000"/>
                 </a:solidFill>
                 <a:latin typeface="FrutigerNext LT Medium" pitchFamily="34" charset="0"/>
-                <a:ea typeface="黑体" panose="02010609060101010101" pitchFamily="49" charset="-122"/>
+                <a:ea typeface="黑体" panose="02010609060101010101" charset="-122"/>
               </a:defRPr>
             </a:lvl4pPr>
             <a:lvl5pPr marL="2057400" indent="-228600" eaLnBrk="0" hangingPunct="0">
@@ -2921,7 +2872,7 @@
                   <a:srgbClr val="990000"/>
                 </a:solidFill>
                 <a:latin typeface="FrutigerNext LT Medium" pitchFamily="34" charset="0"/>
-                <a:ea typeface="黑体" panose="02010609060101010101" pitchFamily="49" charset="-122"/>
+                <a:ea typeface="黑体" panose="02010609060101010101" charset="-122"/>
               </a:defRPr>
             </a:lvl5pPr>
             <a:lvl6pPr marL="2514600" indent="-228600" algn="ctr" eaLnBrk="0" fontAlgn="base" hangingPunct="0">
@@ -2936,7 +2887,7 @@
                   <a:srgbClr val="990000"/>
                 </a:solidFill>
                 <a:latin typeface="FrutigerNext LT Medium" pitchFamily="34" charset="0"/>
-                <a:ea typeface="黑体" panose="02010609060101010101" pitchFamily="49" charset="-122"/>
+                <a:ea typeface="黑体" panose="02010609060101010101" charset="-122"/>
               </a:defRPr>
             </a:lvl6pPr>
             <a:lvl7pPr marL="2971800" indent="-228600" algn="ctr" eaLnBrk="0" fontAlgn="base" hangingPunct="0">
@@ -2951,7 +2902,7 @@
                   <a:srgbClr val="990000"/>
                 </a:solidFill>
                 <a:latin typeface="FrutigerNext LT Medium" pitchFamily="34" charset="0"/>
-                <a:ea typeface="黑体" panose="02010609060101010101" pitchFamily="49" charset="-122"/>
+                <a:ea typeface="黑体" panose="02010609060101010101" charset="-122"/>
               </a:defRPr>
             </a:lvl7pPr>
             <a:lvl8pPr marL="3429000" indent="-228600" algn="ctr" eaLnBrk="0" fontAlgn="base" hangingPunct="0">
@@ -2966,7 +2917,7 @@
                   <a:srgbClr val="990000"/>
                 </a:solidFill>
                 <a:latin typeface="FrutigerNext LT Medium" pitchFamily="34" charset="0"/>
-                <a:ea typeface="黑体" panose="02010609060101010101" pitchFamily="49" charset="-122"/>
+                <a:ea typeface="黑体" panose="02010609060101010101" charset="-122"/>
               </a:defRPr>
             </a:lvl8pPr>
             <a:lvl9pPr marL="3886200" indent="-228600" algn="ctr" eaLnBrk="0" fontAlgn="base" hangingPunct="0">
@@ -2981,7 +2932,7 @@
                   <a:srgbClr val="990000"/>
                 </a:solidFill>
                 <a:latin typeface="FrutigerNext LT Medium" pitchFamily="34" charset="0"/>
-                <a:ea typeface="黑体" panose="02010609060101010101" pitchFamily="49" charset="-122"/>
+                <a:ea typeface="黑体" panose="02010609060101010101" charset="-122"/>
               </a:defRPr>
             </a:lvl9pPr>
           </a:lstStyle>
@@ -2994,8 +2945,6 @@
                 <a:latin typeface="Arial" panose="020B0604020202020204" pitchFamily="34" charset="0"/>
                 <a:ea typeface="MS PGothic" panose="020B0600070205080204" pitchFamily="34" charset="-128"/>
               </a:rPr>
-              <a:pPr/>
-              <a:t>6</a:t>
             </a:fld>
             <a:endParaRPr lang="en-US" altLang="zh-CN" sz="1200">
               <a:solidFill>
@@ -3022,7 +2971,6 @@
             <a:off x="90488" y="744538"/>
             <a:ext cx="6616700" cy="3722687"/>
           </a:xfrm>
-          <a:ln/>
         </p:spPr>
       </p:sp>
       <p:sp>
@@ -3041,7 +2989,6 @@
             <a:ext cx="5438775" cy="4467225"/>
           </a:xfrm>
           <a:noFill/>
-          <a:ln/>
           <a:extLst>
             <a:ext uri="{909E8E84-426E-40DD-AFC4-6F175D3DCCD1}">
               <a14:hiddenFill xmlns:a14="http://schemas.microsoft.com/office/drawing/2010/main">
@@ -3072,11 +3019,6 @@
         </p:txBody>
       </p:sp>
     </p:spTree>
-    <p:extLst>
-      <p:ext uri="{BB962C8B-B14F-4D97-AF65-F5344CB8AC3E}">
-        <p14:creationId xmlns:p14="http://schemas.microsoft.com/office/powerpoint/2010/main" val="1582978785"/>
-      </p:ext>
-    </p:extLst>
   </p:cSld>
   <p:clrMapOvr>
     <a:masterClrMapping/>
@@ -3164,6 +3106,15 @@
               </a:rPr>
               <a:t>第二层为星期级别，大于一个冲刺，也称为特性。第三层为天级别，冲刺就绪。</a:t>
             </a:r>
+            <a:endParaRPr lang="zh-CN" altLang="en-US" sz="1200" b="0" i="0" kern="1200" dirty="0" smtClean="0">
+              <a:solidFill>
+                <a:schemeClr val="tx1"/>
+              </a:solidFill>
+              <a:effectLst/>
+              <a:latin typeface="+mn-lt"/>
+              <a:ea typeface="+mn-ea"/>
+              <a:cs typeface="+mn-cs"/>
+            </a:endParaRPr>
           </a:p>
           <a:p>
             <a:r>
@@ -3178,6 +3129,15 @@
               </a:rPr>
               <a:t>底层为小时级别，是具体的任务（任务并不是故事，比如强调的是如何构建不少构建什么）。</a:t>
             </a:r>
+            <a:endParaRPr lang="zh-CN" altLang="en-US" sz="1200" b="0" i="0" kern="1200" dirty="0" smtClean="0">
+              <a:solidFill>
+                <a:schemeClr val="tx1"/>
+              </a:solidFill>
+              <a:effectLst/>
+              <a:latin typeface="+mn-lt"/>
+              <a:ea typeface="+mn-ea"/>
+              <a:cs typeface="+mn-cs"/>
+            </a:endParaRPr>
           </a:p>
           <a:p>
             <a:endParaRPr lang="zh-CN" altLang="en-US" dirty="0"/>
@@ -3201,18 +3161,12 @@
           <a:p>
             <a:fld id="{2954993C-2851-4B37-8A50-837DDC8B7B44}" type="slidenum">
               <a:rPr lang="zh-CN" altLang="en-US" smtClean="0"/>
-              <a:t>12</a:t>
             </a:fld>
             <a:endParaRPr lang="zh-CN" altLang="en-US"/>
           </a:p>
         </p:txBody>
       </p:sp>
     </p:spTree>
-    <p:extLst>
-      <p:ext uri="{BB962C8B-B14F-4D97-AF65-F5344CB8AC3E}">
-        <p14:creationId xmlns:p14="http://schemas.microsoft.com/office/powerpoint/2010/main" val="2137234889"/>
-      </p:ext>
-    </p:extLst>
   </p:cSld>
   <p:clrMapOvr>
     <a:masterClrMapping/>
@@ -3440,6 +3394,7 @@
               <a:rPr lang="zh-CN" altLang="en-US" dirty="0" smtClean="0"/>
               <a:t>可估算：指的是故事的故事的工作量和成本。如果团队无法衡量故事大小，原因不外乎两个：故事太大或太模糊；团队积累的知识不够。</a:t>
             </a:r>
+            <a:endParaRPr lang="zh-CN" altLang="en-US" dirty="0" smtClean="0"/>
           </a:p>
           <a:p>
             <a:r>
@@ -3518,18 +3473,12 @@
           <a:p>
             <a:fld id="{2954993C-2851-4B37-8A50-837DDC8B7B44}" type="slidenum">
               <a:rPr lang="zh-CN" altLang="en-US" smtClean="0"/>
-              <a:t>13</a:t>
             </a:fld>
             <a:endParaRPr lang="zh-CN" altLang="en-US"/>
           </a:p>
         </p:txBody>
       </p:sp>
     </p:spTree>
-    <p:extLst>
-      <p:ext uri="{BB962C8B-B14F-4D97-AF65-F5344CB8AC3E}">
-        <p14:creationId xmlns:p14="http://schemas.microsoft.com/office/powerpoint/2010/main" val="2966993746"/>
-      </p:ext>
-    </p:extLst>
   </p:cSld>
   <p:clrMapOvr>
     <a:masterClrMapping/>
@@ -3605,6 +3554,15 @@
               </a:rPr>
               <a:t>、非功能需求算不算故事？</a:t>
             </a:r>
+            <a:endParaRPr lang="zh-CN" altLang="en-US" sz="1200" b="0" i="0" kern="1200" dirty="0" smtClean="0">
+              <a:solidFill>
+                <a:schemeClr val="tx1"/>
+              </a:solidFill>
+              <a:effectLst/>
+              <a:latin typeface="+mn-lt"/>
+              <a:ea typeface="+mn-ea"/>
+              <a:cs typeface="+mn-cs"/>
+            </a:endParaRPr>
           </a:p>
           <a:p>
             <a:r>
@@ -3619,6 +3577,15 @@
               </a:rPr>
               <a:t>非功能需求是系统级约束，可以写到用户故事中，如支持的浏览器等。但也不写，但非功能需求是完成定义的主要目标。任何一个测试不能正常工作，都是没有完成。</a:t>
             </a:r>
+            <a:endParaRPr lang="zh-CN" altLang="en-US" sz="1200" b="0" i="0" kern="1200" dirty="0" smtClean="0">
+              <a:solidFill>
+                <a:schemeClr val="tx1"/>
+              </a:solidFill>
+              <a:effectLst/>
+              <a:latin typeface="+mn-lt"/>
+              <a:ea typeface="+mn-ea"/>
+              <a:cs typeface="+mn-cs"/>
+            </a:endParaRPr>
           </a:p>
           <a:p>
             <a:endParaRPr lang="zh-CN" altLang="en-US" dirty="0"/>
@@ -3642,18 +3609,12 @@
           <a:p>
             <a:fld id="{2954993C-2851-4B37-8A50-837DDC8B7B44}" type="slidenum">
               <a:rPr lang="zh-CN" altLang="en-US" smtClean="0"/>
-              <a:t>15</a:t>
             </a:fld>
             <a:endParaRPr lang="zh-CN" altLang="en-US"/>
           </a:p>
         </p:txBody>
       </p:sp>
     </p:spTree>
-    <p:extLst>
-      <p:ext uri="{BB962C8B-B14F-4D97-AF65-F5344CB8AC3E}">
-        <p14:creationId xmlns:p14="http://schemas.microsoft.com/office/powerpoint/2010/main" val="3501212281"/>
-      </p:ext>
-    </p:extLst>
   </p:cSld>
   <p:clrMapOvr>
     <a:masterClrMapping/>
@@ -3729,6 +3690,15 @@
               </a:rPr>
               <a:t>、知识获取型故事</a:t>
             </a:r>
+            <a:endParaRPr lang="zh-CN" altLang="en-US" sz="1200" b="0" i="0" kern="1200" dirty="0" smtClean="0">
+              <a:solidFill>
+                <a:schemeClr val="tx1"/>
+              </a:solidFill>
+              <a:effectLst/>
+              <a:latin typeface="+mn-lt"/>
+              <a:ea typeface="+mn-ea"/>
+              <a:cs typeface="+mn-cs"/>
+            </a:endParaRPr>
           </a:p>
           <a:p>
             <a:r>
@@ -3743,6 +3713,15 @@
               </a:rPr>
               <a:t>相当于预言工作，由于受到成本、时间限制，不可能无限探索，如何决策就显得很重要。抛硬币、快速失败策略都是不错的选择。</a:t>
             </a:r>
+            <a:endParaRPr lang="zh-CN" altLang="en-US" sz="1200" b="0" i="0" kern="1200" dirty="0" smtClean="0">
+              <a:solidFill>
+                <a:schemeClr val="tx1"/>
+              </a:solidFill>
+              <a:effectLst/>
+              <a:latin typeface="+mn-lt"/>
+              <a:ea typeface="+mn-ea"/>
+              <a:cs typeface="+mn-cs"/>
+            </a:endParaRPr>
           </a:p>
           <a:p>
             <a:endParaRPr lang="zh-CN" altLang="en-US" dirty="0"/>
@@ -3766,18 +3745,12 @@
           <a:p>
             <a:fld id="{2954993C-2851-4B37-8A50-837DDC8B7B44}" type="slidenum">
               <a:rPr lang="zh-CN" altLang="en-US" smtClean="0"/>
-              <a:t>16</a:t>
             </a:fld>
             <a:endParaRPr lang="zh-CN" altLang="en-US"/>
           </a:p>
         </p:txBody>
       </p:sp>
     </p:spTree>
-    <p:extLst>
-      <p:ext uri="{BB962C8B-B14F-4D97-AF65-F5344CB8AC3E}">
-        <p14:creationId xmlns:p14="http://schemas.microsoft.com/office/powerpoint/2010/main" val="3352980884"/>
-      </p:ext>
-    </p:extLst>
   </p:cSld>
   <p:clrMapOvr>
     <a:masterClrMapping/>
@@ -3833,18 +3806,21 @@
               <a:rPr lang="zh-CN" altLang="en-US" dirty="0" smtClean="0"/>
               <a:t>问用户想要什么不靠谱，而让用户作为团队的一员则效果会好很多。采用用户故事研讨会、绘制故事地图是两种比较有效的方法。</a:t>
             </a:r>
+            <a:endParaRPr lang="zh-CN" altLang="en-US" dirty="0" smtClean="0"/>
           </a:p>
           <a:p>
             <a:r>
               <a:rPr lang="zh-CN" altLang="en-US" dirty="0" smtClean="0"/>
               <a:t>用户故事研讨会：可以集中进行头脑风暴，讨论预期的业务价值，并为目标产品和服务创建用户故事占位符。</a:t>
             </a:r>
+            <a:endParaRPr lang="zh-CN" altLang="en-US" dirty="0" smtClean="0"/>
           </a:p>
           <a:p>
             <a:r>
               <a:rPr lang="zh-CN" altLang="en-US" dirty="0" smtClean="0"/>
               <a:t>绘制故事地图：将概要性用户活动分解为工作流，工作流还可以继续分解为一套明确的任务。如下图所示，横轴为工作流（使用顺序）纵轴为优先顺序。它结合了用户为中心和故事分解这两大概念。</a:t>
             </a:r>
+            <a:endParaRPr lang="zh-CN" altLang="en-US" dirty="0" smtClean="0"/>
           </a:p>
         </p:txBody>
       </p:sp>
@@ -3865,18 +3841,12 @@
           <a:p>
             <a:fld id="{2954993C-2851-4B37-8A50-837DDC8B7B44}" type="slidenum">
               <a:rPr lang="zh-CN" altLang="en-US" smtClean="0"/>
-              <a:t>17</a:t>
             </a:fld>
             <a:endParaRPr lang="zh-CN" altLang="en-US"/>
           </a:p>
         </p:txBody>
       </p:sp>
     </p:spTree>
-    <p:extLst>
-      <p:ext uri="{BB962C8B-B14F-4D97-AF65-F5344CB8AC3E}">
-        <p14:creationId xmlns:p14="http://schemas.microsoft.com/office/powerpoint/2010/main" val="1113471952"/>
-      </p:ext>
-    </p:extLst>
   </p:cSld>
   <p:clrMapOvr>
     <a:masterClrMapping/>
@@ -3926,7 +3896,6 @@
           <a:p>
             <a:fld id="{43B7E276-A276-4CB5-8D98-2DEF33258381}" type="datetimeFigureOut">
               <a:rPr lang="zh-CN" altLang="en-US" smtClean="0"/>
-              <a:t>2020/7/23</a:t>
             </a:fld>
             <a:endParaRPr lang="zh-CN" altLang="en-US"/>
           </a:p>
@@ -3984,7 +3953,6 @@
           <a:p>
             <a:fld id="{669E3093-0765-4895-88A4-AF75987BE62B}" type="slidenum">
               <a:rPr lang="zh-CN" altLang="en-US" smtClean="0"/>
-              <a:t>‹#›</a:t>
             </a:fld>
             <a:endParaRPr lang="zh-CN" altLang="en-US"/>
           </a:p>
@@ -4173,11 +4141,6 @@
         </p:txBody>
       </p:sp>
     </p:spTree>
-    <p:extLst>
-      <p:ext uri="{BB962C8B-B14F-4D97-AF65-F5344CB8AC3E}">
-        <p14:creationId xmlns:p14="http://schemas.microsoft.com/office/powerpoint/2010/main" val="3799511555"/>
-      </p:ext>
-    </p:extLst>
   </p:cSld>
   <p:clrMapOvr>
     <a:masterClrMapping/>
@@ -4229,6 +4192,7 @@
               <a:rPr lang="zh-CN" altLang="en-US"/>
               <a:t>单击此处编辑母版标题样式</a:t>
             </a:r>
+            <a:endParaRPr lang="zh-CN" altLang="en-US"/>
           </a:p>
         </p:txBody>
       </p:sp>
@@ -4260,6 +4224,7 @@
               <a:rPr lang="zh-CN" altLang="en-US"/>
               <a:t>单击此处编辑母版文本样式</a:t>
             </a:r>
+            <a:endParaRPr lang="zh-CN" altLang="en-US"/>
           </a:p>
           <a:p>
             <a:pPr lvl="1"/>
@@ -4267,6 +4232,7 @@
               <a:rPr lang="zh-CN" altLang="en-US"/>
               <a:t>第二级</a:t>
             </a:r>
+            <a:endParaRPr lang="zh-CN" altLang="en-US"/>
           </a:p>
           <a:p>
             <a:pPr lvl="2"/>
@@ -4274,6 +4240,7 @@
               <a:rPr lang="zh-CN" altLang="en-US"/>
               <a:t>第三级</a:t>
             </a:r>
+            <a:endParaRPr lang="zh-CN" altLang="en-US"/>
           </a:p>
           <a:p>
             <a:pPr lvl="3"/>
@@ -4281,6 +4248,7 @@
               <a:rPr lang="zh-CN" altLang="en-US"/>
               <a:t>第四级</a:t>
             </a:r>
+            <a:endParaRPr lang="zh-CN" altLang="en-US"/>
           </a:p>
           <a:p>
             <a:pPr lvl="4"/>
@@ -4288,6 +4256,7 @@
               <a:rPr lang="zh-CN" altLang="en-US"/>
               <a:t>第五级</a:t>
             </a:r>
+            <a:endParaRPr lang="zh-CN" altLang="en-US"/>
           </a:p>
         </p:txBody>
       </p:sp>
@@ -4316,7 +4285,6 @@
           <a:p>
             <a:fld id="{43B7E276-A276-4CB5-8D98-2DEF33258381}" type="datetimeFigureOut">
               <a:rPr lang="zh-CN" altLang="en-US" smtClean="0"/>
-              <a:t>2020/7/23</a:t>
             </a:fld>
             <a:endParaRPr lang="zh-CN" altLang="en-US"/>
           </a:p>
@@ -4374,18 +4342,12 @@
           <a:p>
             <a:fld id="{669E3093-0765-4895-88A4-AF75987BE62B}" type="slidenum">
               <a:rPr lang="zh-CN" altLang="en-US" smtClean="0"/>
-              <a:t>‹#›</a:t>
             </a:fld>
             <a:endParaRPr lang="zh-CN" altLang="en-US"/>
           </a:p>
         </p:txBody>
       </p:sp>
     </p:spTree>
-    <p:extLst>
-      <p:ext uri="{BB962C8B-B14F-4D97-AF65-F5344CB8AC3E}">
-        <p14:creationId xmlns:p14="http://schemas.microsoft.com/office/powerpoint/2010/main" val="3948699526"/>
-      </p:ext>
-    </p:extLst>
   </p:cSld>
   <p:clrMapOvr>
     <a:masterClrMapping/>
@@ -4437,6 +4399,7 @@
               <a:rPr lang="zh-CN" altLang="en-US"/>
               <a:t>单击此处编辑母版标题样式</a:t>
             </a:r>
+            <a:endParaRPr lang="zh-CN" altLang="en-US"/>
           </a:p>
         </p:txBody>
       </p:sp>
@@ -4468,6 +4431,7 @@
               <a:rPr lang="zh-CN" altLang="en-US"/>
               <a:t>单击此处编辑母版文本样式</a:t>
             </a:r>
+            <a:endParaRPr lang="zh-CN" altLang="en-US"/>
           </a:p>
           <a:p>
             <a:pPr lvl="1"/>
@@ -4475,6 +4439,7 @@
               <a:rPr lang="zh-CN" altLang="en-US"/>
               <a:t>第二级</a:t>
             </a:r>
+            <a:endParaRPr lang="zh-CN" altLang="en-US"/>
           </a:p>
           <a:p>
             <a:pPr lvl="2"/>
@@ -4482,6 +4447,7 @@
               <a:rPr lang="zh-CN" altLang="en-US"/>
               <a:t>第三级</a:t>
             </a:r>
+            <a:endParaRPr lang="zh-CN" altLang="en-US"/>
           </a:p>
           <a:p>
             <a:pPr lvl="3"/>
@@ -4489,6 +4455,7 @@
               <a:rPr lang="zh-CN" altLang="en-US"/>
               <a:t>第四级</a:t>
             </a:r>
+            <a:endParaRPr lang="zh-CN" altLang="en-US"/>
           </a:p>
           <a:p>
             <a:pPr lvl="4"/>
@@ -4496,6 +4463,7 @@
               <a:rPr lang="zh-CN" altLang="en-US"/>
               <a:t>第五级</a:t>
             </a:r>
+            <a:endParaRPr lang="zh-CN" altLang="en-US"/>
           </a:p>
         </p:txBody>
       </p:sp>
@@ -4524,7 +4492,6 @@
           <a:p>
             <a:fld id="{43B7E276-A276-4CB5-8D98-2DEF33258381}" type="datetimeFigureOut">
               <a:rPr lang="zh-CN" altLang="en-US" smtClean="0"/>
-              <a:t>2020/7/23</a:t>
             </a:fld>
             <a:endParaRPr lang="zh-CN" altLang="en-US"/>
           </a:p>
@@ -4582,18 +4549,12 @@
           <a:p>
             <a:fld id="{669E3093-0765-4895-88A4-AF75987BE62B}" type="slidenum">
               <a:rPr lang="zh-CN" altLang="en-US" smtClean="0"/>
-              <a:t>‹#›</a:t>
             </a:fld>
             <a:endParaRPr lang="zh-CN" altLang="en-US"/>
           </a:p>
         </p:txBody>
       </p:sp>
     </p:spTree>
-    <p:extLst>
-      <p:ext uri="{BB962C8B-B14F-4D97-AF65-F5344CB8AC3E}">
-        <p14:creationId xmlns:p14="http://schemas.microsoft.com/office/powerpoint/2010/main" val="3548890067"/>
-      </p:ext>
-    </p:extLst>
   </p:cSld>
   <p:clrMapOvr>
     <a:masterClrMapping/>
@@ -4637,6 +4598,7 @@
               <a:rPr lang="zh-CN" altLang="en-US"/>
               <a:t>单击此处编辑母版标题样式</a:t>
             </a:r>
+            <a:endParaRPr lang="zh-CN" altLang="en-US"/>
           </a:p>
         </p:txBody>
       </p:sp>
@@ -4660,6 +4622,7 @@
               <a:rPr lang="zh-CN" altLang="en-US"/>
               <a:t>单击此处编辑母版文本样式</a:t>
             </a:r>
+            <a:endParaRPr lang="zh-CN" altLang="en-US"/>
           </a:p>
           <a:p>
             <a:pPr lvl="1"/>
@@ -4667,6 +4630,7 @@
               <a:rPr lang="zh-CN" altLang="en-US"/>
               <a:t>第二级</a:t>
             </a:r>
+            <a:endParaRPr lang="zh-CN" altLang="en-US"/>
           </a:p>
           <a:p>
             <a:pPr lvl="2"/>
@@ -4674,6 +4638,7 @@
               <a:rPr lang="zh-CN" altLang="en-US"/>
               <a:t>第三级</a:t>
             </a:r>
+            <a:endParaRPr lang="zh-CN" altLang="en-US"/>
           </a:p>
           <a:p>
             <a:pPr lvl="3"/>
@@ -4681,6 +4646,7 @@
               <a:rPr lang="zh-CN" altLang="en-US"/>
               <a:t>第四级</a:t>
             </a:r>
+            <a:endParaRPr lang="zh-CN" altLang="en-US"/>
           </a:p>
           <a:p>
             <a:pPr lvl="4"/>
@@ -4688,6 +4654,7 @@
               <a:rPr lang="zh-CN" altLang="en-US"/>
               <a:t>第五级</a:t>
             </a:r>
+            <a:endParaRPr lang="zh-CN" altLang="en-US"/>
           </a:p>
         </p:txBody>
       </p:sp>
@@ -4701,9 +4668,7 @@
             <p:ph type="dt" sz="half" idx="10"/>
           </p:nvPr>
         </p:nvSpPr>
-        <p:spPr>
-          <a:ln/>
-        </p:spPr>
+        <p:spPr/>
         <p:txBody>
           <a:bodyPr/>
           <a:lstStyle>
@@ -4718,19 +4683,12 @@
             </a:r>
             <a:fld id="{A55C48AD-9FA6-401F-8E30-852763D2AD7D}" type="slidenum">
               <a:rPr lang="de-DE" altLang="zh-CN"/>
-              <a:pPr/>
-              <a:t>‹#›</a:t>
             </a:fld>
             <a:endParaRPr lang="en-GB" altLang="zh-CN"/>
           </a:p>
         </p:txBody>
       </p:sp>
     </p:spTree>
-    <p:extLst>
-      <p:ext uri="{BB962C8B-B14F-4D97-AF65-F5344CB8AC3E}">
-        <p14:creationId xmlns:p14="http://schemas.microsoft.com/office/powerpoint/2010/main" val="3039810531"/>
-      </p:ext>
-    </p:extLst>
   </p:cSld>
   <p:clrMapOvr>
     <a:masterClrMapping/>
@@ -4786,6 +4744,7 @@
               <a:rPr lang="zh-CN" altLang="en-US"/>
               <a:t>单击此处编辑母版标题样式</a:t>
             </a:r>
+            <a:endParaRPr lang="zh-CN" altLang="en-US"/>
           </a:p>
         </p:txBody>
       </p:sp>
@@ -4810,7 +4769,6 @@
           <a:p>
             <a:fld id="{9FADFB2E-885B-491E-A32A-9031AA86B1B0}" type="datetimeFigureOut">
               <a:rPr lang="zh-CN" altLang="en-US"/>
-              <a:t>2020/7/23</a:t>
             </a:fld>
             <a:endParaRPr lang="zh-CN" altLang="en-US"/>
           </a:p>
@@ -4863,7 +4821,6 @@
           <a:p>
             <a:fld id="{546D3D19-AF27-447E-95DA-1DCD44E4E178}" type="slidenum">
               <a:rPr lang="zh-CN" altLang="en-US"/>
-              <a:t>‹#›</a:t>
             </a:fld>
             <a:endParaRPr lang="zh-CN" altLang="en-US"/>
           </a:p>
@@ -4931,6 +4888,7 @@
               <a:rPr lang="zh-CN" altLang="en-US" dirty="0"/>
               <a:t>单击此处编辑母版文本样式</a:t>
             </a:r>
+            <a:endParaRPr lang="zh-CN" altLang="en-US" dirty="0"/>
           </a:p>
           <a:p>
             <a:pPr lvl="1" eaLnBrk="1" latinLnBrk="0" hangingPunct="1"/>
@@ -4938,6 +4896,7 @@
               <a:rPr lang="zh-CN" altLang="en-US" dirty="0"/>
               <a:t>第二级</a:t>
             </a:r>
+            <a:endParaRPr lang="zh-CN" altLang="en-US" dirty="0"/>
           </a:p>
           <a:p>
             <a:pPr lvl="2" eaLnBrk="1" latinLnBrk="0" hangingPunct="1"/>
@@ -4945,6 +4904,7 @@
               <a:rPr lang="zh-CN" altLang="en-US" dirty="0"/>
               <a:t>第三级</a:t>
             </a:r>
+            <a:endParaRPr lang="zh-CN" altLang="en-US" dirty="0"/>
           </a:p>
           <a:p>
             <a:pPr lvl="3" eaLnBrk="1" latinLnBrk="0" hangingPunct="1"/>
@@ -4952,6 +4912,7 @@
               <a:rPr lang="zh-CN" altLang="en-US" dirty="0"/>
               <a:t>第四级</a:t>
             </a:r>
+            <a:endParaRPr lang="zh-CN" altLang="en-US" dirty="0"/>
           </a:p>
           <a:p>
             <a:pPr lvl="4" eaLnBrk="1" latinLnBrk="0" hangingPunct="1"/>
@@ -4964,11 +4925,6 @@
         </p:txBody>
       </p:sp>
     </p:spTree>
-    <p:extLst>
-      <p:ext uri="{BB962C8B-B14F-4D97-AF65-F5344CB8AC3E}">
-        <p14:creationId xmlns:p14="http://schemas.microsoft.com/office/powerpoint/2010/main" val="3541575698"/>
-      </p:ext>
-    </p:extLst>
   </p:cSld>
   <p:clrMapOvr>
     <a:masterClrMapping/>
@@ -4994,11 +4950,6 @@
         </a:xfrm>
       </p:grpSpPr>
     </p:spTree>
-    <p:extLst>
-      <p:ext uri="{BB962C8B-B14F-4D97-AF65-F5344CB8AC3E}">
-        <p14:creationId xmlns:p14="http://schemas.microsoft.com/office/powerpoint/2010/main" val="1743118597"/>
-      </p:ext>
-    </p:extLst>
   </p:cSld>
   <p:clrMapOvr>
     <a:masterClrMapping/>
@@ -5024,11 +4975,6 @@
         </a:xfrm>
       </p:grpSpPr>
     </p:spTree>
-    <p:extLst>
-      <p:ext uri="{BB962C8B-B14F-4D97-AF65-F5344CB8AC3E}">
-        <p14:creationId xmlns:p14="http://schemas.microsoft.com/office/powerpoint/2010/main" val="4091843917"/>
-      </p:ext>
-    </p:extLst>
   </p:cSld>
   <p:clrMapOvr>
     <a:masterClrMapping/>
@@ -5054,11 +5000,6 @@
         </a:xfrm>
       </p:grpSpPr>
     </p:spTree>
-    <p:extLst>
-      <p:ext uri="{BB962C8B-B14F-4D97-AF65-F5344CB8AC3E}">
-        <p14:creationId xmlns:p14="http://schemas.microsoft.com/office/powerpoint/2010/main" val="28194392"/>
-      </p:ext>
-    </p:extLst>
   </p:cSld>
   <p:clrMapOvr>
     <a:masterClrMapping/>
@@ -5110,6 +5051,7 @@
               <a:rPr lang="zh-CN" altLang="en-US"/>
               <a:t>单击此处编辑母版标题样式</a:t>
             </a:r>
+            <a:endParaRPr lang="zh-CN" altLang="en-US"/>
           </a:p>
         </p:txBody>
       </p:sp>
@@ -5178,6 +5120,7 @@
               <a:rPr lang="zh-CN" altLang="en-US"/>
               <a:t>单击此处编辑母版文本样式</a:t>
             </a:r>
+            <a:endParaRPr lang="zh-CN" altLang="en-US"/>
           </a:p>
         </p:txBody>
       </p:sp>
@@ -5209,6 +5152,7 @@
               <a:rPr lang="zh-CN" altLang="en-US"/>
               <a:t>单击此处编辑母版文本样式</a:t>
             </a:r>
+            <a:endParaRPr lang="zh-CN" altLang="en-US"/>
           </a:p>
           <a:p>
             <a:pPr lvl="1"/>
@@ -5216,6 +5160,7 @@
               <a:rPr lang="zh-CN" altLang="en-US"/>
               <a:t>第二级</a:t>
             </a:r>
+            <a:endParaRPr lang="zh-CN" altLang="en-US"/>
           </a:p>
           <a:p>
             <a:pPr lvl="2"/>
@@ -5223,6 +5168,7 @@
               <a:rPr lang="zh-CN" altLang="en-US"/>
               <a:t>第三级</a:t>
             </a:r>
+            <a:endParaRPr lang="zh-CN" altLang="en-US"/>
           </a:p>
           <a:p>
             <a:pPr lvl="3"/>
@@ -5230,6 +5176,7 @@
               <a:rPr lang="zh-CN" altLang="en-US"/>
               <a:t>第四级</a:t>
             </a:r>
+            <a:endParaRPr lang="zh-CN" altLang="en-US"/>
           </a:p>
           <a:p>
             <a:pPr lvl="4"/>
@@ -5237,6 +5184,7 @@
               <a:rPr lang="zh-CN" altLang="en-US"/>
               <a:t>第五级</a:t>
             </a:r>
+            <a:endParaRPr lang="zh-CN" altLang="en-US"/>
           </a:p>
         </p:txBody>
       </p:sp>
@@ -5305,6 +5253,7 @@
               <a:rPr lang="zh-CN" altLang="en-US"/>
               <a:t>单击此处编辑母版文本样式</a:t>
             </a:r>
+            <a:endParaRPr lang="zh-CN" altLang="en-US"/>
           </a:p>
         </p:txBody>
       </p:sp>
@@ -5336,6 +5285,7 @@
               <a:rPr lang="zh-CN" altLang="en-US"/>
               <a:t>单击此处编辑母版文本样式</a:t>
             </a:r>
+            <a:endParaRPr lang="zh-CN" altLang="en-US"/>
           </a:p>
           <a:p>
             <a:pPr lvl="1"/>
@@ -5343,6 +5293,7 @@
               <a:rPr lang="zh-CN" altLang="en-US"/>
               <a:t>第二级</a:t>
             </a:r>
+            <a:endParaRPr lang="zh-CN" altLang="en-US"/>
           </a:p>
           <a:p>
             <a:pPr lvl="2"/>
@@ -5350,6 +5301,7 @@
               <a:rPr lang="zh-CN" altLang="en-US"/>
               <a:t>第三级</a:t>
             </a:r>
+            <a:endParaRPr lang="zh-CN" altLang="en-US"/>
           </a:p>
           <a:p>
             <a:pPr lvl="3"/>
@@ -5357,6 +5309,7 @@
               <a:rPr lang="zh-CN" altLang="en-US"/>
               <a:t>第四级</a:t>
             </a:r>
+            <a:endParaRPr lang="zh-CN" altLang="en-US"/>
           </a:p>
           <a:p>
             <a:pPr lvl="4"/>
@@ -5364,6 +5317,7 @@
               <a:rPr lang="zh-CN" altLang="en-US"/>
               <a:t>第五级</a:t>
             </a:r>
+            <a:endParaRPr lang="zh-CN" altLang="en-US"/>
           </a:p>
         </p:txBody>
       </p:sp>
@@ -5392,7 +5346,6 @@
           <a:p>
             <a:fld id="{43B7E276-A276-4CB5-8D98-2DEF33258381}" type="datetimeFigureOut">
               <a:rPr lang="zh-CN" altLang="en-US" smtClean="0"/>
-              <a:t>2020/7/23</a:t>
             </a:fld>
             <a:endParaRPr lang="zh-CN" altLang="en-US"/>
           </a:p>
@@ -5450,18 +5403,12 @@
           <a:p>
             <a:fld id="{669E3093-0765-4895-88A4-AF75987BE62B}" type="slidenum">
               <a:rPr lang="zh-CN" altLang="en-US" smtClean="0"/>
-              <a:t>‹#›</a:t>
             </a:fld>
             <a:endParaRPr lang="zh-CN" altLang="en-US"/>
           </a:p>
         </p:txBody>
       </p:sp>
     </p:spTree>
-    <p:extLst>
-      <p:ext uri="{BB962C8B-B14F-4D97-AF65-F5344CB8AC3E}">
-        <p14:creationId xmlns:p14="http://schemas.microsoft.com/office/powerpoint/2010/main" val="1483981507"/>
-      </p:ext>
-    </p:extLst>
   </p:cSld>
   <p:clrMapOvr>
     <a:masterClrMapping/>
@@ -5513,6 +5460,7 @@
               <a:rPr lang="zh-CN" altLang="en-US"/>
               <a:t>单击此处编辑母版标题样式</a:t>
             </a:r>
+            <a:endParaRPr lang="zh-CN" altLang="en-US"/>
           </a:p>
         </p:txBody>
       </p:sp>
@@ -5541,7 +5489,6 @@
           <a:p>
             <a:fld id="{43B7E276-A276-4CB5-8D98-2DEF33258381}" type="datetimeFigureOut">
               <a:rPr lang="zh-CN" altLang="en-US" smtClean="0"/>
-              <a:t>2020/7/23</a:t>
             </a:fld>
             <a:endParaRPr lang="zh-CN" altLang="en-US"/>
           </a:p>
@@ -5599,18 +5546,12 @@
           <a:p>
             <a:fld id="{669E3093-0765-4895-88A4-AF75987BE62B}" type="slidenum">
               <a:rPr lang="zh-CN" altLang="en-US" smtClean="0"/>
-              <a:t>‹#›</a:t>
             </a:fld>
             <a:endParaRPr lang="zh-CN" altLang="en-US"/>
           </a:p>
         </p:txBody>
       </p:sp>
     </p:spTree>
-    <p:extLst>
-      <p:ext uri="{BB962C8B-B14F-4D97-AF65-F5344CB8AC3E}">
-        <p14:creationId xmlns:p14="http://schemas.microsoft.com/office/powerpoint/2010/main" val="3562627456"/>
-      </p:ext>
-    </p:extLst>
   </p:cSld>
   <p:clrMapOvr>
     <a:masterClrMapping/>
@@ -5660,7 +5601,6 @@
           <a:p>
             <a:fld id="{43B7E276-A276-4CB5-8D98-2DEF33258381}" type="datetimeFigureOut">
               <a:rPr lang="zh-CN" altLang="en-US" smtClean="0"/>
-              <a:t>2020/7/23</a:t>
             </a:fld>
             <a:endParaRPr lang="zh-CN" altLang="en-US"/>
           </a:p>
@@ -5718,18 +5658,12 @@
           <a:p>
             <a:fld id="{669E3093-0765-4895-88A4-AF75987BE62B}" type="slidenum">
               <a:rPr lang="zh-CN" altLang="en-US" smtClean="0"/>
-              <a:t>‹#›</a:t>
             </a:fld>
             <a:endParaRPr lang="zh-CN" altLang="en-US"/>
           </a:p>
         </p:txBody>
       </p:sp>
     </p:spTree>
-    <p:extLst>
-      <p:ext uri="{BB962C8B-B14F-4D97-AF65-F5344CB8AC3E}">
-        <p14:creationId xmlns:p14="http://schemas.microsoft.com/office/powerpoint/2010/main" val="246022680"/>
-      </p:ext>
-    </p:extLst>
   </p:cSld>
   <p:clrMapOvr>
     <a:masterClrMapping/>
@@ -5785,6 +5719,7 @@
               <a:rPr lang="zh-CN" altLang="en-US"/>
               <a:t>单击此处编辑母版标题样式</a:t>
             </a:r>
+            <a:endParaRPr lang="zh-CN" altLang="en-US"/>
           </a:p>
         </p:txBody>
       </p:sp>
@@ -5844,6 +5779,7 @@
               <a:rPr lang="zh-CN" altLang="en-US"/>
               <a:t>单击此处编辑母版文本样式</a:t>
             </a:r>
+            <a:endParaRPr lang="zh-CN" altLang="en-US"/>
           </a:p>
           <a:p>
             <a:pPr lvl="1"/>
@@ -5851,6 +5787,7 @@
               <a:rPr lang="zh-CN" altLang="en-US"/>
               <a:t>第二级</a:t>
             </a:r>
+            <a:endParaRPr lang="zh-CN" altLang="en-US"/>
           </a:p>
           <a:p>
             <a:pPr lvl="2"/>
@@ -5858,6 +5795,7 @@
               <a:rPr lang="zh-CN" altLang="en-US"/>
               <a:t>第三级</a:t>
             </a:r>
+            <a:endParaRPr lang="zh-CN" altLang="en-US"/>
           </a:p>
           <a:p>
             <a:pPr lvl="3"/>
@@ -5865,6 +5803,7 @@
               <a:rPr lang="zh-CN" altLang="en-US"/>
               <a:t>第四级</a:t>
             </a:r>
+            <a:endParaRPr lang="zh-CN" altLang="en-US"/>
           </a:p>
           <a:p>
             <a:pPr lvl="4"/>
@@ -5872,6 +5811,7 @@
               <a:rPr lang="zh-CN" altLang="en-US"/>
               <a:t>第五级</a:t>
             </a:r>
+            <a:endParaRPr lang="zh-CN" altLang="en-US"/>
           </a:p>
         </p:txBody>
       </p:sp>
@@ -5940,6 +5880,7 @@
               <a:rPr lang="zh-CN" altLang="en-US"/>
               <a:t>单击此处编辑母版文本样式</a:t>
             </a:r>
+            <a:endParaRPr lang="zh-CN" altLang="en-US"/>
           </a:p>
         </p:txBody>
       </p:sp>
@@ -5968,7 +5909,6 @@
           <a:p>
             <a:fld id="{43B7E276-A276-4CB5-8D98-2DEF33258381}" type="datetimeFigureOut">
               <a:rPr lang="zh-CN" altLang="en-US" smtClean="0"/>
-              <a:t>2020/7/23</a:t>
             </a:fld>
             <a:endParaRPr lang="zh-CN" altLang="en-US"/>
           </a:p>
@@ -6026,18 +5966,12 @@
           <a:p>
             <a:fld id="{669E3093-0765-4895-88A4-AF75987BE62B}" type="slidenum">
               <a:rPr lang="zh-CN" altLang="en-US" smtClean="0"/>
-              <a:t>‹#›</a:t>
             </a:fld>
             <a:endParaRPr lang="zh-CN" altLang="en-US"/>
           </a:p>
         </p:txBody>
       </p:sp>
     </p:spTree>
-    <p:extLst>
-      <p:ext uri="{BB962C8B-B14F-4D97-AF65-F5344CB8AC3E}">
-        <p14:creationId xmlns:p14="http://schemas.microsoft.com/office/powerpoint/2010/main" val="2298188630"/>
-      </p:ext>
-    </p:extLst>
   </p:cSld>
   <p:clrMapOvr>
     <a:masterClrMapping/>
@@ -6093,6 +6027,7 @@
               <a:rPr lang="zh-CN" altLang="en-US"/>
               <a:t>单击此处编辑母版标题样式</a:t>
             </a:r>
+            <a:endParaRPr lang="zh-CN" altLang="en-US"/>
           </a:p>
         </p:txBody>
       </p:sp>
@@ -6225,6 +6160,7 @@
               <a:rPr lang="zh-CN" altLang="en-US"/>
               <a:t>单击此处编辑母版文本样式</a:t>
             </a:r>
+            <a:endParaRPr lang="zh-CN" altLang="en-US"/>
           </a:p>
         </p:txBody>
       </p:sp>
@@ -6253,7 +6189,6 @@
           <a:p>
             <a:fld id="{43B7E276-A276-4CB5-8D98-2DEF33258381}" type="datetimeFigureOut">
               <a:rPr lang="zh-CN" altLang="en-US" smtClean="0"/>
-              <a:t>2020/7/23</a:t>
             </a:fld>
             <a:endParaRPr lang="zh-CN" altLang="en-US"/>
           </a:p>
@@ -6311,18 +6246,12 @@
           <a:p>
             <a:fld id="{669E3093-0765-4895-88A4-AF75987BE62B}" type="slidenum">
               <a:rPr lang="zh-CN" altLang="en-US" smtClean="0"/>
-              <a:t>‹#›</a:t>
             </a:fld>
             <a:endParaRPr lang="zh-CN" altLang="en-US"/>
           </a:p>
         </p:txBody>
       </p:sp>
     </p:spTree>
-    <p:extLst>
-      <p:ext uri="{BB962C8B-B14F-4D97-AF65-F5344CB8AC3E}">
-        <p14:creationId xmlns:p14="http://schemas.microsoft.com/office/powerpoint/2010/main" val="2137630704"/>
-      </p:ext>
-    </p:extLst>
   </p:cSld>
   <p:clrMapOvr>
     <a:masterClrMapping/>
@@ -6361,7 +6290,7 @@
           <p:nvPr userDrawn="1"/>
         </p:nvPicPr>
         <p:blipFill>
-          <a:blip r:embed="rId15">
+          <a:blip r:embed="rId14">
             <a:extLst>
               <a:ext uri="{28A0092B-C50C-407E-A947-70E740481C1C}">
                 <a14:useLocalDpi xmlns:a14="http://schemas.microsoft.com/office/drawing/2010/main" val="0"/>
@@ -6685,11 +6614,6 @@
         </p:txBody>
       </p:sp>
     </p:spTree>
-    <p:extLst>
-      <p:ext uri="{BB962C8B-B14F-4D97-AF65-F5344CB8AC3E}">
-        <p14:creationId xmlns:p14="http://schemas.microsoft.com/office/powerpoint/2010/main" val="3709562874"/>
-      </p:ext>
-    </p:extLst>
   </p:cSld>
   <p:clrMap bg1="lt1" tx1="dk1" bg2="lt2" tx2="dk2" accent1="accent1" accent2="accent2" accent3="accent3" accent4="accent4" accent5="accent5" accent6="accent6" hlink="hlink" folHlink="folHlink"/>
   <p:sldLayoutIdLst>
@@ -7085,26 +7009,28 @@
               </a:rPr>
               <a:t>敏捷工程实践</a:t>
             </a:r>
+            <a:endParaRPr lang="zh-CN" altLang="en-US" sz="2800" b="1" dirty="0">
+              <a:solidFill>
+                <a:srgbClr val="BE1007"/>
+              </a:solidFill>
+              <a:latin typeface="华康俪金黑W8(P)" panose="020B0800000000000000" pitchFamily="34" charset="-122"/>
+              <a:ea typeface="华康俪金黑W8(P)" panose="020B0800000000000000" pitchFamily="34" charset="-122"/>
+            </a:endParaRPr>
           </a:p>
         </p:txBody>
       </p:sp>
     </p:spTree>
-    <p:extLst>
-      <p:ext uri="{BB962C8B-B14F-4D97-AF65-F5344CB8AC3E}">
-        <p14:creationId xmlns:p14="http://schemas.microsoft.com/office/powerpoint/2010/main" val="553819925"/>
-      </p:ext>
-    </p:extLst>
   </p:cSld>
   <p:clrMapOvr>
     <a:masterClrMapping/>
   </p:clrMapOvr>
-  <mc:AlternateContent xmlns:mc="http://schemas.openxmlformats.org/markup-compatibility/2006" xmlns:p14="http://schemas.microsoft.com/office/powerpoint/2010/main">
-    <mc:Choice Requires="p14">
+  <mc:AlternateContent xmlns:mc="http://schemas.openxmlformats.org/markup-compatibility/2006">
+    <mc:Choice xmlns:p14="http://schemas.microsoft.com/office/powerpoint/2010/main" Requires="p14">
       <p:transition spd="med" p14:dur="700">
         <p:fade/>
       </p:transition>
     </mc:Choice>
-    <mc:Fallback xmlns="">
+    <mc:Fallback>
       <p:transition spd="med">
         <p:fade/>
       </p:transition>
@@ -7391,7 +7317,7 @@
               </a14:hiddenFill>
             </a:ext>
             <a:ext uri="{91240B29-F687-4F45-9708-019B960494DF}">
-              <a14:hiddenLine xmlns:a14="http://schemas.microsoft.com/office/drawing/2010/main" w="9525" algn="ctr">
+              <a14:hiddenLine xmlns:a14="http://schemas.microsoft.com/office/drawing/2010/main" w="9525">
                 <a:solidFill>
                   <a:srgbClr val="000000"/>
                 </a:solidFill>
@@ -7426,7 +7352,7 @@
             </a:lvl1pPr>
           </a:lstStyle>
           <a:p>
-            <a:pPr defTabSz="801688">
+            <a:pPr defTabSz="802005">
               <a:lnSpc>
                 <a:spcPct val="110000"/>
               </a:lnSpc>
@@ -7437,7 +7363,7 @@
                   <a:srgbClr val="990000"/>
                 </a:solidFill>
                 <a:latin typeface="FrutigerNext LT Medium" pitchFamily="34" charset="0"/>
-                <a:ea typeface="黑体" panose="02010609060101010101" pitchFamily="49" charset="-122"/>
+                <a:ea typeface="黑体" panose="02010609060101010101" charset="-122"/>
               </a:rPr>
               <a:t>用户</a:t>
             </a:r>
@@ -7447,7 +7373,7 @@
                   <a:srgbClr val="990000"/>
                 </a:solidFill>
                 <a:latin typeface="FrutigerNext LT Medium" pitchFamily="34" charset="0"/>
-                <a:ea typeface="黑体" panose="02010609060101010101" pitchFamily="49" charset="-122"/>
+                <a:ea typeface="黑体" panose="02010609060101010101" charset="-122"/>
               </a:rPr>
               <a:t>故事的</a:t>
             </a:r>
@@ -7457,7 +7383,7 @@
                   <a:srgbClr val="990000"/>
                 </a:solidFill>
                 <a:latin typeface="FrutigerNext LT Medium" pitchFamily="34" charset="0"/>
-                <a:ea typeface="黑体" panose="02010609060101010101" pitchFamily="49" charset="-122"/>
+                <a:ea typeface="黑体" panose="02010609060101010101" charset="-122"/>
               </a:rPr>
               <a:t>流转</a:t>
             </a:r>
@@ -7467,7 +7393,7 @@
                   <a:srgbClr val="990000"/>
                 </a:solidFill>
                 <a:latin typeface="FrutigerNext LT Medium" pitchFamily="34" charset="0"/>
-                <a:ea typeface="黑体" panose="02010609060101010101" pitchFamily="49" charset="-122"/>
+                <a:ea typeface="黑体" panose="02010609060101010101" charset="-122"/>
               </a:rPr>
               <a:t>过程（以</a:t>
             </a:r>
@@ -7477,7 +7403,7 @@
                   <a:srgbClr val="990000"/>
                 </a:solidFill>
                 <a:latin typeface="FrutigerNext LT Medium" pitchFamily="34" charset="0"/>
-                <a:ea typeface="黑体" panose="02010609060101010101" pitchFamily="49" charset="-122"/>
+                <a:ea typeface="黑体" panose="02010609060101010101" charset="-122"/>
               </a:rPr>
               <a:t>Scrum</a:t>
             </a:r>
@@ -7487,7 +7413,7 @@
                   <a:srgbClr val="990000"/>
                 </a:solidFill>
                 <a:latin typeface="FrutigerNext LT Medium" pitchFamily="34" charset="0"/>
-                <a:ea typeface="黑体" panose="02010609060101010101" pitchFamily="49" charset="-122"/>
+                <a:ea typeface="黑体" panose="02010609060101010101" charset="-122"/>
               </a:rPr>
               <a:t>为例）</a:t>
             </a:r>
@@ -7496,7 +7422,7 @@
                 <a:srgbClr val="990000"/>
               </a:solidFill>
               <a:latin typeface="FrutigerNext LT Medium" pitchFamily="34" charset="0"/>
-              <a:ea typeface="黑体" panose="02010609060101010101" pitchFamily="49" charset="-122"/>
+              <a:ea typeface="黑体" panose="02010609060101010101" charset="-122"/>
               <a:cs typeface="+mn-cs"/>
             </a:endParaRPr>
           </a:p>
@@ -7505,9 +7431,7 @@
       <p:sp>
         <p:nvSpPr>
           <p:cNvPr id="4" name="标题 1"/>
-          <p:cNvSpPr txBox="1">
-            <a:spLocks/>
-          </p:cNvSpPr>
+          <p:cNvSpPr txBox="1"/>
           <p:nvPr/>
         </p:nvSpPr>
         <p:spPr>
@@ -8205,11 +8129,6 @@
         </p:txBody>
       </p:sp>
     </p:spTree>
-    <p:extLst>
-      <p:ext uri="{BB962C8B-B14F-4D97-AF65-F5344CB8AC3E}">
-        <p14:creationId xmlns:p14="http://schemas.microsoft.com/office/powerpoint/2010/main" val="4088975722"/>
-      </p:ext>
-    </p:extLst>
   </p:cSld>
   <p:clrMapOvr>
     <a:masterClrMapping/>
@@ -8267,7 +8186,7 @@
               </a14:hiddenFill>
             </a:ext>
             <a:ext uri="{91240B29-F687-4F45-9708-019B960494DF}">
-              <a14:hiddenLine xmlns:a14="http://schemas.microsoft.com/office/drawing/2010/main" w="9525" algn="ctr">
+              <a14:hiddenLine xmlns:a14="http://schemas.microsoft.com/office/drawing/2010/main" w="9525">
                 <a:solidFill>
                   <a:srgbClr val="000000"/>
                 </a:solidFill>
@@ -8302,7 +8221,7 @@
             </a:lvl1pPr>
           </a:lstStyle>
           <a:p>
-            <a:pPr defTabSz="801688">
+            <a:pPr defTabSz="802005">
               <a:lnSpc>
                 <a:spcPct val="110000"/>
               </a:lnSpc>
@@ -8313,7 +8232,7 @@
                   <a:srgbClr val="990000"/>
                 </a:solidFill>
                 <a:latin typeface="FrutigerNext LT Medium" pitchFamily="34" charset="0"/>
-                <a:ea typeface="黑体" panose="02010609060101010101" pitchFamily="49" charset="-122"/>
+                <a:ea typeface="黑体" panose="02010609060101010101" charset="-122"/>
               </a:rPr>
               <a:t>确认（</a:t>
             </a:r>
@@ -8323,7 +8242,7 @@
                   <a:srgbClr val="990000"/>
                 </a:solidFill>
                 <a:latin typeface="FrutigerNext LT Medium" pitchFamily="34" charset="0"/>
-                <a:ea typeface="黑体" panose="02010609060101010101" pitchFamily="49" charset="-122"/>
+                <a:ea typeface="黑体" panose="02010609060101010101" charset="-122"/>
               </a:rPr>
               <a:t>Confirmation</a:t>
             </a:r>
@@ -8333,7 +8252,7 @@
                   <a:srgbClr val="990000"/>
                 </a:solidFill>
                 <a:latin typeface="FrutigerNext LT Medium" pitchFamily="34" charset="0"/>
-                <a:ea typeface="黑体" panose="02010609060101010101" pitchFamily="49" charset="-122"/>
+                <a:ea typeface="黑体" panose="02010609060101010101" charset="-122"/>
               </a:rPr>
               <a:t>）</a:t>
             </a:r>
@@ -8342,7 +8261,7 @@
                 <a:srgbClr val="990000"/>
               </a:solidFill>
               <a:latin typeface="FrutigerNext LT Medium" pitchFamily="34" charset="0"/>
-              <a:ea typeface="黑体" panose="02010609060101010101" pitchFamily="49" charset="-122"/>
+              <a:ea typeface="黑体" panose="02010609060101010101" charset="-122"/>
               <a:cs typeface="+mn-cs"/>
             </a:endParaRPr>
           </a:p>
@@ -8351,9 +8270,7 @@
       <p:sp>
         <p:nvSpPr>
           <p:cNvPr id="4" name="标题 1"/>
-          <p:cNvSpPr txBox="1">
-            <a:spLocks/>
-          </p:cNvSpPr>
+          <p:cNvSpPr txBox="1"/>
           <p:nvPr/>
         </p:nvSpPr>
         <p:spPr>
@@ -8709,11 +8626,6 @@
         </p:txBody>
       </p:sp>
     </p:spTree>
-    <p:extLst>
-      <p:ext uri="{BB962C8B-B14F-4D97-AF65-F5344CB8AC3E}">
-        <p14:creationId xmlns:p14="http://schemas.microsoft.com/office/powerpoint/2010/main" val="1725372571"/>
-      </p:ext>
-    </p:extLst>
   </p:cSld>
   <p:clrMapOvr>
     <a:masterClrMapping/>
@@ -8977,7 +8889,7 @@
               </a14:hiddenFill>
             </a:ext>
             <a:ext uri="{91240B29-F687-4F45-9708-019B960494DF}">
-              <a14:hiddenLine xmlns:a14="http://schemas.microsoft.com/office/drawing/2010/main" w="9525" algn="ctr">
+              <a14:hiddenLine xmlns:a14="http://schemas.microsoft.com/office/drawing/2010/main" w="9525">
                 <a:solidFill>
                   <a:srgbClr val="000000"/>
                 </a:solidFill>
@@ -9012,7 +8924,7 @@
             </a:lvl1pPr>
           </a:lstStyle>
           <a:p>
-            <a:pPr defTabSz="801688">
+            <a:pPr defTabSz="802005">
               <a:lnSpc>
                 <a:spcPct val="110000"/>
               </a:lnSpc>
@@ -9023,7 +8935,7 @@
                   <a:srgbClr val="990000"/>
                 </a:solidFill>
                 <a:latin typeface="FrutigerNext LT Medium" pitchFamily="34" charset="0"/>
-                <a:ea typeface="黑体" panose="02010609060101010101" pitchFamily="49" charset="-122"/>
+                <a:ea typeface="黑体" panose="02010609060101010101" charset="-122"/>
               </a:rPr>
               <a:t>用户故事大小级别</a:t>
             </a:r>
@@ -9032,7 +8944,7 @@
                 <a:srgbClr val="990000"/>
               </a:solidFill>
               <a:latin typeface="FrutigerNext LT Medium" pitchFamily="34" charset="0"/>
-              <a:ea typeface="黑体" panose="02010609060101010101" pitchFamily="49" charset="-122"/>
+              <a:ea typeface="黑体" panose="02010609060101010101" charset="-122"/>
               <a:cs typeface="+mn-cs"/>
             </a:endParaRPr>
           </a:p>
@@ -9041,9 +8953,7 @@
       <p:sp>
         <p:nvSpPr>
           <p:cNvPr id="4" name="标题 1"/>
-          <p:cNvSpPr txBox="1">
-            <a:spLocks/>
-          </p:cNvSpPr>
+          <p:cNvSpPr txBox="1"/>
           <p:nvPr/>
         </p:nvSpPr>
         <p:spPr>
@@ -9372,11 +9282,6 @@
         </p:txBody>
       </p:sp>
     </p:spTree>
-    <p:extLst>
-      <p:ext uri="{BB962C8B-B14F-4D97-AF65-F5344CB8AC3E}">
-        <p14:creationId xmlns:p14="http://schemas.microsoft.com/office/powerpoint/2010/main" val="1764904163"/>
-      </p:ext>
-    </p:extLst>
   </p:cSld>
   <p:clrMapOvr>
     <a:masterClrMapping/>
@@ -9434,7 +9339,7 @@
               </a14:hiddenFill>
             </a:ext>
             <a:ext uri="{91240B29-F687-4F45-9708-019B960494DF}">
-              <a14:hiddenLine xmlns:a14="http://schemas.microsoft.com/office/drawing/2010/main" w="9525" algn="ctr">
+              <a14:hiddenLine xmlns:a14="http://schemas.microsoft.com/office/drawing/2010/main" w="9525">
                 <a:solidFill>
                   <a:srgbClr val="000000"/>
                 </a:solidFill>
@@ -9469,7 +9374,7 @@
             </a:lvl1pPr>
           </a:lstStyle>
           <a:p>
-            <a:pPr defTabSz="801688">
+            <a:pPr defTabSz="802005">
               <a:lnSpc>
                 <a:spcPct val="110000"/>
               </a:lnSpc>
@@ -9480,7 +9385,7 @@
                   <a:srgbClr val="990000"/>
                 </a:solidFill>
                 <a:latin typeface="FrutigerNext LT Medium" pitchFamily="34" charset="0"/>
-                <a:ea typeface="黑体" panose="02010609060101010101" pitchFamily="49" charset="-122"/>
+                <a:ea typeface="黑体" panose="02010609060101010101" charset="-122"/>
               </a:rPr>
               <a:t>用户故事</a:t>
             </a:r>
@@ -9490,7 +9395,7 @@
                   <a:srgbClr val="990000"/>
                 </a:solidFill>
                 <a:latin typeface="FrutigerNext LT Medium" pitchFamily="34" charset="0"/>
-                <a:ea typeface="黑体" panose="02010609060101010101" pitchFamily="49" charset="-122"/>
+                <a:ea typeface="黑体" panose="02010609060101010101" charset="-122"/>
               </a:rPr>
               <a:t>INVEST</a:t>
             </a:r>
@@ -9500,7 +9405,7 @@
                   <a:srgbClr val="990000"/>
                 </a:solidFill>
                 <a:latin typeface="FrutigerNext LT Medium" pitchFamily="34" charset="0"/>
-                <a:ea typeface="黑体" panose="02010609060101010101" pitchFamily="49" charset="-122"/>
+                <a:ea typeface="黑体" panose="02010609060101010101" charset="-122"/>
               </a:rPr>
               <a:t>标准</a:t>
             </a:r>
@@ -9509,7 +9414,7 @@
                 <a:srgbClr val="990000"/>
               </a:solidFill>
               <a:latin typeface="FrutigerNext LT Medium" pitchFamily="34" charset="0"/>
-              <a:ea typeface="黑体" panose="02010609060101010101" pitchFamily="49" charset="-122"/>
+              <a:ea typeface="黑体" panose="02010609060101010101" charset="-122"/>
               <a:cs typeface="+mn-cs"/>
             </a:endParaRPr>
           </a:p>
@@ -9518,14 +9423,12 @@
       <p:sp>
         <p:nvSpPr>
           <p:cNvPr id="4" name="标题 1"/>
-          <p:cNvSpPr txBox="1">
-            <a:spLocks/>
-          </p:cNvSpPr>
+          <p:cNvSpPr txBox="1"/>
           <p:nvPr/>
         </p:nvSpPr>
         <p:spPr>
           <a:xfrm>
-            <a:off x="599607" y="1384370"/>
+            <a:off x="599607" y="1258640"/>
             <a:ext cx="11137691" cy="4845950"/>
           </a:xfrm>
         </p:spPr>
@@ -10064,11 +9967,6 @@
         </p:txBody>
       </p:sp>
     </p:spTree>
-    <p:extLst>
-      <p:ext uri="{BB962C8B-B14F-4D97-AF65-F5344CB8AC3E}">
-        <p14:creationId xmlns:p14="http://schemas.microsoft.com/office/powerpoint/2010/main" val="2549255545"/>
-      </p:ext>
-    </p:extLst>
   </p:cSld>
   <p:clrMapOvr>
     <a:masterClrMapping/>
@@ -10126,7 +10024,7 @@
               </a14:hiddenFill>
             </a:ext>
             <a:ext uri="{91240B29-F687-4F45-9708-019B960494DF}">
-              <a14:hiddenLine xmlns:a14="http://schemas.microsoft.com/office/drawing/2010/main" w="9525" algn="ctr">
+              <a14:hiddenLine xmlns:a14="http://schemas.microsoft.com/office/drawing/2010/main" w="9525">
                 <a:solidFill>
                   <a:srgbClr val="000000"/>
                 </a:solidFill>
@@ -10161,7 +10059,7 @@
             </a:lvl1pPr>
           </a:lstStyle>
           <a:p>
-            <a:pPr defTabSz="801688">
+            <a:pPr defTabSz="802005">
               <a:lnSpc>
                 <a:spcPct val="110000"/>
               </a:lnSpc>
@@ -10172,7 +10070,7 @@
                   <a:srgbClr val="990000"/>
                 </a:solidFill>
                 <a:latin typeface="FrutigerNext LT Medium" pitchFamily="34" charset="0"/>
-                <a:ea typeface="黑体" panose="02010609060101010101" pitchFamily="49" charset="-122"/>
+                <a:ea typeface="黑体" panose="02010609060101010101" charset="-122"/>
               </a:rPr>
               <a:t>用户故事约束（验收条件）</a:t>
             </a:r>
@@ -10181,7 +10079,7 @@
                 <a:srgbClr val="990000"/>
               </a:solidFill>
               <a:latin typeface="FrutigerNext LT Medium" pitchFamily="34" charset="0"/>
-              <a:ea typeface="黑体" panose="02010609060101010101" pitchFamily="49" charset="-122"/>
+              <a:ea typeface="黑体" panose="02010609060101010101" charset="-122"/>
               <a:cs typeface="+mn-cs"/>
             </a:endParaRPr>
           </a:p>
@@ -10190,9 +10088,7 @@
       <p:sp>
         <p:nvSpPr>
           <p:cNvPr id="4" name="标题 1"/>
-          <p:cNvSpPr txBox="1">
-            <a:spLocks/>
-          </p:cNvSpPr>
+          <p:cNvSpPr txBox="1"/>
           <p:nvPr/>
         </p:nvSpPr>
         <p:spPr>
@@ -10340,6 +10236,13 @@
               </a:rPr>
               <a:t>作为一个维基用户，我想上传一个文件到维基，这样我可以和同事们分享。</a:t>
             </a:r>
+            <a:endParaRPr lang="zh-CN" altLang="en-US" sz="2400" dirty="0">
+              <a:solidFill>
+                <a:srgbClr val="7030A0"/>
+              </a:solidFill>
+              <a:latin typeface="微软雅黑" panose="020B0503020204020204" pitchFamily="34" charset="-122"/>
+              <a:ea typeface="微软雅黑" panose="020B0503020204020204" pitchFamily="34" charset="-122"/>
+            </a:endParaRPr>
           </a:p>
         </p:txBody>
       </p:sp>
@@ -10626,6 +10529,13 @@
               </a:rPr>
               <a:t>验证无数字版权管理限制的文件</a:t>
             </a:r>
+            <a:endParaRPr lang="zh-CN" altLang="en-US" sz="2400" dirty="0">
+              <a:solidFill>
+                <a:srgbClr val="BF6D07"/>
+              </a:solidFill>
+              <a:latin typeface="微软雅黑" panose="020B0503020204020204" pitchFamily="34" charset="-122"/>
+              <a:ea typeface="微软雅黑" panose="020B0503020204020204" pitchFamily="34" charset="-122"/>
+            </a:endParaRPr>
           </a:p>
         </p:txBody>
       </p:sp>
@@ -10804,11 +10714,6 @@
         </p:txBody>
       </p:sp>
     </p:spTree>
-    <p:extLst>
-      <p:ext uri="{BB962C8B-B14F-4D97-AF65-F5344CB8AC3E}">
-        <p14:creationId xmlns:p14="http://schemas.microsoft.com/office/powerpoint/2010/main" val="925170205"/>
-      </p:ext>
-    </p:extLst>
   </p:cSld>
   <p:clrMapOvr>
     <a:masterClrMapping/>
@@ -11075,7 +10980,7 @@
               </a14:hiddenFill>
             </a:ext>
             <a:ext uri="{91240B29-F687-4F45-9708-019B960494DF}">
-              <a14:hiddenLine xmlns:a14="http://schemas.microsoft.com/office/drawing/2010/main" w="9525" algn="ctr">
+              <a14:hiddenLine xmlns:a14="http://schemas.microsoft.com/office/drawing/2010/main" w="9525">
                 <a:solidFill>
                   <a:srgbClr val="000000"/>
                 </a:solidFill>
@@ -11110,7 +11015,7 @@
             </a:lvl1pPr>
           </a:lstStyle>
           <a:p>
-            <a:pPr defTabSz="801688">
+            <a:pPr defTabSz="802005">
               <a:lnSpc>
                 <a:spcPct val="110000"/>
               </a:lnSpc>
@@ -11121,7 +11026,7 @@
                   <a:srgbClr val="990000"/>
                 </a:solidFill>
                 <a:latin typeface="FrutigerNext LT Medium" pitchFamily="34" charset="0"/>
-                <a:ea typeface="黑体" panose="02010609060101010101" pitchFamily="49" charset="-122"/>
+                <a:ea typeface="黑体" panose="02010609060101010101" charset="-122"/>
               </a:rPr>
               <a:t>非功能性需求如何表达？</a:t>
             </a:r>
@@ -11130,7 +11035,7 @@
                 <a:srgbClr val="990000"/>
               </a:solidFill>
               <a:latin typeface="FrutigerNext LT Medium" pitchFamily="34" charset="0"/>
-              <a:ea typeface="黑体" panose="02010609060101010101" pitchFamily="49" charset="-122"/>
+              <a:ea typeface="黑体" panose="02010609060101010101" charset="-122"/>
               <a:cs typeface="+mn-cs"/>
             </a:endParaRPr>
           </a:p>
@@ -11238,6 +11143,13 @@
               </a:rPr>
               <a:t>种语言。</a:t>
             </a:r>
+            <a:endParaRPr lang="zh-CN" altLang="en-US" sz="2400" dirty="0">
+              <a:solidFill>
+                <a:srgbClr val="7030A0"/>
+              </a:solidFill>
+              <a:latin typeface="微软雅黑" panose="020B0503020204020204" pitchFamily="34" charset="-122"/>
+              <a:ea typeface="微软雅黑" panose="020B0503020204020204" pitchFamily="34" charset="-122"/>
+            </a:endParaRPr>
           </a:p>
         </p:txBody>
       </p:sp>
@@ -11618,11 +11530,6 @@
         </p:txBody>
       </p:sp>
     </p:spTree>
-    <p:extLst>
-      <p:ext uri="{BB962C8B-B14F-4D97-AF65-F5344CB8AC3E}">
-        <p14:creationId xmlns:p14="http://schemas.microsoft.com/office/powerpoint/2010/main" val="416549198"/>
-      </p:ext>
-    </p:extLst>
   </p:cSld>
   <p:clrMapOvr>
     <a:masterClrMapping/>
@@ -11889,7 +11796,7 @@
               </a14:hiddenFill>
             </a:ext>
             <a:ext uri="{91240B29-F687-4F45-9708-019B960494DF}">
-              <a14:hiddenLine xmlns:a14="http://schemas.microsoft.com/office/drawing/2010/main" w="9525" algn="ctr">
+              <a14:hiddenLine xmlns:a14="http://schemas.microsoft.com/office/drawing/2010/main" w="9525">
                 <a:solidFill>
                   <a:srgbClr val="000000"/>
                 </a:solidFill>
@@ -11924,7 +11831,7 @@
             </a:lvl1pPr>
           </a:lstStyle>
           <a:p>
-            <a:pPr defTabSz="801688">
+            <a:pPr defTabSz="802005">
               <a:lnSpc>
                 <a:spcPct val="110000"/>
               </a:lnSpc>
@@ -11935,7 +11842,7 @@
                   <a:srgbClr val="990000"/>
                 </a:solidFill>
                 <a:latin typeface="FrutigerNext LT Medium" pitchFamily="34" charset="0"/>
-                <a:ea typeface="黑体" panose="02010609060101010101" pitchFamily="49" charset="-122"/>
+                <a:ea typeface="黑体" panose="02010609060101010101" charset="-122"/>
               </a:rPr>
               <a:t>知识获取性故事如何表达？</a:t>
             </a:r>
@@ -11944,7 +11851,7 @@
                 <a:srgbClr val="990000"/>
               </a:solidFill>
               <a:latin typeface="FrutigerNext LT Medium" pitchFamily="34" charset="0"/>
-              <a:ea typeface="黑体" panose="02010609060101010101" pitchFamily="49" charset="-122"/>
+              <a:ea typeface="黑体" panose="02010609060101010101" charset="-122"/>
               <a:cs typeface="+mn-cs"/>
             </a:endParaRPr>
           </a:p>
@@ -11953,9 +11860,7 @@
       <p:sp>
         <p:nvSpPr>
           <p:cNvPr id="4" name="标题 1"/>
-          <p:cNvSpPr txBox="1">
-            <a:spLocks/>
-          </p:cNvSpPr>
+          <p:cNvSpPr txBox="1"/>
           <p:nvPr/>
         </p:nvSpPr>
         <p:spPr>
@@ -12111,6 +12016,13 @@
               </a:rPr>
               <a:t>Oracle</a:t>
             </a:r>
+            <a:endParaRPr lang="en-US" altLang="zh-CN" sz="2400" b="1" dirty="0">
+              <a:solidFill>
+                <a:srgbClr val="7030A0"/>
+              </a:solidFill>
+              <a:latin typeface="微软雅黑" panose="020B0503020204020204" pitchFamily="34" charset="-122"/>
+              <a:ea typeface="微软雅黑" panose="020B0503020204020204" pitchFamily="34" charset="-122"/>
+            </a:endParaRPr>
           </a:p>
           <a:p>
             <a:pPr algn="ctr" eaLnBrk="1" hangingPunct="1">
@@ -12166,6 +12078,13 @@
               </a:rPr>
               <a:t>版本上运营。</a:t>
             </a:r>
+            <a:endParaRPr lang="zh-CN" altLang="en-US" sz="2400" dirty="0">
+              <a:solidFill>
+                <a:srgbClr val="7030A0"/>
+              </a:solidFill>
+              <a:latin typeface="微软雅黑" panose="020B0503020204020204" pitchFamily="34" charset="-122"/>
+              <a:ea typeface="微软雅黑" panose="020B0503020204020204" pitchFamily="34" charset="-122"/>
+            </a:endParaRPr>
           </a:p>
         </p:txBody>
       </p:sp>
@@ -12251,6 +12170,13 @@
               </a:rPr>
               <a:t>作为开发人员，我想让构建在我提交代码时自动运行，这样可以避免在引入回归错误的时候就发现它。</a:t>
             </a:r>
+            <a:endParaRPr lang="zh-CN" altLang="en-US" sz="2400" dirty="0">
+              <a:solidFill>
+                <a:srgbClr val="7030A0"/>
+              </a:solidFill>
+              <a:latin typeface="微软雅黑" panose="020B0503020204020204" pitchFamily="34" charset="-122"/>
+              <a:ea typeface="微软雅黑" panose="020B0503020204020204" pitchFamily="34" charset="-122"/>
+            </a:endParaRPr>
           </a:p>
         </p:txBody>
       </p:sp>
@@ -12429,11 +12355,6 @@
         </p:txBody>
       </p:sp>
     </p:spTree>
-    <p:extLst>
-      <p:ext uri="{BB962C8B-B14F-4D97-AF65-F5344CB8AC3E}">
-        <p14:creationId xmlns:p14="http://schemas.microsoft.com/office/powerpoint/2010/main" val="1384259510"/>
-      </p:ext>
-    </p:extLst>
   </p:cSld>
   <p:clrMapOvr>
     <a:masterClrMapping/>
@@ -12700,7 +12621,7 @@
               </a14:hiddenFill>
             </a:ext>
             <a:ext uri="{91240B29-F687-4F45-9708-019B960494DF}">
-              <a14:hiddenLine xmlns:a14="http://schemas.microsoft.com/office/drawing/2010/main" w="9525" algn="ctr">
+              <a14:hiddenLine xmlns:a14="http://schemas.microsoft.com/office/drawing/2010/main" w="9525">
                 <a:solidFill>
                   <a:srgbClr val="000000"/>
                 </a:solidFill>
@@ -12735,7 +12656,7 @@
             </a:lvl1pPr>
           </a:lstStyle>
           <a:p>
-            <a:pPr defTabSz="801688">
+            <a:pPr defTabSz="802005">
               <a:lnSpc>
                 <a:spcPct val="110000"/>
               </a:lnSpc>
@@ -12746,7 +12667,7 @@
                   <a:srgbClr val="990000"/>
                 </a:solidFill>
                 <a:latin typeface="FrutigerNext LT Medium" pitchFamily="34" charset="0"/>
-                <a:ea typeface="黑体" panose="02010609060101010101" pitchFamily="49" charset="-122"/>
+                <a:ea typeface="黑体" panose="02010609060101010101" charset="-122"/>
               </a:rPr>
               <a:t>如何收集用户故事</a:t>
             </a:r>
@@ -12755,7 +12676,7 @@
                 <a:srgbClr val="990000"/>
               </a:solidFill>
               <a:latin typeface="FrutigerNext LT Medium" pitchFamily="34" charset="0"/>
-              <a:ea typeface="黑体" panose="02010609060101010101" pitchFamily="49" charset="-122"/>
+              <a:ea typeface="黑体" panose="02010609060101010101" charset="-122"/>
               <a:cs typeface="+mn-cs"/>
             </a:endParaRPr>
           </a:p>
@@ -12764,9 +12685,7 @@
       <p:sp>
         <p:nvSpPr>
           <p:cNvPr id="4" name="标题 1"/>
-          <p:cNvSpPr txBox="1">
-            <a:spLocks/>
-          </p:cNvSpPr>
+          <p:cNvSpPr txBox="1"/>
           <p:nvPr/>
         </p:nvSpPr>
         <p:spPr>
@@ -13155,11 +13074,6 @@
         </p:txBody>
       </p:sp>
     </p:spTree>
-    <p:extLst>
-      <p:ext uri="{BB962C8B-B14F-4D97-AF65-F5344CB8AC3E}">
-        <p14:creationId xmlns:p14="http://schemas.microsoft.com/office/powerpoint/2010/main" val="2457777300"/>
-      </p:ext>
-    </p:extLst>
   </p:cSld>
   <p:clrMapOvr>
     <a:masterClrMapping/>
@@ -13203,7 +13117,6 @@
         </p:nvSpPr>
         <p:spPr>
           <a:noFill/>
-          <a:ln/>
           <a:extLst>
             <a:ext uri="{909E8E84-426E-40DD-AFC4-6F175D3DCCD1}">
               <a14:hiddenFill xmlns:a14="http://schemas.microsoft.com/office/drawing/2010/main">
@@ -13227,52 +13140,52 @@
         <p:txBody>
           <a:bodyPr/>
           <a:lstStyle>
-            <a:lvl1pPr defTabSz="801688" eaLnBrk="0" hangingPunct="0">
+            <a:lvl1pPr defTabSz="802005" eaLnBrk="0" hangingPunct="0">
               <a:defRPr sz="3200">
                 <a:solidFill>
                   <a:srgbClr val="990000"/>
                 </a:solidFill>
                 <a:latin typeface="FrutigerNext LT Medium" pitchFamily="34" charset="0"/>
-                <a:ea typeface="黑体" panose="02010609060101010101" pitchFamily="49" charset="-122"/>
+                <a:ea typeface="黑体" panose="02010609060101010101" charset="-122"/>
               </a:defRPr>
             </a:lvl1pPr>
-            <a:lvl2pPr marL="742950" indent="-285750" defTabSz="801688" eaLnBrk="0" hangingPunct="0">
+            <a:lvl2pPr marL="742950" indent="-285750" defTabSz="802005" eaLnBrk="0" hangingPunct="0">
               <a:defRPr sz="3200">
                 <a:solidFill>
                   <a:srgbClr val="990000"/>
                 </a:solidFill>
                 <a:latin typeface="FrutigerNext LT Medium" pitchFamily="34" charset="0"/>
-                <a:ea typeface="黑体" panose="02010609060101010101" pitchFamily="49" charset="-122"/>
+                <a:ea typeface="黑体" panose="02010609060101010101" charset="-122"/>
               </a:defRPr>
             </a:lvl2pPr>
-            <a:lvl3pPr marL="1143000" indent="-228600" defTabSz="801688" eaLnBrk="0" hangingPunct="0">
+            <a:lvl3pPr marL="1143000" indent="-228600" defTabSz="802005" eaLnBrk="0" hangingPunct="0">
               <a:defRPr sz="3200">
                 <a:solidFill>
                   <a:srgbClr val="990000"/>
                 </a:solidFill>
                 <a:latin typeface="FrutigerNext LT Medium" pitchFamily="34" charset="0"/>
-                <a:ea typeface="黑体" panose="02010609060101010101" pitchFamily="49" charset="-122"/>
+                <a:ea typeface="黑体" panose="02010609060101010101" charset="-122"/>
               </a:defRPr>
             </a:lvl3pPr>
-            <a:lvl4pPr marL="1600200" indent="-228600" defTabSz="801688" eaLnBrk="0" hangingPunct="0">
+            <a:lvl4pPr marL="1600200" indent="-228600" defTabSz="802005" eaLnBrk="0" hangingPunct="0">
               <a:defRPr sz="3200">
                 <a:solidFill>
                   <a:srgbClr val="990000"/>
                 </a:solidFill>
                 <a:latin typeface="FrutigerNext LT Medium" pitchFamily="34" charset="0"/>
-                <a:ea typeface="黑体" panose="02010609060101010101" pitchFamily="49" charset="-122"/>
+                <a:ea typeface="黑体" panose="02010609060101010101" charset="-122"/>
               </a:defRPr>
             </a:lvl4pPr>
-            <a:lvl5pPr marL="2057400" indent="-228600" defTabSz="801688" eaLnBrk="0" hangingPunct="0">
+            <a:lvl5pPr marL="2057400" indent="-228600" defTabSz="802005" eaLnBrk="0" hangingPunct="0">
               <a:defRPr sz="3200">
                 <a:solidFill>
                   <a:srgbClr val="990000"/>
                 </a:solidFill>
                 <a:latin typeface="FrutigerNext LT Medium" pitchFamily="34" charset="0"/>
-                <a:ea typeface="黑体" panose="02010609060101010101" pitchFamily="49" charset="-122"/>
+                <a:ea typeface="黑体" panose="02010609060101010101" charset="-122"/>
               </a:defRPr>
             </a:lvl5pPr>
-            <a:lvl6pPr marL="2514600" indent="-228600" algn="ctr" defTabSz="801688" eaLnBrk="0" fontAlgn="base" hangingPunct="0">
+            <a:lvl6pPr marL="2514600" indent="-228600" algn="ctr" defTabSz="802005" eaLnBrk="0" fontAlgn="base" hangingPunct="0">
               <a:spcBef>
                 <a:spcPct val="0"/>
               </a:spcBef>
@@ -13284,10 +13197,10 @@
                   <a:srgbClr val="990000"/>
                 </a:solidFill>
                 <a:latin typeface="FrutigerNext LT Medium" pitchFamily="34" charset="0"/>
-                <a:ea typeface="黑体" panose="02010609060101010101" pitchFamily="49" charset="-122"/>
+                <a:ea typeface="黑体" panose="02010609060101010101" charset="-122"/>
               </a:defRPr>
             </a:lvl6pPr>
-            <a:lvl7pPr marL="2971800" indent="-228600" algn="ctr" defTabSz="801688" eaLnBrk="0" fontAlgn="base" hangingPunct="0">
+            <a:lvl7pPr marL="2971800" indent="-228600" algn="ctr" defTabSz="802005" eaLnBrk="0" fontAlgn="base" hangingPunct="0">
               <a:spcBef>
                 <a:spcPct val="0"/>
               </a:spcBef>
@@ -13299,10 +13212,10 @@
                   <a:srgbClr val="990000"/>
                 </a:solidFill>
                 <a:latin typeface="FrutigerNext LT Medium" pitchFamily="34" charset="0"/>
-                <a:ea typeface="黑体" panose="02010609060101010101" pitchFamily="49" charset="-122"/>
+                <a:ea typeface="黑体" panose="02010609060101010101" charset="-122"/>
               </a:defRPr>
             </a:lvl7pPr>
-            <a:lvl8pPr marL="3429000" indent="-228600" algn="ctr" defTabSz="801688" eaLnBrk="0" fontAlgn="base" hangingPunct="0">
+            <a:lvl8pPr marL="3429000" indent="-228600" algn="ctr" defTabSz="802005" eaLnBrk="0" fontAlgn="base" hangingPunct="0">
               <a:spcBef>
                 <a:spcPct val="0"/>
               </a:spcBef>
@@ -13314,10 +13227,10 @@
                   <a:srgbClr val="990000"/>
                 </a:solidFill>
                 <a:latin typeface="FrutigerNext LT Medium" pitchFamily="34" charset="0"/>
-                <a:ea typeface="黑体" panose="02010609060101010101" pitchFamily="49" charset="-122"/>
+                <a:ea typeface="黑体" panose="02010609060101010101" charset="-122"/>
               </a:defRPr>
             </a:lvl8pPr>
-            <a:lvl9pPr marL="3886200" indent="-228600" algn="ctr" defTabSz="801688" eaLnBrk="0" fontAlgn="base" hangingPunct="0">
+            <a:lvl9pPr marL="3886200" indent="-228600" algn="ctr" defTabSz="802005" eaLnBrk="0" fontAlgn="base" hangingPunct="0">
               <a:spcBef>
                 <a:spcPct val="0"/>
               </a:spcBef>
@@ -13329,7 +13242,7 @@
                   <a:srgbClr val="990000"/>
                 </a:solidFill>
                 <a:latin typeface="FrutigerNext LT Medium" pitchFamily="34" charset="0"/>
-                <a:ea typeface="黑体" panose="02010609060101010101" pitchFamily="49" charset="-122"/>
+                <a:ea typeface="黑体" panose="02010609060101010101" charset="-122"/>
               </a:defRPr>
             </a:lvl9pPr>
           </a:lstStyle>
@@ -13372,7 +13285,7 @@
               </a14:hiddenFill>
             </a:ext>
             <a:ext uri="{91240B29-F687-4F45-9708-019B960494DF}">
-              <a14:hiddenLine xmlns:a14="http://schemas.microsoft.com/office/drawing/2010/main" w="9525" algn="ctr">
+              <a14:hiddenLine xmlns:a14="http://schemas.microsoft.com/office/drawing/2010/main" w="9525">
                 <a:solidFill>
                   <a:srgbClr val="000000"/>
                 </a:solidFill>
@@ -13389,7 +13302,7 @@
           </a:bodyPr>
           <a:lstStyle/>
           <a:p>
-            <a:pPr defTabSz="801688">
+            <a:pPr defTabSz="802005">
               <a:lnSpc>
                 <a:spcPct val="110000"/>
               </a:lnSpc>
@@ -13405,6 +13318,14 @@
               </a:rPr>
               <a:t>敏捷工程实践：结对编程</a:t>
             </a:r>
+            <a:endParaRPr lang="zh-CN" altLang="en-US" sz="3200" dirty="0">
+              <a:solidFill>
+                <a:srgbClr val="990000"/>
+              </a:solidFill>
+              <a:latin typeface="微软雅黑" panose="020B0503020204020204" pitchFamily="34" charset="-122"/>
+              <a:ea typeface="微软雅黑" panose="020B0503020204020204" pitchFamily="34" charset="-122"/>
+              <a:cs typeface="+mn-cs"/>
+            </a:endParaRPr>
           </a:p>
         </p:txBody>
       </p:sp>
@@ -13457,7 +13378,7 @@
                   <a:srgbClr val="990000"/>
                 </a:solidFill>
                 <a:latin typeface="FrutigerNext LT Medium" pitchFamily="34" charset="0"/>
-                <a:ea typeface="黑体" panose="02010609060101010101" pitchFamily="49" charset="-122"/>
+                <a:ea typeface="黑体" panose="02010609060101010101" charset="-122"/>
               </a:defRPr>
             </a:lvl1pPr>
             <a:lvl2pPr marL="742950" indent="-285750" defTabSz="800100" eaLnBrk="0" hangingPunct="0">
@@ -13466,7 +13387,7 @@
                   <a:srgbClr val="990000"/>
                 </a:solidFill>
                 <a:latin typeface="FrutigerNext LT Medium" pitchFamily="34" charset="0"/>
-                <a:ea typeface="黑体" panose="02010609060101010101" pitchFamily="49" charset="-122"/>
+                <a:ea typeface="黑体" panose="02010609060101010101" charset="-122"/>
               </a:defRPr>
             </a:lvl2pPr>
             <a:lvl3pPr marL="1143000" indent="-228600" defTabSz="800100" eaLnBrk="0" hangingPunct="0">
@@ -13475,7 +13396,7 @@
                   <a:srgbClr val="990000"/>
                 </a:solidFill>
                 <a:latin typeface="FrutigerNext LT Medium" pitchFamily="34" charset="0"/>
-                <a:ea typeface="黑体" panose="02010609060101010101" pitchFamily="49" charset="-122"/>
+                <a:ea typeface="黑体" panose="02010609060101010101" charset="-122"/>
               </a:defRPr>
             </a:lvl3pPr>
             <a:lvl4pPr marL="1600200" indent="-228600" defTabSz="800100" eaLnBrk="0" hangingPunct="0">
@@ -13484,7 +13405,7 @@
                   <a:srgbClr val="990000"/>
                 </a:solidFill>
                 <a:latin typeface="FrutigerNext LT Medium" pitchFamily="34" charset="0"/>
-                <a:ea typeface="黑体" panose="02010609060101010101" pitchFamily="49" charset="-122"/>
+                <a:ea typeface="黑体" panose="02010609060101010101" charset="-122"/>
               </a:defRPr>
             </a:lvl4pPr>
             <a:lvl5pPr marL="2057400" indent="-228600" defTabSz="800100" eaLnBrk="0" hangingPunct="0">
@@ -13493,7 +13414,7 @@
                   <a:srgbClr val="990000"/>
                 </a:solidFill>
                 <a:latin typeface="FrutigerNext LT Medium" pitchFamily="34" charset="0"/>
-                <a:ea typeface="黑体" panose="02010609060101010101" pitchFamily="49" charset="-122"/>
+                <a:ea typeface="黑体" panose="02010609060101010101" charset="-122"/>
               </a:defRPr>
             </a:lvl5pPr>
             <a:lvl6pPr marL="2514600" indent="-228600" algn="ctr" defTabSz="800100" eaLnBrk="0" fontAlgn="base" hangingPunct="0">
@@ -13508,7 +13429,7 @@
                   <a:srgbClr val="990000"/>
                 </a:solidFill>
                 <a:latin typeface="FrutigerNext LT Medium" pitchFamily="34" charset="0"/>
-                <a:ea typeface="黑体" panose="02010609060101010101" pitchFamily="49" charset="-122"/>
+                <a:ea typeface="黑体" panose="02010609060101010101" charset="-122"/>
               </a:defRPr>
             </a:lvl6pPr>
             <a:lvl7pPr marL="2971800" indent="-228600" algn="ctr" defTabSz="800100" eaLnBrk="0" fontAlgn="base" hangingPunct="0">
@@ -13523,7 +13444,7 @@
                   <a:srgbClr val="990000"/>
                 </a:solidFill>
                 <a:latin typeface="FrutigerNext LT Medium" pitchFamily="34" charset="0"/>
-                <a:ea typeface="黑体" panose="02010609060101010101" pitchFamily="49" charset="-122"/>
+                <a:ea typeface="黑体" panose="02010609060101010101" charset="-122"/>
               </a:defRPr>
             </a:lvl7pPr>
             <a:lvl8pPr marL="3429000" indent="-228600" algn="ctr" defTabSz="800100" eaLnBrk="0" fontAlgn="base" hangingPunct="0">
@@ -13538,7 +13459,7 @@
                   <a:srgbClr val="990000"/>
                 </a:solidFill>
                 <a:latin typeface="FrutigerNext LT Medium" pitchFamily="34" charset="0"/>
-                <a:ea typeface="黑体" panose="02010609060101010101" pitchFamily="49" charset="-122"/>
+                <a:ea typeface="黑体" panose="02010609060101010101" charset="-122"/>
               </a:defRPr>
             </a:lvl8pPr>
             <a:lvl9pPr marL="3886200" indent="-228600" algn="ctr" defTabSz="800100" eaLnBrk="0" fontAlgn="base" hangingPunct="0">
@@ -13553,7 +13474,7 @@
                   <a:srgbClr val="990000"/>
                 </a:solidFill>
                 <a:latin typeface="FrutigerNext LT Medium" pitchFamily="34" charset="0"/>
-                <a:ea typeface="黑体" panose="02010609060101010101" pitchFamily="49" charset="-122"/>
+                <a:ea typeface="黑体" panose="02010609060101010101" charset="-122"/>
               </a:defRPr>
             </a:lvl9pPr>
           </a:lstStyle>
@@ -13579,6 +13500,13 @@
               </a:rPr>
               <a:t>什么是结对编程</a:t>
             </a:r>
+            <a:endParaRPr lang="zh-CN" altLang="en-US" sz="2000" b="1" dirty="0">
+              <a:solidFill>
+                <a:schemeClr val="tx1"/>
+              </a:solidFill>
+              <a:latin typeface="微软雅黑" panose="020B0503020204020204" pitchFamily="34" charset="-122"/>
+              <a:ea typeface="微软雅黑" panose="020B0503020204020204" pitchFamily="34" charset="-122"/>
+            </a:endParaRPr>
           </a:p>
           <a:p>
             <a:pPr algn="l">
@@ -13656,6 +13584,13 @@
               </a:rPr>
               <a:t>；</a:t>
             </a:r>
+            <a:endParaRPr lang="zh-CN" altLang="en-US" sz="1800" dirty="0">
+              <a:solidFill>
+                <a:schemeClr val="tx1"/>
+              </a:solidFill>
+              <a:latin typeface="微软雅黑" panose="020B0503020204020204" pitchFamily="34" charset="-122"/>
+              <a:ea typeface="微软雅黑" panose="020B0503020204020204" pitchFamily="34" charset="-122"/>
+            </a:endParaRPr>
           </a:p>
           <a:p>
             <a:pPr algn="l">
@@ -13740,7 +13675,7 @@
                   <a:srgbClr val="990000"/>
                 </a:solidFill>
                 <a:latin typeface="FrutigerNext LT Medium" pitchFamily="34" charset="0"/>
-                <a:ea typeface="黑体" panose="02010609060101010101" pitchFamily="49" charset="-122"/>
+                <a:ea typeface="黑体" panose="02010609060101010101" charset="-122"/>
               </a:defRPr>
             </a:lvl1pPr>
             <a:lvl2pPr marL="742950" indent="-285750" defTabSz="800100" eaLnBrk="0" hangingPunct="0">
@@ -13749,7 +13684,7 @@
                   <a:srgbClr val="990000"/>
                 </a:solidFill>
                 <a:latin typeface="FrutigerNext LT Medium" pitchFamily="34" charset="0"/>
-                <a:ea typeface="黑体" panose="02010609060101010101" pitchFamily="49" charset="-122"/>
+                <a:ea typeface="黑体" panose="02010609060101010101" charset="-122"/>
               </a:defRPr>
             </a:lvl2pPr>
             <a:lvl3pPr marL="1143000" indent="-228600" defTabSz="800100" eaLnBrk="0" hangingPunct="0">
@@ -13758,7 +13693,7 @@
                   <a:srgbClr val="990000"/>
                 </a:solidFill>
                 <a:latin typeface="FrutigerNext LT Medium" pitchFamily="34" charset="0"/>
-                <a:ea typeface="黑体" panose="02010609060101010101" pitchFamily="49" charset="-122"/>
+                <a:ea typeface="黑体" panose="02010609060101010101" charset="-122"/>
               </a:defRPr>
             </a:lvl3pPr>
             <a:lvl4pPr marL="1600200" indent="-228600" defTabSz="800100" eaLnBrk="0" hangingPunct="0">
@@ -13767,7 +13702,7 @@
                   <a:srgbClr val="990000"/>
                 </a:solidFill>
                 <a:latin typeface="FrutigerNext LT Medium" pitchFamily="34" charset="0"/>
-                <a:ea typeface="黑体" panose="02010609060101010101" pitchFamily="49" charset="-122"/>
+                <a:ea typeface="黑体" panose="02010609060101010101" charset="-122"/>
               </a:defRPr>
             </a:lvl4pPr>
             <a:lvl5pPr marL="2057400" indent="-228600" defTabSz="800100" eaLnBrk="0" hangingPunct="0">
@@ -13776,7 +13711,7 @@
                   <a:srgbClr val="990000"/>
                 </a:solidFill>
                 <a:latin typeface="FrutigerNext LT Medium" pitchFamily="34" charset="0"/>
-                <a:ea typeface="黑体" panose="02010609060101010101" pitchFamily="49" charset="-122"/>
+                <a:ea typeface="黑体" panose="02010609060101010101" charset="-122"/>
               </a:defRPr>
             </a:lvl5pPr>
             <a:lvl6pPr marL="2514600" indent="-228600" algn="ctr" defTabSz="800100" eaLnBrk="0" fontAlgn="base" hangingPunct="0">
@@ -13791,7 +13726,7 @@
                   <a:srgbClr val="990000"/>
                 </a:solidFill>
                 <a:latin typeface="FrutigerNext LT Medium" pitchFamily="34" charset="0"/>
-                <a:ea typeface="黑体" panose="02010609060101010101" pitchFamily="49" charset="-122"/>
+                <a:ea typeface="黑体" panose="02010609060101010101" charset="-122"/>
               </a:defRPr>
             </a:lvl6pPr>
             <a:lvl7pPr marL="2971800" indent="-228600" algn="ctr" defTabSz="800100" eaLnBrk="0" fontAlgn="base" hangingPunct="0">
@@ -13806,7 +13741,7 @@
                   <a:srgbClr val="990000"/>
                 </a:solidFill>
                 <a:latin typeface="FrutigerNext LT Medium" pitchFamily="34" charset="0"/>
-                <a:ea typeface="黑体" panose="02010609060101010101" pitchFamily="49" charset="-122"/>
+                <a:ea typeface="黑体" panose="02010609060101010101" charset="-122"/>
               </a:defRPr>
             </a:lvl7pPr>
             <a:lvl8pPr marL="3429000" indent="-228600" algn="ctr" defTabSz="800100" eaLnBrk="0" fontAlgn="base" hangingPunct="0">
@@ -13821,7 +13756,7 @@
                   <a:srgbClr val="990000"/>
                 </a:solidFill>
                 <a:latin typeface="FrutigerNext LT Medium" pitchFamily="34" charset="0"/>
-                <a:ea typeface="黑体" panose="02010609060101010101" pitchFamily="49" charset="-122"/>
+                <a:ea typeface="黑体" panose="02010609060101010101" charset="-122"/>
               </a:defRPr>
             </a:lvl8pPr>
             <a:lvl9pPr marL="3886200" indent="-228600" algn="ctr" defTabSz="800100" eaLnBrk="0" fontAlgn="base" hangingPunct="0">
@@ -13836,7 +13771,7 @@
                   <a:srgbClr val="990000"/>
                 </a:solidFill>
                 <a:latin typeface="FrutigerNext LT Medium" pitchFamily="34" charset="0"/>
-                <a:ea typeface="黑体" panose="02010609060101010101" pitchFamily="49" charset="-122"/>
+                <a:ea typeface="黑体" panose="02010609060101010101" charset="-122"/>
               </a:defRPr>
             </a:lvl9pPr>
           </a:lstStyle>
@@ -13862,6 +13797,13 @@
               </a:rPr>
               <a:t>结对编程的好处</a:t>
             </a:r>
+            <a:endParaRPr lang="zh-CN" altLang="en-US" sz="2000" b="1" dirty="0">
+              <a:solidFill>
+                <a:schemeClr val="tx1"/>
+              </a:solidFill>
+              <a:latin typeface="微软雅黑" panose="020B0503020204020204" pitchFamily="34" charset="-122"/>
+              <a:ea typeface="微软雅黑" panose="020B0503020204020204" pitchFamily="34" charset="-122"/>
+            </a:endParaRPr>
           </a:p>
           <a:p>
             <a:pPr algn="l">
@@ -13887,6 +13829,13 @@
               </a:rPr>
               <a:t>有助于提升代码设计质量；</a:t>
             </a:r>
+            <a:endParaRPr lang="zh-CN" altLang="en-US" sz="1800" dirty="0">
+              <a:solidFill>
+                <a:schemeClr val="tx1"/>
+              </a:solidFill>
+              <a:latin typeface="微软雅黑" panose="020B0503020204020204" pitchFamily="34" charset="-122"/>
+              <a:ea typeface="微软雅黑" panose="020B0503020204020204" pitchFamily="34" charset="-122"/>
+            </a:endParaRPr>
           </a:p>
           <a:p>
             <a:pPr algn="l">
@@ -13994,6 +13943,13 @@
               </a:rPr>
               <a:t>结对编程能够大幅促进团队能力提升和知识传播。</a:t>
             </a:r>
+            <a:endParaRPr lang="zh-CN" altLang="en-US" sz="1800" dirty="0">
+              <a:solidFill>
+                <a:schemeClr val="tx1"/>
+              </a:solidFill>
+              <a:latin typeface="微软雅黑" panose="020B0503020204020204" pitchFamily="34" charset="-122"/>
+              <a:ea typeface="微软雅黑" panose="020B0503020204020204" pitchFamily="34" charset="-122"/>
+            </a:endParaRPr>
           </a:p>
         </p:txBody>
       </p:sp>
@@ -14046,7 +14002,7 @@
                   <a:srgbClr val="990000"/>
                 </a:solidFill>
                 <a:latin typeface="FrutigerNext LT Medium" pitchFamily="34" charset="0"/>
-                <a:ea typeface="黑体" panose="02010609060101010101" pitchFamily="49" charset="-122"/>
+                <a:ea typeface="黑体" panose="02010609060101010101" charset="-122"/>
               </a:defRPr>
             </a:lvl1pPr>
             <a:lvl2pPr marL="742950" indent="-285750" defTabSz="800100" eaLnBrk="0" hangingPunct="0">
@@ -14055,7 +14011,7 @@
                   <a:srgbClr val="990000"/>
                 </a:solidFill>
                 <a:latin typeface="FrutigerNext LT Medium" pitchFamily="34" charset="0"/>
-                <a:ea typeface="黑体" panose="02010609060101010101" pitchFamily="49" charset="-122"/>
+                <a:ea typeface="黑体" panose="02010609060101010101" charset="-122"/>
               </a:defRPr>
             </a:lvl2pPr>
             <a:lvl3pPr marL="1143000" indent="-228600" defTabSz="800100" eaLnBrk="0" hangingPunct="0">
@@ -14064,7 +14020,7 @@
                   <a:srgbClr val="990000"/>
                 </a:solidFill>
                 <a:latin typeface="FrutigerNext LT Medium" pitchFamily="34" charset="0"/>
-                <a:ea typeface="黑体" panose="02010609060101010101" pitchFamily="49" charset="-122"/>
+                <a:ea typeface="黑体" panose="02010609060101010101" charset="-122"/>
               </a:defRPr>
             </a:lvl3pPr>
             <a:lvl4pPr marL="1600200" indent="-228600" defTabSz="800100" eaLnBrk="0" hangingPunct="0">
@@ -14073,7 +14029,7 @@
                   <a:srgbClr val="990000"/>
                 </a:solidFill>
                 <a:latin typeface="FrutigerNext LT Medium" pitchFamily="34" charset="0"/>
-                <a:ea typeface="黑体" panose="02010609060101010101" pitchFamily="49" charset="-122"/>
+                <a:ea typeface="黑体" panose="02010609060101010101" charset="-122"/>
               </a:defRPr>
             </a:lvl4pPr>
             <a:lvl5pPr marL="2057400" indent="-228600" defTabSz="800100" eaLnBrk="0" hangingPunct="0">
@@ -14082,7 +14038,7 @@
                   <a:srgbClr val="990000"/>
                 </a:solidFill>
                 <a:latin typeface="FrutigerNext LT Medium" pitchFamily="34" charset="0"/>
-                <a:ea typeface="黑体" panose="02010609060101010101" pitchFamily="49" charset="-122"/>
+                <a:ea typeface="黑体" panose="02010609060101010101" charset="-122"/>
               </a:defRPr>
             </a:lvl5pPr>
             <a:lvl6pPr marL="2514600" indent="-228600" algn="ctr" defTabSz="800100" eaLnBrk="0" fontAlgn="base" hangingPunct="0">
@@ -14097,7 +14053,7 @@
                   <a:srgbClr val="990000"/>
                 </a:solidFill>
                 <a:latin typeface="FrutigerNext LT Medium" pitchFamily="34" charset="0"/>
-                <a:ea typeface="黑体" panose="02010609060101010101" pitchFamily="49" charset="-122"/>
+                <a:ea typeface="黑体" panose="02010609060101010101" charset="-122"/>
               </a:defRPr>
             </a:lvl6pPr>
             <a:lvl7pPr marL="2971800" indent="-228600" algn="ctr" defTabSz="800100" eaLnBrk="0" fontAlgn="base" hangingPunct="0">
@@ -14112,7 +14068,7 @@
                   <a:srgbClr val="990000"/>
                 </a:solidFill>
                 <a:latin typeface="FrutigerNext LT Medium" pitchFamily="34" charset="0"/>
-                <a:ea typeface="黑体" panose="02010609060101010101" pitchFamily="49" charset="-122"/>
+                <a:ea typeface="黑体" panose="02010609060101010101" charset="-122"/>
               </a:defRPr>
             </a:lvl7pPr>
             <a:lvl8pPr marL="3429000" indent="-228600" algn="ctr" defTabSz="800100" eaLnBrk="0" fontAlgn="base" hangingPunct="0">
@@ -14127,7 +14083,7 @@
                   <a:srgbClr val="990000"/>
                 </a:solidFill>
                 <a:latin typeface="FrutigerNext LT Medium" pitchFamily="34" charset="0"/>
-                <a:ea typeface="黑体" panose="02010609060101010101" pitchFamily="49" charset="-122"/>
+                <a:ea typeface="黑体" panose="02010609060101010101" charset="-122"/>
               </a:defRPr>
             </a:lvl8pPr>
             <a:lvl9pPr marL="3886200" indent="-228600" algn="ctr" defTabSz="800100" eaLnBrk="0" fontAlgn="base" hangingPunct="0">
@@ -14142,7 +14098,7 @@
                   <a:srgbClr val="990000"/>
                 </a:solidFill>
                 <a:latin typeface="FrutigerNext LT Medium" pitchFamily="34" charset="0"/>
-                <a:ea typeface="黑体" panose="02010609060101010101" pitchFamily="49" charset="-122"/>
+                <a:ea typeface="黑体" panose="02010609060101010101" charset="-122"/>
               </a:defRPr>
             </a:lvl9pPr>
           </a:lstStyle>
@@ -14168,6 +14124,13 @@
               </a:rPr>
               <a:t>结对编程的关键要点</a:t>
             </a:r>
+            <a:endParaRPr lang="zh-CN" altLang="en-US" sz="2000" b="1" dirty="0">
+              <a:solidFill>
+                <a:schemeClr val="tx1"/>
+              </a:solidFill>
+              <a:latin typeface="微软雅黑" panose="020B0503020204020204" pitchFamily="34" charset="-122"/>
+              <a:ea typeface="微软雅黑" panose="020B0503020204020204" pitchFamily="34" charset="-122"/>
+            </a:endParaRPr>
           </a:p>
           <a:p>
             <a:pPr algn="l">
@@ -14213,6 +14176,13 @@
               </a:rPr>
               <a:t>间切换，保持成员间平等协商和相互理解，避免出现一个角色支配另一个角色的现象；</a:t>
             </a:r>
+            <a:endParaRPr lang="zh-CN" altLang="en-US" sz="1800" dirty="0">
+              <a:solidFill>
+                <a:schemeClr val="tx1"/>
+              </a:solidFill>
+              <a:latin typeface="微软雅黑" panose="020B0503020204020204" pitchFamily="34" charset="-122"/>
+              <a:ea typeface="微软雅黑" panose="020B0503020204020204" pitchFamily="34" charset="-122"/>
+            </a:endParaRPr>
           </a:p>
           <a:p>
             <a:pPr algn="l">
@@ -14258,6 +14228,13 @@
               </a:rPr>
               <a:t>开发的时候即可变换搭档，以增进知识传播；</a:t>
             </a:r>
+            <a:endParaRPr lang="zh-CN" altLang="en-US" sz="1800" dirty="0">
+              <a:solidFill>
+                <a:schemeClr val="tx1"/>
+              </a:solidFill>
+              <a:latin typeface="微软雅黑" panose="020B0503020204020204" pitchFamily="34" charset="-122"/>
+              <a:ea typeface="微软雅黑" panose="020B0503020204020204" pitchFamily="34" charset="-122"/>
+            </a:endParaRPr>
           </a:p>
           <a:p>
             <a:pPr algn="l">
@@ -14303,6 +14280,13 @@
               </a:rPr>
               <a:t>的心态能够增进结对编程效果；</a:t>
             </a:r>
+            <a:endParaRPr lang="zh-CN" altLang="en-US" sz="1800" dirty="0">
+              <a:solidFill>
+                <a:schemeClr val="tx1"/>
+              </a:solidFill>
+              <a:latin typeface="微软雅黑" panose="020B0503020204020204" pitchFamily="34" charset="-122"/>
+              <a:ea typeface="微软雅黑" panose="020B0503020204020204" pitchFamily="34" charset="-122"/>
+            </a:endParaRPr>
           </a:p>
           <a:p>
             <a:pPr algn="l">
@@ -14328,6 +14312,13 @@
               </a:rPr>
               <a:t>实施初期需要精心辅导，帮助团队成员克服个性冲突和习惯差异。</a:t>
             </a:r>
+            <a:endParaRPr lang="zh-CN" altLang="en-US" sz="1800" dirty="0">
+              <a:solidFill>
+                <a:schemeClr val="tx1"/>
+              </a:solidFill>
+              <a:latin typeface="微软雅黑" panose="020B0503020204020204" pitchFamily="34" charset="-122"/>
+              <a:ea typeface="微软雅黑" panose="020B0503020204020204" pitchFamily="34" charset="-122"/>
+            </a:endParaRPr>
           </a:p>
         </p:txBody>
       </p:sp>
@@ -14360,7 +14351,7 @@
               </a14:hiddenFill>
             </a:ext>
             <a:ext uri="{91240B29-F687-4F45-9708-019B960494DF}">
-              <a14:hiddenLine xmlns:a14="http://schemas.microsoft.com/office/drawing/2010/main" w="9525" algn="ctr">
+              <a14:hiddenLine xmlns:a14="http://schemas.microsoft.com/office/drawing/2010/main" w="9525">
                 <a:solidFill>
                   <a:srgbClr val="000000"/>
                 </a:solidFill>
@@ -14380,7 +14371,7 @@
                   <a:srgbClr val="990000"/>
                 </a:solidFill>
                 <a:latin typeface="FrutigerNext LT Medium" pitchFamily="34" charset="0"/>
-                <a:ea typeface="黑体" panose="02010609060101010101" pitchFamily="49" charset="-122"/>
+                <a:ea typeface="黑体" panose="02010609060101010101" charset="-122"/>
               </a:defRPr>
             </a:lvl1pPr>
             <a:lvl2pPr marL="742950" indent="-285750" defTabSz="800100" eaLnBrk="0" hangingPunct="0">
@@ -14389,7 +14380,7 @@
                   <a:srgbClr val="990000"/>
                 </a:solidFill>
                 <a:latin typeface="FrutigerNext LT Medium" pitchFamily="34" charset="0"/>
-                <a:ea typeface="黑体" panose="02010609060101010101" pitchFamily="49" charset="-122"/>
+                <a:ea typeface="黑体" panose="02010609060101010101" charset="-122"/>
               </a:defRPr>
             </a:lvl2pPr>
             <a:lvl3pPr marL="1143000" indent="-228600" defTabSz="800100" eaLnBrk="0" hangingPunct="0">
@@ -14398,7 +14389,7 @@
                   <a:srgbClr val="990000"/>
                 </a:solidFill>
                 <a:latin typeface="FrutigerNext LT Medium" pitchFamily="34" charset="0"/>
-                <a:ea typeface="黑体" panose="02010609060101010101" pitchFamily="49" charset="-122"/>
+                <a:ea typeface="黑体" panose="02010609060101010101" charset="-122"/>
               </a:defRPr>
             </a:lvl3pPr>
             <a:lvl4pPr marL="1600200" indent="-228600" defTabSz="800100" eaLnBrk="0" hangingPunct="0">
@@ -14407,7 +14398,7 @@
                   <a:srgbClr val="990000"/>
                 </a:solidFill>
                 <a:latin typeface="FrutigerNext LT Medium" pitchFamily="34" charset="0"/>
-                <a:ea typeface="黑体" panose="02010609060101010101" pitchFamily="49" charset="-122"/>
+                <a:ea typeface="黑体" panose="02010609060101010101" charset="-122"/>
               </a:defRPr>
             </a:lvl4pPr>
             <a:lvl5pPr marL="2057400" indent="-228600" defTabSz="800100" eaLnBrk="0" hangingPunct="0">
@@ -14416,7 +14407,7 @@
                   <a:srgbClr val="990000"/>
                 </a:solidFill>
                 <a:latin typeface="FrutigerNext LT Medium" pitchFamily="34" charset="0"/>
-                <a:ea typeface="黑体" panose="02010609060101010101" pitchFamily="49" charset="-122"/>
+                <a:ea typeface="黑体" panose="02010609060101010101" charset="-122"/>
               </a:defRPr>
             </a:lvl5pPr>
             <a:lvl6pPr marL="2514600" indent="-228600" algn="ctr" defTabSz="800100" eaLnBrk="0" fontAlgn="base" hangingPunct="0">
@@ -14431,7 +14422,7 @@
                   <a:srgbClr val="990000"/>
                 </a:solidFill>
                 <a:latin typeface="FrutigerNext LT Medium" pitchFamily="34" charset="0"/>
-                <a:ea typeface="黑体" panose="02010609060101010101" pitchFamily="49" charset="-122"/>
+                <a:ea typeface="黑体" panose="02010609060101010101" charset="-122"/>
               </a:defRPr>
             </a:lvl6pPr>
             <a:lvl7pPr marL="2971800" indent="-228600" algn="ctr" defTabSz="800100" eaLnBrk="0" fontAlgn="base" hangingPunct="0">
@@ -14446,7 +14437,7 @@
                   <a:srgbClr val="990000"/>
                 </a:solidFill>
                 <a:latin typeface="FrutigerNext LT Medium" pitchFamily="34" charset="0"/>
-                <a:ea typeface="黑体" panose="02010609060101010101" pitchFamily="49" charset="-122"/>
+                <a:ea typeface="黑体" panose="02010609060101010101" charset="-122"/>
               </a:defRPr>
             </a:lvl7pPr>
             <a:lvl8pPr marL="3429000" indent="-228600" algn="ctr" defTabSz="800100" eaLnBrk="0" fontAlgn="base" hangingPunct="0">
@@ -14461,7 +14452,7 @@
                   <a:srgbClr val="990000"/>
                 </a:solidFill>
                 <a:latin typeface="FrutigerNext LT Medium" pitchFamily="34" charset="0"/>
-                <a:ea typeface="黑体" panose="02010609060101010101" pitchFamily="49" charset="-122"/>
+                <a:ea typeface="黑体" panose="02010609060101010101" charset="-122"/>
               </a:defRPr>
             </a:lvl8pPr>
             <a:lvl9pPr marL="3886200" indent="-228600" algn="ctr" defTabSz="800100" eaLnBrk="0" fontAlgn="base" hangingPunct="0">
@@ -14476,7 +14467,7 @@
                   <a:srgbClr val="990000"/>
                 </a:solidFill>
                 <a:latin typeface="FrutigerNext LT Medium" pitchFamily="34" charset="0"/>
-                <a:ea typeface="黑体" panose="02010609060101010101" pitchFamily="49" charset="-122"/>
+                <a:ea typeface="黑体" panose="02010609060101010101" charset="-122"/>
               </a:defRPr>
             </a:lvl9pPr>
           </a:lstStyle>
@@ -14501,6 +14492,13 @@
               </a:rPr>
               <a:t>结对编程提高代码质量和工作效率</a:t>
             </a:r>
+            <a:endParaRPr lang="zh-CN" altLang="en-US" sz="1800" b="1" dirty="0">
+              <a:solidFill>
+                <a:schemeClr val="tx2"/>
+              </a:solidFill>
+              <a:latin typeface="微软雅黑" panose="020B0503020204020204" pitchFamily="34" charset="-122"/>
+              <a:ea typeface="微软雅黑" panose="020B0503020204020204" pitchFamily="34" charset="-122"/>
+            </a:endParaRPr>
           </a:p>
         </p:txBody>
       </p:sp>
@@ -14513,7 +14511,7 @@
           <p:nvPr/>
         </p:nvPicPr>
         <p:blipFill>
-          <a:blip r:embed="rId3"/>
+          <a:blip r:embed="rId1"/>
           <a:stretch>
             <a:fillRect/>
           </a:stretch>
@@ -14703,11 +14701,6 @@
         </p:txBody>
       </p:sp>
     </p:spTree>
-    <p:extLst>
-      <p:ext uri="{BB962C8B-B14F-4D97-AF65-F5344CB8AC3E}">
-        <p14:creationId xmlns:p14="http://schemas.microsoft.com/office/powerpoint/2010/main" val="2901352154"/>
-      </p:ext>
-    </p:extLst>
   </p:cSld>
   <p:clrMapOvr>
     <a:masterClrMapping/>
@@ -14954,7 +14947,7 @@
               </a14:hiddenFill>
             </a:ext>
             <a:ext uri="{91240B29-F687-4F45-9708-019B960494DF}">
-              <a14:hiddenLine xmlns:a14="http://schemas.microsoft.com/office/drawing/2010/main" w="9525" algn="ctr">
+              <a14:hiddenLine xmlns:a14="http://schemas.microsoft.com/office/drawing/2010/main" w="9525">
                 <a:solidFill>
                   <a:srgbClr val="000000"/>
                 </a:solidFill>
@@ -14971,7 +14964,7 @@
           </a:bodyPr>
           <a:lstStyle/>
           <a:p>
-            <a:pPr defTabSz="801688">
+            <a:pPr defTabSz="802005">
               <a:lnSpc>
                 <a:spcPct val="110000"/>
               </a:lnSpc>
@@ -15009,6 +15002,14 @@
               </a:rPr>
               <a:t>）</a:t>
             </a:r>
+            <a:endParaRPr lang="zh-CN" altLang="en-US" sz="3200" dirty="0">
+              <a:solidFill>
+                <a:srgbClr val="990000"/>
+              </a:solidFill>
+              <a:latin typeface="微软雅黑" panose="020B0503020204020204" pitchFamily="34" charset="-122"/>
+              <a:ea typeface="微软雅黑" panose="020B0503020204020204" pitchFamily="34" charset="-122"/>
+              <a:cs typeface="+mn-cs"/>
+            </a:endParaRPr>
           </a:p>
         </p:txBody>
       </p:sp>
@@ -15061,7 +15062,7 @@
                   <a:srgbClr val="990000"/>
                 </a:solidFill>
                 <a:latin typeface="FrutigerNext LT Medium" pitchFamily="34" charset="0"/>
-                <a:ea typeface="黑体" panose="02010609060101010101" pitchFamily="49" charset="-122"/>
+                <a:ea typeface="黑体" panose="02010609060101010101" charset="-122"/>
               </a:defRPr>
             </a:lvl1pPr>
             <a:lvl2pPr marL="742950" indent="-285750" defTabSz="800100" eaLnBrk="0" hangingPunct="0">
@@ -15070,7 +15071,7 @@
                   <a:srgbClr val="990000"/>
                 </a:solidFill>
                 <a:latin typeface="FrutigerNext LT Medium" pitchFamily="34" charset="0"/>
-                <a:ea typeface="黑体" panose="02010609060101010101" pitchFamily="49" charset="-122"/>
+                <a:ea typeface="黑体" panose="02010609060101010101" charset="-122"/>
               </a:defRPr>
             </a:lvl2pPr>
             <a:lvl3pPr marL="1143000" indent="-228600" defTabSz="800100" eaLnBrk="0" hangingPunct="0">
@@ -15079,7 +15080,7 @@
                   <a:srgbClr val="990000"/>
                 </a:solidFill>
                 <a:latin typeface="FrutigerNext LT Medium" pitchFamily="34" charset="0"/>
-                <a:ea typeface="黑体" panose="02010609060101010101" pitchFamily="49" charset="-122"/>
+                <a:ea typeface="黑体" panose="02010609060101010101" charset="-122"/>
               </a:defRPr>
             </a:lvl3pPr>
             <a:lvl4pPr marL="1600200" indent="-228600" defTabSz="800100" eaLnBrk="0" hangingPunct="0">
@@ -15088,7 +15089,7 @@
                   <a:srgbClr val="990000"/>
                 </a:solidFill>
                 <a:latin typeface="FrutigerNext LT Medium" pitchFamily="34" charset="0"/>
-                <a:ea typeface="黑体" panose="02010609060101010101" pitchFamily="49" charset="-122"/>
+                <a:ea typeface="黑体" panose="02010609060101010101" charset="-122"/>
               </a:defRPr>
             </a:lvl4pPr>
             <a:lvl5pPr marL="2057400" indent="-228600" defTabSz="800100" eaLnBrk="0" hangingPunct="0">
@@ -15097,7 +15098,7 @@
                   <a:srgbClr val="990000"/>
                 </a:solidFill>
                 <a:latin typeface="FrutigerNext LT Medium" pitchFamily="34" charset="0"/>
-                <a:ea typeface="黑体" panose="02010609060101010101" pitchFamily="49" charset="-122"/>
+                <a:ea typeface="黑体" panose="02010609060101010101" charset="-122"/>
               </a:defRPr>
             </a:lvl5pPr>
             <a:lvl6pPr marL="2514600" indent="-228600" algn="ctr" defTabSz="800100" eaLnBrk="0" fontAlgn="base" hangingPunct="0">
@@ -15112,7 +15113,7 @@
                   <a:srgbClr val="990000"/>
                 </a:solidFill>
                 <a:latin typeface="FrutigerNext LT Medium" pitchFamily="34" charset="0"/>
-                <a:ea typeface="黑体" panose="02010609060101010101" pitchFamily="49" charset="-122"/>
+                <a:ea typeface="黑体" panose="02010609060101010101" charset="-122"/>
               </a:defRPr>
             </a:lvl6pPr>
             <a:lvl7pPr marL="2971800" indent="-228600" algn="ctr" defTabSz="800100" eaLnBrk="0" fontAlgn="base" hangingPunct="0">
@@ -15127,7 +15128,7 @@
                   <a:srgbClr val="990000"/>
                 </a:solidFill>
                 <a:latin typeface="FrutigerNext LT Medium" pitchFamily="34" charset="0"/>
-                <a:ea typeface="黑体" panose="02010609060101010101" pitchFamily="49" charset="-122"/>
+                <a:ea typeface="黑体" panose="02010609060101010101" charset="-122"/>
               </a:defRPr>
             </a:lvl7pPr>
             <a:lvl8pPr marL="3429000" indent="-228600" algn="ctr" defTabSz="800100" eaLnBrk="0" fontAlgn="base" hangingPunct="0">
@@ -15142,7 +15143,7 @@
                   <a:srgbClr val="990000"/>
                 </a:solidFill>
                 <a:latin typeface="FrutigerNext LT Medium" pitchFamily="34" charset="0"/>
-                <a:ea typeface="黑体" panose="02010609060101010101" pitchFamily="49" charset="-122"/>
+                <a:ea typeface="黑体" panose="02010609060101010101" charset="-122"/>
               </a:defRPr>
             </a:lvl8pPr>
             <a:lvl9pPr marL="3886200" indent="-228600" algn="ctr" defTabSz="800100" eaLnBrk="0" fontAlgn="base" hangingPunct="0">
@@ -15157,7 +15158,7 @@
                   <a:srgbClr val="990000"/>
                 </a:solidFill>
                 <a:latin typeface="FrutigerNext LT Medium" pitchFamily="34" charset="0"/>
-                <a:ea typeface="黑体" panose="02010609060101010101" pitchFamily="49" charset="-122"/>
+                <a:ea typeface="黑体" panose="02010609060101010101" charset="-122"/>
               </a:defRPr>
             </a:lvl9pPr>
           </a:lstStyle>
@@ -15183,6 +15184,13 @@
               </a:rPr>
               <a:t>什么是测试驱动开发</a:t>
             </a:r>
+            <a:endParaRPr lang="zh-CN" altLang="en-US" sz="2000" b="1" dirty="0">
+              <a:solidFill>
+                <a:schemeClr val="tx1"/>
+              </a:solidFill>
+              <a:latin typeface="微软雅黑" panose="020B0503020204020204" pitchFamily="34" charset="-122"/>
+              <a:ea typeface="微软雅黑" panose="020B0503020204020204" pitchFamily="34" charset="-122"/>
+            </a:endParaRPr>
           </a:p>
           <a:p>
             <a:pPr algn="l">
@@ -15218,6 +15226,13 @@
               </a:rPr>
               <a:t>以测试作为编程的中心，它要求在编写任何代码之前，首先编写定义代码功能的测试用例，编写的代码要通过用例，并不断进行重构优化；</a:t>
             </a:r>
+            <a:endParaRPr lang="zh-CN" altLang="en-US" sz="1800" dirty="0">
+              <a:solidFill>
+                <a:schemeClr val="tx1"/>
+              </a:solidFill>
+              <a:latin typeface="微软雅黑" panose="020B0503020204020204" pitchFamily="34" charset="-122"/>
+              <a:ea typeface="微软雅黑" panose="020B0503020204020204" pitchFamily="34" charset="-122"/>
+            </a:endParaRPr>
           </a:p>
           <a:p>
             <a:pPr algn="l">
@@ -15253,6 +15268,13 @@
               </a:rPr>
               <a:t>要求测试可以完全自动化运行。</a:t>
             </a:r>
+            <a:endParaRPr lang="zh-CN" altLang="en-US" sz="1800" dirty="0">
+              <a:solidFill>
+                <a:schemeClr val="tx1"/>
+              </a:solidFill>
+              <a:latin typeface="微软雅黑" panose="020B0503020204020204" pitchFamily="34" charset="-122"/>
+              <a:ea typeface="微软雅黑" panose="020B0503020204020204" pitchFamily="34" charset="-122"/>
+            </a:endParaRPr>
           </a:p>
         </p:txBody>
       </p:sp>
@@ -15305,7 +15327,7 @@
                   <a:srgbClr val="990000"/>
                 </a:solidFill>
                 <a:latin typeface="FrutigerNext LT Medium" pitchFamily="34" charset="0"/>
-                <a:ea typeface="黑体" panose="02010609060101010101" pitchFamily="49" charset="-122"/>
+                <a:ea typeface="黑体" panose="02010609060101010101" charset="-122"/>
               </a:defRPr>
             </a:lvl1pPr>
             <a:lvl2pPr marL="742950" indent="-285750" defTabSz="800100" eaLnBrk="0" hangingPunct="0">
@@ -15314,7 +15336,7 @@
                   <a:srgbClr val="990000"/>
                 </a:solidFill>
                 <a:latin typeface="FrutigerNext LT Medium" pitchFamily="34" charset="0"/>
-                <a:ea typeface="黑体" panose="02010609060101010101" pitchFamily="49" charset="-122"/>
+                <a:ea typeface="黑体" panose="02010609060101010101" charset="-122"/>
               </a:defRPr>
             </a:lvl2pPr>
             <a:lvl3pPr marL="1143000" indent="-228600" defTabSz="800100" eaLnBrk="0" hangingPunct="0">
@@ -15323,7 +15345,7 @@
                   <a:srgbClr val="990000"/>
                 </a:solidFill>
                 <a:latin typeface="FrutigerNext LT Medium" pitchFamily="34" charset="0"/>
-                <a:ea typeface="黑体" panose="02010609060101010101" pitchFamily="49" charset="-122"/>
+                <a:ea typeface="黑体" panose="02010609060101010101" charset="-122"/>
               </a:defRPr>
             </a:lvl3pPr>
             <a:lvl4pPr marL="1600200" indent="-228600" defTabSz="800100" eaLnBrk="0" hangingPunct="0">
@@ -15332,7 +15354,7 @@
                   <a:srgbClr val="990000"/>
                 </a:solidFill>
                 <a:latin typeface="FrutigerNext LT Medium" pitchFamily="34" charset="0"/>
-                <a:ea typeface="黑体" panose="02010609060101010101" pitchFamily="49" charset="-122"/>
+                <a:ea typeface="黑体" panose="02010609060101010101" charset="-122"/>
               </a:defRPr>
             </a:lvl4pPr>
             <a:lvl5pPr marL="2057400" indent="-228600" defTabSz="800100" eaLnBrk="0" hangingPunct="0">
@@ -15341,7 +15363,7 @@
                   <a:srgbClr val="990000"/>
                 </a:solidFill>
                 <a:latin typeface="FrutigerNext LT Medium" pitchFamily="34" charset="0"/>
-                <a:ea typeface="黑体" panose="02010609060101010101" pitchFamily="49" charset="-122"/>
+                <a:ea typeface="黑体" panose="02010609060101010101" charset="-122"/>
               </a:defRPr>
             </a:lvl5pPr>
             <a:lvl6pPr marL="2514600" indent="-228600" algn="ctr" defTabSz="800100" eaLnBrk="0" fontAlgn="base" hangingPunct="0">
@@ -15356,7 +15378,7 @@
                   <a:srgbClr val="990000"/>
                 </a:solidFill>
                 <a:latin typeface="FrutigerNext LT Medium" pitchFamily="34" charset="0"/>
-                <a:ea typeface="黑体" panose="02010609060101010101" pitchFamily="49" charset="-122"/>
+                <a:ea typeface="黑体" panose="02010609060101010101" charset="-122"/>
               </a:defRPr>
             </a:lvl6pPr>
             <a:lvl7pPr marL="2971800" indent="-228600" algn="ctr" defTabSz="800100" eaLnBrk="0" fontAlgn="base" hangingPunct="0">
@@ -15371,7 +15393,7 @@
                   <a:srgbClr val="990000"/>
                 </a:solidFill>
                 <a:latin typeface="FrutigerNext LT Medium" pitchFamily="34" charset="0"/>
-                <a:ea typeface="黑体" panose="02010609060101010101" pitchFamily="49" charset="-122"/>
+                <a:ea typeface="黑体" panose="02010609060101010101" charset="-122"/>
               </a:defRPr>
             </a:lvl7pPr>
             <a:lvl8pPr marL="3429000" indent="-228600" algn="ctr" defTabSz="800100" eaLnBrk="0" fontAlgn="base" hangingPunct="0">
@@ -15386,7 +15408,7 @@
                   <a:srgbClr val="990000"/>
                 </a:solidFill>
                 <a:latin typeface="FrutigerNext LT Medium" pitchFamily="34" charset="0"/>
-                <a:ea typeface="黑体" panose="02010609060101010101" pitchFamily="49" charset="-122"/>
+                <a:ea typeface="黑体" panose="02010609060101010101" charset="-122"/>
               </a:defRPr>
             </a:lvl8pPr>
             <a:lvl9pPr marL="3886200" indent="-228600" algn="ctr" defTabSz="800100" eaLnBrk="0" fontAlgn="base" hangingPunct="0">
@@ -15401,7 +15423,7 @@
                   <a:srgbClr val="990000"/>
                 </a:solidFill>
                 <a:latin typeface="FrutigerNext LT Medium" pitchFamily="34" charset="0"/>
-                <a:ea typeface="黑体" panose="02010609060101010101" pitchFamily="49" charset="-122"/>
+                <a:ea typeface="黑体" panose="02010609060101010101" charset="-122"/>
               </a:defRPr>
             </a:lvl9pPr>
           </a:lstStyle>
@@ -15427,6 +15449,13 @@
               </a:rPr>
               <a:t>测试驱动开发的好处</a:t>
             </a:r>
+            <a:endParaRPr lang="zh-CN" altLang="en-US" sz="2000" b="1" dirty="0">
+              <a:solidFill>
+                <a:schemeClr val="tx1"/>
+              </a:solidFill>
+              <a:latin typeface="微软雅黑" panose="020B0503020204020204" pitchFamily="34" charset="-122"/>
+              <a:ea typeface="微软雅黑" panose="020B0503020204020204" pitchFamily="34" charset="-122"/>
+            </a:endParaRPr>
           </a:p>
           <a:p>
             <a:pPr algn="l">
@@ -15452,6 +15481,13 @@
               </a:rPr>
               <a:t>和代码同步增长的自动化测试用例，能为代码构筑安全网，保证代码重构的质量；</a:t>
             </a:r>
+            <a:endParaRPr lang="zh-CN" altLang="en-US" sz="1800" dirty="0">
+              <a:solidFill>
+                <a:schemeClr val="tx1"/>
+              </a:solidFill>
+              <a:latin typeface="微软雅黑" panose="020B0503020204020204" pitchFamily="34" charset="-122"/>
+              <a:ea typeface="微软雅黑" panose="020B0503020204020204" pitchFamily="34" charset="-122"/>
+            </a:endParaRPr>
           </a:p>
           <a:p>
             <a:pPr algn="l">
@@ -15556,7 +15592,7 @@
                   <a:srgbClr val="990000"/>
                 </a:solidFill>
                 <a:latin typeface="FrutigerNext LT Medium" pitchFamily="34" charset="0"/>
-                <a:ea typeface="黑体" panose="02010609060101010101" pitchFamily="49" charset="-122"/>
+                <a:ea typeface="黑体" panose="02010609060101010101" charset="-122"/>
               </a:defRPr>
             </a:lvl1pPr>
             <a:lvl2pPr marL="742950" indent="-285750" defTabSz="800100" eaLnBrk="0" hangingPunct="0">
@@ -15565,7 +15601,7 @@
                   <a:srgbClr val="990000"/>
                 </a:solidFill>
                 <a:latin typeface="FrutigerNext LT Medium" pitchFamily="34" charset="0"/>
-                <a:ea typeface="黑体" panose="02010609060101010101" pitchFamily="49" charset="-122"/>
+                <a:ea typeface="黑体" panose="02010609060101010101" charset="-122"/>
               </a:defRPr>
             </a:lvl2pPr>
             <a:lvl3pPr marL="1143000" indent="-228600" defTabSz="800100" eaLnBrk="0" hangingPunct="0">
@@ -15574,7 +15610,7 @@
                   <a:srgbClr val="990000"/>
                 </a:solidFill>
                 <a:latin typeface="FrutigerNext LT Medium" pitchFamily="34" charset="0"/>
-                <a:ea typeface="黑体" panose="02010609060101010101" pitchFamily="49" charset="-122"/>
+                <a:ea typeface="黑体" panose="02010609060101010101" charset="-122"/>
               </a:defRPr>
             </a:lvl3pPr>
             <a:lvl4pPr marL="1600200" indent="-228600" defTabSz="800100" eaLnBrk="0" hangingPunct="0">
@@ -15583,7 +15619,7 @@
                   <a:srgbClr val="990000"/>
                 </a:solidFill>
                 <a:latin typeface="FrutigerNext LT Medium" pitchFamily="34" charset="0"/>
-                <a:ea typeface="黑体" panose="02010609060101010101" pitchFamily="49" charset="-122"/>
+                <a:ea typeface="黑体" panose="02010609060101010101" charset="-122"/>
               </a:defRPr>
             </a:lvl4pPr>
             <a:lvl5pPr marL="2057400" indent="-228600" defTabSz="800100" eaLnBrk="0" hangingPunct="0">
@@ -15592,7 +15628,7 @@
                   <a:srgbClr val="990000"/>
                 </a:solidFill>
                 <a:latin typeface="FrutigerNext LT Medium" pitchFamily="34" charset="0"/>
-                <a:ea typeface="黑体" panose="02010609060101010101" pitchFamily="49" charset="-122"/>
+                <a:ea typeface="黑体" panose="02010609060101010101" charset="-122"/>
               </a:defRPr>
             </a:lvl5pPr>
             <a:lvl6pPr marL="2514600" indent="-228600" algn="ctr" defTabSz="800100" eaLnBrk="0" fontAlgn="base" hangingPunct="0">
@@ -15607,7 +15643,7 @@
                   <a:srgbClr val="990000"/>
                 </a:solidFill>
                 <a:latin typeface="FrutigerNext LT Medium" pitchFamily="34" charset="0"/>
-                <a:ea typeface="黑体" panose="02010609060101010101" pitchFamily="49" charset="-122"/>
+                <a:ea typeface="黑体" panose="02010609060101010101" charset="-122"/>
               </a:defRPr>
             </a:lvl6pPr>
             <a:lvl7pPr marL="2971800" indent="-228600" algn="ctr" defTabSz="800100" eaLnBrk="0" fontAlgn="base" hangingPunct="0">
@@ -15622,7 +15658,7 @@
                   <a:srgbClr val="990000"/>
                 </a:solidFill>
                 <a:latin typeface="FrutigerNext LT Medium" pitchFamily="34" charset="0"/>
-                <a:ea typeface="黑体" panose="02010609060101010101" pitchFamily="49" charset="-122"/>
+                <a:ea typeface="黑体" panose="02010609060101010101" charset="-122"/>
               </a:defRPr>
             </a:lvl7pPr>
             <a:lvl8pPr marL="3429000" indent="-228600" algn="ctr" defTabSz="800100" eaLnBrk="0" fontAlgn="base" hangingPunct="0">
@@ -15637,7 +15673,7 @@
                   <a:srgbClr val="990000"/>
                 </a:solidFill>
                 <a:latin typeface="FrutigerNext LT Medium" pitchFamily="34" charset="0"/>
-                <a:ea typeface="黑体" panose="02010609060101010101" pitchFamily="49" charset="-122"/>
+                <a:ea typeface="黑体" panose="02010609060101010101" charset="-122"/>
               </a:defRPr>
             </a:lvl8pPr>
             <a:lvl9pPr marL="3886200" indent="-228600" algn="ctr" defTabSz="800100" eaLnBrk="0" fontAlgn="base" hangingPunct="0">
@@ -15652,7 +15688,7 @@
                   <a:srgbClr val="990000"/>
                 </a:solidFill>
                 <a:latin typeface="FrutigerNext LT Medium" pitchFamily="34" charset="0"/>
-                <a:ea typeface="黑体" panose="02010609060101010101" pitchFamily="49" charset="-122"/>
+                <a:ea typeface="黑体" panose="02010609060101010101" charset="-122"/>
               </a:defRPr>
             </a:lvl9pPr>
           </a:lstStyle>
@@ -15678,6 +15714,13 @@
               </a:rPr>
               <a:t>测试驱动开发的关键要点</a:t>
             </a:r>
+            <a:endParaRPr lang="zh-CN" altLang="en-US" sz="2000" b="1" dirty="0">
+              <a:solidFill>
+                <a:schemeClr val="tx1"/>
+              </a:solidFill>
+              <a:latin typeface="微软雅黑" panose="020B0503020204020204" pitchFamily="34" charset="-122"/>
+              <a:ea typeface="微软雅黑" panose="020B0503020204020204" pitchFamily="34" charset="-122"/>
+            </a:endParaRPr>
           </a:p>
           <a:p>
             <a:pPr algn="l">
@@ -15703,6 +15746,13 @@
               </a:rPr>
               <a:t>测试代码和源代码一样都需要简洁，可读性好；</a:t>
             </a:r>
+            <a:endParaRPr lang="zh-CN" altLang="en-US" sz="1800" dirty="0">
+              <a:solidFill>
+                <a:schemeClr val="tx1"/>
+              </a:solidFill>
+              <a:latin typeface="微软雅黑" panose="020B0503020204020204" pitchFamily="34" charset="-122"/>
+              <a:ea typeface="微软雅黑" panose="020B0503020204020204" pitchFamily="34" charset="-122"/>
+            </a:endParaRPr>
           </a:p>
           <a:p>
             <a:pPr algn="l">
@@ -15728,6 +15778,13 @@
               </a:rPr>
               <a:t>测试用例的设计要保证完备，覆盖被测单元的所有功能；</a:t>
             </a:r>
+            <a:endParaRPr lang="zh-CN" altLang="en-US" sz="1800" dirty="0">
+              <a:solidFill>
+                <a:schemeClr val="tx1"/>
+              </a:solidFill>
+              <a:latin typeface="微软雅黑" panose="020B0503020204020204" pitchFamily="34" charset="-122"/>
+              <a:ea typeface="微软雅黑" panose="020B0503020204020204" pitchFamily="34" charset="-122"/>
+            </a:endParaRPr>
           </a:p>
           <a:p>
             <a:pPr algn="l">
@@ -15753,6 +15810,13 @@
               </a:rPr>
               <a:t>每个测试用例尽量保持独立，减少依赖，提高用例的可维护性；</a:t>
             </a:r>
+            <a:endParaRPr lang="zh-CN" altLang="en-US" sz="1800" dirty="0">
+              <a:solidFill>
+                <a:schemeClr val="tx1"/>
+              </a:solidFill>
+              <a:latin typeface="微软雅黑" panose="020B0503020204020204" pitchFamily="34" charset="-122"/>
+              <a:ea typeface="微软雅黑" panose="020B0503020204020204" pitchFamily="34" charset="-122"/>
+            </a:endParaRPr>
           </a:p>
           <a:p>
             <a:pPr algn="l">
@@ -15798,6 +15862,13 @@
               </a:rPr>
               <a:t>实现。</a:t>
             </a:r>
+            <a:endParaRPr lang="zh-CN" altLang="en-US" sz="1800" dirty="0">
+              <a:solidFill>
+                <a:schemeClr val="tx1"/>
+              </a:solidFill>
+              <a:latin typeface="微软雅黑" panose="020B0503020204020204" pitchFamily="34" charset="-122"/>
+              <a:ea typeface="微软雅黑" panose="020B0503020204020204" pitchFamily="34" charset="-122"/>
+            </a:endParaRPr>
           </a:p>
         </p:txBody>
       </p:sp>
@@ -15830,7 +15901,7 @@
               </a14:hiddenFill>
             </a:ext>
             <a:ext uri="{91240B29-F687-4F45-9708-019B960494DF}">
-              <a14:hiddenLine xmlns:a14="http://schemas.microsoft.com/office/drawing/2010/main" w="9525" algn="ctr">
+              <a14:hiddenLine xmlns:a14="http://schemas.microsoft.com/office/drawing/2010/main" w="9525">
                 <a:solidFill>
                   <a:srgbClr val="000000"/>
                 </a:solidFill>
@@ -15844,13 +15915,13 @@
         <p:txBody>
           <a:bodyPr lIns="80107" tIns="40053" rIns="80107" bIns="40053"/>
           <a:lstStyle>
-            <a:lvl1pPr indent="350838" defTabSz="800100" eaLnBrk="0" hangingPunct="0">
+            <a:lvl1pPr indent="351155" defTabSz="800100" eaLnBrk="0" hangingPunct="0">
               <a:defRPr sz="3200">
                 <a:solidFill>
                   <a:srgbClr val="990000"/>
                 </a:solidFill>
                 <a:latin typeface="FrutigerNext LT Medium" pitchFamily="34" charset="0"/>
-                <a:ea typeface="黑体" panose="02010609060101010101" pitchFamily="49" charset="-122"/>
+                <a:ea typeface="黑体" panose="02010609060101010101" charset="-122"/>
               </a:defRPr>
             </a:lvl1pPr>
             <a:lvl2pPr marL="742950" indent="-285750" defTabSz="800100" eaLnBrk="0" hangingPunct="0">
@@ -15859,7 +15930,7 @@
                   <a:srgbClr val="990000"/>
                 </a:solidFill>
                 <a:latin typeface="FrutigerNext LT Medium" pitchFamily="34" charset="0"/>
-                <a:ea typeface="黑体" panose="02010609060101010101" pitchFamily="49" charset="-122"/>
+                <a:ea typeface="黑体" panose="02010609060101010101" charset="-122"/>
               </a:defRPr>
             </a:lvl2pPr>
             <a:lvl3pPr marL="1143000" indent="-228600" defTabSz="800100" eaLnBrk="0" hangingPunct="0">
@@ -15868,7 +15939,7 @@
                   <a:srgbClr val="990000"/>
                 </a:solidFill>
                 <a:latin typeface="FrutigerNext LT Medium" pitchFamily="34" charset="0"/>
-                <a:ea typeface="黑体" panose="02010609060101010101" pitchFamily="49" charset="-122"/>
+                <a:ea typeface="黑体" panose="02010609060101010101" charset="-122"/>
               </a:defRPr>
             </a:lvl3pPr>
             <a:lvl4pPr marL="1600200" indent="-228600" defTabSz="800100" eaLnBrk="0" hangingPunct="0">
@@ -15877,7 +15948,7 @@
                   <a:srgbClr val="990000"/>
                 </a:solidFill>
                 <a:latin typeface="FrutigerNext LT Medium" pitchFamily="34" charset="0"/>
-                <a:ea typeface="黑体" panose="02010609060101010101" pitchFamily="49" charset="-122"/>
+                <a:ea typeface="黑体" panose="02010609060101010101" charset="-122"/>
               </a:defRPr>
             </a:lvl4pPr>
             <a:lvl5pPr marL="2057400" indent="-228600" defTabSz="800100" eaLnBrk="0" hangingPunct="0">
@@ -15886,7 +15957,7 @@
                   <a:srgbClr val="990000"/>
                 </a:solidFill>
                 <a:latin typeface="FrutigerNext LT Medium" pitchFamily="34" charset="0"/>
-                <a:ea typeface="黑体" panose="02010609060101010101" pitchFamily="49" charset="-122"/>
+                <a:ea typeface="黑体" panose="02010609060101010101" charset="-122"/>
               </a:defRPr>
             </a:lvl5pPr>
             <a:lvl6pPr marL="2514600" indent="-228600" algn="ctr" defTabSz="800100" eaLnBrk="0" fontAlgn="base" hangingPunct="0">
@@ -15901,7 +15972,7 @@
                   <a:srgbClr val="990000"/>
                 </a:solidFill>
                 <a:latin typeface="FrutigerNext LT Medium" pitchFamily="34" charset="0"/>
-                <a:ea typeface="黑体" panose="02010609060101010101" pitchFamily="49" charset="-122"/>
+                <a:ea typeface="黑体" panose="02010609060101010101" charset="-122"/>
               </a:defRPr>
             </a:lvl6pPr>
             <a:lvl7pPr marL="2971800" indent="-228600" algn="ctr" defTabSz="800100" eaLnBrk="0" fontAlgn="base" hangingPunct="0">
@@ -15916,7 +15987,7 @@
                   <a:srgbClr val="990000"/>
                 </a:solidFill>
                 <a:latin typeface="FrutigerNext LT Medium" pitchFamily="34" charset="0"/>
-                <a:ea typeface="黑体" panose="02010609060101010101" pitchFamily="49" charset="-122"/>
+                <a:ea typeface="黑体" panose="02010609060101010101" charset="-122"/>
               </a:defRPr>
             </a:lvl7pPr>
             <a:lvl8pPr marL="3429000" indent="-228600" algn="ctr" defTabSz="800100" eaLnBrk="0" fontAlgn="base" hangingPunct="0">
@@ -15931,7 +16002,7 @@
                   <a:srgbClr val="990000"/>
                 </a:solidFill>
                 <a:latin typeface="FrutigerNext LT Medium" pitchFamily="34" charset="0"/>
-                <a:ea typeface="黑体" panose="02010609060101010101" pitchFamily="49" charset="-122"/>
+                <a:ea typeface="黑体" panose="02010609060101010101" charset="-122"/>
               </a:defRPr>
             </a:lvl8pPr>
             <a:lvl9pPr marL="3886200" indent="-228600" algn="ctr" defTabSz="800100" eaLnBrk="0" fontAlgn="base" hangingPunct="0">
@@ -15946,7 +16017,7 @@
                   <a:srgbClr val="990000"/>
                 </a:solidFill>
                 <a:latin typeface="FrutigerNext LT Medium" pitchFamily="34" charset="0"/>
-                <a:ea typeface="黑体" panose="02010609060101010101" pitchFamily="49" charset="-122"/>
+                <a:ea typeface="黑体" panose="02010609060101010101" charset="-122"/>
               </a:defRPr>
             </a:lvl9pPr>
           </a:lstStyle>
@@ -15991,6 +16062,13 @@
               </a:rPr>
               <a:t>）</a:t>
             </a:r>
+            <a:endParaRPr lang="zh-CN" altLang="en-US" sz="1600" b="1" dirty="0">
+              <a:solidFill>
+                <a:schemeClr val="tx2"/>
+              </a:solidFill>
+              <a:latin typeface="微软雅黑" panose="020B0503020204020204" pitchFamily="34" charset="-122"/>
+              <a:ea typeface="微软雅黑" panose="020B0503020204020204" pitchFamily="34" charset="-122"/>
+            </a:endParaRPr>
           </a:p>
         </p:txBody>
       </p:sp>
@@ -16000,13 +16078,7 @@
           <p:cNvGraphicFramePr>
             <a:graphicFrameLocks noChangeAspect="1"/>
           </p:cNvGraphicFramePr>
-          <p:nvPr>
-            <p:extLst>
-              <p:ext uri="{D42A27DB-BD31-4B8C-83A1-F6EECF244321}">
-                <p14:modId xmlns:p14="http://schemas.microsoft.com/office/powerpoint/2010/main" val="705362005"/>
-              </p:ext>
-            </p:extLst>
-          </p:nvPr>
+          <p:nvPr/>
         </p:nvGraphicFramePr>
         <p:xfrm>
           <a:off x="9084038" y="849606"/>
@@ -16016,23 +16088,23 @@
           <a:graphicData uri="http://schemas.openxmlformats.org/presentationml/2006/ole">
             <mc:AlternateContent xmlns:mc="http://schemas.openxmlformats.org/markup-compatibility/2006">
               <mc:Choice xmlns:v="urn:schemas-microsoft-com:vml" Requires="v">
-                <p:oleObj spid="_x0000_s2181" name="Visio" r:id="rId4" imgW="2736723" imgH="3534537" progId="Visio.Drawing.11">
+                <p:oleObj spid="_x0000_s2181" name="Visio" r:id="rId1" imgW="2581910" imgH="3335020" progId="Visio.Drawing.11">
                   <p:embed/>
                 </p:oleObj>
               </mc:Choice>
               <mc:Fallback>
-                <p:oleObj name="Visio" r:id="rId4" imgW="2736723" imgH="3534537" progId="Visio.Drawing.11">
+                <p:oleObj name="Visio" r:id="rId1" imgW="2581910" imgH="3335020" progId="Visio.Drawing.11">
                   <p:embed/>
                   <p:pic>
                     <p:nvPicPr>
-                      <p:cNvPr id="2050" name="Object 10"/>
+                      <p:cNvPr id="0" name="Object 10"/>
                       <p:cNvPicPr>
                         <a:picLocks noChangeAspect="1" noChangeArrowheads="1"/>
                       </p:cNvPicPr>
                       <p:nvPr/>
                     </p:nvPicPr>
                     <p:blipFill>
-                      <a:blip r:embed="rId5">
+                      <a:blip r:embed="rId2">
                         <a:extLst>
                           <a:ext uri="{28A0092B-C50C-407E-A947-70E740481C1C}">
                             <a14:useLocalDpi xmlns:a14="http://schemas.microsoft.com/office/drawing/2010/main" val="0"/>
@@ -16057,7 +16129,6 @@
                         <a:noFill/>
                       </a:ln>
                       <a:effectLst/>
-                      <a:extLst/>
                     </p:spPr>
                   </p:pic>
                 </p:oleObj>
@@ -16241,11 +16312,6 @@
         </p:txBody>
       </p:sp>
     </p:spTree>
-    <p:extLst>
-      <p:ext uri="{BB962C8B-B14F-4D97-AF65-F5344CB8AC3E}">
-        <p14:creationId xmlns:p14="http://schemas.microsoft.com/office/powerpoint/2010/main" val="696143252"/>
-      </p:ext>
-    </p:extLst>
   </p:cSld>
   <p:clrMapOvr>
     <a:masterClrMapping/>
@@ -16442,6 +16508,13 @@
               </a:rPr>
               <a:t>目录</a:t>
             </a:r>
+            <a:endParaRPr lang="zh-CN" altLang="en-US" sz="3200" b="1" dirty="0">
+              <a:solidFill>
+                <a:srgbClr val="141316"/>
+              </a:solidFill>
+              <a:latin typeface="微软雅黑" panose="020B0503020204020204" pitchFamily="34" charset="-122"/>
+              <a:ea typeface="微软雅黑" panose="020B0503020204020204" pitchFamily="34" charset="-122"/>
+            </a:endParaRPr>
           </a:p>
         </p:txBody>
       </p:sp>
@@ -17245,6 +17318,13 @@
                 </a:rPr>
                 <a:t>一</a:t>
               </a:r>
+              <a:endParaRPr lang="zh-CN" altLang="en-US" sz="2000" b="1" dirty="0">
+                <a:solidFill>
+                  <a:schemeClr val="bg1"/>
+                </a:solidFill>
+                <a:latin typeface="微软雅黑" panose="020B0503020204020204" pitchFamily="34" charset="-122"/>
+                <a:ea typeface="微软雅黑" panose="020B0503020204020204" pitchFamily="34" charset="-122"/>
+              </a:endParaRPr>
             </a:p>
           </p:txBody>
         </p:sp>
@@ -17484,6 +17564,13 @@
                 </a:rPr>
                 <a:t>二</a:t>
               </a:r>
+              <a:endParaRPr lang="zh-CN" altLang="en-US" sz="2000" b="1" dirty="0">
+                <a:solidFill>
+                  <a:schemeClr val="bg1"/>
+                </a:solidFill>
+                <a:latin typeface="微软雅黑" panose="020B0503020204020204" pitchFamily="34" charset="-122"/>
+                <a:ea typeface="微软雅黑" panose="020B0503020204020204" pitchFamily="34" charset="-122"/>
+              </a:endParaRPr>
             </a:p>
           </p:txBody>
         </p:sp>
@@ -17629,29 +17716,24 @@
         </p:txBody>
       </p:sp>
     </p:spTree>
-    <p:extLst>
-      <p:ext uri="{BB962C8B-B14F-4D97-AF65-F5344CB8AC3E}">
-        <p14:creationId xmlns:p14="http://schemas.microsoft.com/office/powerpoint/2010/main" val="119393208"/>
-      </p:ext>
-    </p:extLst>
   </p:cSld>
   <p:clrMapOvr>
     <a:masterClrMapping/>
   </p:clrMapOvr>
-  <mc:AlternateContent xmlns:mc="http://schemas.openxmlformats.org/markup-compatibility/2006" xmlns:p14="http://schemas.microsoft.com/office/powerpoint/2010/main">
-    <mc:Choice Requires="p14">
+  <mc:AlternateContent xmlns:mc="http://schemas.openxmlformats.org/markup-compatibility/2006">
+    <mc:Choice xmlns:p14="http://schemas.microsoft.com/office/powerpoint/2010/main" Requires="p14">
       <p:transition spd="med" p14:dur="700">
         <p:fade/>
       </p:transition>
     </mc:Choice>
-    <mc:Fallback xmlns="">
+    <mc:Fallback>
       <p:transition spd="med">
         <p:fade/>
       </p:transition>
     </mc:Fallback>
   </mc:AlternateContent>
-  <mc:AlternateContent xmlns:mc="http://schemas.openxmlformats.org/markup-compatibility/2006" xmlns:p14="http://schemas.microsoft.com/office/powerpoint/2010/main">
-    <mc:Choice Requires="p14">
+  <mc:AlternateContent xmlns:mc="http://schemas.openxmlformats.org/markup-compatibility/2006">
+    <mc:Choice xmlns:p14="http://schemas.microsoft.com/office/powerpoint/2010/main" Requires="p14">
       <p:timing>
         <p:tnLst>
           <p:par>
@@ -17888,7 +17970,7 @@
         </p:bldLst>
       </p:timing>
     </mc:Choice>
-    <mc:Fallback xmlns="">
+    <mc:Fallback>
       <p:timing>
         <p:tnLst>
           <p:par>
@@ -18174,7 +18256,7 @@
               </a14:hiddenFill>
             </a:ext>
             <a:ext uri="{91240B29-F687-4F45-9708-019B960494DF}">
-              <a14:hiddenLine xmlns:a14="http://schemas.microsoft.com/office/drawing/2010/main" w="9525" algn="ctr">
+              <a14:hiddenLine xmlns:a14="http://schemas.microsoft.com/office/drawing/2010/main" w="9525">
                 <a:solidFill>
                   <a:srgbClr val="000000"/>
                 </a:solidFill>
@@ -18191,7 +18273,7 @@
           </a:bodyPr>
           <a:lstStyle/>
           <a:p>
-            <a:pPr defTabSz="801688">
+            <a:pPr defTabSz="802005">
               <a:lnSpc>
                 <a:spcPct val="110000"/>
               </a:lnSpc>
@@ -18202,7 +18284,7 @@
                   <a:srgbClr val="990000"/>
                 </a:solidFill>
                 <a:latin typeface="FrutigerNext LT Medium" pitchFamily="34" charset="0"/>
-                <a:ea typeface="黑体" panose="02010609060101010101" pitchFamily="49" charset="-122"/>
+                <a:ea typeface="黑体" panose="02010609060101010101" charset="-122"/>
                 <a:cs typeface="+mn-cs"/>
               </a:rPr>
               <a:t>敏捷工程实践：持续集成</a:t>
@@ -18213,11 +18295,19 @@
                   <a:srgbClr val="990000"/>
                 </a:solidFill>
                 <a:latin typeface="FrutigerNext LT Medium" pitchFamily="34" charset="0"/>
-                <a:ea typeface="黑体" panose="02010609060101010101" pitchFamily="49" charset="-122"/>
+                <a:ea typeface="黑体" panose="02010609060101010101" charset="-122"/>
                 <a:cs typeface="+mn-cs"/>
               </a:rPr>
               <a:t>(CI)</a:t>
             </a:r>
+            <a:endParaRPr lang="en-US" altLang="zh-CN" sz="3200" dirty="0">
+              <a:solidFill>
+                <a:srgbClr val="990000"/>
+              </a:solidFill>
+              <a:latin typeface="FrutigerNext LT Medium" pitchFamily="34" charset="0"/>
+              <a:ea typeface="黑体" panose="02010609060101010101" charset="-122"/>
+              <a:cs typeface="+mn-cs"/>
+            </a:endParaRPr>
           </a:p>
         </p:txBody>
       </p:sp>
@@ -18270,7 +18360,7 @@
                   <a:srgbClr val="990000"/>
                 </a:solidFill>
                 <a:latin typeface="FrutigerNext LT Medium" pitchFamily="34" charset="0"/>
-                <a:ea typeface="黑体" panose="02010609060101010101" pitchFamily="49" charset="-122"/>
+                <a:ea typeface="黑体" panose="02010609060101010101" charset="-122"/>
               </a:defRPr>
             </a:lvl1pPr>
             <a:lvl2pPr marL="742950" indent="-285750" defTabSz="800100" eaLnBrk="0" hangingPunct="0">
@@ -18279,7 +18369,7 @@
                   <a:srgbClr val="990000"/>
                 </a:solidFill>
                 <a:latin typeface="FrutigerNext LT Medium" pitchFamily="34" charset="0"/>
-                <a:ea typeface="黑体" panose="02010609060101010101" pitchFamily="49" charset="-122"/>
+                <a:ea typeface="黑体" panose="02010609060101010101" charset="-122"/>
               </a:defRPr>
             </a:lvl2pPr>
             <a:lvl3pPr marL="1143000" indent="-228600" defTabSz="800100" eaLnBrk="0" hangingPunct="0">
@@ -18288,7 +18378,7 @@
                   <a:srgbClr val="990000"/>
                 </a:solidFill>
                 <a:latin typeface="FrutigerNext LT Medium" pitchFamily="34" charset="0"/>
-                <a:ea typeface="黑体" panose="02010609060101010101" pitchFamily="49" charset="-122"/>
+                <a:ea typeface="黑体" panose="02010609060101010101" charset="-122"/>
               </a:defRPr>
             </a:lvl3pPr>
             <a:lvl4pPr marL="1600200" indent="-228600" defTabSz="800100" eaLnBrk="0" hangingPunct="0">
@@ -18297,7 +18387,7 @@
                   <a:srgbClr val="990000"/>
                 </a:solidFill>
                 <a:latin typeface="FrutigerNext LT Medium" pitchFamily="34" charset="0"/>
-                <a:ea typeface="黑体" panose="02010609060101010101" pitchFamily="49" charset="-122"/>
+                <a:ea typeface="黑体" panose="02010609060101010101" charset="-122"/>
               </a:defRPr>
             </a:lvl4pPr>
             <a:lvl5pPr marL="2057400" indent="-228600" defTabSz="800100" eaLnBrk="0" hangingPunct="0">
@@ -18306,7 +18396,7 @@
                   <a:srgbClr val="990000"/>
                 </a:solidFill>
                 <a:latin typeface="FrutigerNext LT Medium" pitchFamily="34" charset="0"/>
-                <a:ea typeface="黑体" panose="02010609060101010101" pitchFamily="49" charset="-122"/>
+                <a:ea typeface="黑体" panose="02010609060101010101" charset="-122"/>
               </a:defRPr>
             </a:lvl5pPr>
             <a:lvl6pPr marL="2514600" indent="-228600" algn="ctr" defTabSz="800100" eaLnBrk="0" fontAlgn="base" hangingPunct="0">
@@ -18321,7 +18411,7 @@
                   <a:srgbClr val="990000"/>
                 </a:solidFill>
                 <a:latin typeface="FrutigerNext LT Medium" pitchFamily="34" charset="0"/>
-                <a:ea typeface="黑体" panose="02010609060101010101" pitchFamily="49" charset="-122"/>
+                <a:ea typeface="黑体" panose="02010609060101010101" charset="-122"/>
               </a:defRPr>
             </a:lvl6pPr>
             <a:lvl7pPr marL="2971800" indent="-228600" algn="ctr" defTabSz="800100" eaLnBrk="0" fontAlgn="base" hangingPunct="0">
@@ -18336,7 +18426,7 @@
                   <a:srgbClr val="990000"/>
                 </a:solidFill>
                 <a:latin typeface="FrutigerNext LT Medium" pitchFamily="34" charset="0"/>
-                <a:ea typeface="黑体" panose="02010609060101010101" pitchFamily="49" charset="-122"/>
+                <a:ea typeface="黑体" panose="02010609060101010101" charset="-122"/>
               </a:defRPr>
             </a:lvl7pPr>
             <a:lvl8pPr marL="3429000" indent="-228600" algn="ctr" defTabSz="800100" eaLnBrk="0" fontAlgn="base" hangingPunct="0">
@@ -18351,7 +18441,7 @@
                   <a:srgbClr val="990000"/>
                 </a:solidFill>
                 <a:latin typeface="FrutigerNext LT Medium" pitchFamily="34" charset="0"/>
-                <a:ea typeface="黑体" panose="02010609060101010101" pitchFamily="49" charset="-122"/>
+                <a:ea typeface="黑体" panose="02010609060101010101" charset="-122"/>
               </a:defRPr>
             </a:lvl8pPr>
             <a:lvl9pPr marL="3886200" indent="-228600" algn="ctr" defTabSz="800100" eaLnBrk="0" fontAlgn="base" hangingPunct="0">
@@ -18366,7 +18456,7 @@
                   <a:srgbClr val="990000"/>
                 </a:solidFill>
                 <a:latin typeface="FrutigerNext LT Medium" pitchFamily="34" charset="0"/>
-                <a:ea typeface="黑体" panose="02010609060101010101" pitchFamily="49" charset="-122"/>
+                <a:ea typeface="黑体" panose="02010609060101010101" charset="-122"/>
               </a:defRPr>
             </a:lvl9pPr>
           </a:lstStyle>
@@ -18444,6 +18534,13 @@
               </a:rPr>
               <a:t>）是一项软件开发实践，其中团队的成员经常集成他们的工作，通常每人每天至少集成一次，每次集成通过自动化构建完成。</a:t>
             </a:r>
+            <a:endParaRPr lang="zh-CN" altLang="en-US" sz="1800" dirty="0">
+              <a:solidFill>
+                <a:schemeClr val="tx1"/>
+              </a:solidFill>
+              <a:latin typeface="微软雅黑" panose="020B0503020204020204" pitchFamily="34" charset="-122"/>
+              <a:ea typeface="微软雅黑" panose="020B0503020204020204" pitchFamily="34" charset="-122"/>
+            </a:endParaRPr>
           </a:p>
         </p:txBody>
       </p:sp>
@@ -18496,7 +18593,7 @@
                   <a:srgbClr val="990000"/>
                 </a:solidFill>
                 <a:latin typeface="FrutigerNext LT Medium" pitchFamily="34" charset="0"/>
-                <a:ea typeface="黑体" panose="02010609060101010101" pitchFamily="49" charset="-122"/>
+                <a:ea typeface="黑体" panose="02010609060101010101" charset="-122"/>
               </a:defRPr>
             </a:lvl1pPr>
             <a:lvl2pPr marL="742950" indent="-285750" defTabSz="800100" eaLnBrk="0" hangingPunct="0">
@@ -18505,7 +18602,7 @@
                   <a:srgbClr val="990000"/>
                 </a:solidFill>
                 <a:latin typeface="FrutigerNext LT Medium" pitchFamily="34" charset="0"/>
-                <a:ea typeface="黑体" panose="02010609060101010101" pitchFamily="49" charset="-122"/>
+                <a:ea typeface="黑体" panose="02010609060101010101" charset="-122"/>
               </a:defRPr>
             </a:lvl2pPr>
             <a:lvl3pPr marL="1143000" indent="-228600" defTabSz="800100" eaLnBrk="0" hangingPunct="0">
@@ -18514,7 +18611,7 @@
                   <a:srgbClr val="990000"/>
                 </a:solidFill>
                 <a:latin typeface="FrutigerNext LT Medium" pitchFamily="34" charset="0"/>
-                <a:ea typeface="黑体" panose="02010609060101010101" pitchFamily="49" charset="-122"/>
+                <a:ea typeface="黑体" panose="02010609060101010101" charset="-122"/>
               </a:defRPr>
             </a:lvl3pPr>
             <a:lvl4pPr marL="1600200" indent="-228600" defTabSz="800100" eaLnBrk="0" hangingPunct="0">
@@ -18523,7 +18620,7 @@
                   <a:srgbClr val="990000"/>
                 </a:solidFill>
                 <a:latin typeface="FrutigerNext LT Medium" pitchFamily="34" charset="0"/>
-                <a:ea typeface="黑体" panose="02010609060101010101" pitchFamily="49" charset="-122"/>
+                <a:ea typeface="黑体" panose="02010609060101010101" charset="-122"/>
               </a:defRPr>
             </a:lvl4pPr>
             <a:lvl5pPr marL="2057400" indent="-228600" defTabSz="800100" eaLnBrk="0" hangingPunct="0">
@@ -18532,7 +18629,7 @@
                   <a:srgbClr val="990000"/>
                 </a:solidFill>
                 <a:latin typeface="FrutigerNext LT Medium" pitchFamily="34" charset="0"/>
-                <a:ea typeface="黑体" panose="02010609060101010101" pitchFamily="49" charset="-122"/>
+                <a:ea typeface="黑体" panose="02010609060101010101" charset="-122"/>
               </a:defRPr>
             </a:lvl5pPr>
             <a:lvl6pPr marL="2514600" indent="-228600" algn="ctr" defTabSz="800100" eaLnBrk="0" fontAlgn="base" hangingPunct="0">
@@ -18547,7 +18644,7 @@
                   <a:srgbClr val="990000"/>
                 </a:solidFill>
                 <a:latin typeface="FrutigerNext LT Medium" pitchFamily="34" charset="0"/>
-                <a:ea typeface="黑体" panose="02010609060101010101" pitchFamily="49" charset="-122"/>
+                <a:ea typeface="黑体" panose="02010609060101010101" charset="-122"/>
               </a:defRPr>
             </a:lvl6pPr>
             <a:lvl7pPr marL="2971800" indent="-228600" algn="ctr" defTabSz="800100" eaLnBrk="0" fontAlgn="base" hangingPunct="0">
@@ -18562,7 +18659,7 @@
                   <a:srgbClr val="990000"/>
                 </a:solidFill>
                 <a:latin typeface="FrutigerNext LT Medium" pitchFamily="34" charset="0"/>
-                <a:ea typeface="黑体" panose="02010609060101010101" pitchFamily="49" charset="-122"/>
+                <a:ea typeface="黑体" panose="02010609060101010101" charset="-122"/>
               </a:defRPr>
             </a:lvl7pPr>
             <a:lvl8pPr marL="3429000" indent="-228600" algn="ctr" defTabSz="800100" eaLnBrk="0" fontAlgn="base" hangingPunct="0">
@@ -18577,7 +18674,7 @@
                   <a:srgbClr val="990000"/>
                 </a:solidFill>
                 <a:latin typeface="FrutigerNext LT Medium" pitchFamily="34" charset="0"/>
-                <a:ea typeface="黑体" panose="02010609060101010101" pitchFamily="49" charset="-122"/>
+                <a:ea typeface="黑体" panose="02010609060101010101" charset="-122"/>
               </a:defRPr>
             </a:lvl8pPr>
             <a:lvl9pPr marL="3886200" indent="-228600" algn="ctr" defTabSz="800100" eaLnBrk="0" fontAlgn="base" hangingPunct="0">
@@ -18592,7 +18689,7 @@
                   <a:srgbClr val="990000"/>
                 </a:solidFill>
                 <a:latin typeface="FrutigerNext LT Medium" pitchFamily="34" charset="0"/>
-                <a:ea typeface="黑体" panose="02010609060101010101" pitchFamily="49" charset="-122"/>
+                <a:ea typeface="黑体" panose="02010609060101010101" charset="-122"/>
               </a:defRPr>
             </a:lvl9pPr>
           </a:lstStyle>
@@ -18618,6 +18715,13 @@
               </a:rPr>
               <a:t>持续集成的好处</a:t>
             </a:r>
+            <a:endParaRPr lang="zh-CN" altLang="en-US" sz="2000" b="1" dirty="0">
+              <a:solidFill>
+                <a:schemeClr val="tx1"/>
+              </a:solidFill>
+              <a:latin typeface="微软雅黑" panose="020B0503020204020204" pitchFamily="34" charset="-122"/>
+              <a:ea typeface="微软雅黑" panose="020B0503020204020204" pitchFamily="34" charset="-122"/>
+            </a:endParaRPr>
           </a:p>
           <a:p>
             <a:pPr algn="l">
@@ -18695,6 +18799,13 @@
               </a:rPr>
               <a:t>降低缺陷修改成本；</a:t>
             </a:r>
+            <a:endParaRPr lang="zh-CN" altLang="en-US" sz="1800" dirty="0">
+              <a:solidFill>
+                <a:schemeClr val="tx1"/>
+              </a:solidFill>
+              <a:latin typeface="微软雅黑" panose="020B0503020204020204" pitchFamily="34" charset="-122"/>
+              <a:ea typeface="微软雅黑" panose="020B0503020204020204" pitchFamily="34" charset="-122"/>
+            </a:endParaRPr>
           </a:p>
           <a:p>
             <a:pPr algn="l">
@@ -18759,7 +18870,7 @@
               </a14:hiddenFill>
             </a:ext>
             <a:ext uri="{91240B29-F687-4F45-9708-019B960494DF}">
-              <a14:hiddenLine xmlns:a14="http://schemas.microsoft.com/office/drawing/2010/main" w="9525" algn="ctr">
+              <a14:hiddenLine xmlns:a14="http://schemas.microsoft.com/office/drawing/2010/main" w="9525">
                 <a:solidFill>
                   <a:srgbClr val="000000"/>
                 </a:solidFill>
@@ -18773,13 +18884,13 @@
         <p:txBody>
           <a:bodyPr lIns="80107" tIns="40053" rIns="80107" bIns="40053"/>
           <a:lstStyle>
-            <a:lvl1pPr indent="350838" defTabSz="800100" eaLnBrk="0" hangingPunct="0">
+            <a:lvl1pPr indent="351155" defTabSz="800100" eaLnBrk="0" hangingPunct="0">
               <a:defRPr sz="3200">
                 <a:solidFill>
                   <a:srgbClr val="990000"/>
                 </a:solidFill>
                 <a:latin typeface="FrutigerNext LT Medium" pitchFamily="34" charset="0"/>
-                <a:ea typeface="黑体" panose="02010609060101010101" pitchFamily="49" charset="-122"/>
+                <a:ea typeface="黑体" panose="02010609060101010101" charset="-122"/>
               </a:defRPr>
             </a:lvl1pPr>
             <a:lvl2pPr marL="742950" indent="-285750" defTabSz="800100" eaLnBrk="0" hangingPunct="0">
@@ -18788,7 +18899,7 @@
                   <a:srgbClr val="990000"/>
                 </a:solidFill>
                 <a:latin typeface="FrutigerNext LT Medium" pitchFamily="34" charset="0"/>
-                <a:ea typeface="黑体" panose="02010609060101010101" pitchFamily="49" charset="-122"/>
+                <a:ea typeface="黑体" panose="02010609060101010101" charset="-122"/>
               </a:defRPr>
             </a:lvl2pPr>
             <a:lvl3pPr marL="1143000" indent="-228600" defTabSz="800100" eaLnBrk="0" hangingPunct="0">
@@ -18797,7 +18908,7 @@
                   <a:srgbClr val="990000"/>
                 </a:solidFill>
                 <a:latin typeface="FrutigerNext LT Medium" pitchFamily="34" charset="0"/>
-                <a:ea typeface="黑体" panose="02010609060101010101" pitchFamily="49" charset="-122"/>
+                <a:ea typeface="黑体" panose="02010609060101010101" charset="-122"/>
               </a:defRPr>
             </a:lvl3pPr>
             <a:lvl4pPr marL="1600200" indent="-228600" defTabSz="800100" eaLnBrk="0" hangingPunct="0">
@@ -18806,7 +18917,7 @@
                   <a:srgbClr val="990000"/>
                 </a:solidFill>
                 <a:latin typeface="FrutigerNext LT Medium" pitchFamily="34" charset="0"/>
-                <a:ea typeface="黑体" panose="02010609060101010101" pitchFamily="49" charset="-122"/>
+                <a:ea typeface="黑体" panose="02010609060101010101" charset="-122"/>
               </a:defRPr>
             </a:lvl4pPr>
             <a:lvl5pPr marL="2057400" indent="-228600" defTabSz="800100" eaLnBrk="0" hangingPunct="0">
@@ -18815,7 +18926,7 @@
                   <a:srgbClr val="990000"/>
                 </a:solidFill>
                 <a:latin typeface="FrutigerNext LT Medium" pitchFamily="34" charset="0"/>
-                <a:ea typeface="黑体" panose="02010609060101010101" pitchFamily="49" charset="-122"/>
+                <a:ea typeface="黑体" panose="02010609060101010101" charset="-122"/>
               </a:defRPr>
             </a:lvl5pPr>
             <a:lvl6pPr marL="2514600" indent="-228600" algn="ctr" defTabSz="800100" eaLnBrk="0" fontAlgn="base" hangingPunct="0">
@@ -18830,7 +18941,7 @@
                   <a:srgbClr val="990000"/>
                 </a:solidFill>
                 <a:latin typeface="FrutigerNext LT Medium" pitchFamily="34" charset="0"/>
-                <a:ea typeface="黑体" panose="02010609060101010101" pitchFamily="49" charset="-122"/>
+                <a:ea typeface="黑体" panose="02010609060101010101" charset="-122"/>
               </a:defRPr>
             </a:lvl6pPr>
             <a:lvl7pPr marL="2971800" indent="-228600" algn="ctr" defTabSz="800100" eaLnBrk="0" fontAlgn="base" hangingPunct="0">
@@ -18845,7 +18956,7 @@
                   <a:srgbClr val="990000"/>
                 </a:solidFill>
                 <a:latin typeface="FrutigerNext LT Medium" pitchFamily="34" charset="0"/>
-                <a:ea typeface="黑体" panose="02010609060101010101" pitchFamily="49" charset="-122"/>
+                <a:ea typeface="黑体" panose="02010609060101010101" charset="-122"/>
               </a:defRPr>
             </a:lvl7pPr>
             <a:lvl8pPr marL="3429000" indent="-228600" algn="ctr" defTabSz="800100" eaLnBrk="0" fontAlgn="base" hangingPunct="0">
@@ -18860,7 +18971,7 @@
                   <a:srgbClr val="990000"/>
                 </a:solidFill>
                 <a:latin typeface="FrutigerNext LT Medium" pitchFamily="34" charset="0"/>
-                <a:ea typeface="黑体" panose="02010609060101010101" pitchFamily="49" charset="-122"/>
+                <a:ea typeface="黑体" panose="02010609060101010101" charset="-122"/>
               </a:defRPr>
             </a:lvl8pPr>
             <a:lvl9pPr marL="3886200" indent="-228600" algn="ctr" defTabSz="800100" eaLnBrk="0" fontAlgn="base" hangingPunct="0">
@@ -18875,7 +18986,7 @@
                   <a:srgbClr val="990000"/>
                 </a:solidFill>
                 <a:latin typeface="FrutigerNext LT Medium" pitchFamily="34" charset="0"/>
-                <a:ea typeface="黑体" panose="02010609060101010101" pitchFamily="49" charset="-122"/>
+                <a:ea typeface="黑体" panose="02010609060101010101" charset="-122"/>
               </a:defRPr>
             </a:lvl9pPr>
           </a:lstStyle>
@@ -18900,6 +19011,13 @@
               </a:rPr>
               <a:t>持续集成提供产品质量的快速反馈，保证随时拥有可工作的软件</a:t>
             </a:r>
+            <a:endParaRPr lang="zh-CN" altLang="en-US" sz="1600" b="1" dirty="0">
+              <a:solidFill>
+                <a:schemeClr val="tx2"/>
+              </a:solidFill>
+              <a:latin typeface="微软雅黑" panose="020B0503020204020204" pitchFamily="34" charset="-122"/>
+              <a:ea typeface="微软雅黑" panose="020B0503020204020204" pitchFamily="34" charset="-122"/>
+            </a:endParaRPr>
           </a:p>
         </p:txBody>
       </p:sp>
@@ -18910,7 +19028,7 @@
           <p:nvPr/>
         </p:nvPicPr>
         <p:blipFill>
-          <a:blip r:embed="rId3">
+          <a:blip r:embed="rId1">
             <a:clrChange>
               <a:clrFrom>
                 <a:srgbClr val="FFFFFF"/>
@@ -18945,7 +19063,6 @@
             <a:noFill/>
           </a:ln>
           <a:effectLst/>
-          <a:extLst/>
         </p:spPr>
       </p:pic>
       <p:cxnSp>
@@ -19123,11 +19240,6 @@
         </p:txBody>
       </p:sp>
     </p:spTree>
-    <p:extLst>
-      <p:ext uri="{BB962C8B-B14F-4D97-AF65-F5344CB8AC3E}">
-        <p14:creationId xmlns:p14="http://schemas.microsoft.com/office/powerpoint/2010/main" val="20159381"/>
-      </p:ext>
-    </p:extLst>
   </p:cSld>
   <p:clrMapOvr>
     <a:masterClrMapping/>
@@ -19187,7 +19299,7 @@
               </a14:hiddenFill>
             </a:ext>
             <a:ext uri="{91240B29-F687-4F45-9708-019B960494DF}">
-              <a14:hiddenLine xmlns:a14="http://schemas.microsoft.com/office/drawing/2010/main" w="9525" algn="ctr">
+              <a14:hiddenLine xmlns:a14="http://schemas.microsoft.com/office/drawing/2010/main" w="9525">
                 <a:solidFill>
                   <a:srgbClr val="000000"/>
                 </a:solidFill>
@@ -19204,7 +19316,7 @@
           </a:bodyPr>
           <a:lstStyle/>
           <a:p>
-            <a:pPr defTabSz="801688">
+            <a:pPr defTabSz="802005">
               <a:lnSpc>
                 <a:spcPct val="110000"/>
               </a:lnSpc>
@@ -19215,7 +19327,7 @@
                   <a:srgbClr val="990000"/>
                 </a:solidFill>
                 <a:latin typeface="FrutigerNext LT Medium" pitchFamily="34" charset="0"/>
-                <a:ea typeface="黑体" panose="02010609060101010101" pitchFamily="49" charset="-122"/>
+                <a:ea typeface="黑体" panose="02010609060101010101" charset="-122"/>
                 <a:cs typeface="+mn-cs"/>
               </a:rPr>
               <a:t>敏捷工程实践：持续集成</a:t>
@@ -19226,11 +19338,19 @@
                   <a:srgbClr val="990000"/>
                 </a:solidFill>
                 <a:latin typeface="FrutigerNext LT Medium" pitchFamily="34" charset="0"/>
-                <a:ea typeface="黑体" panose="02010609060101010101" pitchFamily="49" charset="-122"/>
+                <a:ea typeface="黑体" panose="02010609060101010101" charset="-122"/>
                 <a:cs typeface="+mn-cs"/>
               </a:rPr>
               <a:t>(CI)</a:t>
             </a:r>
+            <a:endParaRPr lang="en-US" altLang="zh-CN" sz="3200" dirty="0">
+              <a:solidFill>
+                <a:srgbClr val="990000"/>
+              </a:solidFill>
+              <a:latin typeface="FrutigerNext LT Medium" pitchFamily="34" charset="0"/>
+              <a:ea typeface="黑体" panose="02010609060101010101" charset="-122"/>
+              <a:cs typeface="+mn-cs"/>
+            </a:endParaRPr>
           </a:p>
         </p:txBody>
       </p:sp>
@@ -19283,7 +19403,7 @@
                   <a:srgbClr val="990000"/>
                 </a:solidFill>
                 <a:latin typeface="FrutigerNext LT Medium" pitchFamily="34" charset="0"/>
-                <a:ea typeface="黑体" panose="02010609060101010101" pitchFamily="49" charset="-122"/>
+                <a:ea typeface="黑体" panose="02010609060101010101" charset="-122"/>
               </a:defRPr>
             </a:lvl1pPr>
             <a:lvl2pPr marL="742950" indent="-285750" defTabSz="800100" eaLnBrk="0" hangingPunct="0">
@@ -19292,7 +19412,7 @@
                   <a:srgbClr val="990000"/>
                 </a:solidFill>
                 <a:latin typeface="FrutigerNext LT Medium" pitchFamily="34" charset="0"/>
-                <a:ea typeface="黑体" panose="02010609060101010101" pitchFamily="49" charset="-122"/>
+                <a:ea typeface="黑体" panose="02010609060101010101" charset="-122"/>
               </a:defRPr>
             </a:lvl2pPr>
             <a:lvl3pPr marL="1143000" indent="-228600" defTabSz="800100" eaLnBrk="0" hangingPunct="0">
@@ -19301,7 +19421,7 @@
                   <a:srgbClr val="990000"/>
                 </a:solidFill>
                 <a:latin typeface="FrutigerNext LT Medium" pitchFamily="34" charset="0"/>
-                <a:ea typeface="黑体" panose="02010609060101010101" pitchFamily="49" charset="-122"/>
+                <a:ea typeface="黑体" panose="02010609060101010101" charset="-122"/>
               </a:defRPr>
             </a:lvl3pPr>
             <a:lvl4pPr marL="1600200" indent="-228600" defTabSz="800100" eaLnBrk="0" hangingPunct="0">
@@ -19310,7 +19430,7 @@
                   <a:srgbClr val="990000"/>
                 </a:solidFill>
                 <a:latin typeface="FrutigerNext LT Medium" pitchFamily="34" charset="0"/>
-                <a:ea typeface="黑体" panose="02010609060101010101" pitchFamily="49" charset="-122"/>
+                <a:ea typeface="黑体" panose="02010609060101010101" charset="-122"/>
               </a:defRPr>
             </a:lvl4pPr>
             <a:lvl5pPr marL="2057400" indent="-228600" defTabSz="800100" eaLnBrk="0" hangingPunct="0">
@@ -19319,7 +19439,7 @@
                   <a:srgbClr val="990000"/>
                 </a:solidFill>
                 <a:latin typeface="FrutigerNext LT Medium" pitchFamily="34" charset="0"/>
-                <a:ea typeface="黑体" panose="02010609060101010101" pitchFamily="49" charset="-122"/>
+                <a:ea typeface="黑体" panose="02010609060101010101" charset="-122"/>
               </a:defRPr>
             </a:lvl5pPr>
             <a:lvl6pPr marL="2514600" indent="-228600" algn="ctr" defTabSz="800100" eaLnBrk="0" fontAlgn="base" hangingPunct="0">
@@ -19334,7 +19454,7 @@
                   <a:srgbClr val="990000"/>
                 </a:solidFill>
                 <a:latin typeface="FrutigerNext LT Medium" pitchFamily="34" charset="0"/>
-                <a:ea typeface="黑体" panose="02010609060101010101" pitchFamily="49" charset="-122"/>
+                <a:ea typeface="黑体" panose="02010609060101010101" charset="-122"/>
               </a:defRPr>
             </a:lvl6pPr>
             <a:lvl7pPr marL="2971800" indent="-228600" algn="ctr" defTabSz="800100" eaLnBrk="0" fontAlgn="base" hangingPunct="0">
@@ -19349,7 +19469,7 @@
                   <a:srgbClr val="990000"/>
                 </a:solidFill>
                 <a:latin typeface="FrutigerNext LT Medium" pitchFamily="34" charset="0"/>
-                <a:ea typeface="黑体" panose="02010609060101010101" pitchFamily="49" charset="-122"/>
+                <a:ea typeface="黑体" panose="02010609060101010101" charset="-122"/>
               </a:defRPr>
             </a:lvl7pPr>
             <a:lvl8pPr marL="3429000" indent="-228600" algn="ctr" defTabSz="800100" eaLnBrk="0" fontAlgn="base" hangingPunct="0">
@@ -19364,7 +19484,7 @@
                   <a:srgbClr val="990000"/>
                 </a:solidFill>
                 <a:latin typeface="FrutigerNext LT Medium" pitchFamily="34" charset="0"/>
-                <a:ea typeface="黑体" panose="02010609060101010101" pitchFamily="49" charset="-122"/>
+                <a:ea typeface="黑体" panose="02010609060101010101" charset="-122"/>
               </a:defRPr>
             </a:lvl8pPr>
             <a:lvl9pPr marL="3886200" indent="-228600" algn="ctr" defTabSz="800100" eaLnBrk="0" fontAlgn="base" hangingPunct="0">
@@ -19379,7 +19499,7 @@
                   <a:srgbClr val="990000"/>
                 </a:solidFill>
                 <a:latin typeface="FrutigerNext LT Medium" pitchFamily="34" charset="0"/>
-                <a:ea typeface="黑体" panose="02010609060101010101" pitchFamily="49" charset="-122"/>
+                <a:ea typeface="黑体" panose="02010609060101010101" charset="-122"/>
               </a:defRPr>
             </a:lvl9pPr>
           </a:lstStyle>
@@ -19415,6 +19535,13 @@
               </a:rPr>
               <a:t>持续集成的关键要点</a:t>
             </a:r>
+            <a:endParaRPr lang="zh-CN" altLang="en-US" sz="2000" b="1" dirty="0">
+              <a:solidFill>
+                <a:schemeClr val="tx1"/>
+              </a:solidFill>
+              <a:latin typeface="微软雅黑" panose="020B0503020204020204" pitchFamily="34" charset="-122"/>
+              <a:ea typeface="微软雅黑" panose="020B0503020204020204" pitchFamily="34" charset="-122"/>
+            </a:endParaRPr>
           </a:p>
           <a:p>
             <a:pPr algn="l">
@@ -19440,6 +19567,13 @@
               </a:rPr>
               <a:t>持续集成强调 “快速”和“反馈”，要求完成一次系统集成的时间尽量短，并提供完备且有效的反馈信息；</a:t>
             </a:r>
+            <a:endParaRPr lang="zh-CN" altLang="en-US" sz="1800" dirty="0">
+              <a:solidFill>
+                <a:schemeClr val="tx1"/>
+              </a:solidFill>
+              <a:latin typeface="微软雅黑" panose="020B0503020204020204" pitchFamily="34" charset="-122"/>
+              <a:ea typeface="微软雅黑" panose="020B0503020204020204" pitchFamily="34" charset="-122"/>
+            </a:endParaRPr>
           </a:p>
           <a:p>
             <a:pPr algn="l">
@@ -19465,6 +19599,13 @@
               </a:rPr>
               <a:t>自动化测试用例的完备性和有效性是持续集成质量保障；</a:t>
             </a:r>
+            <a:endParaRPr lang="zh-CN" altLang="en-US" sz="1800" dirty="0">
+              <a:solidFill>
+                <a:schemeClr val="tx1"/>
+              </a:solidFill>
+              <a:latin typeface="微软雅黑" panose="020B0503020204020204" pitchFamily="34" charset="-122"/>
+              <a:ea typeface="微软雅黑" panose="020B0503020204020204" pitchFamily="34" charset="-122"/>
+            </a:endParaRPr>
           </a:p>
           <a:p>
             <a:pPr algn="l">
@@ -19490,6 +19631,13 @@
               </a:rPr>
               <a:t>修复失败的构建是团队最高优先级的任务；</a:t>
             </a:r>
+            <a:endParaRPr lang="zh-CN" altLang="en-US" sz="1800" dirty="0">
+              <a:solidFill>
+                <a:schemeClr val="tx1"/>
+              </a:solidFill>
+              <a:latin typeface="微软雅黑" panose="020B0503020204020204" pitchFamily="34" charset="-122"/>
+              <a:ea typeface="微软雅黑" panose="020B0503020204020204" pitchFamily="34" charset="-122"/>
+            </a:endParaRPr>
           </a:p>
           <a:p>
             <a:pPr algn="l">
@@ -19515,6 +19663,13 @@
               </a:rPr>
               <a:t>开发人员须先在本地构建成功，才可提交代码到配置库 ；</a:t>
             </a:r>
+            <a:endParaRPr lang="zh-CN" altLang="en-US" sz="1800" dirty="0">
+              <a:solidFill>
+                <a:schemeClr val="tx1"/>
+              </a:solidFill>
+              <a:latin typeface="微软雅黑" panose="020B0503020204020204" pitchFamily="34" charset="-122"/>
+              <a:ea typeface="微软雅黑" panose="020B0503020204020204" pitchFamily="34" charset="-122"/>
+            </a:endParaRPr>
           </a:p>
           <a:p>
             <a:pPr algn="l">
@@ -19540,6 +19695,13 @@
               </a:rPr>
               <a:t>持续集成的状态必须实时可视化显示给所有人；</a:t>
             </a:r>
+            <a:endParaRPr lang="zh-CN" altLang="en-US" sz="1800" dirty="0">
+              <a:solidFill>
+                <a:schemeClr val="tx1"/>
+              </a:solidFill>
+              <a:latin typeface="微软雅黑" panose="020B0503020204020204" pitchFamily="34" charset="-122"/>
+              <a:ea typeface="微软雅黑" panose="020B0503020204020204" pitchFamily="34" charset="-122"/>
+            </a:endParaRPr>
           </a:p>
           <a:p>
             <a:pPr algn="l">
@@ -19565,6 +19727,13 @@
               </a:rPr>
               <a:t>大系统持续集成需分层分级，建立各层次统一的测试策略。</a:t>
             </a:r>
+            <a:endParaRPr lang="zh-CN" altLang="en-US" sz="1800" dirty="0">
+              <a:solidFill>
+                <a:schemeClr val="tx1"/>
+              </a:solidFill>
+              <a:latin typeface="微软雅黑" panose="020B0503020204020204" pitchFamily="34" charset="-122"/>
+              <a:ea typeface="微软雅黑" panose="020B0503020204020204" pitchFamily="34" charset="-122"/>
+            </a:endParaRPr>
           </a:p>
         </p:txBody>
       </p:sp>
@@ -19613,7 +19782,7 @@
           <p:nvPr/>
         </p:nvPicPr>
         <p:blipFill>
-          <a:blip r:embed="rId3">
+          <a:blip r:embed="rId1">
             <a:extLst>
               <a:ext uri="{28A0092B-C50C-407E-A947-70E740481C1C}">
                 <a14:useLocalDpi xmlns:a14="http://schemas.microsoft.com/office/drawing/2010/main" val="0"/>
@@ -19646,11 +19815,6 @@
         </p:spPr>
       </p:pic>
     </p:spTree>
-    <p:extLst>
-      <p:ext uri="{BB962C8B-B14F-4D97-AF65-F5344CB8AC3E}">
-        <p14:creationId xmlns:p14="http://schemas.microsoft.com/office/powerpoint/2010/main" val="75241002"/>
-      </p:ext>
-    </p:extLst>
   </p:cSld>
   <p:clrMapOvr>
     <a:masterClrMapping/>
@@ -19710,7 +19874,7 @@
               </a14:hiddenFill>
             </a:ext>
             <a:ext uri="{91240B29-F687-4F45-9708-019B960494DF}">
-              <a14:hiddenLine xmlns:a14="http://schemas.microsoft.com/office/drawing/2010/main" w="9525" algn="ctr">
+              <a14:hiddenLine xmlns:a14="http://schemas.microsoft.com/office/drawing/2010/main" w="9525">
                 <a:solidFill>
                   <a:srgbClr val="000000"/>
                 </a:solidFill>
@@ -19727,7 +19891,7 @@
           </a:bodyPr>
           <a:lstStyle/>
           <a:p>
-            <a:pPr defTabSz="801688">
+            <a:pPr defTabSz="802005">
               <a:lnSpc>
                 <a:spcPct val="110000"/>
               </a:lnSpc>
@@ -19738,7 +19902,7 @@
                   <a:srgbClr val="990000"/>
                 </a:solidFill>
                 <a:latin typeface="FrutigerNext LT Medium" pitchFamily="34" charset="0"/>
-                <a:ea typeface="黑体" panose="02010609060101010101" pitchFamily="49" charset="-122"/>
+                <a:ea typeface="黑体" panose="02010609060101010101" charset="-122"/>
                 <a:cs typeface="+mn-cs"/>
               </a:rPr>
               <a:t>敏捷工程实践：</a:t>
@@ -19749,11 +19913,19 @@
                   <a:srgbClr val="990000"/>
                 </a:solidFill>
                 <a:latin typeface="FrutigerNext LT Medium" pitchFamily="34" charset="0"/>
-                <a:ea typeface="黑体" panose="02010609060101010101" pitchFamily="49" charset="-122"/>
+                <a:ea typeface="黑体" panose="02010609060101010101" charset="-122"/>
                 <a:cs typeface="+mn-cs"/>
               </a:rPr>
               <a:t>Code Review</a:t>
             </a:r>
+            <a:endParaRPr lang="en-US" altLang="zh-CN" sz="3200" dirty="0">
+              <a:solidFill>
+                <a:srgbClr val="990000"/>
+              </a:solidFill>
+              <a:latin typeface="FrutigerNext LT Medium" pitchFamily="34" charset="0"/>
+              <a:ea typeface="黑体" panose="02010609060101010101" charset="-122"/>
+              <a:cs typeface="+mn-cs"/>
+            </a:endParaRPr>
           </a:p>
         </p:txBody>
       </p:sp>
@@ -19884,6 +20056,10 @@
               </a:rPr>
               <a:t>能从他们的角度来发现问题并且提出更好的解决方案。</a:t>
             </a:r>
+            <a:endParaRPr lang="zh-CN" altLang="en-US" sz="2000" dirty="0">
+              <a:latin typeface="微软雅黑" panose="020B0503020204020204" pitchFamily="34" charset="-122"/>
+              <a:ea typeface="微软雅黑" panose="020B0503020204020204" pitchFamily="34" charset="-122"/>
+            </a:endParaRPr>
           </a:p>
           <a:p>
             <a:pPr marL="285750" indent="-285750">
@@ -19914,6 +20090,10 @@
               </a:rPr>
               <a:t>的另一个其他成员熟悉你的代码，通过给新员工看有经验的开发者的代码能够某种程度上提高他们的水平。</a:t>
             </a:r>
+            <a:endParaRPr lang="zh-CN" altLang="en-US" sz="2000" dirty="0">
+              <a:latin typeface="微软雅黑" panose="020B0503020204020204" pitchFamily="34" charset="-122"/>
+              <a:ea typeface="微软雅黑" panose="020B0503020204020204" pitchFamily="34" charset="-122"/>
+            </a:endParaRPr>
           </a:p>
           <a:p>
             <a:pPr marL="285750" indent="-285750">
@@ -19944,6 +20124,10 @@
               </a:rPr>
               <a:t>和被复查者的想法和经验能够促进团队间的知识的分享。</a:t>
             </a:r>
+            <a:endParaRPr lang="zh-CN" altLang="en-US" sz="2000" dirty="0">
+              <a:latin typeface="微软雅黑" panose="020B0503020204020204" pitchFamily="34" charset="-122"/>
+              <a:ea typeface="微软雅黑" panose="020B0503020204020204" pitchFamily="34" charset="-122"/>
+            </a:endParaRPr>
           </a:p>
           <a:p>
             <a:pPr marL="285750" indent="-285750">
@@ -19988,6 +20172,10 @@
               </a:rPr>
               <a:t>将被其他的人阅读。</a:t>
             </a:r>
+            <a:endParaRPr lang="zh-CN" altLang="en-US" sz="2000" dirty="0">
+              <a:latin typeface="微软雅黑" panose="020B0503020204020204" pitchFamily="34" charset="-122"/>
+              <a:ea typeface="微软雅黑" panose="020B0503020204020204" pitchFamily="34" charset="-122"/>
+            </a:endParaRPr>
           </a:p>
           <a:p>
             <a:pPr marL="298450" indent="-298450" defTabSz="800100" eaLnBrk="0" hangingPunct="0">
@@ -20017,7 +20205,7 @@
           <p:nvPr/>
         </p:nvPicPr>
         <p:blipFill>
-          <a:blip r:embed="rId3">
+          <a:blip r:embed="rId1">
             <a:extLst>
               <a:ext uri="{28A0092B-C50C-407E-A947-70E740481C1C}">
                 <a14:useLocalDpi xmlns:a14="http://schemas.microsoft.com/office/drawing/2010/main" val="0"/>
@@ -20076,7 +20264,7 @@
               </a14:hiddenFill>
             </a:ext>
             <a:ext uri="{91240B29-F687-4F45-9708-019B960494DF}">
-              <a14:hiddenLine xmlns:a14="http://schemas.microsoft.com/office/drawing/2010/main" w="9525" algn="ctr">
+              <a14:hiddenLine xmlns:a14="http://schemas.microsoft.com/office/drawing/2010/main" w="9525">
                 <a:solidFill>
                   <a:srgbClr val="000000"/>
                 </a:solidFill>
@@ -20091,7 +20279,7 @@
           <a:bodyPr lIns="80107" tIns="40053" rIns="80107" bIns="40053"/>
           <a:lstStyle/>
           <a:p>
-            <a:pPr indent="350838" defTabSz="800100">
+            <a:pPr indent="351155" defTabSz="800100">
               <a:lnSpc>
                 <a:spcPct val="130000"/>
               </a:lnSpc>
@@ -20151,6 +20339,13 @@
               </a:rPr>
               <a:t>上</a:t>
             </a:r>
+            <a:endParaRPr lang="zh-CN" altLang="en-US" b="1" dirty="0">
+              <a:solidFill>
+                <a:schemeClr val="tx2"/>
+              </a:solidFill>
+              <a:latin typeface="微软雅黑" panose="020B0503020204020204" pitchFamily="34" charset="-122"/>
+              <a:ea typeface="微软雅黑" panose="020B0503020204020204" pitchFamily="34" charset="-122"/>
+            </a:endParaRPr>
           </a:p>
         </p:txBody>
       </p:sp>
@@ -20329,11 +20524,6 @@
         </p:txBody>
       </p:sp>
     </p:spTree>
-    <p:extLst>
-      <p:ext uri="{BB962C8B-B14F-4D97-AF65-F5344CB8AC3E}">
-        <p14:creationId xmlns:p14="http://schemas.microsoft.com/office/powerpoint/2010/main" val="4208525597"/>
-      </p:ext>
-    </p:extLst>
   </p:cSld>
   <p:clrMapOvr>
     <a:masterClrMapping/>
@@ -20391,7 +20581,7 @@
               </a14:hiddenFill>
             </a:ext>
             <a:ext uri="{91240B29-F687-4F45-9708-019B960494DF}">
-              <a14:hiddenLine xmlns:a14="http://schemas.microsoft.com/office/drawing/2010/main" w="9525" algn="ctr">
+              <a14:hiddenLine xmlns:a14="http://schemas.microsoft.com/office/drawing/2010/main" w="9525">
                 <a:solidFill>
                   <a:srgbClr val="000000"/>
                 </a:solidFill>
@@ -20426,7 +20616,7 @@
             </a:lvl1pPr>
           </a:lstStyle>
           <a:p>
-            <a:pPr defTabSz="801688">
+            <a:pPr defTabSz="802005">
               <a:lnSpc>
                 <a:spcPct val="110000"/>
               </a:lnSpc>
@@ -20437,7 +20627,7 @@
                   <a:srgbClr val="990000"/>
                 </a:solidFill>
                 <a:latin typeface="FrutigerNext LT Medium" pitchFamily="34" charset="0"/>
-                <a:ea typeface="黑体" panose="02010609060101010101" pitchFamily="49" charset="-122"/>
+                <a:ea typeface="黑体" panose="02010609060101010101" charset="-122"/>
                 <a:cs typeface="+mn-cs"/>
               </a:rPr>
               <a:t>敏捷工程实践：产品发布规则</a:t>
@@ -20447,7 +20637,7 @@
                 <a:srgbClr val="990000"/>
               </a:solidFill>
               <a:latin typeface="FrutigerNext LT Medium" pitchFamily="34" charset="0"/>
-              <a:ea typeface="黑体" panose="02010609060101010101" pitchFamily="49" charset="-122"/>
+              <a:ea typeface="黑体" panose="02010609060101010101" charset="-122"/>
               <a:cs typeface="+mn-cs"/>
             </a:endParaRPr>
           </a:p>
@@ -20462,7 +20652,7 @@
           <p:nvPr/>
         </p:nvPicPr>
         <p:blipFill>
-          <a:blip r:embed="rId3">
+          <a:blip r:embed="rId1">
             <a:extLst>
               <a:ext uri="{28A0092B-C50C-407E-A947-70E740481C1C}">
                 <a14:useLocalDpi xmlns:a14="http://schemas.microsoft.com/office/drawing/2010/main" val="0"/>
@@ -20503,7 +20693,7 @@
           <p:nvPr/>
         </p:nvPicPr>
         <p:blipFill>
-          <a:blip r:embed="rId4">
+          <a:blip r:embed="rId2">
             <a:extLst>
               <a:ext uri="{28A0092B-C50C-407E-A947-70E740481C1C}">
                 <a14:useLocalDpi xmlns:a14="http://schemas.microsoft.com/office/drawing/2010/main" val="0"/>
@@ -20605,6 +20795,10 @@
               </a:rPr>
               <a:t>多次迭代发布，传统项目、大型项目</a:t>
             </a:r>
+            <a:endParaRPr lang="zh-CN" altLang="en-US" sz="2000" dirty="0">
+              <a:latin typeface="微软雅黑" panose="020B0503020204020204" pitchFamily="34" charset="-122"/>
+              <a:ea typeface="微软雅黑" panose="020B0503020204020204" pitchFamily="34" charset="-122"/>
+            </a:endParaRPr>
           </a:p>
         </p:txBody>
       </p:sp>
@@ -20783,11 +20977,6 @@
         </p:txBody>
       </p:sp>
     </p:spTree>
-    <p:extLst>
-      <p:ext uri="{BB962C8B-B14F-4D97-AF65-F5344CB8AC3E}">
-        <p14:creationId xmlns:p14="http://schemas.microsoft.com/office/powerpoint/2010/main" val="1256326004"/>
-      </p:ext>
-    </p:extLst>
   </p:cSld>
   <p:clrMapOvr>
     <a:masterClrMapping/>
@@ -20851,6 +21040,13 @@
               </a:rPr>
               <a:t>目录</a:t>
             </a:r>
+            <a:endParaRPr lang="zh-CN" altLang="en-US" sz="3200" b="1" dirty="0">
+              <a:solidFill>
+                <a:srgbClr val="141316"/>
+              </a:solidFill>
+              <a:latin typeface="微软雅黑" panose="020B0503020204020204" pitchFamily="34" charset="-122"/>
+              <a:ea typeface="微软雅黑" panose="020B0503020204020204" pitchFamily="34" charset="-122"/>
+            </a:endParaRPr>
           </a:p>
         </p:txBody>
       </p:sp>
@@ -21658,6 +21854,13 @@
                 </a:rPr>
                 <a:t>一</a:t>
               </a:r>
+              <a:endParaRPr lang="zh-CN" altLang="en-US" sz="2000" b="1" dirty="0">
+                <a:solidFill>
+                  <a:schemeClr val="bg1"/>
+                </a:solidFill>
+                <a:latin typeface="微软雅黑" panose="020B0503020204020204" pitchFamily="34" charset="-122"/>
+                <a:ea typeface="微软雅黑" panose="020B0503020204020204" pitchFamily="34" charset="-122"/>
+              </a:endParaRPr>
             </a:p>
           </p:txBody>
         </p:sp>
@@ -21893,6 +22096,13 @@
                 </a:rPr>
                 <a:t>二</a:t>
               </a:r>
+              <a:endParaRPr lang="zh-CN" altLang="en-US" sz="2000" b="1" dirty="0">
+                <a:solidFill>
+                  <a:schemeClr val="bg1"/>
+                </a:solidFill>
+                <a:latin typeface="微软雅黑" panose="020B0503020204020204" pitchFamily="34" charset="-122"/>
+                <a:ea typeface="微软雅黑" panose="020B0503020204020204" pitchFamily="34" charset="-122"/>
+              </a:endParaRPr>
             </a:p>
           </p:txBody>
         </p:sp>
@@ -21975,6 +22185,13 @@
               </a:rPr>
               <a:t>敏捷工程实践</a:t>
             </a:r>
+            <a:endParaRPr lang="zh-CN" altLang="en-US" sz="2000" b="1" dirty="0">
+              <a:solidFill>
+                <a:schemeClr val="bg1"/>
+              </a:solidFill>
+              <a:latin typeface="微软雅黑" panose="020B0503020204020204" pitchFamily="34" charset="-122"/>
+              <a:ea typeface="微软雅黑" panose="020B0503020204020204" pitchFamily="34" charset="-122"/>
+            </a:endParaRPr>
           </a:p>
         </p:txBody>
       </p:sp>
@@ -22010,33 +22227,35 @@
               </a:rPr>
               <a:t>敏捷工程实践训练</a:t>
             </a:r>
+            <a:endParaRPr lang="zh-CN" altLang="en-US" sz="2000" b="1" dirty="0">
+              <a:solidFill>
+                <a:schemeClr val="bg1"/>
+              </a:solidFill>
+              <a:latin typeface="微软雅黑" panose="020B0503020204020204" pitchFamily="34" charset="-122"/>
+              <a:ea typeface="微软雅黑" panose="020B0503020204020204" pitchFamily="34" charset="-122"/>
+            </a:endParaRPr>
           </a:p>
         </p:txBody>
       </p:sp>
     </p:spTree>
-    <p:extLst>
-      <p:ext uri="{BB962C8B-B14F-4D97-AF65-F5344CB8AC3E}">
-        <p14:creationId xmlns:p14="http://schemas.microsoft.com/office/powerpoint/2010/main" val="3685771977"/>
-      </p:ext>
-    </p:extLst>
   </p:cSld>
   <p:clrMapOvr>
     <a:masterClrMapping/>
   </p:clrMapOvr>
-  <mc:AlternateContent xmlns:mc="http://schemas.openxmlformats.org/markup-compatibility/2006" xmlns:p14="http://schemas.microsoft.com/office/powerpoint/2010/main">
-    <mc:Choice Requires="p14">
+  <mc:AlternateContent xmlns:mc="http://schemas.openxmlformats.org/markup-compatibility/2006">
+    <mc:Choice xmlns:p14="http://schemas.microsoft.com/office/powerpoint/2010/main" Requires="p14">
       <p:transition spd="med" p14:dur="700">
         <p:fade/>
       </p:transition>
     </mc:Choice>
-    <mc:Fallback xmlns="">
+    <mc:Fallback>
       <p:transition spd="med">
         <p:fade/>
       </p:transition>
     </mc:Fallback>
   </mc:AlternateContent>
-  <mc:AlternateContent xmlns:mc="http://schemas.openxmlformats.org/markup-compatibility/2006" xmlns:p14="http://schemas.microsoft.com/office/powerpoint/2010/main">
-    <mc:Choice Requires="p14">
+  <mc:AlternateContent xmlns:mc="http://schemas.openxmlformats.org/markup-compatibility/2006">
+    <mc:Choice xmlns:p14="http://schemas.microsoft.com/office/powerpoint/2010/main" Requires="p14">
       <p:timing>
         <p:tnLst>
           <p:par>
@@ -22273,7 +22492,7 @@
         </p:bldLst>
       </p:timing>
     </mc:Choice>
-    <mc:Fallback xmlns="">
+    <mc:Fallback>
       <p:timing>
         <p:tnLst>
           <p:par>
@@ -22531,42 +22750,568 @@
           <a:chExt cx="0" cy="0"/>
         </a:xfrm>
       </p:grpSpPr>
-      <p:pic>
-        <p:nvPicPr>
-          <p:cNvPr id="2" name="图片 1"/>
-          <p:cNvPicPr>
-            <a:picLocks noChangeAspect="1"/>
-          </p:cNvPicPr>
+      <p:sp>
+        <p:nvSpPr>
+          <p:cNvPr id="2" name="Rectangle 2"/>
+          <p:cNvSpPr txBox="1">
+            <a:spLocks noChangeArrowheads="1"/>
+          </p:cNvSpPr>
           <p:nvPr/>
-        </p:nvPicPr>
-        <p:blipFill>
-          <a:blip r:embed="rId2">
-            <a:extLst>
-              <a:ext uri="{28A0092B-C50C-407E-A947-70E740481C1C}">
-                <a14:useLocalDpi xmlns:a14="http://schemas.microsoft.com/office/drawing/2010/main" val="0"/>
-              </a:ext>
-            </a:extLst>
-          </a:blip>
-          <a:stretch>
-            <a:fillRect/>
-          </a:stretch>
-        </p:blipFill>
+        </p:nvSpPr>
         <p:spPr>
           <a:xfrm>
-            <a:off x="299883" y="-929874"/>
-            <a:ext cx="10776155" cy="8082116"/>
+            <a:off x="487363" y="487729"/>
+            <a:ext cx="7545387" cy="621030"/>
+          </a:xfrm>
+          <a:noFill/>
+          <a:ln>
+            <a:noFill/>
+          </a:ln>
+          <a:extLst>
+            <a:ext uri="{909E8E84-426E-40DD-AFC4-6F175D3DCCD1}">
+              <a14:hiddenFill xmlns:a14="http://schemas.microsoft.com/office/drawing/2010/main">
+                <a:solidFill>
+                  <a:srgbClr val="FFFFFF"/>
+                </a:solidFill>
+              </a14:hiddenFill>
+            </a:ext>
+            <a:ext uri="{91240B29-F687-4F45-9708-019B960494DF}">
+              <a14:hiddenLine xmlns:a14="http://schemas.microsoft.com/office/drawing/2010/main" w="9525">
+                <a:solidFill>
+                  <a:srgbClr val="000000"/>
+                </a:solidFill>
+                <a:miter lim="800000"/>
+                <a:headEnd/>
+                <a:tailEnd/>
+              </a14:hiddenLine>
+            </a:ext>
+          </a:extLst>
+        </p:spPr>
+        <p:txBody>
+          <a:bodyPr wrap="square" lIns="80009" tIns="40006" rIns="80009" bIns="40006">
+            <a:spAutoFit/>
+          </a:bodyPr>
+          <a:lstStyle>
+            <a:lvl1pPr algn="l" defTabSz="914400" rtl="0" eaLnBrk="1" latinLnBrk="0" hangingPunct="1">
+              <a:lnSpc>
+                <a:spcPct val="90000"/>
+              </a:lnSpc>
+              <a:spcBef>
+                <a:spcPct val="0"/>
+              </a:spcBef>
+              <a:buNone/>
+              <a:defRPr sz="4400" kern="1200">
+                <a:solidFill>
+                  <a:schemeClr val="tx1"/>
+                </a:solidFill>
+                <a:latin typeface="+mj-lt"/>
+                <a:ea typeface="+mj-ea"/>
+                <a:cs typeface="+mj-cs"/>
+              </a:defRPr>
+            </a:lvl1pPr>
+          </a:lstStyle>
+          <a:p>
+            <a:pPr defTabSz="802005">
+              <a:lnSpc>
+                <a:spcPct val="110000"/>
+              </a:lnSpc>
+            </a:pPr>
+            <a:r>
+              <a:rPr lang="zh-CN" altLang="en-US" sz="3200" dirty="0">
+                <a:solidFill>
+                  <a:srgbClr val="990000"/>
+                </a:solidFill>
+                <a:latin typeface="FrutigerNext LT Medium" pitchFamily="34" charset="0"/>
+                <a:ea typeface="黑体" panose="02010609060101010101" charset="-122"/>
+              </a:rPr>
+              <a:t>训练</a:t>
+            </a:r>
+            <a:endParaRPr lang="en-US" altLang="zh-CN" sz="3200" dirty="0">
+              <a:solidFill>
+                <a:srgbClr val="990000"/>
+              </a:solidFill>
+              <a:latin typeface="FrutigerNext LT Medium" pitchFamily="34" charset="0"/>
+              <a:ea typeface="黑体" panose="02010609060101010101" charset="-122"/>
+              <a:cs typeface="+mn-cs"/>
+            </a:endParaRPr>
+          </a:p>
+        </p:txBody>
+      </p:sp>
+      <p:sp>
+        <p:nvSpPr>
+          <p:cNvPr id="4" name="标题 1"/>
+          <p:cNvSpPr txBox="1"/>
+          <p:nvPr/>
+        </p:nvSpPr>
+        <p:spPr>
+          <a:xfrm>
+            <a:off x="1057957" y="1248500"/>
+            <a:ext cx="10001929" cy="4576082"/>
+          </a:xfrm>
+        </p:spPr>
+        <p:txBody>
+          <a:bodyPr lIns="80009" tIns="40006" rIns="80009" bIns="40006"/>
+          <a:lstStyle>
+            <a:lvl1pPr algn="l" defTabSz="914400" rtl="0" eaLnBrk="1" latinLnBrk="0" hangingPunct="1">
+              <a:lnSpc>
+                <a:spcPct val="90000"/>
+              </a:lnSpc>
+              <a:spcBef>
+                <a:spcPct val="0"/>
+              </a:spcBef>
+              <a:buNone/>
+              <a:defRPr sz="4400" kern="1200">
+                <a:solidFill>
+                  <a:schemeClr val="tx1"/>
+                </a:solidFill>
+                <a:latin typeface="+mj-lt"/>
+                <a:ea typeface="+mj-ea"/>
+                <a:cs typeface="+mj-cs"/>
+              </a:defRPr>
+            </a:lvl1pPr>
+          </a:lstStyle>
+          <a:p>
+            <a:pPr marL="571500" indent="-571500">
+              <a:lnSpc>
+                <a:spcPct val="150000"/>
+              </a:lnSpc>
+              <a:buFont typeface="Arial" panose="020B0604020202020204" pitchFamily="34" charset="0"/>
+              <a:buChar char="•"/>
+            </a:pPr>
+            <a:r>
+              <a:rPr lang="zh-CN" altLang="en-US" sz="2800" dirty="0">
+                <a:latin typeface="微软雅黑" panose="020B0503020204020204" pitchFamily="34" charset="-122"/>
+                <a:ea typeface="微软雅黑" panose="020B0503020204020204" pitchFamily="34" charset="-122"/>
+              </a:rPr>
+              <a:t>和身边的同学组成</a:t>
+            </a:r>
+            <a:r>
+              <a:rPr lang="en-US" altLang="zh-CN" sz="2800" dirty="0">
+                <a:latin typeface="微软雅黑" panose="020B0503020204020204" pitchFamily="34" charset="-122"/>
+                <a:ea typeface="微软雅黑" panose="020B0503020204020204" pitchFamily="34" charset="-122"/>
+              </a:rPr>
+              <a:t>4-5</a:t>
+            </a:r>
+            <a:r>
+              <a:rPr lang="zh-CN" altLang="en-US" sz="2800" dirty="0">
+                <a:latin typeface="微软雅黑" panose="020B0503020204020204" pitchFamily="34" charset="-122"/>
+                <a:ea typeface="微软雅黑" panose="020B0503020204020204" pitchFamily="34" charset="-122"/>
+              </a:rPr>
+              <a:t>人项目小组，确定一个</a:t>
+            </a:r>
+            <a:r>
+              <a:rPr lang="en-US" altLang="zh-CN" sz="2800" dirty="0">
+                <a:latin typeface="微软雅黑" panose="020B0503020204020204" pitchFamily="34" charset="-122"/>
+                <a:ea typeface="微软雅黑" panose="020B0503020204020204" pitchFamily="34" charset="-122"/>
+              </a:rPr>
+              <a:t>PO</a:t>
+            </a:r>
+            <a:endParaRPr lang="en-US" altLang="zh-CN" sz="2800" dirty="0">
+              <a:latin typeface="微软雅黑" panose="020B0503020204020204" pitchFamily="34" charset="-122"/>
+              <a:ea typeface="微软雅黑" panose="020B0503020204020204" pitchFamily="34" charset="-122"/>
+            </a:endParaRPr>
+          </a:p>
+          <a:p>
+            <a:pPr marL="571500" indent="-571500">
+              <a:lnSpc>
+                <a:spcPct val="150000"/>
+              </a:lnSpc>
+              <a:buFont typeface="Arial" panose="020B0604020202020204" pitchFamily="34" charset="0"/>
+              <a:buChar char="•"/>
+            </a:pPr>
+            <a:r>
+              <a:rPr lang="zh-CN" altLang="en-US" sz="2800" dirty="0">
+                <a:latin typeface="微软雅黑" panose="020B0503020204020204" pitchFamily="34" charset="-122"/>
+                <a:ea typeface="微软雅黑" panose="020B0503020204020204" pitchFamily="34" charset="-122"/>
+              </a:rPr>
+              <a:t>每个小组构想一款面向在校大学生用户群体的产品</a:t>
+            </a:r>
+            <a:endParaRPr lang="en-US" altLang="zh-CN" sz="2800" dirty="0">
+              <a:latin typeface="微软雅黑" panose="020B0503020204020204" pitchFamily="34" charset="-122"/>
+              <a:ea typeface="微软雅黑" panose="020B0503020204020204" pitchFamily="34" charset="-122"/>
+            </a:endParaRPr>
+          </a:p>
+          <a:p>
+            <a:pPr marL="1028700" lvl="1" indent="-571500">
+              <a:lnSpc>
+                <a:spcPct val="150000"/>
+              </a:lnSpc>
+              <a:buFont typeface="Wingdings" panose="05000000000000000000" pitchFamily="2" charset="2"/>
+              <a:buChar char="Ø"/>
+            </a:pPr>
+            <a:r>
+              <a:rPr lang="zh-CN" altLang="en-US" dirty="0">
+                <a:latin typeface="微软雅黑" panose="020B0503020204020204" pitchFamily="34" charset="-122"/>
+                <a:ea typeface="微软雅黑" panose="020B0503020204020204" pitchFamily="34" charset="-122"/>
+              </a:rPr>
+              <a:t>定义至少</a:t>
+            </a:r>
+            <a:r>
+              <a:rPr lang="en-US" altLang="zh-CN" dirty="0">
+                <a:latin typeface="微软雅黑" panose="020B0503020204020204" pitchFamily="34" charset="-122"/>
+                <a:ea typeface="微软雅黑" panose="020B0503020204020204" pitchFamily="34" charset="-122"/>
+              </a:rPr>
+              <a:t>10</a:t>
+            </a:r>
+            <a:r>
+              <a:rPr lang="zh-CN" altLang="en-US" dirty="0">
+                <a:latin typeface="微软雅黑" panose="020B0503020204020204" pitchFamily="34" charset="-122"/>
+                <a:ea typeface="微软雅黑" panose="020B0503020204020204" pitchFamily="34" charset="-122"/>
+              </a:rPr>
+              <a:t>条以上产品特性的</a:t>
+            </a:r>
+            <a:r>
+              <a:rPr lang="en-US" altLang="zh-CN" dirty="0">
+                <a:latin typeface="微软雅黑" panose="020B0503020204020204" pitchFamily="34" charset="-122"/>
+                <a:ea typeface="微软雅黑" panose="020B0503020204020204" pitchFamily="34" charset="-122"/>
+              </a:rPr>
+              <a:t>PB</a:t>
+            </a:r>
+            <a:r>
+              <a:rPr lang="zh-CN" altLang="en-US" dirty="0">
+                <a:latin typeface="微软雅黑" panose="020B0503020204020204" pitchFamily="34" charset="-122"/>
+                <a:ea typeface="微软雅黑" panose="020B0503020204020204" pitchFamily="34" charset="-122"/>
+              </a:rPr>
+              <a:t>列表，每项特性以用户故事的格式表达</a:t>
+            </a:r>
+            <a:endParaRPr lang="en-US" altLang="zh-CN" dirty="0">
+              <a:latin typeface="微软雅黑" panose="020B0503020204020204" pitchFamily="34" charset="-122"/>
+              <a:ea typeface="微软雅黑" panose="020B0503020204020204" pitchFamily="34" charset="-122"/>
+            </a:endParaRPr>
+          </a:p>
+          <a:p>
+            <a:pPr marL="1028700" lvl="1" indent="-571500">
+              <a:lnSpc>
+                <a:spcPct val="150000"/>
+              </a:lnSpc>
+              <a:buFont typeface="Wingdings" panose="05000000000000000000" pitchFamily="2" charset="2"/>
+              <a:buChar char="Ø"/>
+            </a:pPr>
+            <a:r>
+              <a:rPr lang="zh-CN" altLang="en-US" dirty="0">
+                <a:latin typeface="微软雅黑" panose="020B0503020204020204" pitchFamily="34" charset="-122"/>
+                <a:ea typeface="微软雅黑" panose="020B0503020204020204" pitchFamily="34" charset="-122"/>
+              </a:rPr>
+              <a:t>对所有</a:t>
+            </a:r>
+            <a:r>
+              <a:rPr lang="en-US" altLang="zh-CN" dirty="0">
+                <a:latin typeface="微软雅黑" panose="020B0503020204020204" pitchFamily="34" charset="-122"/>
+                <a:ea typeface="微软雅黑" panose="020B0503020204020204" pitchFamily="34" charset="-122"/>
+              </a:rPr>
+              <a:t>PB</a:t>
+            </a:r>
+            <a:r>
+              <a:rPr lang="zh-CN" altLang="en-US" dirty="0">
+                <a:latin typeface="微软雅黑" panose="020B0503020204020204" pitchFamily="34" charset="-122"/>
+                <a:ea typeface="微软雅黑" panose="020B0503020204020204" pitchFamily="34" charset="-122"/>
+              </a:rPr>
+              <a:t>中的特性定义优先级别和估算工时（人天数）</a:t>
+            </a:r>
+            <a:endParaRPr lang="zh-CN" altLang="en-US" dirty="0">
+              <a:latin typeface="微软雅黑" panose="020B0503020204020204" pitchFamily="34" charset="-122"/>
+              <a:ea typeface="微软雅黑" panose="020B0503020204020204" pitchFamily="34" charset="-122"/>
+            </a:endParaRPr>
+          </a:p>
+          <a:p>
+            <a:pPr marL="1028700" lvl="1" indent="-571500">
+              <a:lnSpc>
+                <a:spcPct val="150000"/>
+              </a:lnSpc>
+              <a:buFont typeface="Wingdings" panose="05000000000000000000" pitchFamily="2" charset="2"/>
+              <a:buChar char="Ø"/>
+            </a:pPr>
+            <a:r>
+              <a:rPr lang="zh-CN" altLang="en-US" dirty="0">
+                <a:latin typeface="微软雅黑" panose="020B0503020204020204" pitchFamily="34" charset="-122"/>
+                <a:ea typeface="微软雅黑" panose="020B0503020204020204" pitchFamily="34" charset="-122"/>
+              </a:rPr>
+              <a:t>以</a:t>
+            </a:r>
+            <a:r>
+              <a:rPr lang="en-US" altLang="zh-CN" dirty="0">
+                <a:latin typeface="微软雅黑" panose="020B0503020204020204" pitchFamily="34" charset="-122"/>
+                <a:ea typeface="微软雅黑" panose="020B0503020204020204" pitchFamily="34" charset="-122"/>
+              </a:rPr>
+              <a:t>2</a:t>
+            </a:r>
+            <a:r>
+              <a:rPr lang="zh-CN" altLang="en-US" dirty="0">
+                <a:latin typeface="微软雅黑" panose="020B0503020204020204" pitchFamily="34" charset="-122"/>
+                <a:ea typeface="微软雅黑" panose="020B0503020204020204" pitchFamily="34" charset="-122"/>
+              </a:rPr>
+              <a:t>周为迭代周期，定义第一个迭代周期的迭代</a:t>
+            </a:r>
+            <a:r>
+              <a:rPr lang="en-US" altLang="zh-CN" dirty="0">
+                <a:latin typeface="微软雅黑" panose="020B0503020204020204" pitchFamily="34" charset="-122"/>
+                <a:ea typeface="微软雅黑" panose="020B0503020204020204" pitchFamily="34" charset="-122"/>
+              </a:rPr>
+              <a:t>PB</a:t>
+            </a:r>
+            <a:r>
+              <a:rPr lang="zh-CN" altLang="en-US" dirty="0">
+                <a:latin typeface="微软雅黑" panose="020B0503020204020204" pitchFamily="34" charset="-122"/>
+                <a:ea typeface="微软雅黑" panose="020B0503020204020204" pitchFamily="34" charset="-122"/>
+              </a:rPr>
+              <a:t>，并将每项特性分解为任务，估算各项任务的工时（人时数），并分工到团队成员上</a:t>
+            </a:r>
+            <a:endParaRPr lang="zh-CN" altLang="en-US" dirty="0">
+              <a:latin typeface="微软雅黑" panose="020B0503020204020204" pitchFamily="34" charset="-122"/>
+              <a:ea typeface="微软雅黑" panose="020B0503020204020204" pitchFamily="34" charset="-122"/>
+            </a:endParaRPr>
+          </a:p>
+          <a:p>
+            <a:pPr marL="1028700" lvl="1" indent="-571500">
+              <a:lnSpc>
+                <a:spcPct val="150000"/>
+              </a:lnSpc>
+              <a:buFont typeface="Wingdings" panose="05000000000000000000" pitchFamily="2" charset="2"/>
+              <a:buChar char="Ø"/>
+            </a:pPr>
+            <a:r>
+              <a:rPr lang="zh-CN" altLang="en-US" dirty="0">
+                <a:latin typeface="微软雅黑" panose="020B0503020204020204" pitchFamily="34" charset="-122"/>
+                <a:ea typeface="微软雅黑" panose="020B0503020204020204" pitchFamily="34" charset="-122"/>
+              </a:rPr>
+              <a:t>模拟</a:t>
+            </a:r>
+            <a:r>
+              <a:rPr lang="en-US" altLang="zh-CN" dirty="0">
+                <a:latin typeface="微软雅黑" panose="020B0503020204020204" pitchFamily="34" charset="-122"/>
+                <a:ea typeface="微软雅黑" panose="020B0503020204020204" pitchFamily="34" charset="-122"/>
+              </a:rPr>
+              <a:t>2-3</a:t>
+            </a:r>
+            <a:r>
+              <a:rPr lang="zh-CN" altLang="en-US" dirty="0">
+                <a:latin typeface="微软雅黑" panose="020B0503020204020204" pitchFamily="34" charset="-122"/>
+                <a:ea typeface="微软雅黑" panose="020B0503020204020204" pitchFamily="34" charset="-122"/>
+              </a:rPr>
+              <a:t>天的例会进度，画出和跟踪燃尽图的变化</a:t>
+            </a:r>
+            <a:endParaRPr lang="zh-CN" altLang="en-US" dirty="0">
+              <a:latin typeface="微软雅黑" panose="020B0503020204020204" pitchFamily="34" charset="-122"/>
+              <a:ea typeface="微软雅黑" panose="020B0503020204020204" pitchFamily="34" charset="-122"/>
+            </a:endParaRPr>
+          </a:p>
+          <a:p>
+            <a:pPr marL="1028700" lvl="1" indent="-571500">
+              <a:lnSpc>
+                <a:spcPct val="150000"/>
+              </a:lnSpc>
+              <a:buFont typeface="Wingdings" panose="05000000000000000000" pitchFamily="2" charset="2"/>
+              <a:buChar char="Ø"/>
+            </a:pPr>
+            <a:r>
+              <a:rPr lang="zh-CN" altLang="en-US" dirty="0">
+                <a:latin typeface="微软雅黑" panose="020B0503020204020204" pitchFamily="34" charset="-122"/>
+                <a:ea typeface="微软雅黑" panose="020B0503020204020204" pitchFamily="34" charset="-122"/>
+              </a:rPr>
+              <a:t>以界面原型为工作成果，在评审会上演示工作成果</a:t>
+            </a:r>
+            <a:endParaRPr lang="zh-CN" altLang="en-US" dirty="0">
+              <a:latin typeface="微软雅黑" panose="020B0503020204020204" pitchFamily="34" charset="-122"/>
+              <a:ea typeface="微软雅黑" panose="020B0503020204020204" pitchFamily="34" charset="-122"/>
+            </a:endParaRPr>
+          </a:p>
+          <a:p>
+            <a:pPr marL="1028700" lvl="1" indent="-571500">
+              <a:lnSpc>
+                <a:spcPct val="150000"/>
+              </a:lnSpc>
+              <a:buFont typeface="Wingdings" panose="05000000000000000000" pitchFamily="2" charset="2"/>
+              <a:buChar char="Ø"/>
+            </a:pPr>
+            <a:r>
+              <a:rPr lang="zh-CN" altLang="en-US" dirty="0">
+                <a:latin typeface="微软雅黑" panose="020B0503020204020204" pitchFamily="34" charset="-122"/>
+                <a:ea typeface="微软雅黑" panose="020B0503020204020204" pitchFamily="34" charset="-122"/>
+              </a:rPr>
+              <a:t>召开回顾会，探讨流程中的可改进点（集体发言，并最终归类为：避免犯的错误，可以做的更好的经验，继续发扬的好做法）</a:t>
+            </a:r>
+            <a:endParaRPr lang="zh-CN" altLang="en-US" dirty="0">
+              <a:latin typeface="微软雅黑" panose="020B0503020204020204" pitchFamily="34" charset="-122"/>
+              <a:ea typeface="微软雅黑" panose="020B0503020204020204" pitchFamily="34" charset="-122"/>
+            </a:endParaRPr>
+          </a:p>
+        </p:txBody>
+      </p:sp>
+      <p:cxnSp>
+        <p:nvCxnSpPr>
+          <p:cNvPr id="5" name="直接连接符 4"/>
+          <p:cNvCxnSpPr/>
+          <p:nvPr/>
+        </p:nvCxnSpPr>
+        <p:spPr>
+          <a:xfrm>
+            <a:off x="0" y="1019125"/>
+            <a:ext cx="12192000" cy="0"/>
+          </a:xfrm>
+          <a:prstGeom prst="line">
+            <a:avLst/>
+          </a:prstGeom>
+          <a:ln>
+            <a:solidFill>
+              <a:srgbClr val="B82E24"/>
+            </a:solidFill>
+            <a:prstDash val="solid"/>
+          </a:ln>
+        </p:spPr>
+        <p:style>
+          <a:lnRef idx="1">
+            <a:schemeClr val="accent1"/>
+          </a:lnRef>
+          <a:fillRef idx="0">
+            <a:schemeClr val="accent1"/>
+          </a:fillRef>
+          <a:effectRef idx="0">
+            <a:schemeClr val="accent1"/>
+          </a:effectRef>
+          <a:fontRef idx="minor">
+            <a:schemeClr val="tx1"/>
+          </a:fontRef>
+        </p:style>
+      </p:cxnSp>
+      <p:sp>
+        <p:nvSpPr>
+          <p:cNvPr id="6" name="矩形 5"/>
+          <p:cNvSpPr/>
+          <p:nvPr/>
+        </p:nvSpPr>
+        <p:spPr>
+          <a:xfrm>
+            <a:off x="8885357" y="912444"/>
+            <a:ext cx="944880" cy="103556"/>
           </a:xfrm>
           <a:prstGeom prst="rect">
             <a:avLst/>
           </a:prstGeom>
+          <a:solidFill>
+            <a:srgbClr val="141316"/>
+          </a:solidFill>
+          <a:ln>
+            <a:noFill/>
+          </a:ln>
         </p:spPr>
-      </p:pic>
+        <p:style>
+          <a:lnRef idx="2">
+            <a:schemeClr val="accent1">
+              <a:shade val="50000"/>
+            </a:schemeClr>
+          </a:lnRef>
+          <a:fillRef idx="1">
+            <a:schemeClr val="accent1"/>
+          </a:fillRef>
+          <a:effectRef idx="0">
+            <a:schemeClr val="accent1"/>
+          </a:effectRef>
+          <a:fontRef idx="minor">
+            <a:schemeClr val="lt1"/>
+          </a:fontRef>
+        </p:style>
+        <p:txBody>
+          <a:bodyPr rtlCol="0" anchor="ctr"/>
+          <a:lstStyle/>
+          <a:p>
+            <a:pPr algn="ctr"/>
+            <a:endParaRPr lang="zh-CN" altLang="en-US"/>
+          </a:p>
+        </p:txBody>
+      </p:sp>
+      <p:sp>
+        <p:nvSpPr>
+          <p:cNvPr id="7" name="矩形 6"/>
+          <p:cNvSpPr/>
+          <p:nvPr/>
+        </p:nvSpPr>
+        <p:spPr>
+          <a:xfrm>
+            <a:off x="9952594" y="912444"/>
+            <a:ext cx="944880" cy="103556"/>
+          </a:xfrm>
+          <a:prstGeom prst="rect">
+            <a:avLst/>
+          </a:prstGeom>
+          <a:solidFill>
+            <a:srgbClr val="141316"/>
+          </a:solidFill>
+          <a:ln>
+            <a:noFill/>
+          </a:ln>
+        </p:spPr>
+        <p:style>
+          <a:lnRef idx="2">
+            <a:schemeClr val="accent1">
+              <a:shade val="50000"/>
+            </a:schemeClr>
+          </a:lnRef>
+          <a:fillRef idx="1">
+            <a:schemeClr val="accent1"/>
+          </a:fillRef>
+          <a:effectRef idx="0">
+            <a:schemeClr val="accent1"/>
+          </a:effectRef>
+          <a:fontRef idx="minor">
+            <a:schemeClr val="lt1"/>
+          </a:fontRef>
+        </p:style>
+        <p:txBody>
+          <a:bodyPr rtlCol="0" anchor="ctr"/>
+          <a:lstStyle/>
+          <a:p>
+            <a:pPr algn="ctr"/>
+            <a:endParaRPr lang="zh-CN" altLang="en-US"/>
+          </a:p>
+        </p:txBody>
+      </p:sp>
+      <p:sp>
+        <p:nvSpPr>
+          <p:cNvPr id="8" name="矩形 7"/>
+          <p:cNvSpPr/>
+          <p:nvPr/>
+        </p:nvSpPr>
+        <p:spPr>
+          <a:xfrm>
+            <a:off x="7818120" y="797166"/>
+            <a:ext cx="944880" cy="220253"/>
+          </a:xfrm>
+          <a:prstGeom prst="rect">
+            <a:avLst/>
+          </a:prstGeom>
+          <a:solidFill>
+            <a:srgbClr val="BE1007"/>
+          </a:solidFill>
+          <a:ln>
+            <a:noFill/>
+          </a:ln>
+        </p:spPr>
+        <p:style>
+          <a:lnRef idx="2">
+            <a:schemeClr val="accent1">
+              <a:shade val="50000"/>
+            </a:schemeClr>
+          </a:lnRef>
+          <a:fillRef idx="1">
+            <a:schemeClr val="accent1"/>
+          </a:fillRef>
+          <a:effectRef idx="0">
+            <a:schemeClr val="accent1"/>
+          </a:effectRef>
+          <a:fontRef idx="minor">
+            <a:schemeClr val="lt1"/>
+          </a:fontRef>
+        </p:style>
+        <p:txBody>
+          <a:bodyPr rtlCol="0" anchor="ctr"/>
+          <a:lstStyle/>
+          <a:p>
+            <a:pPr algn="ctr"/>
+            <a:endParaRPr lang="zh-CN" altLang="en-US"/>
+          </a:p>
+        </p:txBody>
+      </p:sp>
     </p:spTree>
-    <p:extLst>
-      <p:ext uri="{BB962C8B-B14F-4D97-AF65-F5344CB8AC3E}">
-        <p14:creationId xmlns:p14="http://schemas.microsoft.com/office/powerpoint/2010/main" val="1890571103"/>
-      </p:ext>
-    </p:extLst>
   </p:cSld>
   <p:clrMapOvr>
     <a:masterClrMapping/>
@@ -22630,6 +23375,13 @@
               </a:rPr>
               <a:t>总结</a:t>
             </a:r>
+            <a:endParaRPr lang="zh-CN" altLang="en-US" sz="2800" b="1" dirty="0">
+              <a:solidFill>
+                <a:srgbClr val="141316"/>
+              </a:solidFill>
+              <a:latin typeface="微软雅黑" panose="020B0503020204020204" pitchFamily="34" charset="-122"/>
+              <a:ea typeface="微软雅黑" panose="020B0503020204020204" pitchFamily="34" charset="-122"/>
+            </a:endParaRPr>
           </a:p>
         </p:txBody>
       </p:sp>
@@ -23223,6 +23975,10 @@
               </a:rPr>
               <a:t>用户故事</a:t>
             </a:r>
+            <a:endParaRPr lang="zh-CN" altLang="en-US" sz="2400" dirty="0">
+              <a:latin typeface="微软雅黑" panose="020B0503020204020204" pitchFamily="34" charset="-122"/>
+              <a:ea typeface="微软雅黑" panose="020B0503020204020204" pitchFamily="34" charset="-122"/>
+            </a:endParaRPr>
           </a:p>
           <a:p>
             <a:pPr marL="457200" indent="-457200">
@@ -23239,6 +23995,10 @@
               </a:rPr>
               <a:t>结对编程</a:t>
             </a:r>
+            <a:endParaRPr lang="zh-CN" altLang="en-US" sz="2400" dirty="0">
+              <a:latin typeface="微软雅黑" panose="020B0503020204020204" pitchFamily="34" charset="-122"/>
+              <a:ea typeface="微软雅黑" panose="020B0503020204020204" pitchFamily="34" charset="-122"/>
+            </a:endParaRPr>
           </a:p>
           <a:p>
             <a:pPr marL="457200" indent="-457200">
@@ -23289,6 +24049,10 @@
               </a:rPr>
               <a:t>持续集成</a:t>
             </a:r>
+            <a:endParaRPr lang="zh-CN" altLang="en-US" sz="2400" dirty="0">
+              <a:latin typeface="微软雅黑" panose="020B0503020204020204" pitchFamily="34" charset="-122"/>
+              <a:ea typeface="微软雅黑" panose="020B0503020204020204" pitchFamily="34" charset="-122"/>
+            </a:endParaRPr>
           </a:p>
           <a:p>
             <a:pPr marL="457200" indent="-457200">
@@ -23313,11 +24077,6 @@
         </p:txBody>
       </p:sp>
     </p:spTree>
-    <p:extLst>
-      <p:ext uri="{BB962C8B-B14F-4D97-AF65-F5344CB8AC3E}">
-        <p14:creationId xmlns:p14="http://schemas.microsoft.com/office/powerpoint/2010/main" val="2713779974"/>
-      </p:ext>
-    </p:extLst>
   </p:cSld>
   <p:clrMapOvr>
     <a:masterClrMapping/>
@@ -23438,22 +24197,17 @@
         </p:txBody>
       </p:sp>
     </p:spTree>
-    <p:extLst>
-      <p:ext uri="{BB962C8B-B14F-4D97-AF65-F5344CB8AC3E}">
-        <p14:creationId xmlns:p14="http://schemas.microsoft.com/office/powerpoint/2010/main" val="649649512"/>
-      </p:ext>
-    </p:extLst>
   </p:cSld>
   <p:clrMapOvr>
     <a:masterClrMapping/>
   </p:clrMapOvr>
-  <mc:AlternateContent xmlns:mc="http://schemas.openxmlformats.org/markup-compatibility/2006" xmlns:p14="http://schemas.microsoft.com/office/powerpoint/2010/main">
-    <mc:Choice Requires="p14">
+  <mc:AlternateContent xmlns:mc="http://schemas.openxmlformats.org/markup-compatibility/2006">
+    <mc:Choice xmlns:p14="http://schemas.microsoft.com/office/powerpoint/2010/main" Requires="p14">
       <p:transition spd="med" p14:dur="700">
         <p:fade/>
       </p:transition>
     </mc:Choice>
-    <mc:Fallback xmlns="">
+    <mc:Fallback>
       <p:transition spd="med">
         <p:fade/>
       </p:transition>
@@ -23749,6 +24503,10 @@
               </a:rPr>
               <a:t>用户故事</a:t>
             </a:r>
+            <a:endParaRPr lang="zh-CN" altLang="en-US" sz="2800" dirty="0">
+              <a:latin typeface="微软雅黑" panose="020B0503020204020204" pitchFamily="34" charset="-122"/>
+              <a:ea typeface="微软雅黑" panose="020B0503020204020204" pitchFamily="34" charset="-122"/>
+            </a:endParaRPr>
           </a:p>
           <a:p>
             <a:pPr marL="285750" indent="-285750">
@@ -23765,6 +24523,10 @@
               </a:rPr>
               <a:t>结对编程</a:t>
             </a:r>
+            <a:endParaRPr lang="zh-CN" altLang="en-US" sz="2800" dirty="0">
+              <a:latin typeface="微软雅黑" panose="020B0503020204020204" pitchFamily="34" charset="-122"/>
+              <a:ea typeface="微软雅黑" panose="020B0503020204020204" pitchFamily="34" charset="-122"/>
+            </a:endParaRPr>
           </a:p>
           <a:p>
             <a:pPr marL="285750" indent="-285750">
@@ -23788,6 +24550,10 @@
               </a:rPr>
               <a:t>（测试驱动开发）</a:t>
             </a:r>
+            <a:endParaRPr lang="zh-CN" altLang="en-US" sz="2800" dirty="0">
+              <a:latin typeface="微软雅黑" panose="020B0503020204020204" pitchFamily="34" charset="-122"/>
+              <a:ea typeface="微软雅黑" panose="020B0503020204020204" pitchFamily="34" charset="-122"/>
+            </a:endParaRPr>
           </a:p>
           <a:p>
             <a:pPr marL="285750" indent="-285750">
@@ -23804,6 +24570,10 @@
               </a:rPr>
               <a:t>持续集成</a:t>
             </a:r>
+            <a:endParaRPr lang="zh-CN" altLang="en-US" sz="2800" dirty="0">
+              <a:latin typeface="微软雅黑" panose="020B0503020204020204" pitchFamily="34" charset="-122"/>
+              <a:ea typeface="微软雅黑" panose="020B0503020204020204" pitchFamily="34" charset="-122"/>
+            </a:endParaRPr>
           </a:p>
           <a:p>
             <a:pPr marL="285750" indent="-285750">
@@ -23873,7 +24643,7 @@
               </a14:hiddenFill>
             </a:ext>
             <a:ext uri="{91240B29-F687-4F45-9708-019B960494DF}">
-              <a14:hiddenLine xmlns:a14="http://schemas.microsoft.com/office/drawing/2010/main" w="9525" algn="ctr">
+              <a14:hiddenLine xmlns:a14="http://schemas.microsoft.com/office/drawing/2010/main" w="9525">
                 <a:solidFill>
                   <a:srgbClr val="000000"/>
                 </a:solidFill>
@@ -23908,7 +24678,7 @@
             </a:lvl1pPr>
           </a:lstStyle>
           <a:p>
-            <a:pPr defTabSz="801688">
+            <a:pPr defTabSz="802005">
               <a:lnSpc>
                 <a:spcPct val="110000"/>
               </a:lnSpc>
@@ -23919,7 +24689,7 @@
                   <a:srgbClr val="990000"/>
                 </a:solidFill>
                 <a:latin typeface="FrutigerNext LT Medium" pitchFamily="34" charset="0"/>
-                <a:ea typeface="黑体" panose="02010609060101010101" pitchFamily="49" charset="-122"/>
+                <a:ea typeface="黑体" panose="02010609060101010101" charset="-122"/>
                 <a:cs typeface="+mn-cs"/>
               </a:rPr>
               <a:t>敏捷工程实践技术</a:t>
@@ -23929,7 +24699,7 @@
                 <a:srgbClr val="990000"/>
               </a:solidFill>
               <a:latin typeface="FrutigerNext LT Medium" pitchFamily="34" charset="0"/>
-              <a:ea typeface="黑体" panose="02010609060101010101" pitchFamily="49" charset="-122"/>
+              <a:ea typeface="黑体" panose="02010609060101010101" charset="-122"/>
               <a:cs typeface="+mn-cs"/>
             </a:endParaRPr>
           </a:p>
@@ -24110,11 +24880,6 @@
         </p:txBody>
       </p:sp>
     </p:spTree>
-    <p:extLst>
-      <p:ext uri="{BB962C8B-B14F-4D97-AF65-F5344CB8AC3E}">
-        <p14:creationId xmlns:p14="http://schemas.microsoft.com/office/powerpoint/2010/main" val="634880716"/>
-      </p:ext>
-    </p:extLst>
   </p:cSld>
   <p:clrMapOvr>
     <a:masterClrMapping/>
@@ -24174,7 +24939,7 @@
               </a14:hiddenFill>
             </a:ext>
             <a:ext uri="{91240B29-F687-4F45-9708-019B960494DF}">
-              <a14:hiddenLine xmlns:a14="http://schemas.microsoft.com/office/drawing/2010/main" w="9525" algn="ctr">
+              <a14:hiddenLine xmlns:a14="http://schemas.microsoft.com/office/drawing/2010/main" w="9525">
                 <a:solidFill>
                   <a:srgbClr val="000000"/>
                 </a:solidFill>
@@ -24191,7 +24956,7 @@
           </a:bodyPr>
           <a:lstStyle/>
           <a:p>
-            <a:pPr defTabSz="801688">
+            <a:pPr defTabSz="802005">
               <a:lnSpc>
                 <a:spcPct val="110000"/>
               </a:lnSpc>
@@ -24202,7 +24967,7 @@
                   <a:srgbClr val="990000"/>
                 </a:solidFill>
                 <a:latin typeface="FrutigerNext LT Medium" pitchFamily="34" charset="0"/>
-                <a:ea typeface="黑体" panose="02010609060101010101" pitchFamily="49" charset="-122"/>
+                <a:ea typeface="黑体" panose="02010609060101010101" charset="-122"/>
                 <a:cs typeface="+mn-cs"/>
               </a:rPr>
               <a:t>敏捷工程实践：用户故事（</a:t>
@@ -24213,7 +24978,7 @@
                   <a:srgbClr val="990000"/>
                 </a:solidFill>
                 <a:latin typeface="FrutigerNext LT Medium" pitchFamily="34" charset="0"/>
-                <a:ea typeface="黑体" panose="02010609060101010101" pitchFamily="49" charset="-122"/>
+                <a:ea typeface="黑体" panose="02010609060101010101" charset="-122"/>
                 <a:cs typeface="+mn-cs"/>
               </a:rPr>
               <a:t>user story</a:t>
@@ -24224,7 +24989,7 @@
                   <a:srgbClr val="990000"/>
                 </a:solidFill>
                 <a:latin typeface="FrutigerNext LT Medium" pitchFamily="34" charset="0"/>
-                <a:ea typeface="黑体" panose="02010609060101010101" pitchFamily="49" charset="-122"/>
+                <a:ea typeface="黑体" panose="02010609060101010101" charset="-122"/>
                 <a:cs typeface="+mn-cs"/>
               </a:rPr>
               <a:t>）</a:t>
@@ -24234,7 +24999,7 @@
                 <a:srgbClr val="990000"/>
               </a:solidFill>
               <a:latin typeface="FrutigerNext LT Medium" pitchFamily="34" charset="0"/>
-              <a:ea typeface="黑体" panose="02010609060101010101" pitchFamily="49" charset="-122"/>
+              <a:ea typeface="黑体" panose="02010609060101010101" charset="-122"/>
               <a:cs typeface="+mn-cs"/>
             </a:endParaRPr>
           </a:p>
@@ -24289,7 +25054,7 @@
                   <a:srgbClr val="990000"/>
                 </a:solidFill>
                 <a:latin typeface="FrutigerNext LT Medium" pitchFamily="34" charset="0"/>
-                <a:ea typeface="黑体" panose="02010609060101010101" pitchFamily="49" charset="-122"/>
+                <a:ea typeface="黑体" panose="02010609060101010101" charset="-122"/>
               </a:defRPr>
             </a:lvl1pPr>
             <a:lvl2pPr marL="742950" indent="-285750" defTabSz="800100" eaLnBrk="0" hangingPunct="0">
@@ -24298,7 +25063,7 @@
                   <a:srgbClr val="990000"/>
                 </a:solidFill>
                 <a:latin typeface="FrutigerNext LT Medium" pitchFamily="34" charset="0"/>
-                <a:ea typeface="黑体" panose="02010609060101010101" pitchFamily="49" charset="-122"/>
+                <a:ea typeface="黑体" panose="02010609060101010101" charset="-122"/>
               </a:defRPr>
             </a:lvl2pPr>
             <a:lvl3pPr marL="1143000" indent="-228600" defTabSz="800100" eaLnBrk="0" hangingPunct="0">
@@ -24307,7 +25072,7 @@
                   <a:srgbClr val="990000"/>
                 </a:solidFill>
                 <a:latin typeface="FrutigerNext LT Medium" pitchFamily="34" charset="0"/>
-                <a:ea typeface="黑体" panose="02010609060101010101" pitchFamily="49" charset="-122"/>
+                <a:ea typeface="黑体" panose="02010609060101010101" charset="-122"/>
               </a:defRPr>
             </a:lvl3pPr>
             <a:lvl4pPr marL="1600200" indent="-228600" defTabSz="800100" eaLnBrk="0" hangingPunct="0">
@@ -24316,7 +25081,7 @@
                   <a:srgbClr val="990000"/>
                 </a:solidFill>
                 <a:latin typeface="FrutigerNext LT Medium" pitchFamily="34" charset="0"/>
-                <a:ea typeface="黑体" panose="02010609060101010101" pitchFamily="49" charset="-122"/>
+                <a:ea typeface="黑体" panose="02010609060101010101" charset="-122"/>
               </a:defRPr>
             </a:lvl4pPr>
             <a:lvl5pPr marL="2057400" indent="-228600" defTabSz="800100" eaLnBrk="0" hangingPunct="0">
@@ -24325,7 +25090,7 @@
                   <a:srgbClr val="990000"/>
                 </a:solidFill>
                 <a:latin typeface="FrutigerNext LT Medium" pitchFamily="34" charset="0"/>
-                <a:ea typeface="黑体" panose="02010609060101010101" pitchFamily="49" charset="-122"/>
+                <a:ea typeface="黑体" panose="02010609060101010101" charset="-122"/>
               </a:defRPr>
             </a:lvl5pPr>
             <a:lvl6pPr marL="2514600" indent="-228600" algn="ctr" defTabSz="800100" eaLnBrk="0" fontAlgn="base" hangingPunct="0">
@@ -24340,7 +25105,7 @@
                   <a:srgbClr val="990000"/>
                 </a:solidFill>
                 <a:latin typeface="FrutigerNext LT Medium" pitchFamily="34" charset="0"/>
-                <a:ea typeface="黑体" panose="02010609060101010101" pitchFamily="49" charset="-122"/>
+                <a:ea typeface="黑体" panose="02010609060101010101" charset="-122"/>
               </a:defRPr>
             </a:lvl6pPr>
             <a:lvl7pPr marL="2971800" indent="-228600" algn="ctr" defTabSz="800100" eaLnBrk="0" fontAlgn="base" hangingPunct="0">
@@ -24355,7 +25120,7 @@
                   <a:srgbClr val="990000"/>
                 </a:solidFill>
                 <a:latin typeface="FrutigerNext LT Medium" pitchFamily="34" charset="0"/>
-                <a:ea typeface="黑体" panose="02010609060101010101" pitchFamily="49" charset="-122"/>
+                <a:ea typeface="黑体" panose="02010609060101010101" charset="-122"/>
               </a:defRPr>
             </a:lvl7pPr>
             <a:lvl8pPr marL="3429000" indent="-228600" algn="ctr" defTabSz="800100" eaLnBrk="0" fontAlgn="base" hangingPunct="0">
@@ -24370,7 +25135,7 @@
                   <a:srgbClr val="990000"/>
                 </a:solidFill>
                 <a:latin typeface="FrutigerNext LT Medium" pitchFamily="34" charset="0"/>
-                <a:ea typeface="黑体" panose="02010609060101010101" pitchFamily="49" charset="-122"/>
+                <a:ea typeface="黑体" panose="02010609060101010101" charset="-122"/>
               </a:defRPr>
             </a:lvl8pPr>
             <a:lvl9pPr marL="3886200" indent="-228600" algn="ctr" defTabSz="800100" eaLnBrk="0" fontAlgn="base" hangingPunct="0">
@@ -24385,7 +25150,7 @@
                   <a:srgbClr val="990000"/>
                 </a:solidFill>
                 <a:latin typeface="FrutigerNext LT Medium" pitchFamily="34" charset="0"/>
-                <a:ea typeface="黑体" panose="02010609060101010101" pitchFamily="49" charset="-122"/>
+                <a:ea typeface="黑体" panose="02010609060101010101" charset="-122"/>
               </a:defRPr>
             </a:lvl9pPr>
           </a:lstStyle>
@@ -24411,6 +25176,13 @@
               </a:rPr>
               <a:t>什么是用户故事</a:t>
             </a:r>
+            <a:endParaRPr lang="zh-CN" altLang="en-US" sz="2600" b="1" dirty="0">
+              <a:solidFill>
+                <a:schemeClr val="tx1"/>
+              </a:solidFill>
+              <a:latin typeface="微软雅黑" panose="020B0503020204020204" pitchFamily="34" charset="-122"/>
+              <a:ea typeface="微软雅黑" panose="020B0503020204020204" pitchFamily="34" charset="-122"/>
+            </a:endParaRPr>
           </a:p>
           <a:p>
             <a:pPr>
@@ -24563,6 +25335,13 @@
               </a:rPr>
               <a:t>。</a:t>
             </a:r>
+            <a:endParaRPr lang="zh-CN" altLang="en-US" sz="2400" dirty="0" smtClean="0">
+              <a:solidFill>
+                <a:schemeClr val="tx1"/>
+              </a:solidFill>
+              <a:latin typeface="微软雅黑" panose="020B0503020204020204" pitchFamily="34" charset="-122"/>
+              <a:ea typeface="微软雅黑" panose="020B0503020204020204" pitchFamily="34" charset="-122"/>
+            </a:endParaRPr>
           </a:p>
           <a:p>
             <a:pPr algn="l">
@@ -24626,6 +25405,13 @@
               </a:rPr>
               <a:t>故事是站在用户角度描述需求的一种方式；</a:t>
             </a:r>
+            <a:endParaRPr lang="zh-CN" altLang="de-DE" sz="2400" dirty="0">
+              <a:solidFill>
+                <a:schemeClr val="tx1"/>
+              </a:solidFill>
+              <a:latin typeface="微软雅黑" panose="020B0503020204020204" pitchFamily="34" charset="-122"/>
+              <a:ea typeface="微软雅黑" panose="020B0503020204020204" pitchFamily="34" charset="-122"/>
+            </a:endParaRPr>
           </a:p>
           <a:p>
             <a:pPr algn="l">
@@ -24836,7 +25622,7 @@
               </a14:hiddenFill>
             </a:ext>
             <a:ext uri="{91240B29-F687-4F45-9708-019B960494DF}">
-              <a14:hiddenLine xmlns:a14="http://schemas.microsoft.com/office/drawing/2010/main" w="9525" algn="ctr">
+              <a14:hiddenLine xmlns:a14="http://schemas.microsoft.com/office/drawing/2010/main" w="9525">
                 <a:solidFill>
                   <a:srgbClr val="000000"/>
                 </a:solidFill>
@@ -25032,11 +25818,6 @@
         </p:txBody>
       </p:sp>
     </p:spTree>
-    <p:extLst>
-      <p:ext uri="{BB962C8B-B14F-4D97-AF65-F5344CB8AC3E}">
-        <p14:creationId xmlns:p14="http://schemas.microsoft.com/office/powerpoint/2010/main" val="3403735761"/>
-      </p:ext>
-    </p:extLst>
   </p:cSld>
   <p:clrMapOvr>
     <a:masterClrMapping/>
@@ -25096,7 +25877,7 @@
               </a14:hiddenFill>
             </a:ext>
             <a:ext uri="{91240B29-F687-4F45-9708-019B960494DF}">
-              <a14:hiddenLine xmlns:a14="http://schemas.microsoft.com/office/drawing/2010/main" w="9525" algn="ctr">
+              <a14:hiddenLine xmlns:a14="http://schemas.microsoft.com/office/drawing/2010/main" w="9525">
                 <a:solidFill>
                   <a:srgbClr val="000000"/>
                 </a:solidFill>
@@ -25113,7 +25894,7 @@
           </a:bodyPr>
           <a:lstStyle/>
           <a:p>
-            <a:pPr defTabSz="801688">
+            <a:pPr defTabSz="802005">
               <a:lnSpc>
                 <a:spcPct val="110000"/>
               </a:lnSpc>
@@ -25124,7 +25905,7 @@
                   <a:srgbClr val="990000"/>
                 </a:solidFill>
                 <a:latin typeface="FrutigerNext LT Medium" pitchFamily="34" charset="0"/>
-                <a:ea typeface="黑体" panose="02010609060101010101" pitchFamily="49" charset="-122"/>
+                <a:ea typeface="黑体" panose="02010609060101010101" charset="-122"/>
                 <a:cs typeface="+mn-cs"/>
               </a:rPr>
               <a:t>敏捷工程实践：用户故事（</a:t>
@@ -25135,7 +25916,7 @@
                   <a:srgbClr val="990000"/>
                 </a:solidFill>
                 <a:latin typeface="FrutigerNext LT Medium" pitchFamily="34" charset="0"/>
-                <a:ea typeface="黑体" panose="02010609060101010101" pitchFamily="49" charset="-122"/>
+                <a:ea typeface="黑体" panose="02010609060101010101" charset="-122"/>
                 <a:cs typeface="+mn-cs"/>
               </a:rPr>
               <a:t>user story</a:t>
@@ -25146,7 +25927,7 @@
                   <a:srgbClr val="990000"/>
                 </a:solidFill>
                 <a:latin typeface="FrutigerNext LT Medium" pitchFamily="34" charset="0"/>
-                <a:ea typeface="黑体" panose="02010609060101010101" pitchFamily="49" charset="-122"/>
+                <a:ea typeface="黑体" panose="02010609060101010101" charset="-122"/>
                 <a:cs typeface="+mn-cs"/>
               </a:rPr>
               <a:t>）</a:t>
@@ -25156,7 +25937,7 @@
                 <a:srgbClr val="990000"/>
               </a:solidFill>
               <a:latin typeface="FrutigerNext LT Medium" pitchFamily="34" charset="0"/>
-              <a:ea typeface="黑体" panose="02010609060101010101" pitchFamily="49" charset="-122"/>
+              <a:ea typeface="黑体" panose="02010609060101010101" charset="-122"/>
               <a:cs typeface="+mn-cs"/>
             </a:endParaRPr>
           </a:p>
@@ -25211,7 +25992,7 @@
                   <a:srgbClr val="990000"/>
                 </a:solidFill>
                 <a:latin typeface="FrutigerNext LT Medium" pitchFamily="34" charset="0"/>
-                <a:ea typeface="黑体" panose="02010609060101010101" pitchFamily="49" charset="-122"/>
+                <a:ea typeface="黑体" panose="02010609060101010101" charset="-122"/>
               </a:defRPr>
             </a:lvl1pPr>
             <a:lvl2pPr marL="742950" indent="-285750" defTabSz="800100" eaLnBrk="0" hangingPunct="0">
@@ -25220,7 +26001,7 @@
                   <a:srgbClr val="990000"/>
                 </a:solidFill>
                 <a:latin typeface="FrutigerNext LT Medium" pitchFamily="34" charset="0"/>
-                <a:ea typeface="黑体" panose="02010609060101010101" pitchFamily="49" charset="-122"/>
+                <a:ea typeface="黑体" panose="02010609060101010101" charset="-122"/>
               </a:defRPr>
             </a:lvl2pPr>
             <a:lvl3pPr marL="1143000" indent="-228600" defTabSz="800100" eaLnBrk="0" hangingPunct="0">
@@ -25229,7 +26010,7 @@
                   <a:srgbClr val="990000"/>
                 </a:solidFill>
                 <a:latin typeface="FrutigerNext LT Medium" pitchFamily="34" charset="0"/>
-                <a:ea typeface="黑体" panose="02010609060101010101" pitchFamily="49" charset="-122"/>
+                <a:ea typeface="黑体" panose="02010609060101010101" charset="-122"/>
               </a:defRPr>
             </a:lvl3pPr>
             <a:lvl4pPr marL="1600200" indent="-228600" defTabSz="800100" eaLnBrk="0" hangingPunct="0">
@@ -25238,7 +26019,7 @@
                   <a:srgbClr val="990000"/>
                 </a:solidFill>
                 <a:latin typeface="FrutigerNext LT Medium" pitchFamily="34" charset="0"/>
-                <a:ea typeface="黑体" panose="02010609060101010101" pitchFamily="49" charset="-122"/>
+                <a:ea typeface="黑体" panose="02010609060101010101" charset="-122"/>
               </a:defRPr>
             </a:lvl4pPr>
             <a:lvl5pPr marL="2057400" indent="-228600" defTabSz="800100" eaLnBrk="0" hangingPunct="0">
@@ -25247,7 +26028,7 @@
                   <a:srgbClr val="990000"/>
                 </a:solidFill>
                 <a:latin typeface="FrutigerNext LT Medium" pitchFamily="34" charset="0"/>
-                <a:ea typeface="黑体" panose="02010609060101010101" pitchFamily="49" charset="-122"/>
+                <a:ea typeface="黑体" panose="02010609060101010101" charset="-122"/>
               </a:defRPr>
             </a:lvl5pPr>
             <a:lvl6pPr marL="2514600" indent="-228600" algn="ctr" defTabSz="800100" eaLnBrk="0" fontAlgn="base" hangingPunct="0">
@@ -25262,7 +26043,7 @@
                   <a:srgbClr val="990000"/>
                 </a:solidFill>
                 <a:latin typeface="FrutigerNext LT Medium" pitchFamily="34" charset="0"/>
-                <a:ea typeface="黑体" panose="02010609060101010101" pitchFamily="49" charset="-122"/>
+                <a:ea typeface="黑体" panose="02010609060101010101" charset="-122"/>
               </a:defRPr>
             </a:lvl6pPr>
             <a:lvl7pPr marL="2971800" indent="-228600" algn="ctr" defTabSz="800100" eaLnBrk="0" fontAlgn="base" hangingPunct="0">
@@ -25277,7 +26058,7 @@
                   <a:srgbClr val="990000"/>
                 </a:solidFill>
                 <a:latin typeface="FrutigerNext LT Medium" pitchFamily="34" charset="0"/>
-                <a:ea typeface="黑体" panose="02010609060101010101" pitchFamily="49" charset="-122"/>
+                <a:ea typeface="黑体" panose="02010609060101010101" charset="-122"/>
               </a:defRPr>
             </a:lvl7pPr>
             <a:lvl8pPr marL="3429000" indent="-228600" algn="ctr" defTabSz="800100" eaLnBrk="0" fontAlgn="base" hangingPunct="0">
@@ -25292,7 +26073,7 @@
                   <a:srgbClr val="990000"/>
                 </a:solidFill>
                 <a:latin typeface="FrutigerNext LT Medium" pitchFamily="34" charset="0"/>
-                <a:ea typeface="黑体" panose="02010609060101010101" pitchFamily="49" charset="-122"/>
+                <a:ea typeface="黑体" panose="02010609060101010101" charset="-122"/>
               </a:defRPr>
             </a:lvl8pPr>
             <a:lvl9pPr marL="3886200" indent="-228600" algn="ctr" defTabSz="800100" eaLnBrk="0" fontAlgn="base" hangingPunct="0">
@@ -25307,7 +26088,7 @@
                   <a:srgbClr val="990000"/>
                 </a:solidFill>
                 <a:latin typeface="FrutigerNext LT Medium" pitchFamily="34" charset="0"/>
-                <a:ea typeface="黑体" panose="02010609060101010101" pitchFamily="49" charset="-122"/>
+                <a:ea typeface="黑体" panose="02010609060101010101" charset="-122"/>
               </a:defRPr>
             </a:lvl9pPr>
           </a:lstStyle>
@@ -25333,6 +26114,13 @@
               </a:rPr>
               <a:t>用户故事的好处</a:t>
             </a:r>
+            <a:endParaRPr lang="zh-CN" altLang="en-US" sz="2400" b="1" dirty="0">
+              <a:solidFill>
+                <a:schemeClr val="tx1"/>
+              </a:solidFill>
+              <a:latin typeface="微软雅黑" panose="020B0503020204020204" pitchFamily="34" charset="-122"/>
+              <a:ea typeface="微软雅黑" panose="020B0503020204020204" pitchFamily="34" charset="-122"/>
+            </a:endParaRPr>
           </a:p>
           <a:p>
             <a:pPr algn="l">
@@ -25368,6 +26156,13 @@
               </a:rPr>
               <a:t>在用户视角便于和客户交流，准确描述客户需求；</a:t>
             </a:r>
+            <a:endParaRPr lang="zh-CN" altLang="en-US" sz="2200" dirty="0">
+              <a:solidFill>
+                <a:schemeClr val="tx1"/>
+              </a:solidFill>
+              <a:latin typeface="微软雅黑" panose="020B0503020204020204" pitchFamily="34" charset="-122"/>
+              <a:ea typeface="微软雅黑" panose="020B0503020204020204" pitchFamily="34" charset="-122"/>
+            </a:endParaRPr>
           </a:p>
           <a:p>
             <a:pPr algn="l">
@@ -25393,6 +26188,13 @@
               </a:rPr>
               <a:t>用户故事可独立交付单元、规模小，适于迭代开发，以获得用户快速反馈；</a:t>
             </a:r>
+            <a:endParaRPr lang="zh-CN" altLang="en-US" sz="2200" dirty="0">
+              <a:solidFill>
+                <a:schemeClr val="tx1"/>
+              </a:solidFill>
+              <a:latin typeface="微软雅黑" panose="020B0503020204020204" pitchFamily="34" charset="-122"/>
+              <a:ea typeface="微软雅黑" panose="020B0503020204020204" pitchFamily="34" charset="-122"/>
+            </a:endParaRPr>
           </a:p>
           <a:p>
             <a:pPr algn="l">
@@ -25418,6 +26220,13 @@
               </a:rPr>
               <a:t>用户故事强调编写验收测试用例作为验收标准，能促使需求分析人员准确把握需求，牵引开发人员避免过度设计。</a:t>
             </a:r>
+            <a:endParaRPr lang="zh-CN" altLang="en-US" sz="2200" dirty="0">
+              <a:solidFill>
+                <a:schemeClr val="tx1"/>
+              </a:solidFill>
+              <a:latin typeface="微软雅黑" panose="020B0503020204020204" pitchFamily="34" charset="-122"/>
+              <a:ea typeface="微软雅黑" panose="020B0503020204020204" pitchFamily="34" charset="-122"/>
+            </a:endParaRPr>
           </a:p>
         </p:txBody>
       </p:sp>
@@ -25470,16 +26279,16 @@
                   <a:srgbClr val="990000"/>
                 </a:solidFill>
                 <a:latin typeface="FrutigerNext LT Medium" pitchFamily="34" charset="0"/>
-                <a:ea typeface="黑体" panose="02010609060101010101" pitchFamily="49" charset="-122"/>
+                <a:ea typeface="黑体" panose="02010609060101010101" charset="-122"/>
               </a:defRPr>
             </a:lvl1pPr>
-            <a:lvl2pPr marL="274638" indent="-95250" defTabSz="800100" eaLnBrk="0" hangingPunct="0">
+            <a:lvl2pPr marL="274955" indent="-95250" defTabSz="800100" eaLnBrk="0" hangingPunct="0">
               <a:defRPr sz="3200">
                 <a:solidFill>
                   <a:srgbClr val="990000"/>
                 </a:solidFill>
                 <a:latin typeface="FrutigerNext LT Medium" pitchFamily="34" charset="0"/>
-                <a:ea typeface="黑体" panose="02010609060101010101" pitchFamily="49" charset="-122"/>
+                <a:ea typeface="黑体" panose="02010609060101010101" charset="-122"/>
               </a:defRPr>
             </a:lvl2pPr>
             <a:lvl3pPr marL="1143000" indent="-228600" defTabSz="800100" eaLnBrk="0" hangingPunct="0">
@@ -25488,7 +26297,7 @@
                   <a:srgbClr val="990000"/>
                 </a:solidFill>
                 <a:latin typeface="FrutigerNext LT Medium" pitchFamily="34" charset="0"/>
-                <a:ea typeface="黑体" panose="02010609060101010101" pitchFamily="49" charset="-122"/>
+                <a:ea typeface="黑体" panose="02010609060101010101" charset="-122"/>
               </a:defRPr>
             </a:lvl3pPr>
             <a:lvl4pPr marL="1600200" indent="-228600" defTabSz="800100" eaLnBrk="0" hangingPunct="0">
@@ -25497,7 +26306,7 @@
                   <a:srgbClr val="990000"/>
                 </a:solidFill>
                 <a:latin typeface="FrutigerNext LT Medium" pitchFamily="34" charset="0"/>
-                <a:ea typeface="黑体" panose="02010609060101010101" pitchFamily="49" charset="-122"/>
+                <a:ea typeface="黑体" panose="02010609060101010101" charset="-122"/>
               </a:defRPr>
             </a:lvl4pPr>
             <a:lvl5pPr marL="2057400" indent="-228600" defTabSz="800100" eaLnBrk="0" hangingPunct="0">
@@ -25506,7 +26315,7 @@
                   <a:srgbClr val="990000"/>
                 </a:solidFill>
                 <a:latin typeface="FrutigerNext LT Medium" pitchFamily="34" charset="0"/>
-                <a:ea typeface="黑体" panose="02010609060101010101" pitchFamily="49" charset="-122"/>
+                <a:ea typeface="黑体" panose="02010609060101010101" charset="-122"/>
               </a:defRPr>
             </a:lvl5pPr>
             <a:lvl6pPr marL="2514600" indent="-228600" algn="ctr" defTabSz="800100" eaLnBrk="0" fontAlgn="base" hangingPunct="0">
@@ -25521,7 +26330,7 @@
                   <a:srgbClr val="990000"/>
                 </a:solidFill>
                 <a:latin typeface="FrutigerNext LT Medium" pitchFamily="34" charset="0"/>
-                <a:ea typeface="黑体" panose="02010609060101010101" pitchFamily="49" charset="-122"/>
+                <a:ea typeface="黑体" panose="02010609060101010101" charset="-122"/>
               </a:defRPr>
             </a:lvl6pPr>
             <a:lvl7pPr marL="2971800" indent="-228600" algn="ctr" defTabSz="800100" eaLnBrk="0" fontAlgn="base" hangingPunct="0">
@@ -25536,7 +26345,7 @@
                   <a:srgbClr val="990000"/>
                 </a:solidFill>
                 <a:latin typeface="FrutigerNext LT Medium" pitchFamily="34" charset="0"/>
-                <a:ea typeface="黑体" panose="02010609060101010101" pitchFamily="49" charset="-122"/>
+                <a:ea typeface="黑体" panose="02010609060101010101" charset="-122"/>
               </a:defRPr>
             </a:lvl7pPr>
             <a:lvl8pPr marL="3429000" indent="-228600" algn="ctr" defTabSz="800100" eaLnBrk="0" fontAlgn="base" hangingPunct="0">
@@ -25551,7 +26360,7 @@
                   <a:srgbClr val="990000"/>
                 </a:solidFill>
                 <a:latin typeface="FrutigerNext LT Medium" pitchFamily="34" charset="0"/>
-                <a:ea typeface="黑体" panose="02010609060101010101" pitchFamily="49" charset="-122"/>
+                <a:ea typeface="黑体" panose="02010609060101010101" charset="-122"/>
               </a:defRPr>
             </a:lvl8pPr>
             <a:lvl9pPr marL="3886200" indent="-228600" algn="ctr" defTabSz="800100" eaLnBrk="0" fontAlgn="base" hangingPunct="0">
@@ -25566,7 +26375,7 @@
                   <a:srgbClr val="990000"/>
                 </a:solidFill>
                 <a:latin typeface="FrutigerNext LT Medium" pitchFamily="34" charset="0"/>
-                <a:ea typeface="黑体" panose="02010609060101010101" pitchFamily="49" charset="-122"/>
+                <a:ea typeface="黑体" panose="02010609060101010101" charset="-122"/>
               </a:defRPr>
             </a:lvl9pPr>
           </a:lstStyle>
@@ -25592,6 +26401,13 @@
               </a:rPr>
               <a:t>用户故事的关键要点</a:t>
             </a:r>
+            <a:endParaRPr lang="zh-CN" altLang="en-US" sz="2400" b="1" dirty="0">
+              <a:solidFill>
+                <a:schemeClr val="tx1"/>
+              </a:solidFill>
+              <a:latin typeface="微软雅黑" panose="020B0503020204020204" pitchFamily="34" charset="-122"/>
+              <a:ea typeface="微软雅黑" panose="020B0503020204020204" pitchFamily="34" charset="-122"/>
+            </a:endParaRPr>
           </a:p>
           <a:p>
             <a:pPr lvl="1" algn="l">
@@ -25625,6 +26441,13 @@
               </a:rPr>
               <a:t>，可独立交付给客户</a:t>
             </a:r>
+            <a:endParaRPr lang="zh-CN" altLang="en-US" sz="2200" dirty="0">
+              <a:solidFill>
+                <a:schemeClr val="tx1"/>
+              </a:solidFill>
+              <a:latin typeface="微软雅黑" panose="020B0503020204020204" pitchFamily="34" charset="-122"/>
+              <a:ea typeface="微软雅黑" panose="020B0503020204020204" pitchFamily="34" charset="-122"/>
+            </a:endParaRPr>
           </a:p>
           <a:p>
             <a:pPr lvl="1" algn="l">
@@ -25658,6 +26481,13 @@
               </a:rPr>
               <a:t>，便于与客户交流</a:t>
             </a:r>
+            <a:endParaRPr lang="zh-CN" altLang="en-US" sz="2200" dirty="0">
+              <a:solidFill>
+                <a:schemeClr val="tx1"/>
+              </a:solidFill>
+              <a:latin typeface="微软雅黑" panose="020B0503020204020204" pitchFamily="34" charset="-122"/>
+              <a:ea typeface="微软雅黑" panose="020B0503020204020204" pitchFamily="34" charset="-122"/>
+            </a:endParaRPr>
           </a:p>
           <a:p>
             <a:pPr lvl="1" algn="l">
@@ -25691,6 +26521,13 @@
               </a:rPr>
               <a:t>，对客户有价值</a:t>
             </a:r>
+            <a:endParaRPr lang="zh-CN" altLang="en-US" sz="2200" dirty="0">
+              <a:solidFill>
+                <a:schemeClr val="tx1"/>
+              </a:solidFill>
+              <a:latin typeface="微软雅黑" panose="020B0503020204020204" pitchFamily="34" charset="-122"/>
+              <a:ea typeface="微软雅黑" panose="020B0503020204020204" pitchFamily="34" charset="-122"/>
+            </a:endParaRPr>
           </a:p>
           <a:p>
             <a:pPr lvl="1" algn="l">
@@ -25724,6 +26561,13 @@
               </a:rPr>
               <a:t>，能估计出工作量</a:t>
             </a:r>
+            <a:endParaRPr lang="zh-CN" altLang="en-US" sz="2200" dirty="0">
+              <a:solidFill>
+                <a:schemeClr val="tx1"/>
+              </a:solidFill>
+              <a:latin typeface="微软雅黑" panose="020B0503020204020204" pitchFamily="34" charset="-122"/>
+              <a:ea typeface="微软雅黑" panose="020B0503020204020204" pitchFamily="34" charset="-122"/>
+            </a:endParaRPr>
           </a:p>
           <a:p>
             <a:pPr lvl="1" algn="l">
@@ -25757,6 +26601,13 @@
               </a:rPr>
               <a:t>，分解到最底层的用户故事粒度尽量小，至少在一个迭代中能完成</a:t>
             </a:r>
+            <a:endParaRPr lang="zh-CN" altLang="en-US" sz="2200" dirty="0">
+              <a:solidFill>
+                <a:schemeClr val="tx1"/>
+              </a:solidFill>
+              <a:latin typeface="微软雅黑" panose="020B0503020204020204" pitchFamily="34" charset="-122"/>
+              <a:ea typeface="微软雅黑" panose="020B0503020204020204" pitchFamily="34" charset="-122"/>
+            </a:endParaRPr>
           </a:p>
           <a:p>
             <a:pPr lvl="1" algn="l">
@@ -25790,6 +26641,13 @@
               </a:rPr>
               <a:t>，可测试 </a:t>
             </a:r>
+            <a:endParaRPr lang="zh-CN" altLang="en-US" sz="2200" dirty="0">
+              <a:solidFill>
+                <a:schemeClr val="tx1"/>
+              </a:solidFill>
+              <a:latin typeface="微软雅黑" panose="020B0503020204020204" pitchFamily="34" charset="-122"/>
+              <a:ea typeface="微软雅黑" panose="020B0503020204020204" pitchFamily="34" charset="-122"/>
+            </a:endParaRPr>
           </a:p>
         </p:txBody>
       </p:sp>
@@ -25920,7 +26778,7 @@
               </a14:hiddenFill>
             </a:ext>
             <a:ext uri="{91240B29-F687-4F45-9708-019B960494DF}">
-              <a14:hiddenLine xmlns:a14="http://schemas.microsoft.com/office/drawing/2010/main" w="9525" algn="ctr">
+              <a14:hiddenLine xmlns:a14="http://schemas.microsoft.com/office/drawing/2010/main" w="9525">
                 <a:solidFill>
                   <a:srgbClr val="000000"/>
                 </a:solidFill>
@@ -25970,7 +26828,7 @@
               </a14:hiddenFill>
             </a:ext>
             <a:ext uri="{91240B29-F687-4F45-9708-019B960494DF}">
-              <a14:hiddenLine xmlns:a14="http://schemas.microsoft.com/office/drawing/2010/main" w="9525" algn="ctr">
+              <a14:hiddenLine xmlns:a14="http://schemas.microsoft.com/office/drawing/2010/main" w="9525">
                 <a:solidFill>
                   <a:srgbClr val="000000"/>
                 </a:solidFill>
@@ -25990,7 +26848,7 @@
                   <a:srgbClr val="990000"/>
                 </a:solidFill>
                 <a:latin typeface="FrutigerNext LT Medium" pitchFamily="34" charset="0"/>
-                <a:ea typeface="黑体" panose="02010609060101010101" pitchFamily="49" charset="-122"/>
+                <a:ea typeface="黑体" panose="02010609060101010101" charset="-122"/>
               </a:defRPr>
             </a:lvl1pPr>
             <a:lvl2pPr marL="742950" indent="-285750" defTabSz="800100" eaLnBrk="0" hangingPunct="0">
@@ -25999,7 +26857,7 @@
                   <a:srgbClr val="990000"/>
                 </a:solidFill>
                 <a:latin typeface="FrutigerNext LT Medium" pitchFamily="34" charset="0"/>
-                <a:ea typeface="黑体" panose="02010609060101010101" pitchFamily="49" charset="-122"/>
+                <a:ea typeface="黑体" panose="02010609060101010101" charset="-122"/>
               </a:defRPr>
             </a:lvl2pPr>
             <a:lvl3pPr marL="1143000" indent="-228600" defTabSz="800100" eaLnBrk="0" hangingPunct="0">
@@ -26008,7 +26866,7 @@
                   <a:srgbClr val="990000"/>
                 </a:solidFill>
                 <a:latin typeface="FrutigerNext LT Medium" pitchFamily="34" charset="0"/>
-                <a:ea typeface="黑体" panose="02010609060101010101" pitchFamily="49" charset="-122"/>
+                <a:ea typeface="黑体" panose="02010609060101010101" charset="-122"/>
               </a:defRPr>
             </a:lvl3pPr>
             <a:lvl4pPr marL="1600200" indent="-228600" defTabSz="800100" eaLnBrk="0" hangingPunct="0">
@@ -26017,7 +26875,7 @@
                   <a:srgbClr val="990000"/>
                 </a:solidFill>
                 <a:latin typeface="FrutigerNext LT Medium" pitchFamily="34" charset="0"/>
-                <a:ea typeface="黑体" panose="02010609060101010101" pitchFamily="49" charset="-122"/>
+                <a:ea typeface="黑体" panose="02010609060101010101" charset="-122"/>
               </a:defRPr>
             </a:lvl4pPr>
             <a:lvl5pPr marL="2057400" indent="-228600" defTabSz="800100" eaLnBrk="0" hangingPunct="0">
@@ -26026,7 +26884,7 @@
                   <a:srgbClr val="990000"/>
                 </a:solidFill>
                 <a:latin typeface="FrutigerNext LT Medium" pitchFamily="34" charset="0"/>
-                <a:ea typeface="黑体" panose="02010609060101010101" pitchFamily="49" charset="-122"/>
+                <a:ea typeface="黑体" panose="02010609060101010101" charset="-122"/>
               </a:defRPr>
             </a:lvl5pPr>
             <a:lvl6pPr marL="2514600" indent="-228600" algn="ctr" defTabSz="800100" eaLnBrk="0" fontAlgn="base" hangingPunct="0">
@@ -26041,7 +26899,7 @@
                   <a:srgbClr val="990000"/>
                 </a:solidFill>
                 <a:latin typeface="FrutigerNext LT Medium" pitchFamily="34" charset="0"/>
-                <a:ea typeface="黑体" panose="02010609060101010101" pitchFamily="49" charset="-122"/>
+                <a:ea typeface="黑体" panose="02010609060101010101" charset="-122"/>
               </a:defRPr>
             </a:lvl6pPr>
             <a:lvl7pPr marL="2971800" indent="-228600" algn="ctr" defTabSz="800100" eaLnBrk="0" fontAlgn="base" hangingPunct="0">
@@ -26056,7 +26914,7 @@
                   <a:srgbClr val="990000"/>
                 </a:solidFill>
                 <a:latin typeface="FrutigerNext LT Medium" pitchFamily="34" charset="0"/>
-                <a:ea typeface="黑体" panose="02010609060101010101" pitchFamily="49" charset="-122"/>
+                <a:ea typeface="黑体" panose="02010609060101010101" charset="-122"/>
               </a:defRPr>
             </a:lvl7pPr>
             <a:lvl8pPr marL="3429000" indent="-228600" algn="ctr" defTabSz="800100" eaLnBrk="0" fontAlgn="base" hangingPunct="0">
@@ -26071,7 +26929,7 @@
                   <a:srgbClr val="990000"/>
                 </a:solidFill>
                 <a:latin typeface="FrutigerNext LT Medium" pitchFamily="34" charset="0"/>
-                <a:ea typeface="黑体" panose="02010609060101010101" pitchFamily="49" charset="-122"/>
+                <a:ea typeface="黑体" panose="02010609060101010101" charset="-122"/>
               </a:defRPr>
             </a:lvl8pPr>
             <a:lvl9pPr marL="3886200" indent="-228600" algn="ctr" defTabSz="800100" eaLnBrk="0" fontAlgn="base" hangingPunct="0">
@@ -26086,7 +26944,7 @@
                   <a:srgbClr val="990000"/>
                 </a:solidFill>
                 <a:latin typeface="FrutigerNext LT Medium" pitchFamily="34" charset="0"/>
-                <a:ea typeface="黑体" panose="02010609060101010101" pitchFamily="49" charset="-122"/>
+                <a:ea typeface="黑体" panose="02010609060101010101" charset="-122"/>
               </a:defRPr>
             </a:lvl9pPr>
           </a:lstStyle>
@@ -26111,6 +26969,13 @@
               </a:rPr>
               <a:t>用户故事便于团队站在用户角度分解细化需求并制定验收标准</a:t>
             </a:r>
+            <a:endParaRPr lang="zh-CN" altLang="en-US" sz="2400" b="1" dirty="0">
+              <a:solidFill>
+                <a:schemeClr val="tx2"/>
+              </a:solidFill>
+              <a:latin typeface="微软雅黑" panose="020B0503020204020204" pitchFamily="34" charset="-122"/>
+              <a:ea typeface="微软雅黑" panose="020B0503020204020204" pitchFamily="34" charset="-122"/>
+            </a:endParaRPr>
           </a:p>
         </p:txBody>
       </p:sp>
@@ -26289,11 +27154,6 @@
         </p:txBody>
       </p:sp>
     </p:spTree>
-    <p:extLst>
-      <p:ext uri="{BB962C8B-B14F-4D97-AF65-F5344CB8AC3E}">
-        <p14:creationId xmlns:p14="http://schemas.microsoft.com/office/powerpoint/2010/main" val="2635437520"/>
-      </p:ext>
-    </p:extLst>
   </p:cSld>
   <p:clrMapOvr>
     <a:masterClrMapping/>
@@ -26486,7 +27346,7 @@
               </a14:hiddenFill>
             </a:ext>
             <a:ext uri="{91240B29-F687-4F45-9708-019B960494DF}">
-              <a14:hiddenLine xmlns:a14="http://schemas.microsoft.com/office/drawing/2010/main" w="9525" algn="ctr">
+              <a14:hiddenLine xmlns:a14="http://schemas.microsoft.com/office/drawing/2010/main" w="9525">
                 <a:solidFill>
                   <a:srgbClr val="000000"/>
                 </a:solidFill>
@@ -26503,7 +27363,7 @@
           </a:bodyPr>
           <a:lstStyle/>
           <a:p>
-            <a:pPr defTabSz="801688">
+            <a:pPr defTabSz="802005">
               <a:lnSpc>
                 <a:spcPct val="110000"/>
               </a:lnSpc>
@@ -26514,7 +27374,7 @@
                   <a:srgbClr val="990000"/>
                 </a:solidFill>
                 <a:latin typeface="FrutigerNext LT Medium" pitchFamily="34" charset="0"/>
-                <a:ea typeface="黑体" panose="02010609060101010101" pitchFamily="49" charset="-122"/>
+                <a:ea typeface="黑体" panose="02010609060101010101" charset="-122"/>
                 <a:cs typeface="+mn-cs"/>
               </a:rPr>
               <a:t>用</a:t>
@@ -26525,7 +27385,7 @@
                   <a:srgbClr val="990000"/>
                 </a:solidFill>
                 <a:latin typeface="FrutigerNext LT Medium" pitchFamily="34" charset="0"/>
-                <a:ea typeface="黑体" panose="02010609060101010101" pitchFamily="49" charset="-122"/>
+                <a:ea typeface="黑体" panose="02010609060101010101" charset="-122"/>
                 <a:cs typeface="+mn-cs"/>
               </a:rPr>
               <a:t>户</a:t>
@@ -26536,7 +27396,7 @@
                   <a:srgbClr val="990000"/>
                 </a:solidFill>
                 <a:latin typeface="FrutigerNext LT Medium" pitchFamily="34" charset="0"/>
-                <a:ea typeface="黑体" panose="02010609060101010101" pitchFamily="49" charset="-122"/>
+                <a:ea typeface="黑体" panose="02010609060101010101" charset="-122"/>
                 <a:cs typeface="+mn-cs"/>
               </a:rPr>
               <a:t>故事（</a:t>
@@ -26547,7 +27407,7 @@
                   <a:srgbClr val="990000"/>
                 </a:solidFill>
                 <a:latin typeface="FrutigerNext LT Medium" pitchFamily="34" charset="0"/>
-                <a:ea typeface="黑体" panose="02010609060101010101" pitchFamily="49" charset="-122"/>
+                <a:ea typeface="黑体" panose="02010609060101010101" charset="-122"/>
                 <a:cs typeface="+mn-cs"/>
               </a:rPr>
               <a:t>user story</a:t>
@@ -26558,7 +27418,7 @@
                   <a:srgbClr val="990000"/>
                 </a:solidFill>
                 <a:latin typeface="FrutigerNext LT Medium" pitchFamily="34" charset="0"/>
-                <a:ea typeface="黑体" panose="02010609060101010101" pitchFamily="49" charset="-122"/>
+                <a:ea typeface="黑体" panose="02010609060101010101" charset="-122"/>
                 <a:cs typeface="+mn-cs"/>
               </a:rPr>
               <a:t>）</a:t>
@@ -26568,7 +27428,7 @@
                 <a:srgbClr val="990000"/>
               </a:solidFill>
               <a:latin typeface="FrutigerNext LT Medium" pitchFamily="34" charset="0"/>
-              <a:ea typeface="黑体" panose="02010609060101010101" pitchFamily="49" charset="-122"/>
+              <a:ea typeface="黑体" panose="02010609060101010101" charset="-122"/>
               <a:cs typeface="+mn-cs"/>
             </a:endParaRPr>
           </a:p>
@@ -26598,8 +27458,6 @@
               <a:schemeClr val="bg2"/>
             </a:solidFill>
             <a:miter lim="800000"/>
-            <a:headEnd/>
-            <a:tailEnd/>
           </a:ln>
         </p:spPr>
         <p:txBody>
@@ -26607,13 +27465,13 @@
             <a:spAutoFit/>
           </a:bodyPr>
           <a:lstStyle>
-            <a:lvl1pPr marL="627063" indent="-627063" eaLnBrk="0" hangingPunct="0">
+            <a:lvl1pPr marL="627380" indent="-627380" eaLnBrk="0" hangingPunct="0">
               <a:defRPr sz="3200">
                 <a:solidFill>
                   <a:srgbClr val="990000"/>
                 </a:solidFill>
                 <a:latin typeface="FrutigerNext LT Medium" pitchFamily="34" charset="0"/>
-                <a:ea typeface="黑体" panose="02010609060101010101" pitchFamily="49" charset="-122"/>
+                <a:ea typeface="黑体" panose="02010609060101010101" charset="-122"/>
               </a:defRPr>
             </a:lvl1pPr>
             <a:lvl2pPr marL="742950" indent="-285750" eaLnBrk="0" hangingPunct="0">
@@ -26622,7 +27480,7 @@
                   <a:srgbClr val="990000"/>
                 </a:solidFill>
                 <a:latin typeface="FrutigerNext LT Medium" pitchFamily="34" charset="0"/>
-                <a:ea typeface="黑体" panose="02010609060101010101" pitchFamily="49" charset="-122"/>
+                <a:ea typeface="黑体" panose="02010609060101010101" charset="-122"/>
               </a:defRPr>
             </a:lvl2pPr>
             <a:lvl3pPr marL="1143000" indent="-228600" eaLnBrk="0" hangingPunct="0">
@@ -26631,7 +27489,7 @@
                   <a:srgbClr val="990000"/>
                 </a:solidFill>
                 <a:latin typeface="FrutigerNext LT Medium" pitchFamily="34" charset="0"/>
-                <a:ea typeface="黑体" panose="02010609060101010101" pitchFamily="49" charset="-122"/>
+                <a:ea typeface="黑体" panose="02010609060101010101" charset="-122"/>
               </a:defRPr>
             </a:lvl3pPr>
             <a:lvl4pPr marL="1600200" indent="-228600" eaLnBrk="0" hangingPunct="0">
@@ -26640,7 +27498,7 @@
                   <a:srgbClr val="990000"/>
                 </a:solidFill>
                 <a:latin typeface="FrutigerNext LT Medium" pitchFamily="34" charset="0"/>
-                <a:ea typeface="黑体" panose="02010609060101010101" pitchFamily="49" charset="-122"/>
+                <a:ea typeface="黑体" panose="02010609060101010101" charset="-122"/>
               </a:defRPr>
             </a:lvl4pPr>
             <a:lvl5pPr marL="2057400" indent="-228600" eaLnBrk="0" hangingPunct="0">
@@ -26649,7 +27507,7 @@
                   <a:srgbClr val="990000"/>
                 </a:solidFill>
                 <a:latin typeface="FrutigerNext LT Medium" pitchFamily="34" charset="0"/>
-                <a:ea typeface="黑体" panose="02010609060101010101" pitchFamily="49" charset="-122"/>
+                <a:ea typeface="黑体" panose="02010609060101010101" charset="-122"/>
               </a:defRPr>
             </a:lvl5pPr>
             <a:lvl6pPr marL="2514600" indent="-228600" algn="ctr" eaLnBrk="0" fontAlgn="base" hangingPunct="0">
@@ -26664,7 +27522,7 @@
                   <a:srgbClr val="990000"/>
                 </a:solidFill>
                 <a:latin typeface="FrutigerNext LT Medium" pitchFamily="34" charset="0"/>
-                <a:ea typeface="黑体" panose="02010609060101010101" pitchFamily="49" charset="-122"/>
+                <a:ea typeface="黑体" panose="02010609060101010101" charset="-122"/>
               </a:defRPr>
             </a:lvl6pPr>
             <a:lvl7pPr marL="2971800" indent="-228600" algn="ctr" eaLnBrk="0" fontAlgn="base" hangingPunct="0">
@@ -26679,7 +27537,7 @@
                   <a:srgbClr val="990000"/>
                 </a:solidFill>
                 <a:latin typeface="FrutigerNext LT Medium" pitchFamily="34" charset="0"/>
-                <a:ea typeface="黑体" panose="02010609060101010101" pitchFamily="49" charset="-122"/>
+                <a:ea typeface="黑体" panose="02010609060101010101" charset="-122"/>
               </a:defRPr>
             </a:lvl7pPr>
             <a:lvl8pPr marL="3429000" indent="-228600" algn="ctr" eaLnBrk="0" fontAlgn="base" hangingPunct="0">
@@ -26694,7 +27552,7 @@
                   <a:srgbClr val="990000"/>
                 </a:solidFill>
                 <a:latin typeface="FrutigerNext LT Medium" pitchFamily="34" charset="0"/>
-                <a:ea typeface="黑体" panose="02010609060101010101" pitchFamily="49" charset="-122"/>
+                <a:ea typeface="黑体" panose="02010609060101010101" charset="-122"/>
               </a:defRPr>
             </a:lvl8pPr>
             <a:lvl9pPr marL="3886200" indent="-228600" algn="ctr" eaLnBrk="0" fontAlgn="base" hangingPunct="0">
@@ -26709,7 +27567,7 @@
                   <a:srgbClr val="990000"/>
                 </a:solidFill>
                 <a:latin typeface="FrutigerNext LT Medium" pitchFamily="34" charset="0"/>
-                <a:ea typeface="黑体" panose="02010609060101010101" pitchFamily="49" charset="-122"/>
+                <a:ea typeface="黑体" panose="02010609060101010101" charset="-122"/>
               </a:defRPr>
             </a:lvl9pPr>
           </a:lstStyle>
@@ -26816,6 +27674,14 @@
               </a:rPr>
               <a:t>想要增加网络容量和服务</a:t>
             </a:r>
+            <a:endParaRPr lang="zh-CN" altLang="en-US" sz="2000" b="1" dirty="0">
+              <a:solidFill>
+                <a:srgbClr val="644300"/>
+              </a:solidFill>
+              <a:latin typeface="微软雅黑" panose="020B0503020204020204" pitchFamily="34" charset="-122"/>
+              <a:ea typeface="微软雅黑" panose="020B0503020204020204" pitchFamily="34" charset="-122"/>
+              <a:cs typeface="Times New Roman" panose="02020603050405020304" pitchFamily="18" charset="0"/>
+            </a:endParaRPr>
           </a:p>
           <a:p>
             <a:pPr algn="l" eaLnBrk="1" hangingPunct="1">
@@ -26865,6 +27731,14 @@
               </a:rPr>
               <a:t>作为网络规划人员，我想把媒体网关参数上传到管理系统</a:t>
             </a:r>
+            <a:endParaRPr lang="zh-CN" altLang="en-US" sz="2000" dirty="0">
+              <a:solidFill>
+                <a:srgbClr val="644300"/>
+              </a:solidFill>
+              <a:latin typeface="微软雅黑" panose="020B0503020204020204" pitchFamily="34" charset="-122"/>
+              <a:ea typeface="微软雅黑" panose="020B0503020204020204" pitchFamily="34" charset="-122"/>
+              <a:cs typeface="Times New Roman" panose="02020603050405020304" pitchFamily="18" charset="0"/>
+            </a:endParaRPr>
           </a:p>
           <a:p>
             <a:pPr algn="l" eaLnBrk="1" hangingPunct="1">
@@ -26914,6 +27788,14 @@
               </a:rPr>
               <a:t>作为网络规划人员，我想从管理系统下载媒体网关参数</a:t>
             </a:r>
+            <a:endParaRPr lang="zh-CN" altLang="en-US" sz="2000" dirty="0">
+              <a:solidFill>
+                <a:srgbClr val="644300"/>
+              </a:solidFill>
+              <a:latin typeface="微软雅黑" panose="020B0503020204020204" pitchFamily="34" charset="-122"/>
+              <a:ea typeface="微软雅黑" panose="020B0503020204020204" pitchFamily="34" charset="-122"/>
+              <a:cs typeface="Times New Roman" panose="02020603050405020304" pitchFamily="18" charset="0"/>
+            </a:endParaRPr>
           </a:p>
           <a:p>
             <a:pPr algn="l" eaLnBrk="1" hangingPunct="1">
@@ -26963,9 +27845,17 @@
               </a:rPr>
               <a:t>作为网络规划人员，我想用文件方式从管理系统下载媒体网关参数</a:t>
             </a:r>
-          </a:p>
-          <a:p>
-            <a:pPr marL="1296000" algn="l" eaLnBrk="1" hangingPunct="1">
+            <a:endParaRPr lang="zh-CN" altLang="en-US" sz="2000" dirty="0">
+              <a:solidFill>
+                <a:srgbClr val="644300"/>
+              </a:solidFill>
+              <a:latin typeface="微软雅黑" panose="020B0503020204020204" pitchFamily="34" charset="-122"/>
+              <a:ea typeface="微软雅黑" panose="020B0503020204020204" pitchFamily="34" charset="-122"/>
+              <a:cs typeface="Times New Roman" panose="02020603050405020304" pitchFamily="18" charset="0"/>
+            </a:endParaRPr>
+          </a:p>
+          <a:p>
+            <a:pPr marL="1296035" algn="l" eaLnBrk="1" hangingPunct="1">
               <a:lnSpc>
                 <a:spcPct val="130000"/>
               </a:lnSpc>
@@ -27034,6 +27924,14 @@
               </a:rPr>
               <a:t>是否正确下载到本地且内容正确</a:t>
             </a:r>
+            <a:endParaRPr lang="zh-CN" altLang="en-US" sz="2000" dirty="0">
+              <a:solidFill>
+                <a:srgbClr val="343434"/>
+              </a:solidFill>
+              <a:latin typeface="微软雅黑" panose="020B0503020204020204" pitchFamily="34" charset="-122"/>
+              <a:ea typeface="微软雅黑" panose="020B0503020204020204" pitchFamily="34" charset="-122"/>
+              <a:cs typeface="Times New Roman" panose="02020603050405020304" pitchFamily="18" charset="0"/>
+            </a:endParaRPr>
           </a:p>
           <a:p>
             <a:pPr algn="l" eaLnBrk="1" hangingPunct="1">
@@ -27116,6 +28014,14 @@
               </a:rPr>
               <a:t>结构方式从管理系统下载媒体网关的参数</a:t>
             </a:r>
+            <a:endParaRPr lang="zh-CN" altLang="en-US" sz="2000" dirty="0">
+              <a:solidFill>
+                <a:srgbClr val="644300"/>
+              </a:solidFill>
+              <a:latin typeface="微软雅黑" panose="020B0503020204020204" pitchFamily="34" charset="-122"/>
+              <a:ea typeface="微软雅黑" panose="020B0503020204020204" pitchFamily="34" charset="-122"/>
+              <a:cs typeface="Times New Roman" panose="02020603050405020304" pitchFamily="18" charset="0"/>
+            </a:endParaRPr>
           </a:p>
           <a:p>
             <a:pPr algn="l" eaLnBrk="1" hangingPunct="1">
@@ -27176,6 +28082,14 @@
               </a:rPr>
               <a:t>:…………</a:t>
             </a:r>
+            <a:endParaRPr lang="en-US" altLang="zh-CN" sz="2000" dirty="0">
+              <a:solidFill>
+                <a:srgbClr val="343434"/>
+              </a:solidFill>
+              <a:latin typeface="微软雅黑" panose="020B0503020204020204" pitchFamily="34" charset="-122"/>
+              <a:ea typeface="微软雅黑" panose="020B0503020204020204" pitchFamily="34" charset="-122"/>
+              <a:cs typeface="Times New Roman" panose="02020603050405020304" pitchFamily="18" charset="0"/>
+            </a:endParaRPr>
           </a:p>
         </p:txBody>
       </p:sp>
@@ -27306,7 +28220,7 @@
               </a14:hiddenFill>
             </a:ext>
             <a:ext uri="{91240B29-F687-4F45-9708-019B960494DF}">
-              <a14:hiddenLine xmlns:a14="http://schemas.microsoft.com/office/drawing/2010/main" w="9525" algn="ctr">
+              <a14:hiddenLine xmlns:a14="http://schemas.microsoft.com/office/drawing/2010/main" w="9525">
                 <a:solidFill>
                   <a:srgbClr val="000000"/>
                 </a:solidFill>
@@ -27356,7 +28270,7 @@
               </a14:hiddenFill>
             </a:ext>
             <a:ext uri="{91240B29-F687-4F45-9708-019B960494DF}">
-              <a14:hiddenLine xmlns:a14="http://schemas.microsoft.com/office/drawing/2010/main" w="9525" algn="ctr">
+              <a14:hiddenLine xmlns:a14="http://schemas.microsoft.com/office/drawing/2010/main" w="9525">
                 <a:solidFill>
                   <a:srgbClr val="000000"/>
                 </a:solidFill>
@@ -27378,7 +28292,7 @@
                   <a:srgbClr val="990000"/>
                 </a:solidFill>
                 <a:latin typeface="FrutigerNext LT Medium" pitchFamily="34" charset="0"/>
-                <a:ea typeface="黑体" panose="02010609060101010101" pitchFamily="49" charset="-122"/>
+                <a:ea typeface="黑体" panose="02010609060101010101" charset="-122"/>
               </a:defRPr>
             </a:lvl1pPr>
             <a:lvl2pPr marL="742950" indent="-285750" eaLnBrk="0" hangingPunct="0">
@@ -27387,7 +28301,7 @@
                   <a:srgbClr val="990000"/>
                 </a:solidFill>
                 <a:latin typeface="FrutigerNext LT Medium" pitchFamily="34" charset="0"/>
-                <a:ea typeface="黑体" panose="02010609060101010101" pitchFamily="49" charset="-122"/>
+                <a:ea typeface="黑体" panose="02010609060101010101" charset="-122"/>
               </a:defRPr>
             </a:lvl2pPr>
             <a:lvl3pPr marL="1143000" indent="-228600" eaLnBrk="0" hangingPunct="0">
@@ -27396,7 +28310,7 @@
                   <a:srgbClr val="990000"/>
                 </a:solidFill>
                 <a:latin typeface="FrutigerNext LT Medium" pitchFamily="34" charset="0"/>
-                <a:ea typeface="黑体" panose="02010609060101010101" pitchFamily="49" charset="-122"/>
+                <a:ea typeface="黑体" panose="02010609060101010101" charset="-122"/>
               </a:defRPr>
             </a:lvl3pPr>
             <a:lvl4pPr marL="1600200" indent="-228600" eaLnBrk="0" hangingPunct="0">
@@ -27405,7 +28319,7 @@
                   <a:srgbClr val="990000"/>
                 </a:solidFill>
                 <a:latin typeface="FrutigerNext LT Medium" pitchFamily="34" charset="0"/>
-                <a:ea typeface="黑体" panose="02010609060101010101" pitchFamily="49" charset="-122"/>
+                <a:ea typeface="黑体" panose="02010609060101010101" charset="-122"/>
               </a:defRPr>
             </a:lvl4pPr>
             <a:lvl5pPr marL="2057400" indent="-228600" eaLnBrk="0" hangingPunct="0">
@@ -27414,7 +28328,7 @@
                   <a:srgbClr val="990000"/>
                 </a:solidFill>
                 <a:latin typeface="FrutigerNext LT Medium" pitchFamily="34" charset="0"/>
-                <a:ea typeface="黑体" panose="02010609060101010101" pitchFamily="49" charset="-122"/>
+                <a:ea typeface="黑体" panose="02010609060101010101" charset="-122"/>
               </a:defRPr>
             </a:lvl5pPr>
             <a:lvl6pPr marL="2514600" indent="-228600" algn="ctr" eaLnBrk="0" fontAlgn="base" hangingPunct="0">
@@ -27429,7 +28343,7 @@
                   <a:srgbClr val="990000"/>
                 </a:solidFill>
                 <a:latin typeface="FrutigerNext LT Medium" pitchFamily="34" charset="0"/>
-                <a:ea typeface="黑体" panose="02010609060101010101" pitchFamily="49" charset="-122"/>
+                <a:ea typeface="黑体" panose="02010609060101010101" charset="-122"/>
               </a:defRPr>
             </a:lvl6pPr>
             <a:lvl7pPr marL="2971800" indent="-228600" algn="ctr" eaLnBrk="0" fontAlgn="base" hangingPunct="0">
@@ -27444,7 +28358,7 @@
                   <a:srgbClr val="990000"/>
                 </a:solidFill>
                 <a:latin typeface="FrutigerNext LT Medium" pitchFamily="34" charset="0"/>
-                <a:ea typeface="黑体" panose="02010609060101010101" pitchFamily="49" charset="-122"/>
+                <a:ea typeface="黑体" panose="02010609060101010101" charset="-122"/>
               </a:defRPr>
             </a:lvl7pPr>
             <a:lvl8pPr marL="3429000" indent="-228600" algn="ctr" eaLnBrk="0" fontAlgn="base" hangingPunct="0">
@@ -27459,7 +28373,7 @@
                   <a:srgbClr val="990000"/>
                 </a:solidFill>
                 <a:latin typeface="FrutigerNext LT Medium" pitchFamily="34" charset="0"/>
-                <a:ea typeface="黑体" panose="02010609060101010101" pitchFamily="49" charset="-122"/>
+                <a:ea typeface="黑体" panose="02010609060101010101" charset="-122"/>
               </a:defRPr>
             </a:lvl8pPr>
             <a:lvl9pPr marL="3886200" indent="-228600" algn="ctr" eaLnBrk="0" fontAlgn="base" hangingPunct="0">
@@ -27474,7 +28388,7 @@
                   <a:srgbClr val="990000"/>
                 </a:solidFill>
                 <a:latin typeface="FrutigerNext LT Medium" pitchFamily="34" charset="0"/>
-                <a:ea typeface="黑体" panose="02010609060101010101" pitchFamily="49" charset="-122"/>
+                <a:ea typeface="黑体" panose="02010609060101010101" charset="-122"/>
               </a:defRPr>
             </a:lvl9pPr>
           </a:lstStyle>
@@ -27500,6 +28414,13 @@
               </a:rPr>
               <a:t>故事样例</a:t>
             </a:r>
+            <a:endParaRPr lang="zh-CN" altLang="en-US" sz="2400" b="1" dirty="0">
+              <a:solidFill>
+                <a:schemeClr val="tx1"/>
+              </a:solidFill>
+              <a:latin typeface="微软雅黑" panose="020B0503020204020204" pitchFamily="34" charset="-122"/>
+              <a:ea typeface="微软雅黑" panose="020B0503020204020204" pitchFamily="34" charset="-122"/>
+            </a:endParaRPr>
           </a:p>
         </p:txBody>
       </p:sp>
@@ -27532,7 +28453,7 @@
               </a14:hiddenFill>
             </a:ext>
             <a:ext uri="{91240B29-F687-4F45-9708-019B960494DF}">
-              <a14:hiddenLine xmlns:a14="http://schemas.microsoft.com/office/drawing/2010/main" w="9525" algn="ctr">
+              <a14:hiddenLine xmlns:a14="http://schemas.microsoft.com/office/drawing/2010/main" w="9525">
                 <a:solidFill>
                   <a:srgbClr val="000000"/>
                 </a:solidFill>
@@ -27552,7 +28473,7 @@
                   <a:srgbClr val="990000"/>
                 </a:solidFill>
                 <a:latin typeface="FrutigerNext LT Medium" pitchFamily="34" charset="0"/>
-                <a:ea typeface="黑体" panose="02010609060101010101" pitchFamily="49" charset="-122"/>
+                <a:ea typeface="黑体" panose="02010609060101010101" charset="-122"/>
               </a:defRPr>
             </a:lvl1pPr>
             <a:lvl2pPr marL="742950" indent="-285750" defTabSz="800100" eaLnBrk="0" hangingPunct="0">
@@ -27561,7 +28482,7 @@
                   <a:srgbClr val="990000"/>
                 </a:solidFill>
                 <a:latin typeface="FrutigerNext LT Medium" pitchFamily="34" charset="0"/>
-                <a:ea typeface="黑体" panose="02010609060101010101" pitchFamily="49" charset="-122"/>
+                <a:ea typeface="黑体" panose="02010609060101010101" charset="-122"/>
               </a:defRPr>
             </a:lvl2pPr>
             <a:lvl3pPr marL="1143000" indent="-228600" defTabSz="800100" eaLnBrk="0" hangingPunct="0">
@@ -27570,7 +28491,7 @@
                   <a:srgbClr val="990000"/>
                 </a:solidFill>
                 <a:latin typeface="FrutigerNext LT Medium" pitchFamily="34" charset="0"/>
-                <a:ea typeface="黑体" panose="02010609060101010101" pitchFamily="49" charset="-122"/>
+                <a:ea typeface="黑体" panose="02010609060101010101" charset="-122"/>
               </a:defRPr>
             </a:lvl3pPr>
             <a:lvl4pPr marL="1600200" indent="-228600" defTabSz="800100" eaLnBrk="0" hangingPunct="0">
@@ -27579,7 +28500,7 @@
                   <a:srgbClr val="990000"/>
                 </a:solidFill>
                 <a:latin typeface="FrutigerNext LT Medium" pitchFamily="34" charset="0"/>
-                <a:ea typeface="黑体" panose="02010609060101010101" pitchFamily="49" charset="-122"/>
+                <a:ea typeface="黑体" panose="02010609060101010101" charset="-122"/>
               </a:defRPr>
             </a:lvl4pPr>
             <a:lvl5pPr marL="2057400" indent="-228600" defTabSz="800100" eaLnBrk="0" hangingPunct="0">
@@ -27588,7 +28509,7 @@
                   <a:srgbClr val="990000"/>
                 </a:solidFill>
                 <a:latin typeface="FrutigerNext LT Medium" pitchFamily="34" charset="0"/>
-                <a:ea typeface="黑体" panose="02010609060101010101" pitchFamily="49" charset="-122"/>
+                <a:ea typeface="黑体" panose="02010609060101010101" charset="-122"/>
               </a:defRPr>
             </a:lvl5pPr>
             <a:lvl6pPr marL="2514600" indent="-228600" algn="ctr" defTabSz="800100" eaLnBrk="0" fontAlgn="base" hangingPunct="0">
@@ -27603,7 +28524,7 @@
                   <a:srgbClr val="990000"/>
                 </a:solidFill>
                 <a:latin typeface="FrutigerNext LT Medium" pitchFamily="34" charset="0"/>
-                <a:ea typeface="黑体" panose="02010609060101010101" pitchFamily="49" charset="-122"/>
+                <a:ea typeface="黑体" panose="02010609060101010101" charset="-122"/>
               </a:defRPr>
             </a:lvl6pPr>
             <a:lvl7pPr marL="2971800" indent="-228600" algn="ctr" defTabSz="800100" eaLnBrk="0" fontAlgn="base" hangingPunct="0">
@@ -27618,7 +28539,7 @@
                   <a:srgbClr val="990000"/>
                 </a:solidFill>
                 <a:latin typeface="FrutigerNext LT Medium" pitchFamily="34" charset="0"/>
-                <a:ea typeface="黑体" panose="02010609060101010101" pitchFamily="49" charset="-122"/>
+                <a:ea typeface="黑体" panose="02010609060101010101" charset="-122"/>
               </a:defRPr>
             </a:lvl7pPr>
             <a:lvl8pPr marL="3429000" indent="-228600" algn="ctr" defTabSz="800100" eaLnBrk="0" fontAlgn="base" hangingPunct="0">
@@ -27633,7 +28554,7 @@
                   <a:srgbClr val="990000"/>
                 </a:solidFill>
                 <a:latin typeface="FrutigerNext LT Medium" pitchFamily="34" charset="0"/>
-                <a:ea typeface="黑体" panose="02010609060101010101" pitchFamily="49" charset="-122"/>
+                <a:ea typeface="黑体" panose="02010609060101010101" charset="-122"/>
               </a:defRPr>
             </a:lvl8pPr>
             <a:lvl9pPr marL="3886200" indent="-228600" algn="ctr" defTabSz="800100" eaLnBrk="0" fontAlgn="base" hangingPunct="0">
@@ -27648,7 +28569,7 @@
                   <a:srgbClr val="990000"/>
                 </a:solidFill>
                 <a:latin typeface="FrutigerNext LT Medium" pitchFamily="34" charset="0"/>
-                <a:ea typeface="黑体" panose="02010609060101010101" pitchFamily="49" charset="-122"/>
+                <a:ea typeface="黑体" panose="02010609060101010101" charset="-122"/>
               </a:defRPr>
             </a:lvl9pPr>
           </a:lstStyle>
@@ -27673,6 +28594,13 @@
               </a:rPr>
               <a:t>用户故事便于团队站在用户角度分解细化需求并制定验收标准</a:t>
             </a:r>
+            <a:endParaRPr lang="zh-CN" altLang="en-US" sz="2000" b="1" dirty="0">
+              <a:solidFill>
+                <a:schemeClr val="tx2"/>
+              </a:solidFill>
+              <a:latin typeface="微软雅黑" panose="020B0503020204020204" pitchFamily="34" charset="-122"/>
+              <a:ea typeface="微软雅黑" panose="020B0503020204020204" pitchFamily="34" charset="-122"/>
+            </a:endParaRPr>
           </a:p>
         </p:txBody>
       </p:sp>
@@ -27851,11 +28779,6 @@
         </p:txBody>
       </p:sp>
     </p:spTree>
-    <p:extLst>
-      <p:ext uri="{BB962C8B-B14F-4D97-AF65-F5344CB8AC3E}">
-        <p14:creationId xmlns:p14="http://schemas.microsoft.com/office/powerpoint/2010/main" val="481113803"/>
-      </p:ext>
-    </p:extLst>
   </p:cSld>
   <p:clrMapOvr>
     <a:masterClrMapping/>
@@ -27913,7 +28836,7 @@
               </a14:hiddenFill>
             </a:ext>
             <a:ext uri="{91240B29-F687-4F45-9708-019B960494DF}">
-              <a14:hiddenLine xmlns:a14="http://schemas.microsoft.com/office/drawing/2010/main" w="9525" algn="ctr">
+              <a14:hiddenLine xmlns:a14="http://schemas.microsoft.com/office/drawing/2010/main" w="9525">
                 <a:solidFill>
                   <a:srgbClr val="000000"/>
                 </a:solidFill>
@@ -27948,7 +28871,7 @@
             </a:lvl1pPr>
           </a:lstStyle>
           <a:p>
-            <a:pPr defTabSz="801688">
+            <a:pPr defTabSz="802005">
               <a:lnSpc>
                 <a:spcPct val="110000"/>
               </a:lnSpc>
@@ -27959,7 +28882,7 @@
                   <a:srgbClr val="990000"/>
                 </a:solidFill>
                 <a:latin typeface="FrutigerNext LT Medium" pitchFamily="34" charset="0"/>
-                <a:ea typeface="黑体" panose="02010609060101010101" pitchFamily="49" charset="-122"/>
+                <a:ea typeface="黑体" panose="02010609060101010101" charset="-122"/>
               </a:rPr>
               <a:t>用户故事特征</a:t>
             </a:r>
@@ -27968,7 +28891,7 @@
                 <a:srgbClr val="990000"/>
               </a:solidFill>
               <a:latin typeface="FrutigerNext LT Medium" pitchFamily="34" charset="0"/>
-              <a:ea typeface="黑体" panose="02010609060101010101" pitchFamily="49" charset="-122"/>
+              <a:ea typeface="黑体" panose="02010609060101010101" charset="-122"/>
               <a:cs typeface="+mn-cs"/>
             </a:endParaRPr>
           </a:p>
@@ -27977,9 +28900,7 @@
       <p:sp>
         <p:nvSpPr>
           <p:cNvPr id="4" name="标题 1"/>
-          <p:cNvSpPr txBox="1">
-            <a:spLocks/>
-          </p:cNvSpPr>
+          <p:cNvSpPr txBox="1"/>
           <p:nvPr/>
         </p:nvSpPr>
         <p:spPr>
@@ -28127,6 +29048,10 @@
               </a:rPr>
               <a:t>XXX</a:t>
             </a:r>
+            <a:endParaRPr lang="en-US" altLang="zh-CN" sz="2200" dirty="0">
+              <a:latin typeface="微软雅黑" panose="020B0503020204020204" pitchFamily="34" charset="-122"/>
+              <a:ea typeface="微软雅黑" panose="020B0503020204020204" pitchFamily="34" charset="-122"/>
+            </a:endParaRPr>
           </a:p>
           <a:p>
             <a:pPr marL="1028700" lvl="1" indent="-571500">
@@ -28373,11 +29298,6 @@
         </p:txBody>
       </p:sp>
     </p:spTree>
-    <p:extLst>
-      <p:ext uri="{BB962C8B-B14F-4D97-AF65-F5344CB8AC3E}">
-        <p14:creationId xmlns:p14="http://schemas.microsoft.com/office/powerpoint/2010/main" val="1041777353"/>
-      </p:ext>
-    </p:extLst>
   </p:cSld>
   <p:clrMapOvr>
     <a:masterClrMapping/>
@@ -28435,7 +29355,7 @@
               </a14:hiddenFill>
             </a:ext>
             <a:ext uri="{91240B29-F687-4F45-9708-019B960494DF}">
-              <a14:hiddenLine xmlns:a14="http://schemas.microsoft.com/office/drawing/2010/main" w="9525" algn="ctr">
+              <a14:hiddenLine xmlns:a14="http://schemas.microsoft.com/office/drawing/2010/main" w="9525">
                 <a:solidFill>
                   <a:srgbClr val="000000"/>
                 </a:solidFill>
@@ -28470,7 +29390,7 @@
             </a:lvl1pPr>
           </a:lstStyle>
           <a:p>
-            <a:pPr defTabSz="801688">
+            <a:pPr defTabSz="802005">
               <a:lnSpc>
                 <a:spcPct val="110000"/>
               </a:lnSpc>
@@ -28481,7 +29401,7 @@
                   <a:srgbClr val="990000"/>
                 </a:solidFill>
                 <a:latin typeface="FrutigerNext LT Medium" pitchFamily="34" charset="0"/>
-                <a:ea typeface="黑体" panose="02010609060101010101" pitchFamily="49" charset="-122"/>
+                <a:ea typeface="黑体" panose="02010609060101010101" charset="-122"/>
               </a:rPr>
               <a:t>卡片（</a:t>
             </a:r>
@@ -28491,7 +29411,7 @@
                   <a:srgbClr val="990000"/>
                 </a:solidFill>
                 <a:latin typeface="FrutigerNext LT Medium" pitchFamily="34" charset="0"/>
-                <a:ea typeface="黑体" panose="02010609060101010101" pitchFamily="49" charset="-122"/>
+                <a:ea typeface="黑体" panose="02010609060101010101" charset="-122"/>
               </a:rPr>
               <a:t>Card</a:t>
             </a:r>
@@ -28501,7 +29421,7 @@
                   <a:srgbClr val="990000"/>
                 </a:solidFill>
                 <a:latin typeface="FrutigerNext LT Medium" pitchFamily="34" charset="0"/>
-                <a:ea typeface="黑体" panose="02010609060101010101" pitchFamily="49" charset="-122"/>
+                <a:ea typeface="黑体" panose="02010609060101010101" charset="-122"/>
               </a:rPr>
               <a:t>）</a:t>
             </a:r>
@@ -28510,7 +29430,7 @@
                 <a:srgbClr val="990000"/>
               </a:solidFill>
               <a:latin typeface="FrutigerNext LT Medium" pitchFamily="34" charset="0"/>
-              <a:ea typeface="黑体" panose="02010609060101010101" pitchFamily="49" charset="-122"/>
+              <a:ea typeface="黑体" panose="02010609060101010101" charset="-122"/>
               <a:cs typeface="+mn-cs"/>
             </a:endParaRPr>
           </a:p>
@@ -28519,9 +29439,7 @@
       <p:sp>
         <p:nvSpPr>
           <p:cNvPr id="4" name="标题 1"/>
-          <p:cNvSpPr txBox="1">
-            <a:spLocks/>
-          </p:cNvSpPr>
+          <p:cNvSpPr txBox="1"/>
           <p:nvPr/>
         </p:nvSpPr>
         <p:spPr>
@@ -28691,6 +29609,10 @@
               </a:rPr>
               <a:t>&gt;</a:t>
             </a:r>
+            <a:endParaRPr lang="en-US" altLang="zh-CN" sz="2400" dirty="0" smtClean="0">
+              <a:latin typeface="微软雅黑" panose="020B0503020204020204" pitchFamily="34" charset="-122"/>
+              <a:ea typeface="微软雅黑" panose="020B0503020204020204" pitchFamily="34" charset="-122"/>
+            </a:endParaRPr>
           </a:p>
         </p:txBody>
       </p:sp>
@@ -28739,7 +29661,7 @@
           <p:nvPr/>
         </p:nvPicPr>
         <p:blipFill>
-          <a:blip r:embed="rId2">
+          <a:blip r:embed="rId1">
             <a:extLst>
               <a:ext uri="{28A0092B-C50C-407E-A947-70E740481C1C}">
                 <a14:useLocalDpi xmlns:a14="http://schemas.microsoft.com/office/drawing/2010/main" val="0"/>
@@ -28899,11 +29821,6 @@
         </p:txBody>
       </p:sp>
     </p:spTree>
-    <p:extLst>
-      <p:ext uri="{BB962C8B-B14F-4D97-AF65-F5344CB8AC3E}">
-        <p14:creationId xmlns:p14="http://schemas.microsoft.com/office/powerpoint/2010/main" val="3465106009"/>
-      </p:ext>
-    </p:extLst>
   </p:cSld>
   <p:clrMapOvr>
     <a:masterClrMapping/>
@@ -28961,7 +29878,7 @@
               </a14:hiddenFill>
             </a:ext>
             <a:ext uri="{91240B29-F687-4F45-9708-019B960494DF}">
-              <a14:hiddenLine xmlns:a14="http://schemas.microsoft.com/office/drawing/2010/main" w="9525" algn="ctr">
+              <a14:hiddenLine xmlns:a14="http://schemas.microsoft.com/office/drawing/2010/main" w="9525">
                 <a:solidFill>
                   <a:srgbClr val="000000"/>
                 </a:solidFill>
@@ -28996,7 +29913,7 @@
             </a:lvl1pPr>
           </a:lstStyle>
           <a:p>
-            <a:pPr defTabSz="801688">
+            <a:pPr defTabSz="802005">
               <a:lnSpc>
                 <a:spcPct val="110000"/>
               </a:lnSpc>
@@ -29007,7 +29924,7 @@
                   <a:srgbClr val="990000"/>
                 </a:solidFill>
                 <a:latin typeface="FrutigerNext LT Medium" pitchFamily="34" charset="0"/>
-                <a:ea typeface="黑体" panose="02010609060101010101" pitchFamily="49" charset="-122"/>
+                <a:ea typeface="黑体" panose="02010609060101010101" charset="-122"/>
               </a:rPr>
               <a:t>会话（</a:t>
             </a:r>
@@ -29017,7 +29934,7 @@
                   <a:srgbClr val="990000"/>
                 </a:solidFill>
                 <a:latin typeface="FrutigerNext LT Medium" pitchFamily="34" charset="0"/>
-                <a:ea typeface="黑体" panose="02010609060101010101" pitchFamily="49" charset="-122"/>
+                <a:ea typeface="黑体" panose="02010609060101010101" charset="-122"/>
               </a:rPr>
               <a:t>Conversation</a:t>
             </a:r>
@@ -29027,7 +29944,7 @@
                   <a:srgbClr val="990000"/>
                 </a:solidFill>
                 <a:latin typeface="FrutigerNext LT Medium" pitchFamily="34" charset="0"/>
-                <a:ea typeface="黑体" panose="02010609060101010101" pitchFamily="49" charset="-122"/>
+                <a:ea typeface="黑体" panose="02010609060101010101" charset="-122"/>
               </a:rPr>
               <a:t>）</a:t>
             </a:r>
@@ -29036,7 +29953,7 @@
                 <a:srgbClr val="990000"/>
               </a:solidFill>
               <a:latin typeface="FrutigerNext LT Medium" pitchFamily="34" charset="0"/>
-              <a:ea typeface="黑体" panose="02010609060101010101" pitchFamily="49" charset="-122"/>
+              <a:ea typeface="黑体" panose="02010609060101010101" charset="-122"/>
               <a:cs typeface="+mn-cs"/>
             </a:endParaRPr>
           </a:p>
@@ -29045,9 +29962,7 @@
       <p:sp>
         <p:nvSpPr>
           <p:cNvPr id="4" name="标题 1"/>
-          <p:cNvSpPr txBox="1">
-            <a:spLocks/>
-          </p:cNvSpPr>
+          <p:cNvSpPr txBox="1"/>
           <p:nvPr/>
         </p:nvSpPr>
         <p:spPr>
@@ -29315,11 +30230,6 @@
         </p:txBody>
       </p:sp>
     </p:spTree>
-    <p:extLst>
-      <p:ext uri="{BB962C8B-B14F-4D97-AF65-F5344CB8AC3E}">
-        <p14:creationId xmlns:p14="http://schemas.microsoft.com/office/powerpoint/2010/main" val="847176347"/>
-      </p:ext>
-    </p:extLst>
   </p:cSld>
   <p:clrMapOvr>
     <a:masterClrMapping/>
@@ -29585,8 +30495,6 @@
       </a:bgFillStyleLst>
     </a:fmtScheme>
   </a:themeElements>
-  <a:objectDefaults/>
-  <a:extraClrSchemeLst/>
   <a:extLst>
     <a:ext uri="{05A4C25C-085E-4340-85A3-A5531E510DB2}">
       <thm15:themeFamily xmlns:thm15="http://schemas.microsoft.com/office/thememl/2012/main" name="Office Theme" id="{62F939B6-93AF-4DB8-9C6B-D6C7DFDC589F}" vid="{4A3C46E8-61CC-4603-A589-7422A47A8E4A}"/>
@@ -29846,8 +30754,6 @@
       </a:bgFillStyleLst>
     </a:fmtScheme>
   </a:themeElements>
-  <a:objectDefaults/>
-  <a:extraClrSchemeLst/>
   <a:extLst>
     <a:ext uri="{05A4C25C-085E-4340-85A3-A5531E510DB2}">
       <thm15:themeFamily xmlns:thm15="http://schemas.microsoft.com/office/thememl/2012/main" name="Office Theme" id="{62F939B6-93AF-4DB8-9C6B-D6C7DFDC589F}" vid="{4A3C46E8-61CC-4603-A589-7422A47A8E4A}"/>

--- a/materials/slides/ch11.pptx
+++ b/materials/slides/ch11.pptx
@@ -5,30 +5,32 @@
     <p:sldMasterId id="2147483648" r:id="rId1"/>
   </p:sldMasterIdLst>
   <p:notesMasterIdLst>
-    <p:notesMasterId r:id="rId5"/>
+    <p:notesMasterId r:id="rId31"/>
   </p:notesMasterIdLst>
   <p:sldIdLst>
-    <p:sldId id="256" r:id="rId3"/>
-    <p:sldId id="547" r:id="rId4"/>
-    <p:sldId id="518" r:id="rId6"/>
-    <p:sldId id="500" r:id="rId7"/>
-    <p:sldId id="561" r:id="rId8"/>
-    <p:sldId id="554" r:id="rId9"/>
-    <p:sldId id="557" r:id="rId10"/>
-    <p:sldId id="528" r:id="rId11"/>
-    <p:sldId id="562" r:id="rId12"/>
-    <p:sldId id="563" r:id="rId13"/>
-    <p:sldId id="564" r:id="rId14"/>
-    <p:sldId id="529" r:id="rId15"/>
-    <p:sldId id="530" r:id="rId16"/>
-    <p:sldId id="531" r:id="rId17"/>
-    <p:sldId id="534" r:id="rId18"/>
-    <p:sldId id="532" r:id="rId19"/>
-    <p:sldId id="533" r:id="rId20"/>
-    <p:sldId id="501" r:id="rId21"/>
-    <p:sldId id="502" r:id="rId22"/>
-    <p:sldId id="503" r:id="rId23"/>
-    <p:sldId id="515" r:id="rId24"/>
+    <p:sldId id="256" r:id="rId2"/>
+    <p:sldId id="547" r:id="rId3"/>
+    <p:sldId id="518" r:id="rId4"/>
+    <p:sldId id="500" r:id="rId5"/>
+    <p:sldId id="561" r:id="rId6"/>
+    <p:sldId id="554" r:id="rId7"/>
+    <p:sldId id="557" r:id="rId8"/>
+    <p:sldId id="528" r:id="rId9"/>
+    <p:sldId id="562" r:id="rId10"/>
+    <p:sldId id="563" r:id="rId11"/>
+    <p:sldId id="564" r:id="rId12"/>
+    <p:sldId id="529" r:id="rId13"/>
+    <p:sldId id="530" r:id="rId14"/>
+    <p:sldId id="531" r:id="rId15"/>
+    <p:sldId id="534" r:id="rId16"/>
+    <p:sldId id="532" r:id="rId17"/>
+    <p:sldId id="533" r:id="rId18"/>
+    <p:sldId id="501" r:id="rId19"/>
+    <p:sldId id="502" r:id="rId20"/>
+    <p:sldId id="503" r:id="rId21"/>
+    <p:sldId id="515" r:id="rId22"/>
+    <p:sldId id="585" r:id="rId23"/>
+    <p:sldId id="586" r:id="rId24"/>
     <p:sldId id="516" r:id="rId25"/>
     <p:sldId id="520" r:id="rId26"/>
     <p:sldId id="558" r:id="rId27"/>
@@ -40,32 +42,33 @@
   <p:notesSz cx="6858000" cy="9144000"/>
   <p:embeddedFontLst>
     <p:embeddedFont>
+      <p:font typeface="黑体" panose="02010609060101010101" pitchFamily="49" charset="-122"/>
+      <p:regular r:id="rId32"/>
+    </p:embeddedFont>
+    <p:embeddedFont>
+      <p:font typeface="Calibri" panose="020F0502020204030204" pitchFamily="34" charset="0"/>
+      <p:regular r:id="rId33"/>
+      <p:bold r:id="rId34"/>
+      <p:italic r:id="rId35"/>
+      <p:boldItalic r:id="rId36"/>
+    </p:embeddedFont>
+    <p:embeddedFont>
+      <p:font typeface="Calibri Light" panose="020F0302020204030204" pitchFamily="34" charset="0"/>
+      <p:regular r:id="rId37"/>
+      <p:italic r:id="rId38"/>
+    </p:embeddedFont>
+    <p:embeddedFont>
       <p:font typeface="隶书" panose="02010509060101010101" pitchFamily="49" charset="-122"/>
-      <p:regular r:id="rId35"/>
+      <p:regular r:id="rId39"/>
     </p:embeddedFont>
     <p:embeddedFont>
       <p:font typeface="微软雅黑" panose="020B0503020204020204" pitchFamily="34" charset="-122"/>
-      <p:regular r:id="rId36"/>
-    </p:embeddedFont>
-    <p:embeddedFont>
-      <p:font typeface="黑体" panose="02010609060101010101" charset="-122"/>
-      <p:regular r:id="rId37"/>
+      <p:regular r:id="rId40"/>
+      <p:bold r:id="rId41"/>
     </p:embeddedFont>
     <p:embeddedFont>
       <p:font typeface="MS PGothic" panose="020B0600070205080204" pitchFamily="34" charset="-128"/>
-      <p:regular r:id="rId38"/>
-    </p:embeddedFont>
-    <p:embeddedFont>
-      <p:font typeface="Calibri" panose="020F0502020204030204" charset="0"/>
-      <p:regular r:id="rId39"/>
-      <p:bold r:id="rId40"/>
-      <p:italic r:id="rId41"/>
-      <p:boldItalic r:id="rId42"/>
-    </p:embeddedFont>
-    <p:embeddedFont>
-      <p:font typeface="Calibri Light" panose="020F0302020204030204" charset="0"/>
-      <p:regular r:id="rId43"/>
-      <p:italic r:id="rId44"/>
+      <p:regular r:id="rId42"/>
     </p:embeddedFont>
   </p:embeddedFontLst>
   <p:defaultTextStyle>
@@ -163,6 +166,42 @@
       </a:defRPr>
     </a:lvl9pPr>
   </p:defaultTextStyle>
+  <p:extLst>
+    <p:ext uri="{EFAFB233-063F-42B5-8137-9DF3F51BA10A}">
+      <p15:sldGuideLst xmlns:p15="http://schemas.microsoft.com/office/powerpoint/2012/main">
+        <p15:guide id="1" orient="horz" pos="1094">
+          <p15:clr>
+            <a:srgbClr val="A4A3A4"/>
+          </p15:clr>
+        </p15:guide>
+        <p15:guide id="2" pos="307">
+          <p15:clr>
+            <a:srgbClr val="A4A3A4"/>
+          </p15:clr>
+        </p15:guide>
+        <p15:guide id="3" orient="horz" pos="4065">
+          <p15:clr>
+            <a:srgbClr val="A4A3A4"/>
+          </p15:clr>
+        </p15:guide>
+        <p15:guide id="4" pos="7106">
+          <p15:clr>
+            <a:srgbClr val="A4A3A4"/>
+          </p15:clr>
+        </p15:guide>
+        <p15:guide id="5" pos="189">
+          <p15:clr>
+            <a:srgbClr val="A4A3A4"/>
+          </p15:clr>
+        </p15:guide>
+        <p15:guide id="6" pos="3840">
+          <p15:clr>
+            <a:srgbClr val="A4A3A4"/>
+          </p15:clr>
+        </p15:guide>
+      </p15:sldGuideLst>
+    </p:ext>
+  </p:extLst>
 </p:presentation>
 </file>
 
@@ -254,6 +293,7 @@
           <a:p>
             <a:fld id="{C94C0826-6BC5-4534-8F91-2515044AF1B8}" type="datetimeFigureOut">
               <a:rPr lang="zh-CN" altLang="en-US" smtClean="0"/>
+              <a:t>2021/8/11</a:t>
             </a:fld>
             <a:endParaRPr lang="zh-CN" altLang="en-US"/>
           </a:p>
@@ -320,7 +360,6 @@
               <a:rPr lang="zh-CN" altLang="en-US"/>
               <a:t>单击此处编辑母版文本样式</a:t>
             </a:r>
-            <a:endParaRPr lang="zh-CN" altLang="en-US"/>
           </a:p>
           <a:p>
             <a:pPr lvl="1"/>
@@ -328,7 +367,6 @@
               <a:rPr lang="zh-CN" altLang="en-US"/>
               <a:t>第二级</a:t>
             </a:r>
-            <a:endParaRPr lang="zh-CN" altLang="en-US"/>
           </a:p>
           <a:p>
             <a:pPr lvl="2"/>
@@ -336,7 +374,6 @@
               <a:rPr lang="zh-CN" altLang="en-US"/>
               <a:t>第三级</a:t>
             </a:r>
-            <a:endParaRPr lang="zh-CN" altLang="en-US"/>
           </a:p>
           <a:p>
             <a:pPr lvl="3"/>
@@ -344,7 +381,6 @@
               <a:rPr lang="zh-CN" altLang="en-US"/>
               <a:t>第四级</a:t>
             </a:r>
-            <a:endParaRPr lang="zh-CN" altLang="en-US"/>
           </a:p>
           <a:p>
             <a:pPr lvl="4"/>
@@ -352,7 +388,6 @@
               <a:rPr lang="zh-CN" altLang="en-US"/>
               <a:t>第五级</a:t>
             </a:r>
-            <a:endParaRPr lang="zh-CN" altLang="en-US"/>
           </a:p>
         </p:txBody>
       </p:sp>
@@ -416,12 +451,18 @@
           <a:p>
             <a:fld id="{2954993C-2851-4B37-8A50-837DDC8B7B44}" type="slidenum">
               <a:rPr lang="zh-CN" altLang="en-US" smtClean="0"/>
+              <a:t>‹#›</a:t>
             </a:fld>
             <a:endParaRPr lang="zh-CN" altLang="en-US"/>
           </a:p>
         </p:txBody>
       </p:sp>
     </p:spTree>
+    <p:extLst>
+      <p:ext uri="{BB962C8B-B14F-4D97-AF65-F5344CB8AC3E}">
+        <p14:creationId xmlns:p14="http://schemas.microsoft.com/office/powerpoint/2010/main" val="1852064754"/>
+      </p:ext>
+    </p:extLst>
   </p:cSld>
   <p:clrMap bg1="lt1" tx1="dk1" bg2="lt2" tx2="dk2" accent1="accent1" accent2="accent2" accent3="accent3" accent4="accent4" accent5="accent5" accent6="accent6" hlink="hlink" folHlink="folHlink"/>
   <p:notesStyle>
@@ -584,12 +625,18 @@
           <a:p>
             <a:fld id="{2954993C-2851-4B37-8A50-837DDC8B7B44}" type="slidenum">
               <a:rPr lang="zh-CN" altLang="en-US" smtClean="0"/>
+              <a:t>2</a:t>
             </a:fld>
             <a:endParaRPr lang="zh-CN" altLang="en-US"/>
           </a:p>
         </p:txBody>
       </p:sp>
     </p:spTree>
+    <p:extLst>
+      <p:ext uri="{BB962C8B-B14F-4D97-AF65-F5344CB8AC3E}">
+        <p14:creationId xmlns:p14="http://schemas.microsoft.com/office/powerpoint/2010/main" val="195755880"/>
+      </p:ext>
+    </p:extLst>
   </p:cSld>
   <p:clrMapOvr>
     <a:masterClrMapping/>
@@ -764,6 +811,7 @@
                 <a:latin typeface="Arial" panose="020B0604020202020204" pitchFamily="34" charset="0"/>
                 <a:ea typeface="MS PGothic" panose="020B0600070205080204" pitchFamily="34" charset="-128"/>
               </a:rPr>
+              <a:t>18</a:t>
             </a:fld>
             <a:endParaRPr lang="en-US" altLang="zh-CN" sz="1200">
               <a:solidFill>
@@ -834,6 +882,11 @@
         </p:txBody>
       </p:sp>
     </p:spTree>
+    <p:extLst>
+      <p:ext uri="{BB962C8B-B14F-4D97-AF65-F5344CB8AC3E}">
+        <p14:creationId xmlns:p14="http://schemas.microsoft.com/office/powerpoint/2010/main" val="3130692273"/>
+      </p:ext>
+    </p:extLst>
   </p:cSld>
   <p:clrMapOvr>
     <a:masterClrMapping/>
@@ -1008,6 +1061,7 @@
                 <a:latin typeface="Arial" panose="020B0604020202020204" pitchFamily="34" charset="0"/>
                 <a:ea typeface="MS PGothic" panose="020B0600070205080204" pitchFamily="34" charset="-128"/>
               </a:rPr>
+              <a:t>19</a:t>
             </a:fld>
             <a:endParaRPr lang="en-US" altLang="zh-CN" sz="1200">
               <a:solidFill>
@@ -1094,6 +1148,11 @@
         </p:txBody>
       </p:sp>
     </p:spTree>
+    <p:extLst>
+      <p:ext uri="{BB962C8B-B14F-4D97-AF65-F5344CB8AC3E}">
+        <p14:creationId xmlns:p14="http://schemas.microsoft.com/office/powerpoint/2010/main" val="4239336490"/>
+      </p:ext>
+    </p:extLst>
   </p:cSld>
   <p:clrMapOvr>
     <a:masterClrMapping/>
@@ -1268,6 +1327,7 @@
                 <a:latin typeface="Arial" panose="020B0604020202020204" pitchFamily="34" charset="0"/>
                 <a:ea typeface="MS PGothic" panose="020B0600070205080204" pitchFamily="34" charset="-128"/>
               </a:rPr>
+              <a:t>20</a:t>
             </a:fld>
             <a:endParaRPr lang="en-US" altLang="zh-CN" sz="1200">
               <a:solidFill>
@@ -1341,7 +1401,6 @@
               <a:rPr lang="en-US" altLang="zh-CN" dirty="0" smtClean="0"/>
               <a:t>Continuous Integration</a:t>
             </a:r>
-            <a:endParaRPr lang="en-US" altLang="zh-CN" dirty="0" smtClean="0"/>
           </a:p>
           <a:p>
             <a:pPr eaLnBrk="1" hangingPunct="1"/>
@@ -1410,6 +1469,11 @@
         </p:txBody>
       </p:sp>
     </p:spTree>
+    <p:extLst>
+      <p:ext uri="{BB962C8B-B14F-4D97-AF65-F5344CB8AC3E}">
+        <p14:creationId xmlns:p14="http://schemas.microsoft.com/office/powerpoint/2010/main" val="1058672495"/>
+      </p:ext>
+    </p:extLst>
   </p:cSld>
   <p:clrMapOvr>
     <a:masterClrMapping/>
@@ -1584,6 +1648,7 @@
                 <a:latin typeface="Arial" panose="020B0604020202020204" pitchFamily="34" charset="0"/>
                 <a:ea typeface="MS PGothic" panose="020B0600070205080204" pitchFamily="34" charset="-128"/>
               </a:rPr>
+              <a:t>21</a:t>
             </a:fld>
             <a:endParaRPr lang="en-US" altLang="zh-CN" sz="1200">
               <a:solidFill>
@@ -1658,6 +1723,11 @@
         </p:txBody>
       </p:sp>
     </p:spTree>
+    <p:extLst>
+      <p:ext uri="{BB962C8B-B14F-4D97-AF65-F5344CB8AC3E}">
+        <p14:creationId xmlns:p14="http://schemas.microsoft.com/office/powerpoint/2010/main" val="68288431"/>
+      </p:ext>
+    </p:extLst>
   </p:cSld>
   <p:clrMapOvr>
     <a:masterClrMapping/>
@@ -1832,6 +1902,7 @@
                 <a:latin typeface="Arial" panose="020B0604020202020204" pitchFamily="34" charset="0"/>
                 <a:ea typeface="MS PGothic" panose="020B0600070205080204" pitchFamily="34" charset="-128"/>
               </a:rPr>
+              <a:t>22</a:t>
             </a:fld>
             <a:endParaRPr lang="en-US" altLang="zh-CN" sz="1200">
               <a:solidFill>
@@ -1906,6 +1977,11 @@
         </p:txBody>
       </p:sp>
     </p:spTree>
+    <p:extLst>
+      <p:ext uri="{BB962C8B-B14F-4D97-AF65-F5344CB8AC3E}">
+        <p14:creationId xmlns:p14="http://schemas.microsoft.com/office/powerpoint/2010/main" val="2493818522"/>
+      </p:ext>
+    </p:extLst>
   </p:cSld>
   <p:clrMapOvr>
     <a:masterClrMapping/>
@@ -1932,82 +2008,234 @@
       </p:grpSpPr>
       <p:sp>
         <p:nvSpPr>
-          <p:cNvPr id="2" name="幻灯片图像占位符 1"/>
+          <p:cNvPr id="147458" name="Rectangle 7"/>
           <p:cNvSpPr>
-            <a:spLocks noGrp="1" noRot="1" noChangeAspect="1"/>
+            <a:spLocks noGrp="1" noChangeArrowheads="1"/>
+          </p:cNvSpPr>
+          <p:nvPr>
+            <p:ph type="sldNum" sz="quarter" idx="5"/>
+          </p:nvPr>
+        </p:nvSpPr>
+        <p:spPr>
+          <a:noFill/>
+          <a:extLst>
+            <a:ext uri="{909E8E84-426E-40DD-AFC4-6F175D3DCCD1}">
+              <a14:hiddenFill xmlns:a14="http://schemas.microsoft.com/office/drawing/2010/main">
+                <a:solidFill>
+                  <a:srgbClr val="FFFFFF"/>
+                </a:solidFill>
+              </a14:hiddenFill>
+            </a:ext>
+            <a:ext uri="{91240B29-F687-4F45-9708-019B960494DF}">
+              <a14:hiddenLine xmlns:a14="http://schemas.microsoft.com/office/drawing/2010/main" w="9525">
+                <a:solidFill>
+                  <a:srgbClr val="000000"/>
+                </a:solidFill>
+                <a:miter lim="800000"/>
+                <a:headEnd/>
+                <a:tailEnd/>
+              </a14:hiddenLine>
+            </a:ext>
+          </a:extLst>
+        </p:spPr>
+        <p:txBody>
+          <a:bodyPr/>
+          <a:lstStyle>
+            <a:lvl1pPr eaLnBrk="0" hangingPunct="0">
+              <a:defRPr sz="3200">
+                <a:solidFill>
+                  <a:srgbClr val="990000"/>
+                </a:solidFill>
+                <a:latin typeface="FrutigerNext LT Medium" pitchFamily="34" charset="0"/>
+                <a:ea typeface="黑体" panose="02010609060101010101" charset="-122"/>
+              </a:defRPr>
+            </a:lvl1pPr>
+            <a:lvl2pPr marL="742950" indent="-285750" eaLnBrk="0" hangingPunct="0">
+              <a:defRPr sz="3200">
+                <a:solidFill>
+                  <a:srgbClr val="990000"/>
+                </a:solidFill>
+                <a:latin typeface="FrutigerNext LT Medium" pitchFamily="34" charset="0"/>
+                <a:ea typeface="黑体" panose="02010609060101010101" charset="-122"/>
+              </a:defRPr>
+            </a:lvl2pPr>
+            <a:lvl3pPr marL="1143000" indent="-228600" eaLnBrk="0" hangingPunct="0">
+              <a:defRPr sz="3200">
+                <a:solidFill>
+                  <a:srgbClr val="990000"/>
+                </a:solidFill>
+                <a:latin typeface="FrutigerNext LT Medium" pitchFamily="34" charset="0"/>
+                <a:ea typeface="黑体" panose="02010609060101010101" charset="-122"/>
+              </a:defRPr>
+            </a:lvl3pPr>
+            <a:lvl4pPr marL="1600200" indent="-228600" eaLnBrk="0" hangingPunct="0">
+              <a:defRPr sz="3200">
+                <a:solidFill>
+                  <a:srgbClr val="990000"/>
+                </a:solidFill>
+                <a:latin typeface="FrutigerNext LT Medium" pitchFamily="34" charset="0"/>
+                <a:ea typeface="黑体" panose="02010609060101010101" charset="-122"/>
+              </a:defRPr>
+            </a:lvl4pPr>
+            <a:lvl5pPr marL="2057400" indent="-228600" eaLnBrk="0" hangingPunct="0">
+              <a:defRPr sz="3200">
+                <a:solidFill>
+                  <a:srgbClr val="990000"/>
+                </a:solidFill>
+                <a:latin typeface="FrutigerNext LT Medium" pitchFamily="34" charset="0"/>
+                <a:ea typeface="黑体" panose="02010609060101010101" charset="-122"/>
+              </a:defRPr>
+            </a:lvl5pPr>
+            <a:lvl6pPr marL="2514600" indent="-228600" algn="ctr" eaLnBrk="0" fontAlgn="base" hangingPunct="0">
+              <a:spcBef>
+                <a:spcPct val="0"/>
+              </a:spcBef>
+              <a:spcAft>
+                <a:spcPct val="0"/>
+              </a:spcAft>
+              <a:defRPr sz="3200">
+                <a:solidFill>
+                  <a:srgbClr val="990000"/>
+                </a:solidFill>
+                <a:latin typeface="FrutigerNext LT Medium" pitchFamily="34" charset="0"/>
+                <a:ea typeface="黑体" panose="02010609060101010101" charset="-122"/>
+              </a:defRPr>
+            </a:lvl6pPr>
+            <a:lvl7pPr marL="2971800" indent="-228600" algn="ctr" eaLnBrk="0" fontAlgn="base" hangingPunct="0">
+              <a:spcBef>
+                <a:spcPct val="0"/>
+              </a:spcBef>
+              <a:spcAft>
+                <a:spcPct val="0"/>
+              </a:spcAft>
+              <a:defRPr sz="3200">
+                <a:solidFill>
+                  <a:srgbClr val="990000"/>
+                </a:solidFill>
+                <a:latin typeface="FrutigerNext LT Medium" pitchFamily="34" charset="0"/>
+                <a:ea typeface="黑体" panose="02010609060101010101" charset="-122"/>
+              </a:defRPr>
+            </a:lvl7pPr>
+            <a:lvl8pPr marL="3429000" indent="-228600" algn="ctr" eaLnBrk="0" fontAlgn="base" hangingPunct="0">
+              <a:spcBef>
+                <a:spcPct val="0"/>
+              </a:spcBef>
+              <a:spcAft>
+                <a:spcPct val="0"/>
+              </a:spcAft>
+              <a:defRPr sz="3200">
+                <a:solidFill>
+                  <a:srgbClr val="990000"/>
+                </a:solidFill>
+                <a:latin typeface="FrutigerNext LT Medium" pitchFamily="34" charset="0"/>
+                <a:ea typeface="黑体" panose="02010609060101010101" charset="-122"/>
+              </a:defRPr>
+            </a:lvl8pPr>
+            <a:lvl9pPr marL="3886200" indent="-228600" algn="ctr" eaLnBrk="0" fontAlgn="base" hangingPunct="0">
+              <a:spcBef>
+                <a:spcPct val="0"/>
+              </a:spcBef>
+              <a:spcAft>
+                <a:spcPct val="0"/>
+              </a:spcAft>
+              <a:defRPr sz="3200">
+                <a:solidFill>
+                  <a:srgbClr val="990000"/>
+                </a:solidFill>
+                <a:latin typeface="FrutigerNext LT Medium" pitchFamily="34" charset="0"/>
+                <a:ea typeface="黑体" panose="02010609060101010101" charset="-122"/>
+              </a:defRPr>
+            </a:lvl9pPr>
+          </a:lstStyle>
+          <a:p>
+            <a:fld id="{45EC5C47-3B49-4E76-8820-672EF255674A}" type="slidenum">
+              <a:rPr lang="zh-CN" altLang="en-US" sz="1200">
+                <a:solidFill>
+                  <a:schemeClr val="tx1"/>
+                </a:solidFill>
+                <a:latin typeface="Arial" panose="020B0604020202020204" pitchFamily="34" charset="0"/>
+                <a:ea typeface="MS PGothic" panose="020B0600070205080204" pitchFamily="34" charset="-128"/>
+              </a:rPr>
+              <a:t>23</a:t>
+            </a:fld>
+            <a:endParaRPr lang="en-US" altLang="zh-CN" sz="1200">
+              <a:solidFill>
+                <a:schemeClr val="tx1"/>
+              </a:solidFill>
+              <a:latin typeface="Arial" panose="020B0604020202020204" pitchFamily="34" charset="0"/>
+              <a:ea typeface="MS PGothic" panose="020B0600070205080204" pitchFamily="34" charset="-128"/>
+            </a:endParaRPr>
+          </a:p>
+        </p:txBody>
+      </p:sp>
+      <p:sp>
+        <p:nvSpPr>
+          <p:cNvPr id="147459" name="Rectangle 2"/>
+          <p:cNvSpPr>
+            <a:spLocks noGrp="1" noRot="1" noChangeAspect="1" noChangeArrowheads="1" noTextEdit="1"/>
           </p:cNvSpPr>
           <p:nvPr>
             <p:ph type="sldImg"/>
           </p:nvPr>
         </p:nvSpPr>
-        <p:spPr/>
+        <p:spPr>
+          <a:xfrm>
+            <a:off x="90488" y="744538"/>
+            <a:ext cx="6616700" cy="3722687"/>
+          </a:xfrm>
+        </p:spPr>
       </p:sp>
       <p:sp>
         <p:nvSpPr>
-          <p:cNvPr id="3" name="备注占位符 2"/>
+          <p:cNvPr id="147460" name="Rectangle 3"/>
           <p:cNvSpPr>
-            <a:spLocks noGrp="1"/>
+            <a:spLocks noGrp="1" noChangeArrowheads="1"/>
           </p:cNvSpPr>
           <p:nvPr>
             <p:ph type="body" idx="1"/>
           </p:nvPr>
         </p:nvSpPr>
-        <p:spPr/>
+        <p:spPr>
+          <a:xfrm>
+            <a:off x="679450" y="4714875"/>
+            <a:ext cx="5438775" cy="4467225"/>
+          </a:xfrm>
+          <a:noFill/>
+          <a:extLst>
+            <a:ext uri="{909E8E84-426E-40DD-AFC4-6F175D3DCCD1}">
+              <a14:hiddenFill xmlns:a14="http://schemas.microsoft.com/office/drawing/2010/main">
+                <a:solidFill>
+                  <a:srgbClr val="FFFFFF"/>
+                </a:solidFill>
+              </a14:hiddenFill>
+            </a:ext>
+            <a:ext uri="{91240B29-F687-4F45-9708-019B960494DF}">
+              <a14:hiddenLine xmlns:a14="http://schemas.microsoft.com/office/drawing/2010/main" w="9525">
+                <a:solidFill>
+                  <a:srgbClr val="000000"/>
+                </a:solidFill>
+                <a:miter lim="800000"/>
+                <a:headEnd/>
+                <a:tailEnd/>
+              </a14:hiddenLine>
+            </a:ext>
+          </a:extLst>
+        </p:spPr>
         <p:txBody>
           <a:bodyPr/>
           <a:lstStyle/>
           <a:p>
-            <a:r>
-              <a:rPr lang="en-US" altLang="zh-CN" sz="1200" b="0" i="0" kern="1200" dirty="0" smtClean="0">
-                <a:solidFill>
-                  <a:schemeClr val="tx1"/>
-                </a:solidFill>
-                <a:effectLst/>
-                <a:latin typeface="+mn-lt"/>
-                <a:ea typeface="+mn-ea"/>
-                <a:cs typeface="+mn-cs"/>
-              </a:rPr>
-              <a:t>release</a:t>
-            </a:r>
-            <a:r>
-              <a:rPr lang="zh-CN" altLang="en-US" sz="1200" b="0" i="0" kern="1200" dirty="0" smtClean="0">
-                <a:solidFill>
-                  <a:schemeClr val="tx1"/>
-                </a:solidFill>
-                <a:effectLst/>
-                <a:latin typeface="+mn-lt"/>
-                <a:ea typeface="+mn-ea"/>
-                <a:cs typeface="+mn-cs"/>
-              </a:rPr>
-              <a:t>释放</a:t>
-            </a:r>
-            <a:endParaRPr lang="zh-CN" altLang="en-US" dirty="0"/>
-          </a:p>
-        </p:txBody>
-      </p:sp>
-      <p:sp>
-        <p:nvSpPr>
-          <p:cNvPr id="4" name="灯片编号占位符 3"/>
-          <p:cNvSpPr>
-            <a:spLocks noGrp="1"/>
-          </p:cNvSpPr>
-          <p:nvPr>
-            <p:ph type="sldNum" sz="quarter" idx="10"/>
-          </p:nvPr>
-        </p:nvSpPr>
-        <p:spPr/>
-        <p:txBody>
-          <a:bodyPr/>
-          <a:lstStyle/>
-          <a:p>
-            <a:fld id="{2954993C-2851-4B37-8A50-837DDC8B7B44}" type="slidenum">
-              <a:rPr lang="zh-CN" altLang="en-US" smtClean="0"/>
-            </a:fld>
+            <a:pPr eaLnBrk="1" hangingPunct="1"/>
             <a:endParaRPr lang="zh-CN" altLang="en-US"/>
           </a:p>
         </p:txBody>
       </p:sp>
     </p:spTree>
+    <p:extLst>
+      <p:ext uri="{BB962C8B-B14F-4D97-AF65-F5344CB8AC3E}">
+        <p14:creationId xmlns:p14="http://schemas.microsoft.com/office/powerpoint/2010/main" val="474170526"/>
+      </p:ext>
+    </p:extLst>
   </p:cSld>
   <p:clrMapOvr>
     <a:masterClrMapping/>
@@ -2034,58 +2262,234 @@
       </p:grpSpPr>
       <p:sp>
         <p:nvSpPr>
-          <p:cNvPr id="2" name="幻灯片图像占位符 1"/>
+          <p:cNvPr id="147458" name="Rectangle 7"/>
           <p:cNvSpPr>
-            <a:spLocks noGrp="1" noRot="1" noChangeAspect="1"/>
+            <a:spLocks noGrp="1" noChangeArrowheads="1"/>
+          </p:cNvSpPr>
+          <p:nvPr>
+            <p:ph type="sldNum" sz="quarter" idx="5"/>
+          </p:nvPr>
+        </p:nvSpPr>
+        <p:spPr>
+          <a:noFill/>
+          <a:extLst>
+            <a:ext uri="{909E8E84-426E-40DD-AFC4-6F175D3DCCD1}">
+              <a14:hiddenFill xmlns:a14="http://schemas.microsoft.com/office/drawing/2010/main">
+                <a:solidFill>
+                  <a:srgbClr val="FFFFFF"/>
+                </a:solidFill>
+              </a14:hiddenFill>
+            </a:ext>
+            <a:ext uri="{91240B29-F687-4F45-9708-019B960494DF}">
+              <a14:hiddenLine xmlns:a14="http://schemas.microsoft.com/office/drawing/2010/main" w="9525">
+                <a:solidFill>
+                  <a:srgbClr val="000000"/>
+                </a:solidFill>
+                <a:miter lim="800000"/>
+                <a:headEnd/>
+                <a:tailEnd/>
+              </a14:hiddenLine>
+            </a:ext>
+          </a:extLst>
+        </p:spPr>
+        <p:txBody>
+          <a:bodyPr/>
+          <a:lstStyle>
+            <a:lvl1pPr eaLnBrk="0" hangingPunct="0">
+              <a:defRPr sz="3200">
+                <a:solidFill>
+                  <a:srgbClr val="990000"/>
+                </a:solidFill>
+                <a:latin typeface="FrutigerNext LT Medium" pitchFamily="34" charset="0"/>
+                <a:ea typeface="黑体" panose="02010609060101010101" charset="-122"/>
+              </a:defRPr>
+            </a:lvl1pPr>
+            <a:lvl2pPr marL="742950" indent="-285750" eaLnBrk="0" hangingPunct="0">
+              <a:defRPr sz="3200">
+                <a:solidFill>
+                  <a:srgbClr val="990000"/>
+                </a:solidFill>
+                <a:latin typeface="FrutigerNext LT Medium" pitchFamily="34" charset="0"/>
+                <a:ea typeface="黑体" panose="02010609060101010101" charset="-122"/>
+              </a:defRPr>
+            </a:lvl2pPr>
+            <a:lvl3pPr marL="1143000" indent="-228600" eaLnBrk="0" hangingPunct="0">
+              <a:defRPr sz="3200">
+                <a:solidFill>
+                  <a:srgbClr val="990000"/>
+                </a:solidFill>
+                <a:latin typeface="FrutigerNext LT Medium" pitchFamily="34" charset="0"/>
+                <a:ea typeface="黑体" panose="02010609060101010101" charset="-122"/>
+              </a:defRPr>
+            </a:lvl3pPr>
+            <a:lvl4pPr marL="1600200" indent="-228600" eaLnBrk="0" hangingPunct="0">
+              <a:defRPr sz="3200">
+                <a:solidFill>
+                  <a:srgbClr val="990000"/>
+                </a:solidFill>
+                <a:latin typeface="FrutigerNext LT Medium" pitchFamily="34" charset="0"/>
+                <a:ea typeface="黑体" panose="02010609060101010101" charset="-122"/>
+              </a:defRPr>
+            </a:lvl4pPr>
+            <a:lvl5pPr marL="2057400" indent="-228600" eaLnBrk="0" hangingPunct="0">
+              <a:defRPr sz="3200">
+                <a:solidFill>
+                  <a:srgbClr val="990000"/>
+                </a:solidFill>
+                <a:latin typeface="FrutigerNext LT Medium" pitchFamily="34" charset="0"/>
+                <a:ea typeface="黑体" panose="02010609060101010101" charset="-122"/>
+              </a:defRPr>
+            </a:lvl5pPr>
+            <a:lvl6pPr marL="2514600" indent="-228600" algn="ctr" eaLnBrk="0" fontAlgn="base" hangingPunct="0">
+              <a:spcBef>
+                <a:spcPct val="0"/>
+              </a:spcBef>
+              <a:spcAft>
+                <a:spcPct val="0"/>
+              </a:spcAft>
+              <a:defRPr sz="3200">
+                <a:solidFill>
+                  <a:srgbClr val="990000"/>
+                </a:solidFill>
+                <a:latin typeface="FrutigerNext LT Medium" pitchFamily="34" charset="0"/>
+                <a:ea typeface="黑体" panose="02010609060101010101" charset="-122"/>
+              </a:defRPr>
+            </a:lvl6pPr>
+            <a:lvl7pPr marL="2971800" indent="-228600" algn="ctr" eaLnBrk="0" fontAlgn="base" hangingPunct="0">
+              <a:spcBef>
+                <a:spcPct val="0"/>
+              </a:spcBef>
+              <a:spcAft>
+                <a:spcPct val="0"/>
+              </a:spcAft>
+              <a:defRPr sz="3200">
+                <a:solidFill>
+                  <a:srgbClr val="990000"/>
+                </a:solidFill>
+                <a:latin typeface="FrutigerNext LT Medium" pitchFamily="34" charset="0"/>
+                <a:ea typeface="黑体" panose="02010609060101010101" charset="-122"/>
+              </a:defRPr>
+            </a:lvl7pPr>
+            <a:lvl8pPr marL="3429000" indent="-228600" algn="ctr" eaLnBrk="0" fontAlgn="base" hangingPunct="0">
+              <a:spcBef>
+                <a:spcPct val="0"/>
+              </a:spcBef>
+              <a:spcAft>
+                <a:spcPct val="0"/>
+              </a:spcAft>
+              <a:defRPr sz="3200">
+                <a:solidFill>
+                  <a:srgbClr val="990000"/>
+                </a:solidFill>
+                <a:latin typeface="FrutigerNext LT Medium" pitchFamily="34" charset="0"/>
+                <a:ea typeface="黑体" panose="02010609060101010101" charset="-122"/>
+              </a:defRPr>
+            </a:lvl8pPr>
+            <a:lvl9pPr marL="3886200" indent="-228600" algn="ctr" eaLnBrk="0" fontAlgn="base" hangingPunct="0">
+              <a:spcBef>
+                <a:spcPct val="0"/>
+              </a:spcBef>
+              <a:spcAft>
+                <a:spcPct val="0"/>
+              </a:spcAft>
+              <a:defRPr sz="3200">
+                <a:solidFill>
+                  <a:srgbClr val="990000"/>
+                </a:solidFill>
+                <a:latin typeface="FrutigerNext LT Medium" pitchFamily="34" charset="0"/>
+                <a:ea typeface="黑体" panose="02010609060101010101" charset="-122"/>
+              </a:defRPr>
+            </a:lvl9pPr>
+          </a:lstStyle>
+          <a:p>
+            <a:fld id="{45EC5C47-3B49-4E76-8820-672EF255674A}" type="slidenum">
+              <a:rPr lang="zh-CN" altLang="en-US" sz="1200">
+                <a:solidFill>
+                  <a:schemeClr val="tx1"/>
+                </a:solidFill>
+                <a:latin typeface="Arial" panose="020B0604020202020204" pitchFamily="34" charset="0"/>
+                <a:ea typeface="MS PGothic" panose="020B0600070205080204" pitchFamily="34" charset="-128"/>
+              </a:rPr>
+              <a:t>24</a:t>
+            </a:fld>
+            <a:endParaRPr lang="en-US" altLang="zh-CN" sz="1200">
+              <a:solidFill>
+                <a:schemeClr val="tx1"/>
+              </a:solidFill>
+              <a:latin typeface="Arial" panose="020B0604020202020204" pitchFamily="34" charset="0"/>
+              <a:ea typeface="MS PGothic" panose="020B0600070205080204" pitchFamily="34" charset="-128"/>
+            </a:endParaRPr>
+          </a:p>
+        </p:txBody>
+      </p:sp>
+      <p:sp>
+        <p:nvSpPr>
+          <p:cNvPr id="147459" name="Rectangle 2"/>
+          <p:cNvSpPr>
+            <a:spLocks noGrp="1" noRot="1" noChangeAspect="1" noChangeArrowheads="1" noTextEdit="1"/>
           </p:cNvSpPr>
           <p:nvPr>
             <p:ph type="sldImg"/>
           </p:nvPr>
         </p:nvSpPr>
-        <p:spPr/>
+        <p:spPr>
+          <a:xfrm>
+            <a:off x="90488" y="744538"/>
+            <a:ext cx="6616700" cy="3722687"/>
+          </a:xfrm>
+        </p:spPr>
       </p:sp>
       <p:sp>
         <p:nvSpPr>
-          <p:cNvPr id="3" name="备注占位符 2"/>
+          <p:cNvPr id="147460" name="Rectangle 3"/>
           <p:cNvSpPr>
-            <a:spLocks noGrp="1"/>
+            <a:spLocks noGrp="1" noChangeArrowheads="1"/>
           </p:cNvSpPr>
           <p:nvPr>
             <p:ph type="body" idx="1"/>
           </p:nvPr>
         </p:nvSpPr>
-        <p:spPr/>
+        <p:spPr>
+          <a:xfrm>
+            <a:off x="679450" y="4714875"/>
+            <a:ext cx="5438775" cy="4467225"/>
+          </a:xfrm>
+          <a:noFill/>
+          <a:extLst>
+            <a:ext uri="{909E8E84-426E-40DD-AFC4-6F175D3DCCD1}">
+              <a14:hiddenFill xmlns:a14="http://schemas.microsoft.com/office/drawing/2010/main">
+                <a:solidFill>
+                  <a:srgbClr val="FFFFFF"/>
+                </a:solidFill>
+              </a14:hiddenFill>
+            </a:ext>
+            <a:ext uri="{91240B29-F687-4F45-9708-019B960494DF}">
+              <a14:hiddenLine xmlns:a14="http://schemas.microsoft.com/office/drawing/2010/main" w="9525">
+                <a:solidFill>
+                  <a:srgbClr val="000000"/>
+                </a:solidFill>
+                <a:miter lim="800000"/>
+                <a:headEnd/>
+                <a:tailEnd/>
+              </a14:hiddenLine>
+            </a:ext>
+          </a:extLst>
+        </p:spPr>
         <p:txBody>
           <a:bodyPr/>
           <a:lstStyle/>
           <a:p>
-            <a:endParaRPr lang="zh-CN" altLang="en-US" dirty="0"/>
-          </a:p>
-        </p:txBody>
-      </p:sp>
-      <p:sp>
-        <p:nvSpPr>
-          <p:cNvPr id="4" name="灯片编号占位符 3"/>
-          <p:cNvSpPr>
-            <a:spLocks noGrp="1"/>
-          </p:cNvSpPr>
-          <p:nvPr>
-            <p:ph type="sldNum" sz="quarter" idx="10"/>
-          </p:nvPr>
-        </p:nvSpPr>
-        <p:spPr/>
-        <p:txBody>
-          <a:bodyPr/>
-          <a:lstStyle/>
-          <a:p>
-            <a:fld id="{2954993C-2851-4B37-8A50-837DDC8B7B44}" type="slidenum">
-              <a:rPr lang="zh-CN" altLang="en-US" smtClean="0"/>
-            </a:fld>
+            <a:pPr eaLnBrk="1" hangingPunct="1"/>
             <a:endParaRPr lang="zh-CN" altLang="en-US"/>
           </a:p>
         </p:txBody>
       </p:sp>
     </p:spTree>
+    <p:extLst>
+      <p:ext uri="{BB962C8B-B14F-4D97-AF65-F5344CB8AC3E}">
+        <p14:creationId xmlns:p14="http://schemas.microsoft.com/office/powerpoint/2010/main" val="491895632"/>
+      </p:ext>
+    </p:extLst>
   </p:cSld>
   <p:clrMapOvr>
     <a:masterClrMapping/>
@@ -2138,24 +2542,30 @@
           <a:lstStyle/>
           <a:p>
             <a:r>
-              <a:rPr lang="zh-CN" altLang="en-US" dirty="0" smtClean="0"/>
-              <a:t>问用户想要什么不靠谱，而让用户作为团队的一员则效果会好很多。采用用户故事研讨会、绘制故事地图是两种比较有效的方法。</a:t>
-            </a:r>
-            <a:endParaRPr lang="zh-CN" altLang="en-US" dirty="0" smtClean="0"/>
-          </a:p>
-          <a:p>
-            <a:r>
-              <a:rPr lang="zh-CN" altLang="en-US" dirty="0" smtClean="0"/>
-              <a:t>用户故事研讨会：可以集中进行头脑风暴，讨论预期的业务价值，并为目标产品和服务创建用户故事占位符。</a:t>
-            </a:r>
-            <a:endParaRPr lang="zh-CN" altLang="en-US" dirty="0" smtClean="0"/>
-          </a:p>
-          <a:p>
-            <a:r>
-              <a:rPr lang="zh-CN" altLang="en-US" dirty="0" smtClean="0"/>
-              <a:t>绘制故事地图：将概要性用户活动分解为工作流，工作流还可以继续分解为一套明确的任务。如下图所示，横轴为工作流（使用顺序）纵轴为优先顺序。它结合了用户为中心和故事分解这两大概念。</a:t>
-            </a:r>
-            <a:endParaRPr lang="zh-CN" altLang="en-US" dirty="0" smtClean="0"/>
+              <a:rPr lang="en-US" altLang="zh-CN" sz="1200" b="0" i="0" kern="1200" dirty="0" smtClean="0">
+                <a:solidFill>
+                  <a:schemeClr val="tx1"/>
+                </a:solidFill>
+                <a:effectLst/>
+                <a:latin typeface="+mn-lt"/>
+                <a:ea typeface="+mn-ea"/>
+                <a:cs typeface="+mn-cs"/>
+              </a:rPr>
+              <a:t>release</a:t>
+            </a:r>
+            <a:r>
+              <a:rPr lang="zh-CN" altLang="en-US" sz="1200" b="0" i="0" kern="1200" dirty="0" smtClean="0">
+                <a:solidFill>
+                  <a:schemeClr val="tx1"/>
+                </a:solidFill>
+                <a:effectLst/>
+                <a:latin typeface="+mn-lt"/>
+                <a:ea typeface="+mn-ea"/>
+                <a:cs typeface="+mn-cs"/>
+              </a:rPr>
+              <a:t>释放</a:t>
+            </a:r>
+            <a:endParaRPr lang="zh-CN" altLang="en-US" dirty="0"/>
           </a:p>
         </p:txBody>
       </p:sp>
@@ -2176,12 +2586,201 @@
           <a:p>
             <a:fld id="{2954993C-2851-4B37-8A50-837DDC8B7B44}" type="slidenum">
               <a:rPr lang="zh-CN" altLang="en-US" smtClean="0"/>
+              <a:t>25</a:t>
             </a:fld>
             <a:endParaRPr lang="zh-CN" altLang="en-US"/>
           </a:p>
         </p:txBody>
       </p:sp>
     </p:spTree>
+    <p:extLst>
+      <p:ext uri="{BB962C8B-B14F-4D97-AF65-F5344CB8AC3E}">
+        <p14:creationId xmlns:p14="http://schemas.microsoft.com/office/powerpoint/2010/main" val="4005545033"/>
+      </p:ext>
+    </p:extLst>
+  </p:cSld>
+  <p:clrMapOvr>
+    <a:masterClrMapping/>
+  </p:clrMapOvr>
+</p:notes>
+</file>
+
+<file path=ppt/notesSlides/notesSlide18.xml><?xml version="1.0" encoding="utf-8"?>
+<p:notes xmlns:a="http://schemas.openxmlformats.org/drawingml/2006/main" xmlns:r="http://schemas.openxmlformats.org/officeDocument/2006/relationships" xmlns:p="http://schemas.openxmlformats.org/presentationml/2006/main">
+  <p:cSld>
+    <p:spTree>
+      <p:nvGrpSpPr>
+        <p:cNvPr id="1" name=""/>
+        <p:cNvGrpSpPr/>
+        <p:nvPr/>
+      </p:nvGrpSpPr>
+      <p:grpSpPr>
+        <a:xfrm>
+          <a:off x="0" y="0"/>
+          <a:ext cx="0" cy="0"/>
+          <a:chOff x="0" y="0"/>
+          <a:chExt cx="0" cy="0"/>
+        </a:xfrm>
+      </p:grpSpPr>
+      <p:sp>
+        <p:nvSpPr>
+          <p:cNvPr id="2" name="幻灯片图像占位符 1"/>
+          <p:cNvSpPr>
+            <a:spLocks noGrp="1" noRot="1" noChangeAspect="1"/>
+          </p:cNvSpPr>
+          <p:nvPr>
+            <p:ph type="sldImg"/>
+          </p:nvPr>
+        </p:nvSpPr>
+        <p:spPr/>
+      </p:sp>
+      <p:sp>
+        <p:nvSpPr>
+          <p:cNvPr id="3" name="备注占位符 2"/>
+          <p:cNvSpPr>
+            <a:spLocks noGrp="1"/>
+          </p:cNvSpPr>
+          <p:nvPr>
+            <p:ph type="body" idx="1"/>
+          </p:nvPr>
+        </p:nvSpPr>
+        <p:spPr/>
+        <p:txBody>
+          <a:bodyPr/>
+          <a:lstStyle/>
+          <a:p>
+            <a:endParaRPr lang="zh-CN" altLang="en-US" dirty="0"/>
+          </a:p>
+        </p:txBody>
+      </p:sp>
+      <p:sp>
+        <p:nvSpPr>
+          <p:cNvPr id="4" name="灯片编号占位符 3"/>
+          <p:cNvSpPr>
+            <a:spLocks noGrp="1"/>
+          </p:cNvSpPr>
+          <p:nvPr>
+            <p:ph type="sldNum" sz="quarter" idx="10"/>
+          </p:nvPr>
+        </p:nvSpPr>
+        <p:spPr/>
+        <p:txBody>
+          <a:bodyPr/>
+          <a:lstStyle/>
+          <a:p>
+            <a:fld id="{2954993C-2851-4B37-8A50-837DDC8B7B44}" type="slidenum">
+              <a:rPr lang="zh-CN" altLang="en-US" smtClean="0"/>
+              <a:t>26</a:t>
+            </a:fld>
+            <a:endParaRPr lang="zh-CN" altLang="en-US"/>
+          </a:p>
+        </p:txBody>
+      </p:sp>
+    </p:spTree>
+    <p:extLst>
+      <p:ext uri="{BB962C8B-B14F-4D97-AF65-F5344CB8AC3E}">
+        <p14:creationId xmlns:p14="http://schemas.microsoft.com/office/powerpoint/2010/main" val="2982222883"/>
+      </p:ext>
+    </p:extLst>
+  </p:cSld>
+  <p:clrMapOvr>
+    <a:masterClrMapping/>
+  </p:clrMapOvr>
+</p:notes>
+</file>
+
+<file path=ppt/notesSlides/notesSlide19.xml><?xml version="1.0" encoding="utf-8"?>
+<p:notes xmlns:a="http://schemas.openxmlformats.org/drawingml/2006/main" xmlns:r="http://schemas.openxmlformats.org/officeDocument/2006/relationships" xmlns:p="http://schemas.openxmlformats.org/presentationml/2006/main">
+  <p:cSld>
+    <p:spTree>
+      <p:nvGrpSpPr>
+        <p:cNvPr id="1" name=""/>
+        <p:cNvGrpSpPr/>
+        <p:nvPr/>
+      </p:nvGrpSpPr>
+      <p:grpSpPr>
+        <a:xfrm>
+          <a:off x="0" y="0"/>
+          <a:ext cx="0" cy="0"/>
+          <a:chOff x="0" y="0"/>
+          <a:chExt cx="0" cy="0"/>
+        </a:xfrm>
+      </p:grpSpPr>
+      <p:sp>
+        <p:nvSpPr>
+          <p:cNvPr id="2" name="幻灯片图像占位符 1"/>
+          <p:cNvSpPr>
+            <a:spLocks noGrp="1" noRot="1" noChangeAspect="1"/>
+          </p:cNvSpPr>
+          <p:nvPr>
+            <p:ph type="sldImg"/>
+          </p:nvPr>
+        </p:nvSpPr>
+        <p:spPr/>
+      </p:sp>
+      <p:sp>
+        <p:nvSpPr>
+          <p:cNvPr id="3" name="备注占位符 2"/>
+          <p:cNvSpPr>
+            <a:spLocks noGrp="1"/>
+          </p:cNvSpPr>
+          <p:nvPr>
+            <p:ph type="body" idx="1"/>
+          </p:nvPr>
+        </p:nvSpPr>
+        <p:spPr/>
+        <p:txBody>
+          <a:bodyPr/>
+          <a:lstStyle/>
+          <a:p>
+            <a:r>
+              <a:rPr lang="zh-CN" altLang="en-US" dirty="0" smtClean="0"/>
+              <a:t>问用户想要什么不靠谱，而让用户作为团队的一员则效果会好很多。采用用户故事研讨会、绘制故事地图是两种比较有效的方法。</a:t>
+            </a:r>
+          </a:p>
+          <a:p>
+            <a:r>
+              <a:rPr lang="zh-CN" altLang="en-US" dirty="0" smtClean="0"/>
+              <a:t>用户故事研讨会：可以集中进行头脑风暴，讨论预期的业务价值，并为目标产品和服务创建用户故事占位符。</a:t>
+            </a:r>
+          </a:p>
+          <a:p>
+            <a:r>
+              <a:rPr lang="zh-CN" altLang="en-US" dirty="0" smtClean="0"/>
+              <a:t>绘制故事地图：将概要性用户活动分解为工作流，工作流还可以继续分解为一套明确的任务。如下图所示，横轴为工作流（使用顺序）纵轴为优先顺序。它结合了用户为中心和故事分解这两大概念。</a:t>
+            </a:r>
+          </a:p>
+        </p:txBody>
+      </p:sp>
+      <p:sp>
+        <p:nvSpPr>
+          <p:cNvPr id="4" name="灯片编号占位符 3"/>
+          <p:cNvSpPr>
+            <a:spLocks noGrp="1"/>
+          </p:cNvSpPr>
+          <p:nvPr>
+            <p:ph type="sldNum" sz="quarter" idx="10"/>
+          </p:nvPr>
+        </p:nvSpPr>
+        <p:spPr/>
+        <p:txBody>
+          <a:bodyPr/>
+          <a:lstStyle/>
+          <a:p>
+            <a:fld id="{2954993C-2851-4B37-8A50-837DDC8B7B44}" type="slidenum">
+              <a:rPr lang="zh-CN" altLang="en-US" smtClean="0"/>
+              <a:t>27</a:t>
+            </a:fld>
+            <a:endParaRPr lang="zh-CN" altLang="en-US"/>
+          </a:p>
+        </p:txBody>
+      </p:sp>
+    </p:spTree>
+    <p:extLst>
+      <p:ext uri="{BB962C8B-B14F-4D97-AF65-F5344CB8AC3E}">
+        <p14:creationId xmlns:p14="http://schemas.microsoft.com/office/powerpoint/2010/main" val="1288824771"/>
+      </p:ext>
+    </p:extLst>
   </p:cSld>
   <p:clrMapOvr>
     <a:masterClrMapping/>
@@ -2356,6 +2955,7 @@
                 <a:latin typeface="Arial" panose="020B0604020202020204" pitchFamily="34" charset="0"/>
                 <a:ea typeface="MS PGothic" panose="020B0600070205080204" pitchFamily="34" charset="-128"/>
               </a:rPr>
+              <a:t>4</a:t>
             </a:fld>
             <a:endParaRPr lang="en-US" altLang="zh-CN" sz="1200">
               <a:solidFill>
@@ -2437,6 +3037,10 @@
               </a:rPr>
               <a:t>因此，一个好的用户故事就包括了这三个要素：</a:t>
             </a:r>
+            <a:r>
+              <a:rPr lang="zh-CN" altLang="en-US" dirty="0" smtClean="0"/>
+              <a:t/>
+            </a:r>
             <a:br>
               <a:rPr lang="zh-CN" altLang="en-US" dirty="0" smtClean="0"/>
             </a:br>
@@ -2464,6 +3068,10 @@
               </a:rPr>
               <a:t>角色：使用者。</a:t>
             </a:r>
+            <a:r>
+              <a:rPr lang="zh-CN" altLang="en-US" dirty="0" smtClean="0"/>
+              <a:t/>
+            </a:r>
             <a:br>
               <a:rPr lang="zh-CN" altLang="en-US" dirty="0" smtClean="0"/>
             </a:br>
@@ -2491,6 +3099,10 @@
               </a:rPr>
               <a:t>功能：需要完成什么样的功能。</a:t>
             </a:r>
+            <a:r>
+              <a:rPr lang="zh-CN" altLang="en-US" dirty="0" smtClean="0"/>
+              <a:t/>
+            </a:r>
             <a:br>
               <a:rPr lang="zh-CN" altLang="en-US" dirty="0" smtClean="0"/>
             </a:br>
@@ -2523,6 +3135,11 @@
         </p:txBody>
       </p:sp>
     </p:spTree>
+    <p:extLst>
+      <p:ext uri="{BB962C8B-B14F-4D97-AF65-F5344CB8AC3E}">
+        <p14:creationId xmlns:p14="http://schemas.microsoft.com/office/powerpoint/2010/main" val="3959325460"/>
+      </p:ext>
+    </p:extLst>
   </p:cSld>
   <p:clrMapOvr>
     <a:masterClrMapping/>
@@ -2697,6 +3314,7 @@
                 <a:latin typeface="Arial" panose="020B0604020202020204" pitchFamily="34" charset="0"/>
                 <a:ea typeface="MS PGothic" panose="020B0600070205080204" pitchFamily="34" charset="-128"/>
               </a:rPr>
+              <a:t>5</a:t>
             </a:fld>
             <a:endParaRPr lang="en-US" altLang="zh-CN" sz="1200">
               <a:solidFill>
@@ -2771,6 +3389,11 @@
         </p:txBody>
       </p:sp>
     </p:spTree>
+    <p:extLst>
+      <p:ext uri="{BB962C8B-B14F-4D97-AF65-F5344CB8AC3E}">
+        <p14:creationId xmlns:p14="http://schemas.microsoft.com/office/powerpoint/2010/main" val="1098942996"/>
+      </p:ext>
+    </p:extLst>
   </p:cSld>
   <p:clrMapOvr>
     <a:masterClrMapping/>
@@ -2945,6 +3568,7 @@
                 <a:latin typeface="Arial" panose="020B0604020202020204" pitchFamily="34" charset="0"/>
                 <a:ea typeface="MS PGothic" panose="020B0600070205080204" pitchFamily="34" charset="-128"/>
               </a:rPr>
+              <a:t>6</a:t>
             </a:fld>
             <a:endParaRPr lang="en-US" altLang="zh-CN" sz="1200">
               <a:solidFill>
@@ -3019,6 +3643,11 @@
         </p:txBody>
       </p:sp>
     </p:spTree>
+    <p:extLst>
+      <p:ext uri="{BB962C8B-B14F-4D97-AF65-F5344CB8AC3E}">
+        <p14:creationId xmlns:p14="http://schemas.microsoft.com/office/powerpoint/2010/main" val="48953771"/>
+      </p:ext>
+    </p:extLst>
   </p:cSld>
   <p:clrMapOvr>
     <a:masterClrMapping/>
@@ -3106,15 +3735,6 @@
               </a:rPr>
               <a:t>第二层为星期级别，大于一个冲刺，也称为特性。第三层为天级别，冲刺就绪。</a:t>
             </a:r>
-            <a:endParaRPr lang="zh-CN" altLang="en-US" sz="1200" b="0" i="0" kern="1200" dirty="0" smtClean="0">
-              <a:solidFill>
-                <a:schemeClr val="tx1"/>
-              </a:solidFill>
-              <a:effectLst/>
-              <a:latin typeface="+mn-lt"/>
-              <a:ea typeface="+mn-ea"/>
-              <a:cs typeface="+mn-cs"/>
-            </a:endParaRPr>
           </a:p>
           <a:p>
             <a:r>
@@ -3129,15 +3749,6 @@
               </a:rPr>
               <a:t>底层为小时级别，是具体的任务（任务并不是故事，比如强调的是如何构建不少构建什么）。</a:t>
             </a:r>
-            <a:endParaRPr lang="zh-CN" altLang="en-US" sz="1200" b="0" i="0" kern="1200" dirty="0" smtClean="0">
-              <a:solidFill>
-                <a:schemeClr val="tx1"/>
-              </a:solidFill>
-              <a:effectLst/>
-              <a:latin typeface="+mn-lt"/>
-              <a:ea typeface="+mn-ea"/>
-              <a:cs typeface="+mn-cs"/>
-            </a:endParaRPr>
           </a:p>
           <a:p>
             <a:endParaRPr lang="zh-CN" altLang="en-US" dirty="0"/>
@@ -3161,12 +3772,18 @@
           <a:p>
             <a:fld id="{2954993C-2851-4B37-8A50-837DDC8B7B44}" type="slidenum">
               <a:rPr lang="zh-CN" altLang="en-US" smtClean="0"/>
+              <a:t>12</a:t>
             </a:fld>
             <a:endParaRPr lang="zh-CN" altLang="en-US"/>
           </a:p>
         </p:txBody>
       </p:sp>
     </p:spTree>
+    <p:extLst>
+      <p:ext uri="{BB962C8B-B14F-4D97-AF65-F5344CB8AC3E}">
+        <p14:creationId xmlns:p14="http://schemas.microsoft.com/office/powerpoint/2010/main" val="826662836"/>
+      </p:ext>
+    </p:extLst>
   </p:cSld>
   <p:clrMapOvr>
     <a:masterClrMapping/>
@@ -3247,17 +3864,8 @@
             </a:r>
             <a:r>
               <a:rPr lang="zh-CN" altLang="en-US" dirty="0" smtClean="0"/>
-              <a:t>：</a:t>
-            </a:r>
-            <a:r>
-              <a:rPr lang="zh-CN" altLang="en-US" dirty="0" smtClean="0"/>
-              <a:t>用户故事是独立的，至少应是松耦合。因为依赖程度过高会使得估算、排序规划都比较复杂</a:t>
-            </a:r>
-            <a:r>
-              <a:rPr lang="zh-CN" altLang="en-US" dirty="0" smtClean="0"/>
-              <a:t>。一般可以通过组合用户故事或者分割用户故事来减少用户故事间的相互依赖性。</a:t>
-            </a:r>
-            <a:endParaRPr lang="zh-CN" altLang="en-US" dirty="0" smtClean="0"/>
+              <a:t>：用户故事是独立的，至少应是松耦合。因为依赖程度过高会使得估算、排序规划都比较复杂。一般可以通过组合用户故事或者分割用户故事来减少用户故事间的相互依赖性。</a:t>
+            </a:r>
           </a:p>
           <a:p>
             <a:r>
@@ -3321,11 +3929,7 @@
             </a:r>
             <a:r>
               <a:rPr lang="zh-CN" altLang="en-US" dirty="0" smtClean="0"/>
-              <a:t>：故事有价值，客户才会支付产品。当然对于技术性故事属于完成因为价值所涉及的任务</a:t>
-            </a:r>
-            <a:r>
-              <a:rPr lang="zh-CN" altLang="en-US" dirty="0" smtClean="0"/>
-              <a:t>。</a:t>
+              <a:t>：故事有价值，客户才会支付产品。当然对于技术性故事属于完成因为价值所涉及的任务。</a:t>
             </a:r>
             <a:r>
               <a:rPr lang="zh-CN" altLang="en-US" sz="1200" b="0" i="0" kern="1200" dirty="0" smtClean="0">
@@ -3394,7 +3998,6 @@
               <a:rPr lang="zh-CN" altLang="en-US" dirty="0" smtClean="0"/>
               <a:t>可估算：指的是故事的故事的工作量和成本。如果团队无法衡量故事大小，原因不外乎两个：故事太大或太模糊；团队积累的知识不够。</a:t>
             </a:r>
-            <a:endParaRPr lang="zh-CN" altLang="en-US" dirty="0" smtClean="0"/>
           </a:p>
           <a:p>
             <a:r>
@@ -3430,11 +4033,7 @@
           <a:p>
             <a:r>
               <a:rPr lang="zh-CN" altLang="en-US" b="1" dirty="0" smtClean="0"/>
-              <a:t>可</a:t>
-            </a:r>
-            <a:r>
-              <a:rPr lang="zh-CN" altLang="en-US" b="1" dirty="0" smtClean="0"/>
-              <a:t>测试</a:t>
+              <a:t>可测试</a:t>
             </a:r>
             <a:r>
               <a:rPr lang="zh-CN" altLang="en-US" dirty="0" smtClean="0"/>
@@ -3473,12 +4072,18 @@
           <a:p>
             <a:fld id="{2954993C-2851-4B37-8A50-837DDC8B7B44}" type="slidenum">
               <a:rPr lang="zh-CN" altLang="en-US" smtClean="0"/>
+              <a:t>13</a:t>
             </a:fld>
             <a:endParaRPr lang="zh-CN" altLang="en-US"/>
           </a:p>
         </p:txBody>
       </p:sp>
     </p:spTree>
+    <p:extLst>
+      <p:ext uri="{BB962C8B-B14F-4D97-AF65-F5344CB8AC3E}">
+        <p14:creationId xmlns:p14="http://schemas.microsoft.com/office/powerpoint/2010/main" val="1270185024"/>
+      </p:ext>
+    </p:extLst>
   </p:cSld>
   <p:clrMapOvr>
     <a:masterClrMapping/>
@@ -3554,15 +4159,6 @@
               </a:rPr>
               <a:t>、非功能需求算不算故事？</a:t>
             </a:r>
-            <a:endParaRPr lang="zh-CN" altLang="en-US" sz="1200" b="0" i="0" kern="1200" dirty="0" smtClean="0">
-              <a:solidFill>
-                <a:schemeClr val="tx1"/>
-              </a:solidFill>
-              <a:effectLst/>
-              <a:latin typeface="+mn-lt"/>
-              <a:ea typeface="+mn-ea"/>
-              <a:cs typeface="+mn-cs"/>
-            </a:endParaRPr>
           </a:p>
           <a:p>
             <a:r>
@@ -3577,15 +4173,6 @@
               </a:rPr>
               <a:t>非功能需求是系统级约束，可以写到用户故事中，如支持的浏览器等。但也不写，但非功能需求是完成定义的主要目标。任何一个测试不能正常工作，都是没有完成。</a:t>
             </a:r>
-            <a:endParaRPr lang="zh-CN" altLang="en-US" sz="1200" b="0" i="0" kern="1200" dirty="0" smtClean="0">
-              <a:solidFill>
-                <a:schemeClr val="tx1"/>
-              </a:solidFill>
-              <a:effectLst/>
-              <a:latin typeface="+mn-lt"/>
-              <a:ea typeface="+mn-ea"/>
-              <a:cs typeface="+mn-cs"/>
-            </a:endParaRPr>
           </a:p>
           <a:p>
             <a:endParaRPr lang="zh-CN" altLang="en-US" dirty="0"/>
@@ -3609,12 +4196,18 @@
           <a:p>
             <a:fld id="{2954993C-2851-4B37-8A50-837DDC8B7B44}" type="slidenum">
               <a:rPr lang="zh-CN" altLang="en-US" smtClean="0"/>
+              <a:t>15</a:t>
             </a:fld>
             <a:endParaRPr lang="zh-CN" altLang="en-US"/>
           </a:p>
         </p:txBody>
       </p:sp>
     </p:spTree>
+    <p:extLst>
+      <p:ext uri="{BB962C8B-B14F-4D97-AF65-F5344CB8AC3E}">
+        <p14:creationId xmlns:p14="http://schemas.microsoft.com/office/powerpoint/2010/main" val="470505383"/>
+      </p:ext>
+    </p:extLst>
   </p:cSld>
   <p:clrMapOvr>
     <a:masterClrMapping/>
@@ -3690,15 +4283,6 @@
               </a:rPr>
               <a:t>、知识获取型故事</a:t>
             </a:r>
-            <a:endParaRPr lang="zh-CN" altLang="en-US" sz="1200" b="0" i="0" kern="1200" dirty="0" smtClean="0">
-              <a:solidFill>
-                <a:schemeClr val="tx1"/>
-              </a:solidFill>
-              <a:effectLst/>
-              <a:latin typeface="+mn-lt"/>
-              <a:ea typeface="+mn-ea"/>
-              <a:cs typeface="+mn-cs"/>
-            </a:endParaRPr>
           </a:p>
           <a:p>
             <a:r>
@@ -3713,15 +4297,6 @@
               </a:rPr>
               <a:t>相当于预言工作，由于受到成本、时间限制，不可能无限探索，如何决策就显得很重要。抛硬币、快速失败策略都是不错的选择。</a:t>
             </a:r>
-            <a:endParaRPr lang="zh-CN" altLang="en-US" sz="1200" b="0" i="0" kern="1200" dirty="0" smtClean="0">
-              <a:solidFill>
-                <a:schemeClr val="tx1"/>
-              </a:solidFill>
-              <a:effectLst/>
-              <a:latin typeface="+mn-lt"/>
-              <a:ea typeface="+mn-ea"/>
-              <a:cs typeface="+mn-cs"/>
-            </a:endParaRPr>
           </a:p>
           <a:p>
             <a:endParaRPr lang="zh-CN" altLang="en-US" dirty="0"/>
@@ -3745,12 +4320,18 @@
           <a:p>
             <a:fld id="{2954993C-2851-4B37-8A50-837DDC8B7B44}" type="slidenum">
               <a:rPr lang="zh-CN" altLang="en-US" smtClean="0"/>
+              <a:t>16</a:t>
             </a:fld>
             <a:endParaRPr lang="zh-CN" altLang="en-US"/>
           </a:p>
         </p:txBody>
       </p:sp>
     </p:spTree>
+    <p:extLst>
+      <p:ext uri="{BB962C8B-B14F-4D97-AF65-F5344CB8AC3E}">
+        <p14:creationId xmlns:p14="http://schemas.microsoft.com/office/powerpoint/2010/main" val="4020368063"/>
+      </p:ext>
+    </p:extLst>
   </p:cSld>
   <p:clrMapOvr>
     <a:masterClrMapping/>
@@ -3806,21 +4387,18 @@
               <a:rPr lang="zh-CN" altLang="en-US" dirty="0" smtClean="0"/>
               <a:t>问用户想要什么不靠谱，而让用户作为团队的一员则效果会好很多。采用用户故事研讨会、绘制故事地图是两种比较有效的方法。</a:t>
             </a:r>
-            <a:endParaRPr lang="zh-CN" altLang="en-US" dirty="0" smtClean="0"/>
           </a:p>
           <a:p>
             <a:r>
               <a:rPr lang="zh-CN" altLang="en-US" dirty="0" smtClean="0"/>
               <a:t>用户故事研讨会：可以集中进行头脑风暴，讨论预期的业务价值，并为目标产品和服务创建用户故事占位符。</a:t>
             </a:r>
-            <a:endParaRPr lang="zh-CN" altLang="en-US" dirty="0" smtClean="0"/>
           </a:p>
           <a:p>
             <a:r>
               <a:rPr lang="zh-CN" altLang="en-US" dirty="0" smtClean="0"/>
               <a:t>绘制故事地图：将概要性用户活动分解为工作流，工作流还可以继续分解为一套明确的任务。如下图所示，横轴为工作流（使用顺序）纵轴为优先顺序。它结合了用户为中心和故事分解这两大概念。</a:t>
             </a:r>
-            <a:endParaRPr lang="zh-CN" altLang="en-US" dirty="0" smtClean="0"/>
           </a:p>
         </p:txBody>
       </p:sp>
@@ -3841,12 +4419,18 @@
           <a:p>
             <a:fld id="{2954993C-2851-4B37-8A50-837DDC8B7B44}" type="slidenum">
               <a:rPr lang="zh-CN" altLang="en-US" smtClean="0"/>
+              <a:t>17</a:t>
             </a:fld>
             <a:endParaRPr lang="zh-CN" altLang="en-US"/>
           </a:p>
         </p:txBody>
       </p:sp>
     </p:spTree>
+    <p:extLst>
+      <p:ext uri="{BB962C8B-B14F-4D97-AF65-F5344CB8AC3E}">
+        <p14:creationId xmlns:p14="http://schemas.microsoft.com/office/powerpoint/2010/main" val="7412854"/>
+      </p:ext>
+    </p:extLst>
   </p:cSld>
   <p:clrMapOvr>
     <a:masterClrMapping/>
@@ -3896,6 +4480,7 @@
           <a:p>
             <a:fld id="{43B7E276-A276-4CB5-8D98-2DEF33258381}" type="datetimeFigureOut">
               <a:rPr lang="zh-CN" altLang="en-US" smtClean="0"/>
+              <a:t>2021/8/11</a:t>
             </a:fld>
             <a:endParaRPr lang="zh-CN" altLang="en-US"/>
           </a:p>
@@ -3953,6 +4538,7 @@
           <a:p>
             <a:fld id="{669E3093-0765-4895-88A4-AF75987BE62B}" type="slidenum">
               <a:rPr lang="zh-CN" altLang="en-US" smtClean="0"/>
+              <a:t>‹#›</a:t>
             </a:fld>
             <a:endParaRPr lang="zh-CN" altLang="en-US"/>
           </a:p>
@@ -4192,7 +4778,6 @@
               <a:rPr lang="zh-CN" altLang="en-US"/>
               <a:t>单击此处编辑母版标题样式</a:t>
             </a:r>
-            <a:endParaRPr lang="zh-CN" altLang="en-US"/>
           </a:p>
         </p:txBody>
       </p:sp>
@@ -4224,7 +4809,6 @@
               <a:rPr lang="zh-CN" altLang="en-US"/>
               <a:t>单击此处编辑母版文本样式</a:t>
             </a:r>
-            <a:endParaRPr lang="zh-CN" altLang="en-US"/>
           </a:p>
           <a:p>
             <a:pPr lvl="1"/>
@@ -4232,7 +4816,6 @@
               <a:rPr lang="zh-CN" altLang="en-US"/>
               <a:t>第二级</a:t>
             </a:r>
-            <a:endParaRPr lang="zh-CN" altLang="en-US"/>
           </a:p>
           <a:p>
             <a:pPr lvl="2"/>
@@ -4240,7 +4823,6 @@
               <a:rPr lang="zh-CN" altLang="en-US"/>
               <a:t>第三级</a:t>
             </a:r>
-            <a:endParaRPr lang="zh-CN" altLang="en-US"/>
           </a:p>
           <a:p>
             <a:pPr lvl="3"/>
@@ -4248,7 +4830,6 @@
               <a:rPr lang="zh-CN" altLang="en-US"/>
               <a:t>第四级</a:t>
             </a:r>
-            <a:endParaRPr lang="zh-CN" altLang="en-US"/>
           </a:p>
           <a:p>
             <a:pPr lvl="4"/>
@@ -4256,7 +4837,6 @@
               <a:rPr lang="zh-CN" altLang="en-US"/>
               <a:t>第五级</a:t>
             </a:r>
-            <a:endParaRPr lang="zh-CN" altLang="en-US"/>
           </a:p>
         </p:txBody>
       </p:sp>
@@ -4285,6 +4865,7 @@
           <a:p>
             <a:fld id="{43B7E276-A276-4CB5-8D98-2DEF33258381}" type="datetimeFigureOut">
               <a:rPr lang="zh-CN" altLang="en-US" smtClean="0"/>
+              <a:t>2021/8/11</a:t>
             </a:fld>
             <a:endParaRPr lang="zh-CN" altLang="en-US"/>
           </a:p>
@@ -4342,6 +4923,7 @@
           <a:p>
             <a:fld id="{669E3093-0765-4895-88A4-AF75987BE62B}" type="slidenum">
               <a:rPr lang="zh-CN" altLang="en-US" smtClean="0"/>
+              <a:t>‹#›</a:t>
             </a:fld>
             <a:endParaRPr lang="zh-CN" altLang="en-US"/>
           </a:p>
@@ -4399,7 +4981,6 @@
               <a:rPr lang="zh-CN" altLang="en-US"/>
               <a:t>单击此处编辑母版标题样式</a:t>
             </a:r>
-            <a:endParaRPr lang="zh-CN" altLang="en-US"/>
           </a:p>
         </p:txBody>
       </p:sp>
@@ -4431,7 +5012,6 @@
               <a:rPr lang="zh-CN" altLang="en-US"/>
               <a:t>单击此处编辑母版文本样式</a:t>
             </a:r>
-            <a:endParaRPr lang="zh-CN" altLang="en-US"/>
           </a:p>
           <a:p>
             <a:pPr lvl="1"/>
@@ -4439,7 +5019,6 @@
               <a:rPr lang="zh-CN" altLang="en-US"/>
               <a:t>第二级</a:t>
             </a:r>
-            <a:endParaRPr lang="zh-CN" altLang="en-US"/>
           </a:p>
           <a:p>
             <a:pPr lvl="2"/>
@@ -4447,7 +5026,6 @@
               <a:rPr lang="zh-CN" altLang="en-US"/>
               <a:t>第三级</a:t>
             </a:r>
-            <a:endParaRPr lang="zh-CN" altLang="en-US"/>
           </a:p>
           <a:p>
             <a:pPr lvl="3"/>
@@ -4455,7 +5033,6 @@
               <a:rPr lang="zh-CN" altLang="en-US"/>
               <a:t>第四级</a:t>
             </a:r>
-            <a:endParaRPr lang="zh-CN" altLang="en-US"/>
           </a:p>
           <a:p>
             <a:pPr lvl="4"/>
@@ -4463,7 +5040,6 @@
               <a:rPr lang="zh-CN" altLang="en-US"/>
               <a:t>第五级</a:t>
             </a:r>
-            <a:endParaRPr lang="zh-CN" altLang="en-US"/>
           </a:p>
         </p:txBody>
       </p:sp>
@@ -4492,6 +5068,7 @@
           <a:p>
             <a:fld id="{43B7E276-A276-4CB5-8D98-2DEF33258381}" type="datetimeFigureOut">
               <a:rPr lang="zh-CN" altLang="en-US" smtClean="0"/>
+              <a:t>2021/8/11</a:t>
             </a:fld>
             <a:endParaRPr lang="zh-CN" altLang="en-US"/>
           </a:p>
@@ -4549,6 +5126,7 @@
           <a:p>
             <a:fld id="{669E3093-0765-4895-88A4-AF75987BE62B}" type="slidenum">
               <a:rPr lang="zh-CN" altLang="en-US" smtClean="0"/>
+              <a:t>‹#›</a:t>
             </a:fld>
             <a:endParaRPr lang="zh-CN" altLang="en-US"/>
           </a:p>
@@ -4598,7 +5176,6 @@
               <a:rPr lang="zh-CN" altLang="en-US"/>
               <a:t>单击此处编辑母版标题样式</a:t>
             </a:r>
-            <a:endParaRPr lang="zh-CN" altLang="en-US"/>
           </a:p>
         </p:txBody>
       </p:sp>
@@ -4622,7 +5199,6 @@
               <a:rPr lang="zh-CN" altLang="en-US"/>
               <a:t>单击此处编辑母版文本样式</a:t>
             </a:r>
-            <a:endParaRPr lang="zh-CN" altLang="en-US"/>
           </a:p>
           <a:p>
             <a:pPr lvl="1"/>
@@ -4630,7 +5206,6 @@
               <a:rPr lang="zh-CN" altLang="en-US"/>
               <a:t>第二级</a:t>
             </a:r>
-            <a:endParaRPr lang="zh-CN" altLang="en-US"/>
           </a:p>
           <a:p>
             <a:pPr lvl="2"/>
@@ -4638,7 +5213,6 @@
               <a:rPr lang="zh-CN" altLang="en-US"/>
               <a:t>第三级</a:t>
             </a:r>
-            <a:endParaRPr lang="zh-CN" altLang="en-US"/>
           </a:p>
           <a:p>
             <a:pPr lvl="3"/>
@@ -4646,7 +5220,6 @@
               <a:rPr lang="zh-CN" altLang="en-US"/>
               <a:t>第四级</a:t>
             </a:r>
-            <a:endParaRPr lang="zh-CN" altLang="en-US"/>
           </a:p>
           <a:p>
             <a:pPr lvl="4"/>
@@ -4654,7 +5227,6 @@
               <a:rPr lang="zh-CN" altLang="en-US"/>
               <a:t>第五级</a:t>
             </a:r>
-            <a:endParaRPr lang="zh-CN" altLang="en-US"/>
           </a:p>
         </p:txBody>
       </p:sp>
@@ -4683,6 +5255,7 @@
             </a:r>
             <a:fld id="{A55C48AD-9FA6-401F-8E30-852763D2AD7D}" type="slidenum">
               <a:rPr lang="de-DE" altLang="zh-CN"/>
+              <a:t>‹#›</a:t>
             </a:fld>
             <a:endParaRPr lang="en-GB" altLang="zh-CN"/>
           </a:p>
@@ -4744,7 +5317,6 @@
               <a:rPr lang="zh-CN" altLang="en-US"/>
               <a:t>单击此处编辑母版标题样式</a:t>
             </a:r>
-            <a:endParaRPr lang="zh-CN" altLang="en-US"/>
           </a:p>
         </p:txBody>
       </p:sp>
@@ -4769,6 +5341,7 @@
           <a:p>
             <a:fld id="{9FADFB2E-885B-491E-A32A-9031AA86B1B0}" type="datetimeFigureOut">
               <a:rPr lang="zh-CN" altLang="en-US"/>
+              <a:t>2021/8/11</a:t>
             </a:fld>
             <a:endParaRPr lang="zh-CN" altLang="en-US"/>
           </a:p>
@@ -4821,6 +5394,7 @@
           <a:p>
             <a:fld id="{546D3D19-AF27-447E-95DA-1DCD44E4E178}" type="slidenum">
               <a:rPr lang="zh-CN" altLang="en-US"/>
+              <a:t>‹#›</a:t>
             </a:fld>
             <a:endParaRPr lang="zh-CN" altLang="en-US"/>
           </a:p>
@@ -4888,7 +5462,6 @@
               <a:rPr lang="zh-CN" altLang="en-US" dirty="0"/>
               <a:t>单击此处编辑母版文本样式</a:t>
             </a:r>
-            <a:endParaRPr lang="zh-CN" altLang="en-US" dirty="0"/>
           </a:p>
           <a:p>
             <a:pPr lvl="1" eaLnBrk="1" latinLnBrk="0" hangingPunct="1"/>
@@ -4896,7 +5469,6 @@
               <a:rPr lang="zh-CN" altLang="en-US" dirty="0"/>
               <a:t>第二级</a:t>
             </a:r>
-            <a:endParaRPr lang="zh-CN" altLang="en-US" dirty="0"/>
           </a:p>
           <a:p>
             <a:pPr lvl="2" eaLnBrk="1" latinLnBrk="0" hangingPunct="1"/>
@@ -4904,7 +5476,6 @@
               <a:rPr lang="zh-CN" altLang="en-US" dirty="0"/>
               <a:t>第三级</a:t>
             </a:r>
-            <a:endParaRPr lang="zh-CN" altLang="en-US" dirty="0"/>
           </a:p>
           <a:p>
             <a:pPr lvl="3" eaLnBrk="1" latinLnBrk="0" hangingPunct="1"/>
@@ -4912,7 +5483,6 @@
               <a:rPr lang="zh-CN" altLang="en-US" dirty="0"/>
               <a:t>第四级</a:t>
             </a:r>
-            <a:endParaRPr lang="zh-CN" altLang="en-US" dirty="0"/>
           </a:p>
           <a:p>
             <a:pPr lvl="4" eaLnBrk="1" latinLnBrk="0" hangingPunct="1"/>
@@ -5051,7 +5621,6 @@
               <a:rPr lang="zh-CN" altLang="en-US"/>
               <a:t>单击此处编辑母版标题样式</a:t>
             </a:r>
-            <a:endParaRPr lang="zh-CN" altLang="en-US"/>
           </a:p>
         </p:txBody>
       </p:sp>
@@ -5120,7 +5689,6 @@
               <a:rPr lang="zh-CN" altLang="en-US"/>
               <a:t>单击此处编辑母版文本样式</a:t>
             </a:r>
-            <a:endParaRPr lang="zh-CN" altLang="en-US"/>
           </a:p>
         </p:txBody>
       </p:sp>
@@ -5152,7 +5720,6 @@
               <a:rPr lang="zh-CN" altLang="en-US"/>
               <a:t>单击此处编辑母版文本样式</a:t>
             </a:r>
-            <a:endParaRPr lang="zh-CN" altLang="en-US"/>
           </a:p>
           <a:p>
             <a:pPr lvl="1"/>
@@ -5160,7 +5727,6 @@
               <a:rPr lang="zh-CN" altLang="en-US"/>
               <a:t>第二级</a:t>
             </a:r>
-            <a:endParaRPr lang="zh-CN" altLang="en-US"/>
           </a:p>
           <a:p>
             <a:pPr lvl="2"/>
@@ -5168,7 +5734,6 @@
               <a:rPr lang="zh-CN" altLang="en-US"/>
               <a:t>第三级</a:t>
             </a:r>
-            <a:endParaRPr lang="zh-CN" altLang="en-US"/>
           </a:p>
           <a:p>
             <a:pPr lvl="3"/>
@@ -5176,7 +5741,6 @@
               <a:rPr lang="zh-CN" altLang="en-US"/>
               <a:t>第四级</a:t>
             </a:r>
-            <a:endParaRPr lang="zh-CN" altLang="en-US"/>
           </a:p>
           <a:p>
             <a:pPr lvl="4"/>
@@ -5184,7 +5748,6 @@
               <a:rPr lang="zh-CN" altLang="en-US"/>
               <a:t>第五级</a:t>
             </a:r>
-            <a:endParaRPr lang="zh-CN" altLang="en-US"/>
           </a:p>
         </p:txBody>
       </p:sp>
@@ -5253,7 +5816,6 @@
               <a:rPr lang="zh-CN" altLang="en-US"/>
               <a:t>单击此处编辑母版文本样式</a:t>
             </a:r>
-            <a:endParaRPr lang="zh-CN" altLang="en-US"/>
           </a:p>
         </p:txBody>
       </p:sp>
@@ -5285,7 +5847,6 @@
               <a:rPr lang="zh-CN" altLang="en-US"/>
               <a:t>单击此处编辑母版文本样式</a:t>
             </a:r>
-            <a:endParaRPr lang="zh-CN" altLang="en-US"/>
           </a:p>
           <a:p>
             <a:pPr lvl="1"/>
@@ -5293,7 +5854,6 @@
               <a:rPr lang="zh-CN" altLang="en-US"/>
               <a:t>第二级</a:t>
             </a:r>
-            <a:endParaRPr lang="zh-CN" altLang="en-US"/>
           </a:p>
           <a:p>
             <a:pPr lvl="2"/>
@@ -5301,7 +5861,6 @@
               <a:rPr lang="zh-CN" altLang="en-US"/>
               <a:t>第三级</a:t>
             </a:r>
-            <a:endParaRPr lang="zh-CN" altLang="en-US"/>
           </a:p>
           <a:p>
             <a:pPr lvl="3"/>
@@ -5309,7 +5868,6 @@
               <a:rPr lang="zh-CN" altLang="en-US"/>
               <a:t>第四级</a:t>
             </a:r>
-            <a:endParaRPr lang="zh-CN" altLang="en-US"/>
           </a:p>
           <a:p>
             <a:pPr lvl="4"/>
@@ -5317,7 +5875,6 @@
               <a:rPr lang="zh-CN" altLang="en-US"/>
               <a:t>第五级</a:t>
             </a:r>
-            <a:endParaRPr lang="zh-CN" altLang="en-US"/>
           </a:p>
         </p:txBody>
       </p:sp>
@@ -5346,6 +5903,7 @@
           <a:p>
             <a:fld id="{43B7E276-A276-4CB5-8D98-2DEF33258381}" type="datetimeFigureOut">
               <a:rPr lang="zh-CN" altLang="en-US" smtClean="0"/>
+              <a:t>2021/8/11</a:t>
             </a:fld>
             <a:endParaRPr lang="zh-CN" altLang="en-US"/>
           </a:p>
@@ -5403,6 +5961,7 @@
           <a:p>
             <a:fld id="{669E3093-0765-4895-88A4-AF75987BE62B}" type="slidenum">
               <a:rPr lang="zh-CN" altLang="en-US" smtClean="0"/>
+              <a:t>‹#›</a:t>
             </a:fld>
             <a:endParaRPr lang="zh-CN" altLang="en-US"/>
           </a:p>
@@ -5460,7 +6019,6 @@
               <a:rPr lang="zh-CN" altLang="en-US"/>
               <a:t>单击此处编辑母版标题样式</a:t>
             </a:r>
-            <a:endParaRPr lang="zh-CN" altLang="en-US"/>
           </a:p>
         </p:txBody>
       </p:sp>
@@ -5489,6 +6047,7 @@
           <a:p>
             <a:fld id="{43B7E276-A276-4CB5-8D98-2DEF33258381}" type="datetimeFigureOut">
               <a:rPr lang="zh-CN" altLang="en-US" smtClean="0"/>
+              <a:t>2021/8/11</a:t>
             </a:fld>
             <a:endParaRPr lang="zh-CN" altLang="en-US"/>
           </a:p>
@@ -5546,6 +6105,7 @@
           <a:p>
             <a:fld id="{669E3093-0765-4895-88A4-AF75987BE62B}" type="slidenum">
               <a:rPr lang="zh-CN" altLang="en-US" smtClean="0"/>
+              <a:t>‹#›</a:t>
             </a:fld>
             <a:endParaRPr lang="zh-CN" altLang="en-US"/>
           </a:p>
@@ -5601,6 +6161,7 @@
           <a:p>
             <a:fld id="{43B7E276-A276-4CB5-8D98-2DEF33258381}" type="datetimeFigureOut">
               <a:rPr lang="zh-CN" altLang="en-US" smtClean="0"/>
+              <a:t>2021/8/11</a:t>
             </a:fld>
             <a:endParaRPr lang="zh-CN" altLang="en-US"/>
           </a:p>
@@ -5658,6 +6219,7 @@
           <a:p>
             <a:fld id="{669E3093-0765-4895-88A4-AF75987BE62B}" type="slidenum">
               <a:rPr lang="zh-CN" altLang="en-US" smtClean="0"/>
+              <a:t>‹#›</a:t>
             </a:fld>
             <a:endParaRPr lang="zh-CN" altLang="en-US"/>
           </a:p>
@@ -5719,7 +6281,6 @@
               <a:rPr lang="zh-CN" altLang="en-US"/>
               <a:t>单击此处编辑母版标题样式</a:t>
             </a:r>
-            <a:endParaRPr lang="zh-CN" altLang="en-US"/>
           </a:p>
         </p:txBody>
       </p:sp>
@@ -5779,7 +6340,6 @@
               <a:rPr lang="zh-CN" altLang="en-US"/>
               <a:t>单击此处编辑母版文本样式</a:t>
             </a:r>
-            <a:endParaRPr lang="zh-CN" altLang="en-US"/>
           </a:p>
           <a:p>
             <a:pPr lvl="1"/>
@@ -5787,7 +6347,6 @@
               <a:rPr lang="zh-CN" altLang="en-US"/>
               <a:t>第二级</a:t>
             </a:r>
-            <a:endParaRPr lang="zh-CN" altLang="en-US"/>
           </a:p>
           <a:p>
             <a:pPr lvl="2"/>
@@ -5795,7 +6354,6 @@
               <a:rPr lang="zh-CN" altLang="en-US"/>
               <a:t>第三级</a:t>
             </a:r>
-            <a:endParaRPr lang="zh-CN" altLang="en-US"/>
           </a:p>
           <a:p>
             <a:pPr lvl="3"/>
@@ -5803,7 +6361,6 @@
               <a:rPr lang="zh-CN" altLang="en-US"/>
               <a:t>第四级</a:t>
             </a:r>
-            <a:endParaRPr lang="zh-CN" altLang="en-US"/>
           </a:p>
           <a:p>
             <a:pPr lvl="4"/>
@@ -5811,7 +6368,6 @@
               <a:rPr lang="zh-CN" altLang="en-US"/>
               <a:t>第五级</a:t>
             </a:r>
-            <a:endParaRPr lang="zh-CN" altLang="en-US"/>
           </a:p>
         </p:txBody>
       </p:sp>
@@ -5880,7 +6436,6 @@
               <a:rPr lang="zh-CN" altLang="en-US"/>
               <a:t>单击此处编辑母版文本样式</a:t>
             </a:r>
-            <a:endParaRPr lang="zh-CN" altLang="en-US"/>
           </a:p>
         </p:txBody>
       </p:sp>
@@ -5909,6 +6464,7 @@
           <a:p>
             <a:fld id="{43B7E276-A276-4CB5-8D98-2DEF33258381}" type="datetimeFigureOut">
               <a:rPr lang="zh-CN" altLang="en-US" smtClean="0"/>
+              <a:t>2021/8/11</a:t>
             </a:fld>
             <a:endParaRPr lang="zh-CN" altLang="en-US"/>
           </a:p>
@@ -5966,6 +6522,7 @@
           <a:p>
             <a:fld id="{669E3093-0765-4895-88A4-AF75987BE62B}" type="slidenum">
               <a:rPr lang="zh-CN" altLang="en-US" smtClean="0"/>
+              <a:t>‹#›</a:t>
             </a:fld>
             <a:endParaRPr lang="zh-CN" altLang="en-US"/>
           </a:p>
@@ -6027,7 +6584,6 @@
               <a:rPr lang="zh-CN" altLang="en-US"/>
               <a:t>单击此处编辑母版标题样式</a:t>
             </a:r>
-            <a:endParaRPr lang="zh-CN" altLang="en-US"/>
           </a:p>
         </p:txBody>
       </p:sp>
@@ -6160,7 +6716,6 @@
               <a:rPr lang="zh-CN" altLang="en-US"/>
               <a:t>单击此处编辑母版文本样式</a:t>
             </a:r>
-            <a:endParaRPr lang="zh-CN" altLang="en-US"/>
           </a:p>
         </p:txBody>
       </p:sp>
@@ -6189,6 +6744,7 @@
           <a:p>
             <a:fld id="{43B7E276-A276-4CB5-8D98-2DEF33258381}" type="datetimeFigureOut">
               <a:rPr lang="zh-CN" altLang="en-US" smtClean="0"/>
+              <a:t>2021/8/11</a:t>
             </a:fld>
             <a:endParaRPr lang="zh-CN" altLang="en-US"/>
           </a:p>
@@ -6246,6 +6802,7 @@
           <a:p>
             <a:fld id="{669E3093-0765-4895-88A4-AF75987BE62B}" type="slidenum">
               <a:rPr lang="zh-CN" altLang="en-US" smtClean="0"/>
+              <a:t>‹#›</a:t>
             </a:fld>
             <a:endParaRPr lang="zh-CN" altLang="en-US"/>
           </a:p>
@@ -6290,7 +6847,7 @@
           <p:nvPr userDrawn="1"/>
         </p:nvPicPr>
         <p:blipFill>
-          <a:blip r:embed="rId14">
+          <a:blip r:embed="rId15">
             <a:extLst>
               <a:ext uri="{28A0092B-C50C-407E-A947-70E740481C1C}">
                 <a14:useLocalDpi xmlns:a14="http://schemas.microsoft.com/office/drawing/2010/main" val="0"/>
@@ -7009,13 +7566,6 @@
               </a:rPr>
               <a:t>敏捷工程实践</a:t>
             </a:r>
-            <a:endParaRPr lang="zh-CN" altLang="en-US" sz="2800" b="1" dirty="0">
-              <a:solidFill>
-                <a:srgbClr val="BE1007"/>
-              </a:solidFill>
-              <a:latin typeface="华康俪金黑W8(P)" panose="020B0800000000000000" pitchFamily="34" charset="-122"/>
-              <a:ea typeface="华康俪金黑W8(P)" panose="020B0800000000000000" pitchFamily="34" charset="-122"/>
-            </a:endParaRPr>
           </a:p>
         </p:txBody>
       </p:sp>
@@ -7024,13 +7574,13 @@
   <p:clrMapOvr>
     <a:masterClrMapping/>
   </p:clrMapOvr>
-  <mc:AlternateContent xmlns:mc="http://schemas.openxmlformats.org/markup-compatibility/2006">
-    <mc:Choice xmlns:p14="http://schemas.microsoft.com/office/powerpoint/2010/main" Requires="p14">
+  <mc:AlternateContent xmlns:mc="http://schemas.openxmlformats.org/markup-compatibility/2006" xmlns:p14="http://schemas.microsoft.com/office/powerpoint/2010/main">
+    <mc:Choice Requires="p14">
       <p:transition spd="med" p14:dur="700">
         <p:fade/>
       </p:transition>
     </mc:Choice>
-    <mc:Fallback>
+    <mc:Fallback xmlns="">
       <p:transition spd="med">
         <p:fade/>
       </p:transition>
@@ -7745,17 +8295,7 @@
                 <a:latin typeface="微软雅黑" panose="020B0503020204020204" pitchFamily="34" charset="-122"/>
                 <a:ea typeface="微软雅黑" panose="020B0503020204020204" pitchFamily="34" charset="-122"/>
               </a:rPr>
-              <a:t>故事</a:t>
-            </a:r>
-            <a:r>
-              <a:rPr lang="zh-CN" altLang="en-US" sz="2200" b="1" dirty="0">
-                <a:solidFill>
-                  <a:srgbClr val="00B050"/>
-                </a:solidFill>
-                <a:latin typeface="微软雅黑" panose="020B0503020204020204" pitchFamily="34" charset="-122"/>
-                <a:ea typeface="微软雅黑" panose="020B0503020204020204" pitchFamily="34" charset="-122"/>
-              </a:rPr>
-              <a:t>分解</a:t>
+              <a:t>故事分解</a:t>
             </a:r>
             <a:endParaRPr lang="en-US" altLang="zh-CN" sz="2200" b="1" dirty="0">
               <a:solidFill>
@@ -7840,17 +8380,7 @@
                 <a:latin typeface="微软雅黑" panose="020B0503020204020204" pitchFamily="34" charset="-122"/>
                 <a:ea typeface="微软雅黑" panose="020B0503020204020204" pitchFamily="34" charset="-122"/>
               </a:rPr>
-              <a:t>故事</a:t>
-            </a:r>
-            <a:r>
-              <a:rPr lang="zh-CN" altLang="en-US" sz="2200" b="1" dirty="0">
-                <a:solidFill>
-                  <a:srgbClr val="00B050"/>
-                </a:solidFill>
-                <a:latin typeface="微软雅黑" panose="020B0503020204020204" pitchFamily="34" charset="-122"/>
-                <a:ea typeface="微软雅黑" panose="020B0503020204020204" pitchFamily="34" charset="-122"/>
-              </a:rPr>
-              <a:t>实现</a:t>
+              <a:t>故事实现</a:t>
             </a:r>
             <a:endParaRPr lang="en-US" altLang="zh-CN" sz="2200" b="1" dirty="0">
               <a:solidFill>
@@ -7932,25 +8462,8 @@
                 <a:latin typeface="微软雅黑" panose="020B0503020204020204" pitchFamily="34" charset="-122"/>
                 <a:ea typeface="微软雅黑" panose="020B0503020204020204" pitchFamily="34" charset="-122"/>
               </a:rPr>
-              <a:t>用户故事的二次</a:t>
-            </a:r>
-            <a:r>
-              <a:rPr lang="zh-CN" altLang="en-US" sz="2200" b="1" dirty="0">
-                <a:solidFill>
-                  <a:srgbClr val="00B050"/>
-                </a:solidFill>
-                <a:latin typeface="微软雅黑" panose="020B0503020204020204" pitchFamily="34" charset="-122"/>
-                <a:ea typeface="微软雅黑" panose="020B0503020204020204" pitchFamily="34" charset="-122"/>
-              </a:rPr>
-              <a:t>整理</a:t>
-            </a:r>
-            <a:endParaRPr lang="zh-CN" altLang="en-US" sz="2200" b="1" dirty="0">
-              <a:solidFill>
-                <a:srgbClr val="00B050"/>
-              </a:solidFill>
-              <a:latin typeface="微软雅黑" panose="020B0503020204020204" pitchFamily="34" charset="-122"/>
-              <a:ea typeface="微软雅黑" panose="020B0503020204020204" pitchFamily="34" charset="-122"/>
-            </a:endParaRPr>
+              <a:t>用户故事的二次整理</a:t>
+            </a:r>
           </a:p>
         </p:txBody>
       </p:sp>
@@ -9480,14 +9993,7 @@
                 <a:latin typeface="微软雅黑" panose="020B0503020204020204" pitchFamily="34" charset="-122"/>
                 <a:ea typeface="微软雅黑" panose="020B0503020204020204" pitchFamily="34" charset="-122"/>
               </a:rPr>
-              <a:t>）：故事之间松耦合</a:t>
-            </a:r>
-            <a:r>
-              <a:rPr lang="zh-CN" altLang="en-US" sz="2400" dirty="0">
-                <a:latin typeface="微软雅黑" panose="020B0503020204020204" pitchFamily="34" charset="-122"/>
-                <a:ea typeface="微软雅黑" panose="020B0503020204020204" pitchFamily="34" charset="-122"/>
-              </a:rPr>
-              <a:t>，具有独立性，不应该依赖于其他的用户故事</a:t>
+              <a:t>）：故事之间松耦合，具有独立性，不应该依赖于其他的用户故事</a:t>
             </a:r>
             <a:r>
               <a:rPr lang="zh-CN" altLang="en-US" sz="2400" dirty="0" smtClean="0">
@@ -9576,14 +10082,7 @@
                 <a:latin typeface="微软雅黑" panose="020B0503020204020204" pitchFamily="34" charset="-122"/>
                 <a:ea typeface="微软雅黑" panose="020B0503020204020204" pitchFamily="34" charset="-122"/>
               </a:rPr>
-              <a:t>）</a:t>
-            </a:r>
-            <a:r>
-              <a:rPr lang="zh-CN" altLang="en-US" sz="2400" dirty="0">
-                <a:latin typeface="微软雅黑" panose="020B0503020204020204" pitchFamily="34" charset="-122"/>
-                <a:ea typeface="微软雅黑" panose="020B0503020204020204" pitchFamily="34" charset="-122"/>
-              </a:rPr>
-              <a:t>：用户故事对于最终的用户是有价值的，因此应该站在用户的角度去</a:t>
+              <a:t>）：用户故事对于最终的用户是有价值的，因此应该站在用户的角度去</a:t>
             </a:r>
             <a:r>
               <a:rPr lang="zh-CN" altLang="en-US" sz="2400" dirty="0" smtClean="0">
@@ -9638,14 +10137,7 @@
                 <a:latin typeface="微软雅黑" panose="020B0503020204020204" pitchFamily="34" charset="-122"/>
                 <a:ea typeface="微软雅黑" panose="020B0503020204020204" pitchFamily="34" charset="-122"/>
               </a:rPr>
-              <a:t>成本。（</a:t>
-            </a:r>
-            <a:r>
-              <a:rPr lang="zh-CN" altLang="en-US" sz="2400" dirty="0" smtClean="0">
-                <a:latin typeface="微软雅黑" panose="020B0503020204020204" pitchFamily="34" charset="-122"/>
-                <a:ea typeface="微软雅黑" panose="020B0503020204020204" pitchFamily="34" charset="-122"/>
-              </a:rPr>
-              <a:t>不可</a:t>
+              <a:t>成本。（不可</a:t>
             </a:r>
             <a:r>
               <a:rPr lang="zh-CN" altLang="en-US" sz="2400" dirty="0">
@@ -9693,28 +10185,14 @@
                 <a:latin typeface="微软雅黑" panose="020B0503020204020204" pitchFamily="34" charset="-122"/>
                 <a:ea typeface="微软雅黑" panose="020B0503020204020204" pitchFamily="34" charset="-122"/>
               </a:rPr>
-              <a:t>）</a:t>
-            </a:r>
-            <a:r>
-              <a:rPr lang="zh-CN" altLang="en-US" sz="2400" dirty="0">
-                <a:latin typeface="微软雅黑" panose="020B0503020204020204" pitchFamily="34" charset="-122"/>
-                <a:ea typeface="微软雅黑" panose="020B0503020204020204" pitchFamily="34" charset="-122"/>
-              </a:rPr>
-              <a:t>：故事应该尽量的</a:t>
+              <a:t>）：故事应该尽量的</a:t>
             </a:r>
             <a:r>
               <a:rPr lang="zh-CN" altLang="en-US" sz="2400" dirty="0" smtClean="0">
                 <a:latin typeface="微软雅黑" panose="020B0503020204020204" pitchFamily="34" charset="-122"/>
                 <a:ea typeface="微软雅黑" panose="020B0503020204020204" pitchFamily="34" charset="-122"/>
               </a:rPr>
-              <a:t>短小（</a:t>
-            </a:r>
-            <a:r>
-              <a:rPr lang="zh-CN" altLang="en-US" sz="2400" dirty="0" smtClean="0">
-                <a:latin typeface="微软雅黑" panose="020B0503020204020204" pitchFamily="34" charset="-122"/>
-                <a:ea typeface="微软雅黑" panose="020B0503020204020204" pitchFamily="34" charset="-122"/>
-              </a:rPr>
-              <a:t>如</a:t>
+              <a:t>短小（如</a:t>
             </a:r>
             <a:r>
               <a:rPr lang="zh-CN" altLang="en-US" sz="2400" dirty="0">
@@ -10236,13 +10714,6 @@
               </a:rPr>
               <a:t>作为一个维基用户，我想上传一个文件到维基，这样我可以和同事们分享。</a:t>
             </a:r>
-            <a:endParaRPr lang="zh-CN" altLang="en-US" sz="2400" dirty="0">
-              <a:solidFill>
-                <a:srgbClr val="7030A0"/>
-              </a:solidFill>
-              <a:latin typeface="微软雅黑" panose="020B0503020204020204" pitchFamily="34" charset="-122"/>
-              <a:ea typeface="微软雅黑" panose="020B0503020204020204" pitchFamily="34" charset="-122"/>
-            </a:endParaRPr>
           </a:p>
         </p:txBody>
       </p:sp>
@@ -10529,13 +11000,6 @@
               </a:rPr>
               <a:t>验证无数字版权管理限制的文件</a:t>
             </a:r>
-            <a:endParaRPr lang="zh-CN" altLang="en-US" sz="2400" dirty="0">
-              <a:solidFill>
-                <a:srgbClr val="BF6D07"/>
-              </a:solidFill>
-              <a:latin typeface="微软雅黑" panose="020B0503020204020204" pitchFamily="34" charset="-122"/>
-              <a:ea typeface="微软雅黑" panose="020B0503020204020204" pitchFamily="34" charset="-122"/>
-            </a:endParaRPr>
           </a:p>
         </p:txBody>
       </p:sp>
@@ -11143,13 +11607,6 @@
               </a:rPr>
               <a:t>种语言。</a:t>
             </a:r>
-            <a:endParaRPr lang="zh-CN" altLang="en-US" sz="2400" dirty="0">
-              <a:solidFill>
-                <a:srgbClr val="7030A0"/>
-              </a:solidFill>
-              <a:latin typeface="微软雅黑" panose="020B0503020204020204" pitchFamily="34" charset="-122"/>
-              <a:ea typeface="微软雅黑" panose="020B0503020204020204" pitchFamily="34" charset="-122"/>
-            </a:endParaRPr>
           </a:p>
         </p:txBody>
       </p:sp>
@@ -12016,13 +12473,6 @@
               </a:rPr>
               <a:t>Oracle</a:t>
             </a:r>
-            <a:endParaRPr lang="en-US" altLang="zh-CN" sz="2400" b="1" dirty="0">
-              <a:solidFill>
-                <a:srgbClr val="7030A0"/>
-              </a:solidFill>
-              <a:latin typeface="微软雅黑" panose="020B0503020204020204" pitchFamily="34" charset="-122"/>
-              <a:ea typeface="微软雅黑" panose="020B0503020204020204" pitchFamily="34" charset="-122"/>
-            </a:endParaRPr>
           </a:p>
           <a:p>
             <a:pPr algn="ctr" eaLnBrk="1" hangingPunct="1">
@@ -12078,13 +12528,6 @@
               </a:rPr>
               <a:t>版本上运营。</a:t>
             </a:r>
-            <a:endParaRPr lang="zh-CN" altLang="en-US" sz="2400" dirty="0">
-              <a:solidFill>
-                <a:srgbClr val="7030A0"/>
-              </a:solidFill>
-              <a:latin typeface="微软雅黑" panose="020B0503020204020204" pitchFamily="34" charset="-122"/>
-              <a:ea typeface="微软雅黑" panose="020B0503020204020204" pitchFamily="34" charset="-122"/>
-            </a:endParaRPr>
           </a:p>
         </p:txBody>
       </p:sp>
@@ -12170,13 +12613,6 @@
               </a:rPr>
               <a:t>作为开发人员，我想让构建在我提交代码时自动运行，这样可以避免在引入回归错误的时候就发现它。</a:t>
             </a:r>
-            <a:endParaRPr lang="zh-CN" altLang="en-US" sz="2400" dirty="0">
-              <a:solidFill>
-                <a:srgbClr val="7030A0"/>
-              </a:solidFill>
-              <a:latin typeface="微软雅黑" panose="020B0503020204020204" pitchFamily="34" charset="-122"/>
-              <a:ea typeface="微软雅黑" panose="020B0503020204020204" pitchFamily="34" charset="-122"/>
-            </a:endParaRPr>
           </a:p>
         </p:txBody>
       </p:sp>
@@ -13318,14 +13754,6 @@
               </a:rPr>
               <a:t>敏捷工程实践：结对编程</a:t>
             </a:r>
-            <a:endParaRPr lang="zh-CN" altLang="en-US" sz="3200" dirty="0">
-              <a:solidFill>
-                <a:srgbClr val="990000"/>
-              </a:solidFill>
-              <a:latin typeface="微软雅黑" panose="020B0503020204020204" pitchFamily="34" charset="-122"/>
-              <a:ea typeface="微软雅黑" panose="020B0503020204020204" pitchFamily="34" charset="-122"/>
-              <a:cs typeface="+mn-cs"/>
-            </a:endParaRPr>
           </a:p>
         </p:txBody>
       </p:sp>
@@ -13500,13 +13928,6 @@
               </a:rPr>
               <a:t>什么是结对编程</a:t>
             </a:r>
-            <a:endParaRPr lang="zh-CN" altLang="en-US" sz="2000" b="1" dirty="0">
-              <a:solidFill>
-                <a:schemeClr val="tx1"/>
-              </a:solidFill>
-              <a:latin typeface="微软雅黑" panose="020B0503020204020204" pitchFamily="34" charset="-122"/>
-              <a:ea typeface="微软雅黑" panose="020B0503020204020204" pitchFamily="34" charset="-122"/>
-            </a:endParaRPr>
           </a:p>
           <a:p>
             <a:pPr algn="l">
@@ -13584,13 +14005,6 @@
               </a:rPr>
               <a:t>；</a:t>
             </a:r>
-            <a:endParaRPr lang="zh-CN" altLang="en-US" sz="1800" dirty="0">
-              <a:solidFill>
-                <a:schemeClr val="tx1"/>
-              </a:solidFill>
-              <a:latin typeface="微软雅黑" panose="020B0503020204020204" pitchFamily="34" charset="-122"/>
-              <a:ea typeface="微软雅黑" panose="020B0503020204020204" pitchFamily="34" charset="-122"/>
-            </a:endParaRPr>
           </a:p>
           <a:p>
             <a:pPr algn="l">
@@ -13797,13 +14211,6 @@
               </a:rPr>
               <a:t>结对编程的好处</a:t>
             </a:r>
-            <a:endParaRPr lang="zh-CN" altLang="en-US" sz="2000" b="1" dirty="0">
-              <a:solidFill>
-                <a:schemeClr val="tx1"/>
-              </a:solidFill>
-              <a:latin typeface="微软雅黑" panose="020B0503020204020204" pitchFamily="34" charset="-122"/>
-              <a:ea typeface="微软雅黑" panose="020B0503020204020204" pitchFamily="34" charset="-122"/>
-            </a:endParaRPr>
           </a:p>
           <a:p>
             <a:pPr algn="l">
@@ -13829,13 +14236,6 @@
               </a:rPr>
               <a:t>有助于提升代码设计质量；</a:t>
             </a:r>
-            <a:endParaRPr lang="zh-CN" altLang="en-US" sz="1800" dirty="0">
-              <a:solidFill>
-                <a:schemeClr val="tx1"/>
-              </a:solidFill>
-              <a:latin typeface="微软雅黑" panose="020B0503020204020204" pitchFamily="34" charset="-122"/>
-              <a:ea typeface="微软雅黑" panose="020B0503020204020204" pitchFamily="34" charset="-122"/>
-            </a:endParaRPr>
           </a:p>
           <a:p>
             <a:pPr algn="l">
@@ -13943,13 +14343,6 @@
               </a:rPr>
               <a:t>结对编程能够大幅促进团队能力提升和知识传播。</a:t>
             </a:r>
-            <a:endParaRPr lang="zh-CN" altLang="en-US" sz="1800" dirty="0">
-              <a:solidFill>
-                <a:schemeClr val="tx1"/>
-              </a:solidFill>
-              <a:latin typeface="微软雅黑" panose="020B0503020204020204" pitchFamily="34" charset="-122"/>
-              <a:ea typeface="微软雅黑" panose="020B0503020204020204" pitchFamily="34" charset="-122"/>
-            </a:endParaRPr>
           </a:p>
         </p:txBody>
       </p:sp>
@@ -14124,13 +14517,6 @@
               </a:rPr>
               <a:t>结对编程的关键要点</a:t>
             </a:r>
-            <a:endParaRPr lang="zh-CN" altLang="en-US" sz="2000" b="1" dirty="0">
-              <a:solidFill>
-                <a:schemeClr val="tx1"/>
-              </a:solidFill>
-              <a:latin typeface="微软雅黑" panose="020B0503020204020204" pitchFamily="34" charset="-122"/>
-              <a:ea typeface="微软雅黑" panose="020B0503020204020204" pitchFamily="34" charset="-122"/>
-            </a:endParaRPr>
           </a:p>
           <a:p>
             <a:pPr algn="l">
@@ -14176,13 +14562,6 @@
               </a:rPr>
               <a:t>间切换，保持成员间平等协商和相互理解，避免出现一个角色支配另一个角色的现象；</a:t>
             </a:r>
-            <a:endParaRPr lang="zh-CN" altLang="en-US" sz="1800" dirty="0">
-              <a:solidFill>
-                <a:schemeClr val="tx1"/>
-              </a:solidFill>
-              <a:latin typeface="微软雅黑" panose="020B0503020204020204" pitchFamily="34" charset="-122"/>
-              <a:ea typeface="微软雅黑" panose="020B0503020204020204" pitchFamily="34" charset="-122"/>
-            </a:endParaRPr>
           </a:p>
           <a:p>
             <a:pPr algn="l">
@@ -14228,13 +14607,6 @@
               </a:rPr>
               <a:t>开发的时候即可变换搭档，以增进知识传播；</a:t>
             </a:r>
-            <a:endParaRPr lang="zh-CN" altLang="en-US" sz="1800" dirty="0">
-              <a:solidFill>
-                <a:schemeClr val="tx1"/>
-              </a:solidFill>
-              <a:latin typeface="微软雅黑" panose="020B0503020204020204" pitchFamily="34" charset="-122"/>
-              <a:ea typeface="微软雅黑" panose="020B0503020204020204" pitchFamily="34" charset="-122"/>
-            </a:endParaRPr>
           </a:p>
           <a:p>
             <a:pPr algn="l">
@@ -14280,13 +14652,6 @@
               </a:rPr>
               <a:t>的心态能够增进结对编程效果；</a:t>
             </a:r>
-            <a:endParaRPr lang="zh-CN" altLang="en-US" sz="1800" dirty="0">
-              <a:solidFill>
-                <a:schemeClr val="tx1"/>
-              </a:solidFill>
-              <a:latin typeface="微软雅黑" panose="020B0503020204020204" pitchFamily="34" charset="-122"/>
-              <a:ea typeface="微软雅黑" panose="020B0503020204020204" pitchFamily="34" charset="-122"/>
-            </a:endParaRPr>
           </a:p>
           <a:p>
             <a:pPr algn="l">
@@ -14312,13 +14677,6 @@
               </a:rPr>
               <a:t>实施初期需要精心辅导，帮助团队成员克服个性冲突和习惯差异。</a:t>
             </a:r>
-            <a:endParaRPr lang="zh-CN" altLang="en-US" sz="1800" dirty="0">
-              <a:solidFill>
-                <a:schemeClr val="tx1"/>
-              </a:solidFill>
-              <a:latin typeface="微软雅黑" panose="020B0503020204020204" pitchFamily="34" charset="-122"/>
-              <a:ea typeface="微软雅黑" panose="020B0503020204020204" pitchFamily="34" charset="-122"/>
-            </a:endParaRPr>
           </a:p>
         </p:txBody>
       </p:sp>
@@ -14492,13 +14850,6 @@
               </a:rPr>
               <a:t>结对编程提高代码质量和工作效率</a:t>
             </a:r>
-            <a:endParaRPr lang="zh-CN" altLang="en-US" sz="1800" b="1" dirty="0">
-              <a:solidFill>
-                <a:schemeClr val="tx2"/>
-              </a:solidFill>
-              <a:latin typeface="微软雅黑" panose="020B0503020204020204" pitchFamily="34" charset="-122"/>
-              <a:ea typeface="微软雅黑" panose="020B0503020204020204" pitchFamily="34" charset="-122"/>
-            </a:endParaRPr>
           </a:p>
         </p:txBody>
       </p:sp>
@@ -14511,7 +14862,7 @@
           <p:nvPr/>
         </p:nvPicPr>
         <p:blipFill>
-          <a:blip r:embed="rId1"/>
+          <a:blip r:embed="rId3"/>
           <a:stretch>
             <a:fillRect/>
           </a:stretch>
@@ -15002,14 +15353,6 @@
               </a:rPr>
               <a:t>）</a:t>
             </a:r>
-            <a:endParaRPr lang="zh-CN" altLang="en-US" sz="3200" dirty="0">
-              <a:solidFill>
-                <a:srgbClr val="990000"/>
-              </a:solidFill>
-              <a:latin typeface="微软雅黑" panose="020B0503020204020204" pitchFamily="34" charset="-122"/>
-              <a:ea typeface="微软雅黑" panose="020B0503020204020204" pitchFamily="34" charset="-122"/>
-              <a:cs typeface="+mn-cs"/>
-            </a:endParaRPr>
           </a:p>
         </p:txBody>
       </p:sp>
@@ -15184,13 +15527,6 @@
               </a:rPr>
               <a:t>什么是测试驱动开发</a:t>
             </a:r>
-            <a:endParaRPr lang="zh-CN" altLang="en-US" sz="2000" b="1" dirty="0">
-              <a:solidFill>
-                <a:schemeClr val="tx1"/>
-              </a:solidFill>
-              <a:latin typeface="微软雅黑" panose="020B0503020204020204" pitchFamily="34" charset="-122"/>
-              <a:ea typeface="微软雅黑" panose="020B0503020204020204" pitchFamily="34" charset="-122"/>
-            </a:endParaRPr>
           </a:p>
           <a:p>
             <a:pPr algn="l">
@@ -15226,13 +15562,6 @@
               </a:rPr>
               <a:t>以测试作为编程的中心，它要求在编写任何代码之前，首先编写定义代码功能的测试用例，编写的代码要通过用例，并不断进行重构优化；</a:t>
             </a:r>
-            <a:endParaRPr lang="zh-CN" altLang="en-US" sz="1800" dirty="0">
-              <a:solidFill>
-                <a:schemeClr val="tx1"/>
-              </a:solidFill>
-              <a:latin typeface="微软雅黑" panose="020B0503020204020204" pitchFamily="34" charset="-122"/>
-              <a:ea typeface="微软雅黑" panose="020B0503020204020204" pitchFamily="34" charset="-122"/>
-            </a:endParaRPr>
           </a:p>
           <a:p>
             <a:pPr algn="l">
@@ -15268,13 +15597,6 @@
               </a:rPr>
               <a:t>要求测试可以完全自动化运行。</a:t>
             </a:r>
-            <a:endParaRPr lang="zh-CN" altLang="en-US" sz="1800" dirty="0">
-              <a:solidFill>
-                <a:schemeClr val="tx1"/>
-              </a:solidFill>
-              <a:latin typeface="微软雅黑" panose="020B0503020204020204" pitchFamily="34" charset="-122"/>
-              <a:ea typeface="微软雅黑" panose="020B0503020204020204" pitchFamily="34" charset="-122"/>
-            </a:endParaRPr>
           </a:p>
         </p:txBody>
       </p:sp>
@@ -15449,13 +15771,6 @@
               </a:rPr>
               <a:t>测试驱动开发的好处</a:t>
             </a:r>
-            <a:endParaRPr lang="zh-CN" altLang="en-US" sz="2000" b="1" dirty="0">
-              <a:solidFill>
-                <a:schemeClr val="tx1"/>
-              </a:solidFill>
-              <a:latin typeface="微软雅黑" panose="020B0503020204020204" pitchFamily="34" charset="-122"/>
-              <a:ea typeface="微软雅黑" panose="020B0503020204020204" pitchFamily="34" charset="-122"/>
-            </a:endParaRPr>
           </a:p>
           <a:p>
             <a:pPr algn="l">
@@ -15481,13 +15796,6 @@
               </a:rPr>
               <a:t>和代码同步增长的自动化测试用例，能为代码构筑安全网，保证代码重构的质量；</a:t>
             </a:r>
-            <a:endParaRPr lang="zh-CN" altLang="en-US" sz="1800" dirty="0">
-              <a:solidFill>
-                <a:schemeClr val="tx1"/>
-              </a:solidFill>
-              <a:latin typeface="微软雅黑" panose="020B0503020204020204" pitchFamily="34" charset="-122"/>
-              <a:ea typeface="微软雅黑" panose="020B0503020204020204" pitchFamily="34" charset="-122"/>
-            </a:endParaRPr>
           </a:p>
           <a:p>
             <a:pPr algn="l">
@@ -15714,13 +16022,6 @@
               </a:rPr>
               <a:t>测试驱动开发的关键要点</a:t>
             </a:r>
-            <a:endParaRPr lang="zh-CN" altLang="en-US" sz="2000" b="1" dirty="0">
-              <a:solidFill>
-                <a:schemeClr val="tx1"/>
-              </a:solidFill>
-              <a:latin typeface="微软雅黑" panose="020B0503020204020204" pitchFamily="34" charset="-122"/>
-              <a:ea typeface="微软雅黑" panose="020B0503020204020204" pitchFamily="34" charset="-122"/>
-            </a:endParaRPr>
           </a:p>
           <a:p>
             <a:pPr algn="l">
@@ -15746,13 +16047,6 @@
               </a:rPr>
               <a:t>测试代码和源代码一样都需要简洁，可读性好；</a:t>
             </a:r>
-            <a:endParaRPr lang="zh-CN" altLang="en-US" sz="1800" dirty="0">
-              <a:solidFill>
-                <a:schemeClr val="tx1"/>
-              </a:solidFill>
-              <a:latin typeface="微软雅黑" panose="020B0503020204020204" pitchFamily="34" charset="-122"/>
-              <a:ea typeface="微软雅黑" panose="020B0503020204020204" pitchFamily="34" charset="-122"/>
-            </a:endParaRPr>
           </a:p>
           <a:p>
             <a:pPr algn="l">
@@ -15778,13 +16072,6 @@
               </a:rPr>
               <a:t>测试用例的设计要保证完备，覆盖被测单元的所有功能；</a:t>
             </a:r>
-            <a:endParaRPr lang="zh-CN" altLang="en-US" sz="1800" dirty="0">
-              <a:solidFill>
-                <a:schemeClr val="tx1"/>
-              </a:solidFill>
-              <a:latin typeface="微软雅黑" panose="020B0503020204020204" pitchFamily="34" charset="-122"/>
-              <a:ea typeface="微软雅黑" panose="020B0503020204020204" pitchFamily="34" charset="-122"/>
-            </a:endParaRPr>
           </a:p>
           <a:p>
             <a:pPr algn="l">
@@ -15810,13 +16097,6 @@
               </a:rPr>
               <a:t>每个测试用例尽量保持独立，减少依赖，提高用例的可维护性；</a:t>
             </a:r>
-            <a:endParaRPr lang="zh-CN" altLang="en-US" sz="1800" dirty="0">
-              <a:solidFill>
-                <a:schemeClr val="tx1"/>
-              </a:solidFill>
-              <a:latin typeface="微软雅黑" panose="020B0503020204020204" pitchFamily="34" charset="-122"/>
-              <a:ea typeface="微软雅黑" panose="020B0503020204020204" pitchFamily="34" charset="-122"/>
-            </a:endParaRPr>
           </a:p>
           <a:p>
             <a:pPr algn="l">
@@ -15862,13 +16142,6 @@
               </a:rPr>
               <a:t>实现。</a:t>
             </a:r>
-            <a:endParaRPr lang="zh-CN" altLang="en-US" sz="1800" dirty="0">
-              <a:solidFill>
-                <a:schemeClr val="tx1"/>
-              </a:solidFill>
-              <a:latin typeface="微软雅黑" panose="020B0503020204020204" pitchFamily="34" charset="-122"/>
-              <a:ea typeface="微软雅黑" panose="020B0503020204020204" pitchFamily="34" charset="-122"/>
-            </a:endParaRPr>
           </a:p>
         </p:txBody>
       </p:sp>
@@ -16062,13 +16335,6 @@
               </a:rPr>
               <a:t>）</a:t>
             </a:r>
-            <a:endParaRPr lang="zh-CN" altLang="en-US" sz="1600" b="1" dirty="0">
-              <a:solidFill>
-                <a:schemeClr val="tx2"/>
-              </a:solidFill>
-              <a:latin typeface="微软雅黑" panose="020B0503020204020204" pitchFamily="34" charset="-122"/>
-              <a:ea typeface="微软雅黑" panose="020B0503020204020204" pitchFamily="34" charset="-122"/>
-            </a:endParaRPr>
           </a:p>
         </p:txBody>
       </p:sp>
@@ -16088,12 +16354,12 @@
           <a:graphicData uri="http://schemas.openxmlformats.org/presentationml/2006/ole">
             <mc:AlternateContent xmlns:mc="http://schemas.openxmlformats.org/markup-compatibility/2006">
               <mc:Choice xmlns:v="urn:schemas-microsoft-com:vml" Requires="v">
-                <p:oleObj spid="_x0000_s2181" name="Visio" r:id="rId1" imgW="2581910" imgH="3335020" progId="Visio.Drawing.11">
+                <p:oleObj spid="_x0000_s2188" name="Visio" r:id="rId4" imgW="2581910" imgH="3335020" progId="Visio.Drawing.11">
                   <p:embed/>
                 </p:oleObj>
               </mc:Choice>
               <mc:Fallback>
-                <p:oleObj name="Visio" r:id="rId1" imgW="2581910" imgH="3335020" progId="Visio.Drawing.11">
+                <p:oleObj name="Visio" r:id="rId4" imgW="2581910" imgH="3335020" progId="Visio.Drawing.11">
                   <p:embed/>
                   <p:pic>
                     <p:nvPicPr>
@@ -16104,7 +16370,7 @@
                       <p:nvPr/>
                     </p:nvPicPr>
                     <p:blipFill>
-                      <a:blip r:embed="rId2">
+                      <a:blip r:embed="rId5">
                         <a:extLst>
                           <a:ext uri="{28A0092B-C50C-407E-A947-70E740481C1C}">
                             <a14:useLocalDpi xmlns:a14="http://schemas.microsoft.com/office/drawing/2010/main" val="0"/>
@@ -16508,13 +16774,6 @@
               </a:rPr>
               <a:t>目录</a:t>
             </a:r>
-            <a:endParaRPr lang="zh-CN" altLang="en-US" sz="3200" b="1" dirty="0">
-              <a:solidFill>
-                <a:srgbClr val="141316"/>
-              </a:solidFill>
-              <a:latin typeface="微软雅黑" panose="020B0503020204020204" pitchFamily="34" charset="-122"/>
-              <a:ea typeface="微软雅黑" panose="020B0503020204020204" pitchFamily="34" charset="-122"/>
-            </a:endParaRPr>
           </a:p>
         </p:txBody>
       </p:sp>
@@ -17318,13 +17577,6 @@
                 </a:rPr>
                 <a:t>一</a:t>
               </a:r>
-              <a:endParaRPr lang="zh-CN" altLang="en-US" sz="2000" b="1" dirty="0">
-                <a:solidFill>
-                  <a:schemeClr val="bg1"/>
-                </a:solidFill>
-                <a:latin typeface="微软雅黑" panose="020B0503020204020204" pitchFamily="34" charset="-122"/>
-                <a:ea typeface="微软雅黑" panose="020B0503020204020204" pitchFamily="34" charset="-122"/>
-              </a:endParaRPr>
             </a:p>
           </p:txBody>
         </p:sp>
@@ -17564,13 +17816,6 @@
                 </a:rPr>
                 <a:t>二</a:t>
               </a:r>
-              <a:endParaRPr lang="zh-CN" altLang="en-US" sz="2000" b="1" dirty="0">
-                <a:solidFill>
-                  <a:schemeClr val="bg1"/>
-                </a:solidFill>
-                <a:latin typeface="微软雅黑" panose="020B0503020204020204" pitchFamily="34" charset="-122"/>
-                <a:ea typeface="微软雅黑" panose="020B0503020204020204" pitchFamily="34" charset="-122"/>
-              </a:endParaRPr>
             </a:p>
           </p:txBody>
         </p:sp>
@@ -17720,20 +17965,20 @@
   <p:clrMapOvr>
     <a:masterClrMapping/>
   </p:clrMapOvr>
-  <mc:AlternateContent xmlns:mc="http://schemas.openxmlformats.org/markup-compatibility/2006">
-    <mc:Choice xmlns:p14="http://schemas.microsoft.com/office/powerpoint/2010/main" Requires="p14">
+  <mc:AlternateContent xmlns:mc="http://schemas.openxmlformats.org/markup-compatibility/2006" xmlns:p14="http://schemas.microsoft.com/office/powerpoint/2010/main">
+    <mc:Choice Requires="p14">
       <p:transition spd="med" p14:dur="700">
         <p:fade/>
       </p:transition>
     </mc:Choice>
-    <mc:Fallback>
+    <mc:Fallback xmlns="">
       <p:transition spd="med">
         <p:fade/>
       </p:transition>
     </mc:Fallback>
   </mc:AlternateContent>
-  <mc:AlternateContent xmlns:mc="http://schemas.openxmlformats.org/markup-compatibility/2006">
-    <mc:Choice xmlns:p14="http://schemas.microsoft.com/office/powerpoint/2010/main" Requires="p14">
+  <mc:AlternateContent xmlns:mc="http://schemas.openxmlformats.org/markup-compatibility/2006" xmlns:p14="http://schemas.microsoft.com/office/powerpoint/2010/main">
+    <mc:Choice Requires="p14">
       <p:timing>
         <p:tnLst>
           <p:par>
@@ -17970,7 +18215,7 @@
         </p:bldLst>
       </p:timing>
     </mc:Choice>
-    <mc:Fallback>
+    <mc:Fallback xmlns="">
       <p:timing>
         <p:tnLst>
           <p:par>
@@ -18300,14 +18545,6 @@
               </a:rPr>
               <a:t>(CI)</a:t>
             </a:r>
-            <a:endParaRPr lang="en-US" altLang="zh-CN" sz="3200" dirty="0">
-              <a:solidFill>
-                <a:srgbClr val="990000"/>
-              </a:solidFill>
-              <a:latin typeface="FrutigerNext LT Medium" pitchFamily="34" charset="0"/>
-              <a:ea typeface="黑体" panose="02010609060101010101" charset="-122"/>
-              <a:cs typeface="+mn-cs"/>
-            </a:endParaRPr>
           </a:p>
         </p:txBody>
       </p:sp>
@@ -18534,13 +18771,6 @@
               </a:rPr>
               <a:t>）是一项软件开发实践，其中团队的成员经常集成他们的工作，通常每人每天至少集成一次，每次集成通过自动化构建完成。</a:t>
             </a:r>
-            <a:endParaRPr lang="zh-CN" altLang="en-US" sz="1800" dirty="0">
-              <a:solidFill>
-                <a:schemeClr val="tx1"/>
-              </a:solidFill>
-              <a:latin typeface="微软雅黑" panose="020B0503020204020204" pitchFamily="34" charset="-122"/>
-              <a:ea typeface="微软雅黑" panose="020B0503020204020204" pitchFamily="34" charset="-122"/>
-            </a:endParaRPr>
           </a:p>
         </p:txBody>
       </p:sp>
@@ -18715,13 +18945,6 @@
               </a:rPr>
               <a:t>持续集成的好处</a:t>
             </a:r>
-            <a:endParaRPr lang="zh-CN" altLang="en-US" sz="2000" b="1" dirty="0">
-              <a:solidFill>
-                <a:schemeClr val="tx1"/>
-              </a:solidFill>
-              <a:latin typeface="微软雅黑" panose="020B0503020204020204" pitchFamily="34" charset="-122"/>
-              <a:ea typeface="微软雅黑" panose="020B0503020204020204" pitchFamily="34" charset="-122"/>
-            </a:endParaRPr>
           </a:p>
           <a:p>
             <a:pPr algn="l">
@@ -18799,13 +19022,6 @@
               </a:rPr>
               <a:t>降低缺陷修改成本；</a:t>
             </a:r>
-            <a:endParaRPr lang="zh-CN" altLang="en-US" sz="1800" dirty="0">
-              <a:solidFill>
-                <a:schemeClr val="tx1"/>
-              </a:solidFill>
-              <a:latin typeface="微软雅黑" panose="020B0503020204020204" pitchFamily="34" charset="-122"/>
-              <a:ea typeface="微软雅黑" panose="020B0503020204020204" pitchFamily="34" charset="-122"/>
-            </a:endParaRPr>
           </a:p>
           <a:p>
             <a:pPr algn="l">
@@ -19011,13 +19227,6 @@
               </a:rPr>
               <a:t>持续集成提供产品质量的快速反馈，保证随时拥有可工作的软件</a:t>
             </a:r>
-            <a:endParaRPr lang="zh-CN" altLang="en-US" sz="1600" b="1" dirty="0">
-              <a:solidFill>
-                <a:schemeClr val="tx2"/>
-              </a:solidFill>
-              <a:latin typeface="微软雅黑" panose="020B0503020204020204" pitchFamily="34" charset="-122"/>
-              <a:ea typeface="微软雅黑" panose="020B0503020204020204" pitchFamily="34" charset="-122"/>
-            </a:endParaRPr>
           </a:p>
         </p:txBody>
       </p:sp>
@@ -19028,7 +19237,7 @@
           <p:nvPr/>
         </p:nvPicPr>
         <p:blipFill>
-          <a:blip r:embed="rId1">
+          <a:blip r:embed="rId3">
             <a:clrChange>
               <a:clrFrom>
                 <a:srgbClr val="FFFFFF"/>
@@ -19343,14 +19552,6 @@
               </a:rPr>
               <a:t>(CI)</a:t>
             </a:r>
-            <a:endParaRPr lang="en-US" altLang="zh-CN" sz="3200" dirty="0">
-              <a:solidFill>
-                <a:srgbClr val="990000"/>
-              </a:solidFill>
-              <a:latin typeface="FrutigerNext LT Medium" pitchFamily="34" charset="0"/>
-              <a:ea typeface="黑体" panose="02010609060101010101" charset="-122"/>
-              <a:cs typeface="+mn-cs"/>
-            </a:endParaRPr>
           </a:p>
         </p:txBody>
       </p:sp>
@@ -19535,13 +19736,6 @@
               </a:rPr>
               <a:t>持续集成的关键要点</a:t>
             </a:r>
-            <a:endParaRPr lang="zh-CN" altLang="en-US" sz="2000" b="1" dirty="0">
-              <a:solidFill>
-                <a:schemeClr val="tx1"/>
-              </a:solidFill>
-              <a:latin typeface="微软雅黑" panose="020B0503020204020204" pitchFamily="34" charset="-122"/>
-              <a:ea typeface="微软雅黑" panose="020B0503020204020204" pitchFamily="34" charset="-122"/>
-            </a:endParaRPr>
           </a:p>
           <a:p>
             <a:pPr algn="l">
@@ -19567,13 +19761,6 @@
               </a:rPr>
               <a:t>持续集成强调 “快速”和“反馈”，要求完成一次系统集成的时间尽量短，并提供完备且有效的反馈信息；</a:t>
             </a:r>
-            <a:endParaRPr lang="zh-CN" altLang="en-US" sz="1800" dirty="0">
-              <a:solidFill>
-                <a:schemeClr val="tx1"/>
-              </a:solidFill>
-              <a:latin typeface="微软雅黑" panose="020B0503020204020204" pitchFamily="34" charset="-122"/>
-              <a:ea typeface="微软雅黑" panose="020B0503020204020204" pitchFamily="34" charset="-122"/>
-            </a:endParaRPr>
           </a:p>
           <a:p>
             <a:pPr algn="l">
@@ -19599,13 +19786,6 @@
               </a:rPr>
               <a:t>自动化测试用例的完备性和有效性是持续集成质量保障；</a:t>
             </a:r>
-            <a:endParaRPr lang="zh-CN" altLang="en-US" sz="1800" dirty="0">
-              <a:solidFill>
-                <a:schemeClr val="tx1"/>
-              </a:solidFill>
-              <a:latin typeface="微软雅黑" panose="020B0503020204020204" pitchFamily="34" charset="-122"/>
-              <a:ea typeface="微软雅黑" panose="020B0503020204020204" pitchFamily="34" charset="-122"/>
-            </a:endParaRPr>
           </a:p>
           <a:p>
             <a:pPr algn="l">
@@ -19631,13 +19811,6 @@
               </a:rPr>
               <a:t>修复失败的构建是团队最高优先级的任务；</a:t>
             </a:r>
-            <a:endParaRPr lang="zh-CN" altLang="en-US" sz="1800" dirty="0">
-              <a:solidFill>
-                <a:schemeClr val="tx1"/>
-              </a:solidFill>
-              <a:latin typeface="微软雅黑" panose="020B0503020204020204" pitchFamily="34" charset="-122"/>
-              <a:ea typeface="微软雅黑" panose="020B0503020204020204" pitchFamily="34" charset="-122"/>
-            </a:endParaRPr>
           </a:p>
           <a:p>
             <a:pPr algn="l">
@@ -19663,13 +19836,6 @@
               </a:rPr>
               <a:t>开发人员须先在本地构建成功，才可提交代码到配置库 ；</a:t>
             </a:r>
-            <a:endParaRPr lang="zh-CN" altLang="en-US" sz="1800" dirty="0">
-              <a:solidFill>
-                <a:schemeClr val="tx1"/>
-              </a:solidFill>
-              <a:latin typeface="微软雅黑" panose="020B0503020204020204" pitchFamily="34" charset="-122"/>
-              <a:ea typeface="微软雅黑" panose="020B0503020204020204" pitchFamily="34" charset="-122"/>
-            </a:endParaRPr>
           </a:p>
           <a:p>
             <a:pPr algn="l">
@@ -19695,13 +19861,6 @@
               </a:rPr>
               <a:t>持续集成的状态必须实时可视化显示给所有人；</a:t>
             </a:r>
-            <a:endParaRPr lang="zh-CN" altLang="en-US" sz="1800" dirty="0">
-              <a:solidFill>
-                <a:schemeClr val="tx1"/>
-              </a:solidFill>
-              <a:latin typeface="微软雅黑" panose="020B0503020204020204" pitchFamily="34" charset="-122"/>
-              <a:ea typeface="微软雅黑" panose="020B0503020204020204" pitchFamily="34" charset="-122"/>
-            </a:endParaRPr>
           </a:p>
           <a:p>
             <a:pPr algn="l">
@@ -19727,13 +19886,6 @@
               </a:rPr>
               <a:t>大系统持续集成需分层分级，建立各层次统一的测试策略。</a:t>
             </a:r>
-            <a:endParaRPr lang="zh-CN" altLang="en-US" sz="1800" dirty="0">
-              <a:solidFill>
-                <a:schemeClr val="tx1"/>
-              </a:solidFill>
-              <a:latin typeface="微软雅黑" panose="020B0503020204020204" pitchFamily="34" charset="-122"/>
-              <a:ea typeface="微软雅黑" panose="020B0503020204020204" pitchFamily="34" charset="-122"/>
-            </a:endParaRPr>
           </a:p>
         </p:txBody>
       </p:sp>
@@ -19782,7 +19934,7 @@
           <p:nvPr/>
         </p:nvPicPr>
         <p:blipFill>
-          <a:blip r:embed="rId1">
+          <a:blip r:embed="rId3">
             <a:extLst>
               <a:ext uri="{28A0092B-C50C-407E-A947-70E740481C1C}">
                 <a14:useLocalDpi xmlns:a14="http://schemas.microsoft.com/office/drawing/2010/main" val="0"/>
@@ -19858,7 +20010,7 @@
         </p:nvSpPr>
         <p:spPr>
           <a:xfrm>
-            <a:off x="487363" y="502719"/>
+            <a:off x="487363" y="487729"/>
             <a:ext cx="7545387" cy="414337"/>
           </a:xfrm>
           <a:noFill/>
@@ -19905,10 +20057,10 @@
                 <a:ea typeface="黑体" panose="02010609060101010101" charset="-122"/>
                 <a:cs typeface="+mn-cs"/>
               </a:rPr>
-              <a:t>敏捷工程实践：</a:t>
-            </a:r>
-            <a:r>
-              <a:rPr lang="en-US" altLang="zh-CN" sz="3200" dirty="0">
+              <a:t>敏捷工程实践</a:t>
+            </a:r>
+            <a:r>
+              <a:rPr lang="zh-CN" altLang="en-US" sz="3200" dirty="0" smtClean="0">
                 <a:solidFill>
                   <a:srgbClr val="990000"/>
                 </a:solidFill>
@@ -19916,7 +20068,18 @@
                 <a:ea typeface="黑体" panose="02010609060101010101" charset="-122"/>
                 <a:cs typeface="+mn-cs"/>
               </a:rPr>
-              <a:t>Code Review</a:t>
+              <a:t>：</a:t>
+            </a:r>
+            <a:r>
+              <a:rPr lang="en-US" altLang="zh-CN" sz="3200" dirty="0" err="1" smtClean="0">
+                <a:solidFill>
+                  <a:srgbClr val="990000"/>
+                </a:solidFill>
+                <a:latin typeface="FrutigerNext LT Medium" pitchFamily="34" charset="0"/>
+                <a:ea typeface="黑体" panose="02010609060101010101" charset="-122"/>
+                <a:cs typeface="+mn-cs"/>
+              </a:rPr>
+              <a:t>git</a:t>
             </a:r>
             <a:endParaRPr lang="en-US" altLang="zh-CN" sz="3200" dirty="0">
               <a:solidFill>
@@ -19926,6 +20089,1076 @@
               <a:ea typeface="黑体" panose="02010609060101010101" charset="-122"/>
               <a:cs typeface="+mn-cs"/>
             </a:endParaRPr>
+          </a:p>
+        </p:txBody>
+      </p:sp>
+      <p:sp>
+        <p:nvSpPr>
+          <p:cNvPr id="7" name="Rectangle 3"/>
+          <p:cNvSpPr>
+            <a:spLocks noChangeArrowheads="1"/>
+          </p:cNvSpPr>
+          <p:nvPr/>
+        </p:nvSpPr>
+        <p:spPr bwMode="auto">
+          <a:xfrm>
+            <a:off x="602570" y="1460041"/>
+            <a:ext cx="6469384" cy="4258587"/>
+          </a:xfrm>
+          <a:prstGeom prst="rect">
+            <a:avLst/>
+          </a:prstGeom>
+          <a:noFill/>
+          <a:ln>
+            <a:noFill/>
+          </a:ln>
+          <a:extLst>
+            <a:ext uri="{909E8E84-426E-40DD-AFC4-6F175D3DCCD1}">
+              <a14:hiddenFill xmlns:a14="http://schemas.microsoft.com/office/drawing/2010/main">
+                <a:solidFill>
+                  <a:srgbClr val="FFFFFF"/>
+                </a:solidFill>
+              </a14:hiddenFill>
+            </a:ext>
+            <a:ext uri="{91240B29-F687-4F45-9708-019B960494DF}">
+              <a14:hiddenLine xmlns:a14="http://schemas.microsoft.com/office/drawing/2010/main" w="9525">
+                <a:solidFill>
+                  <a:srgbClr val="000000"/>
+                </a:solidFill>
+                <a:miter lim="800000"/>
+                <a:headEnd/>
+                <a:tailEnd/>
+              </a14:hiddenLine>
+            </a:ext>
+          </a:extLst>
+        </p:spPr>
+        <p:txBody>
+          <a:bodyPr lIns="80035" tIns="40018" rIns="80035" bIns="40018"/>
+          <a:lstStyle>
+            <a:lvl1pPr marL="298450" indent="-298450" defTabSz="800100" eaLnBrk="0" hangingPunct="0">
+              <a:defRPr sz="3200">
+                <a:solidFill>
+                  <a:srgbClr val="990000"/>
+                </a:solidFill>
+                <a:latin typeface="FrutigerNext LT Medium" pitchFamily="34" charset="0"/>
+                <a:ea typeface="黑体" panose="02010609060101010101" charset="-122"/>
+              </a:defRPr>
+            </a:lvl1pPr>
+            <a:lvl2pPr marL="742950" indent="-285750" defTabSz="800100" eaLnBrk="0" hangingPunct="0">
+              <a:defRPr sz="3200">
+                <a:solidFill>
+                  <a:srgbClr val="990000"/>
+                </a:solidFill>
+                <a:latin typeface="FrutigerNext LT Medium" pitchFamily="34" charset="0"/>
+                <a:ea typeface="黑体" panose="02010609060101010101" charset="-122"/>
+              </a:defRPr>
+            </a:lvl2pPr>
+            <a:lvl3pPr marL="1143000" indent="-228600" defTabSz="800100" eaLnBrk="0" hangingPunct="0">
+              <a:defRPr sz="3200">
+                <a:solidFill>
+                  <a:srgbClr val="990000"/>
+                </a:solidFill>
+                <a:latin typeface="FrutigerNext LT Medium" pitchFamily="34" charset="0"/>
+                <a:ea typeface="黑体" panose="02010609060101010101" charset="-122"/>
+              </a:defRPr>
+            </a:lvl3pPr>
+            <a:lvl4pPr marL="1600200" indent="-228600" defTabSz="800100" eaLnBrk="0" hangingPunct="0">
+              <a:defRPr sz="3200">
+                <a:solidFill>
+                  <a:srgbClr val="990000"/>
+                </a:solidFill>
+                <a:latin typeface="FrutigerNext LT Medium" pitchFamily="34" charset="0"/>
+                <a:ea typeface="黑体" panose="02010609060101010101" charset="-122"/>
+              </a:defRPr>
+            </a:lvl4pPr>
+            <a:lvl5pPr marL="2057400" indent="-228600" defTabSz="800100" eaLnBrk="0" hangingPunct="0">
+              <a:defRPr sz="3200">
+                <a:solidFill>
+                  <a:srgbClr val="990000"/>
+                </a:solidFill>
+                <a:latin typeface="FrutigerNext LT Medium" pitchFamily="34" charset="0"/>
+                <a:ea typeface="黑体" panose="02010609060101010101" charset="-122"/>
+              </a:defRPr>
+            </a:lvl5pPr>
+            <a:lvl6pPr marL="2514600" indent="-228600" algn="ctr" defTabSz="800100" eaLnBrk="0" fontAlgn="base" hangingPunct="0">
+              <a:spcBef>
+                <a:spcPct val="0"/>
+              </a:spcBef>
+              <a:spcAft>
+                <a:spcPct val="0"/>
+              </a:spcAft>
+              <a:defRPr sz="3200">
+                <a:solidFill>
+                  <a:srgbClr val="990000"/>
+                </a:solidFill>
+                <a:latin typeface="FrutigerNext LT Medium" pitchFamily="34" charset="0"/>
+                <a:ea typeface="黑体" panose="02010609060101010101" charset="-122"/>
+              </a:defRPr>
+            </a:lvl6pPr>
+            <a:lvl7pPr marL="2971800" indent="-228600" algn="ctr" defTabSz="800100" eaLnBrk="0" fontAlgn="base" hangingPunct="0">
+              <a:spcBef>
+                <a:spcPct val="0"/>
+              </a:spcBef>
+              <a:spcAft>
+                <a:spcPct val="0"/>
+              </a:spcAft>
+              <a:defRPr sz="3200">
+                <a:solidFill>
+                  <a:srgbClr val="990000"/>
+                </a:solidFill>
+                <a:latin typeface="FrutigerNext LT Medium" pitchFamily="34" charset="0"/>
+                <a:ea typeface="黑体" panose="02010609060101010101" charset="-122"/>
+              </a:defRPr>
+            </a:lvl7pPr>
+            <a:lvl8pPr marL="3429000" indent="-228600" algn="ctr" defTabSz="800100" eaLnBrk="0" fontAlgn="base" hangingPunct="0">
+              <a:spcBef>
+                <a:spcPct val="0"/>
+              </a:spcBef>
+              <a:spcAft>
+                <a:spcPct val="0"/>
+              </a:spcAft>
+              <a:defRPr sz="3200">
+                <a:solidFill>
+                  <a:srgbClr val="990000"/>
+                </a:solidFill>
+                <a:latin typeface="FrutigerNext LT Medium" pitchFamily="34" charset="0"/>
+                <a:ea typeface="黑体" panose="02010609060101010101" charset="-122"/>
+              </a:defRPr>
+            </a:lvl8pPr>
+            <a:lvl9pPr marL="3886200" indent="-228600" algn="ctr" defTabSz="800100" eaLnBrk="0" fontAlgn="base" hangingPunct="0">
+              <a:spcBef>
+                <a:spcPct val="0"/>
+              </a:spcBef>
+              <a:spcAft>
+                <a:spcPct val="0"/>
+              </a:spcAft>
+              <a:defRPr sz="3200">
+                <a:solidFill>
+                  <a:srgbClr val="990000"/>
+                </a:solidFill>
+                <a:latin typeface="FrutigerNext LT Medium" pitchFamily="34" charset="0"/>
+                <a:ea typeface="黑体" panose="02010609060101010101" charset="-122"/>
+              </a:defRPr>
+            </a:lvl9pPr>
+          </a:lstStyle>
+          <a:p>
+            <a:pPr>
+              <a:lnSpc>
+                <a:spcPct val="90000"/>
+              </a:lnSpc>
+              <a:buClr>
+                <a:schemeClr val="bg2"/>
+              </a:buClr>
+              <a:buSzPct val="60000"/>
+              <a:buFont typeface="Wingdings" panose="05000000000000000000" pitchFamily="2" charset="2"/>
+              <a:buNone/>
+            </a:pPr>
+            <a:r>
+              <a:rPr lang="zh-CN" altLang="en-US" sz="1800" b="1" dirty="0">
+                <a:solidFill>
+                  <a:schemeClr val="tx1"/>
+                </a:solidFill>
+                <a:latin typeface="微软雅黑" panose="020B0503020204020204" pitchFamily="34" charset="-122"/>
+                <a:ea typeface="微软雅黑" panose="020B0503020204020204" pitchFamily="34" charset="-122"/>
+              </a:rPr>
+              <a:t>  </a:t>
+            </a:r>
+            <a:r>
+              <a:rPr lang="en-US" altLang="zh-CN" sz="2000" b="1" dirty="0" err="1" smtClean="0">
+                <a:solidFill>
+                  <a:schemeClr val="tx1"/>
+                </a:solidFill>
+                <a:latin typeface="微软雅黑" panose="020B0503020204020204" pitchFamily="34" charset="-122"/>
+                <a:ea typeface="微软雅黑" panose="020B0503020204020204" pitchFamily="34" charset="-122"/>
+              </a:rPr>
+              <a:t>git</a:t>
+            </a:r>
+            <a:r>
+              <a:rPr lang="en-US" altLang="zh-CN" sz="2000" b="1" dirty="0" smtClean="0">
+                <a:solidFill>
+                  <a:schemeClr val="tx1"/>
+                </a:solidFill>
+                <a:latin typeface="微软雅黑" panose="020B0503020204020204" pitchFamily="34" charset="-122"/>
+                <a:ea typeface="微软雅黑" panose="020B0503020204020204" pitchFamily="34" charset="-122"/>
+              </a:rPr>
+              <a:t> </a:t>
+            </a:r>
+            <a:r>
+              <a:rPr lang="zh-CN" altLang="en-US" sz="2000" b="1" dirty="0">
+                <a:solidFill>
+                  <a:schemeClr val="tx1"/>
+                </a:solidFill>
+                <a:latin typeface="微软雅黑" panose="020B0503020204020204" pitchFamily="34" charset="-122"/>
+                <a:ea typeface="微软雅黑" panose="020B0503020204020204" pitchFamily="34" charset="-122"/>
+              </a:rPr>
+              <a:t>是一个开源的分布式版本控制</a:t>
+            </a:r>
+            <a:r>
+              <a:rPr lang="zh-CN" altLang="en-US" sz="2000" b="1" dirty="0" smtClean="0">
+                <a:solidFill>
+                  <a:schemeClr val="tx1"/>
+                </a:solidFill>
+                <a:latin typeface="微软雅黑" panose="020B0503020204020204" pitchFamily="34" charset="-122"/>
+                <a:ea typeface="微软雅黑" panose="020B0503020204020204" pitchFamily="34" charset="-122"/>
+              </a:rPr>
+              <a:t>系统</a:t>
+            </a:r>
+            <a:endParaRPr lang="zh-CN" altLang="en-US" sz="2000" b="1" dirty="0">
+              <a:solidFill>
+                <a:schemeClr val="tx1"/>
+              </a:solidFill>
+              <a:latin typeface="微软雅黑" panose="020B0503020204020204" pitchFamily="34" charset="-122"/>
+              <a:ea typeface="微软雅黑" panose="020B0503020204020204" pitchFamily="34" charset="-122"/>
+            </a:endParaRPr>
+          </a:p>
+          <a:p>
+            <a:pPr>
+              <a:lnSpc>
+                <a:spcPct val="140000"/>
+              </a:lnSpc>
+              <a:buClr>
+                <a:schemeClr val="accent1">
+                  <a:lumMod val="50000"/>
+                </a:schemeClr>
+              </a:buClr>
+              <a:buSzPct val="60000"/>
+              <a:buFont typeface="Wingdings" panose="05000000000000000000" pitchFamily="2" charset="2"/>
+              <a:buChar char="l"/>
+            </a:pPr>
+            <a:r>
+              <a:rPr lang="en-US" altLang="zh-CN" sz="1800" dirty="0" err="1" smtClean="0">
+                <a:solidFill>
+                  <a:schemeClr val="tx1"/>
+                </a:solidFill>
+                <a:latin typeface="微软雅黑" panose="020B0503020204020204" pitchFamily="34" charset="-122"/>
+                <a:ea typeface="微软雅黑" panose="020B0503020204020204" pitchFamily="34" charset="-122"/>
+              </a:rPr>
+              <a:t>git</a:t>
+            </a:r>
+            <a:r>
+              <a:rPr lang="zh-CN" altLang="en-US" sz="1800" dirty="0" smtClean="0">
+                <a:solidFill>
+                  <a:schemeClr val="tx1"/>
+                </a:solidFill>
+                <a:latin typeface="微软雅黑" panose="020B0503020204020204" pitchFamily="34" charset="-122"/>
+                <a:ea typeface="微软雅黑" panose="020B0503020204020204" pitchFamily="34" charset="-122"/>
+              </a:rPr>
+              <a:t>是</a:t>
+            </a:r>
+            <a:r>
+              <a:rPr lang="zh-CN" altLang="en-US" sz="1800" dirty="0">
+                <a:solidFill>
+                  <a:schemeClr val="tx1"/>
+                </a:solidFill>
+                <a:latin typeface="微软雅黑" panose="020B0503020204020204" pitchFamily="34" charset="-122"/>
+                <a:ea typeface="微软雅黑" panose="020B0503020204020204" pitchFamily="34" charset="-122"/>
+              </a:rPr>
+              <a:t>一个分布式版本控制软件，最初由林纳斯</a:t>
+            </a:r>
+            <a:r>
+              <a:rPr lang="en-US" altLang="zh-CN" sz="1800" dirty="0">
+                <a:solidFill>
+                  <a:schemeClr val="tx1"/>
+                </a:solidFill>
+                <a:latin typeface="微软雅黑" panose="020B0503020204020204" pitchFamily="34" charset="-122"/>
+                <a:ea typeface="微软雅黑" panose="020B0503020204020204" pitchFamily="34" charset="-122"/>
+              </a:rPr>
+              <a:t>·</a:t>
+            </a:r>
+            <a:r>
+              <a:rPr lang="zh-CN" altLang="en-US" sz="1800" dirty="0">
+                <a:solidFill>
+                  <a:schemeClr val="tx1"/>
+                </a:solidFill>
+                <a:latin typeface="微软雅黑" panose="020B0503020204020204" pitchFamily="34" charset="-122"/>
+                <a:ea typeface="微软雅黑" panose="020B0503020204020204" pitchFamily="34" charset="-122"/>
+              </a:rPr>
+              <a:t>托瓦兹创作，于</a:t>
+            </a:r>
+            <a:r>
+              <a:rPr lang="en-US" altLang="zh-CN" sz="1800" dirty="0">
+                <a:solidFill>
+                  <a:schemeClr val="tx1"/>
+                </a:solidFill>
+                <a:latin typeface="微软雅黑" panose="020B0503020204020204" pitchFamily="34" charset="-122"/>
+                <a:ea typeface="微软雅黑" panose="020B0503020204020204" pitchFamily="34" charset="-122"/>
+              </a:rPr>
+              <a:t>2005</a:t>
+            </a:r>
+            <a:r>
+              <a:rPr lang="zh-CN" altLang="en-US" sz="1800" dirty="0">
+                <a:solidFill>
+                  <a:schemeClr val="tx1"/>
+                </a:solidFill>
+                <a:latin typeface="微软雅黑" panose="020B0503020204020204" pitchFamily="34" charset="-122"/>
+                <a:ea typeface="微软雅黑" panose="020B0503020204020204" pitchFamily="34" charset="-122"/>
+              </a:rPr>
+              <a:t>年以 </a:t>
+            </a:r>
+            <a:r>
+              <a:rPr lang="en-US" altLang="zh-CN" sz="1800" dirty="0">
+                <a:solidFill>
+                  <a:schemeClr val="tx1"/>
+                </a:solidFill>
+                <a:latin typeface="微软雅黑" panose="020B0503020204020204" pitchFamily="34" charset="-122"/>
+                <a:ea typeface="微软雅黑" panose="020B0503020204020204" pitchFamily="34" charset="-122"/>
+              </a:rPr>
+              <a:t>GPL </a:t>
+            </a:r>
+            <a:r>
+              <a:rPr lang="zh-CN" altLang="en-US" sz="1800" dirty="0">
+                <a:solidFill>
+                  <a:schemeClr val="tx1"/>
+                </a:solidFill>
+                <a:latin typeface="微软雅黑" panose="020B0503020204020204" pitchFamily="34" charset="-122"/>
+                <a:ea typeface="微软雅黑" panose="020B0503020204020204" pitchFamily="34" charset="-122"/>
+              </a:rPr>
+              <a:t>发布。最初目的是为更好地管理 </a:t>
+            </a:r>
+            <a:r>
+              <a:rPr lang="en-US" altLang="zh-CN" sz="1800" dirty="0">
+                <a:solidFill>
+                  <a:schemeClr val="tx1"/>
+                </a:solidFill>
+                <a:latin typeface="微软雅黑" panose="020B0503020204020204" pitchFamily="34" charset="-122"/>
+                <a:ea typeface="微软雅黑" panose="020B0503020204020204" pitchFamily="34" charset="-122"/>
+              </a:rPr>
+              <a:t>Linux </a:t>
+            </a:r>
+            <a:r>
+              <a:rPr lang="zh-CN" altLang="en-US" sz="1800" dirty="0">
+                <a:solidFill>
+                  <a:schemeClr val="tx1"/>
+                </a:solidFill>
+                <a:latin typeface="微软雅黑" panose="020B0503020204020204" pitchFamily="34" charset="-122"/>
+                <a:ea typeface="微软雅黑" panose="020B0503020204020204" pitchFamily="34" charset="-122"/>
+              </a:rPr>
+              <a:t>内核开发而设计</a:t>
+            </a:r>
+            <a:r>
+              <a:rPr lang="zh-CN" altLang="en-US" sz="1800" dirty="0" smtClean="0">
+                <a:solidFill>
+                  <a:schemeClr val="tx1"/>
+                </a:solidFill>
+                <a:latin typeface="微软雅黑" panose="020B0503020204020204" pitchFamily="34" charset="-122"/>
+                <a:ea typeface="微软雅黑" panose="020B0503020204020204" pitchFamily="34" charset="-122"/>
+              </a:rPr>
+              <a:t>。</a:t>
+            </a:r>
+            <a:endParaRPr lang="en-US" altLang="zh-CN" sz="1800" dirty="0" smtClean="0">
+              <a:solidFill>
+                <a:schemeClr val="tx1"/>
+              </a:solidFill>
+              <a:latin typeface="微软雅黑" panose="020B0503020204020204" pitchFamily="34" charset="-122"/>
+              <a:ea typeface="微软雅黑" panose="020B0503020204020204" pitchFamily="34" charset="-122"/>
+            </a:endParaRPr>
+          </a:p>
+          <a:p>
+            <a:pPr>
+              <a:lnSpc>
+                <a:spcPct val="140000"/>
+              </a:lnSpc>
+              <a:buClr>
+                <a:schemeClr val="accent1">
+                  <a:lumMod val="50000"/>
+                </a:schemeClr>
+              </a:buClr>
+              <a:buSzPct val="60000"/>
+              <a:buFont typeface="Wingdings" panose="05000000000000000000" pitchFamily="2" charset="2"/>
+              <a:buChar char="l"/>
+            </a:pPr>
+            <a:r>
+              <a:rPr lang="en-US" altLang="zh-CN" sz="1800" dirty="0" err="1" smtClean="0">
+                <a:solidFill>
+                  <a:schemeClr val="tx1"/>
+                </a:solidFill>
+                <a:latin typeface="微软雅黑" panose="020B0503020204020204" pitchFamily="34" charset="-122"/>
+                <a:ea typeface="微软雅黑" panose="020B0503020204020204" pitchFamily="34" charset="-122"/>
+              </a:rPr>
+              <a:t>git</a:t>
+            </a:r>
+            <a:r>
+              <a:rPr lang="zh-CN" altLang="en-US" sz="1800" dirty="0" smtClean="0">
+                <a:solidFill>
+                  <a:schemeClr val="tx1"/>
+                </a:solidFill>
+                <a:latin typeface="微软雅黑" panose="020B0503020204020204" pitchFamily="34" charset="-122"/>
+                <a:ea typeface="微软雅黑" panose="020B0503020204020204" pitchFamily="34" charset="-122"/>
+              </a:rPr>
+              <a:t>官网：</a:t>
+            </a:r>
+            <a:r>
+              <a:rPr lang="en-US" altLang="zh-CN" sz="1800" dirty="0">
+                <a:solidFill>
+                  <a:schemeClr val="tx1"/>
+                </a:solidFill>
+                <a:latin typeface="微软雅黑" panose="020B0503020204020204" pitchFamily="34" charset="-122"/>
+                <a:ea typeface="微软雅黑" panose="020B0503020204020204" pitchFamily="34" charset="-122"/>
+                <a:hlinkClick r:id="rId3"/>
+              </a:rPr>
+              <a:t>https://git-scm.com</a:t>
+            </a:r>
+            <a:r>
+              <a:rPr lang="en-US" altLang="zh-CN" sz="1800" dirty="0" smtClean="0">
+                <a:solidFill>
+                  <a:schemeClr val="tx1"/>
+                </a:solidFill>
+                <a:latin typeface="微软雅黑" panose="020B0503020204020204" pitchFamily="34" charset="-122"/>
+                <a:ea typeface="微软雅黑" panose="020B0503020204020204" pitchFamily="34" charset="-122"/>
+                <a:hlinkClick r:id="rId3"/>
+              </a:rPr>
+              <a:t>/</a:t>
+            </a:r>
+            <a:endParaRPr lang="en-US" altLang="zh-CN" sz="1800" dirty="0" smtClean="0">
+              <a:solidFill>
+                <a:schemeClr val="tx1"/>
+              </a:solidFill>
+              <a:latin typeface="微软雅黑" panose="020B0503020204020204" pitchFamily="34" charset="-122"/>
+              <a:ea typeface="微软雅黑" panose="020B0503020204020204" pitchFamily="34" charset="-122"/>
+            </a:endParaRPr>
+          </a:p>
+          <a:p>
+            <a:pPr>
+              <a:lnSpc>
+                <a:spcPct val="140000"/>
+              </a:lnSpc>
+              <a:buClr>
+                <a:schemeClr val="accent1">
+                  <a:lumMod val="50000"/>
+                </a:schemeClr>
+              </a:buClr>
+              <a:buSzPct val="60000"/>
+              <a:buFont typeface="Wingdings" panose="05000000000000000000" pitchFamily="2" charset="2"/>
+              <a:buChar char="l"/>
+            </a:pPr>
+            <a:r>
+              <a:rPr lang="en-US" altLang="zh-CN" sz="1800" dirty="0" err="1" smtClean="0">
+                <a:solidFill>
+                  <a:schemeClr val="tx1"/>
+                </a:solidFill>
+                <a:latin typeface="微软雅黑" panose="020B0503020204020204" pitchFamily="34" charset="-122"/>
+                <a:ea typeface="微软雅黑" panose="020B0503020204020204" pitchFamily="34" charset="-122"/>
+              </a:rPr>
+              <a:t>git</a:t>
+            </a:r>
+            <a:r>
+              <a:rPr lang="zh-CN" altLang="en-US" sz="1800" dirty="0" smtClean="0">
+                <a:solidFill>
+                  <a:schemeClr val="tx1"/>
+                </a:solidFill>
+                <a:latin typeface="微软雅黑" panose="020B0503020204020204" pitchFamily="34" charset="-122"/>
+                <a:ea typeface="微软雅黑" panose="020B0503020204020204" pitchFamily="34" charset="-122"/>
+              </a:rPr>
+              <a:t>官方电子书：</a:t>
+            </a:r>
+            <a:r>
+              <a:rPr lang="en-US" altLang="zh-CN" sz="1800" dirty="0">
+                <a:solidFill>
+                  <a:schemeClr val="tx1"/>
+                </a:solidFill>
+                <a:latin typeface="微软雅黑" panose="020B0503020204020204" pitchFamily="34" charset="-122"/>
+                <a:ea typeface="微软雅黑" panose="020B0503020204020204" pitchFamily="34" charset="-122"/>
+              </a:rPr>
+              <a:t>https://git-scm.com/book/zh/v2</a:t>
+            </a:r>
+            <a:endParaRPr lang="zh-CN" altLang="en-US" sz="1800" dirty="0">
+              <a:solidFill>
+                <a:schemeClr val="tx1"/>
+              </a:solidFill>
+              <a:latin typeface="微软雅黑" panose="020B0503020204020204" pitchFamily="34" charset="-122"/>
+              <a:ea typeface="微软雅黑" panose="020B0503020204020204" pitchFamily="34" charset="-122"/>
+            </a:endParaRPr>
+          </a:p>
+        </p:txBody>
+      </p:sp>
+      <p:cxnSp>
+        <p:nvCxnSpPr>
+          <p:cNvPr id="5" name="直接连接符 4"/>
+          <p:cNvCxnSpPr/>
+          <p:nvPr/>
+        </p:nvCxnSpPr>
+        <p:spPr>
+          <a:xfrm>
+            <a:off x="0" y="1019125"/>
+            <a:ext cx="12192000" cy="0"/>
+          </a:xfrm>
+          <a:prstGeom prst="line">
+            <a:avLst/>
+          </a:prstGeom>
+          <a:ln>
+            <a:solidFill>
+              <a:srgbClr val="B82E24"/>
+            </a:solidFill>
+            <a:prstDash val="solid"/>
+          </a:ln>
+        </p:spPr>
+        <p:style>
+          <a:lnRef idx="1">
+            <a:schemeClr val="accent1"/>
+          </a:lnRef>
+          <a:fillRef idx="0">
+            <a:schemeClr val="accent1"/>
+          </a:fillRef>
+          <a:effectRef idx="0">
+            <a:schemeClr val="accent1"/>
+          </a:effectRef>
+          <a:fontRef idx="minor">
+            <a:schemeClr val="tx1"/>
+          </a:fontRef>
+        </p:style>
+      </p:cxnSp>
+      <p:pic>
+        <p:nvPicPr>
+          <p:cNvPr id="3074" name="Picture 2" descr="Git 系统学习笔记"/>
+          <p:cNvPicPr>
+            <a:picLocks noChangeAspect="1" noChangeArrowheads="1"/>
+          </p:cNvPicPr>
+          <p:nvPr/>
+        </p:nvPicPr>
+        <p:blipFill>
+          <a:blip r:embed="rId4">
+            <a:extLst>
+              <a:ext uri="{28A0092B-C50C-407E-A947-70E740481C1C}">
+                <a14:useLocalDpi xmlns:a14="http://schemas.microsoft.com/office/drawing/2010/main" val="0"/>
+              </a:ext>
+            </a:extLst>
+          </a:blip>
+          <a:srcRect/>
+          <a:stretch>
+            <a:fillRect/>
+          </a:stretch>
+        </p:blipFill>
+        <p:spPr bwMode="auto">
+          <a:xfrm>
+            <a:off x="7071954" y="1460041"/>
+            <a:ext cx="3314700" cy="1381126"/>
+          </a:xfrm>
+          <a:prstGeom prst="rect">
+            <a:avLst/>
+          </a:prstGeom>
+          <a:noFill/>
+          <a:extLst>
+            <a:ext uri="{909E8E84-426E-40DD-AFC4-6F175D3DCCD1}">
+              <a14:hiddenFill xmlns:a14="http://schemas.microsoft.com/office/drawing/2010/main">
+                <a:solidFill>
+                  <a:srgbClr val="FFFFFF"/>
+                </a:solidFill>
+              </a14:hiddenFill>
+            </a:ext>
+          </a:extLst>
+        </p:spPr>
+      </p:pic>
+    </p:spTree>
+    <p:extLst>
+      <p:ext uri="{BB962C8B-B14F-4D97-AF65-F5344CB8AC3E}">
+        <p14:creationId xmlns:p14="http://schemas.microsoft.com/office/powerpoint/2010/main" val="2618568974"/>
+      </p:ext>
+    </p:extLst>
+  </p:cSld>
+  <p:clrMapOvr>
+    <a:masterClrMapping/>
+  </p:clrMapOvr>
+  <p:timing>
+    <p:tnLst>
+      <p:par>
+        <p:cTn id="1" dur="indefinite" restart="never" nodeType="tmRoot"/>
+      </p:par>
+    </p:tnLst>
+  </p:timing>
+</p:sld>
+</file>
+
+<file path=ppt/slides/slide23.xml><?xml version="1.0" encoding="utf-8"?>
+<p:sld xmlns:a="http://schemas.openxmlformats.org/drawingml/2006/main" xmlns:r="http://schemas.openxmlformats.org/officeDocument/2006/relationships" xmlns:p="http://schemas.openxmlformats.org/presentationml/2006/main">
+  <p:cSld>
+    <p:spTree>
+      <p:nvGrpSpPr>
+        <p:cNvPr id="1" name=""/>
+        <p:cNvGrpSpPr/>
+        <p:nvPr/>
+      </p:nvGrpSpPr>
+      <p:grpSpPr>
+        <a:xfrm>
+          <a:off x="0" y="0"/>
+          <a:ext cx="0" cy="0"/>
+          <a:chOff x="0" y="0"/>
+          <a:chExt cx="0" cy="0"/>
+        </a:xfrm>
+      </p:grpSpPr>
+      <p:sp>
+        <p:nvSpPr>
+          <p:cNvPr id="3077" name="Rectangle 2"/>
+          <p:cNvSpPr>
+            <a:spLocks noGrp="1" noChangeArrowheads="1"/>
+          </p:cNvSpPr>
+          <p:nvPr>
+            <p:ph type="title" idx="4294967295"/>
+          </p:nvPr>
+        </p:nvSpPr>
+        <p:spPr>
+          <a:xfrm>
+            <a:off x="487363" y="487729"/>
+            <a:ext cx="7545387" cy="414337"/>
+          </a:xfrm>
+          <a:noFill/>
+          <a:ln>
+            <a:noFill/>
+          </a:ln>
+          <a:extLst>
+            <a:ext uri="{909E8E84-426E-40DD-AFC4-6F175D3DCCD1}">
+              <a14:hiddenFill xmlns:a14="http://schemas.microsoft.com/office/drawing/2010/main">
+                <a:solidFill>
+                  <a:srgbClr val="FFFFFF"/>
+                </a:solidFill>
+              </a14:hiddenFill>
+            </a:ext>
+            <a:ext uri="{91240B29-F687-4F45-9708-019B960494DF}">
+              <a14:hiddenLine xmlns:a14="http://schemas.microsoft.com/office/drawing/2010/main" w="9525">
+                <a:solidFill>
+                  <a:srgbClr val="000000"/>
+                </a:solidFill>
+                <a:miter lim="800000"/>
+                <a:headEnd/>
+                <a:tailEnd/>
+              </a14:hiddenLine>
+            </a:ext>
+          </a:extLst>
+        </p:spPr>
+        <p:txBody>
+          <a:bodyPr wrap="square" lIns="80009" tIns="40006" rIns="80009" bIns="40006">
+            <a:spAutoFit/>
+          </a:bodyPr>
+          <a:lstStyle/>
+          <a:p>
+            <a:pPr defTabSz="802005">
+              <a:lnSpc>
+                <a:spcPct val="110000"/>
+              </a:lnSpc>
+            </a:pPr>
+            <a:r>
+              <a:rPr lang="zh-CN" altLang="en-US" sz="3200" dirty="0">
+                <a:solidFill>
+                  <a:srgbClr val="990000"/>
+                </a:solidFill>
+                <a:latin typeface="FrutigerNext LT Medium" pitchFamily="34" charset="0"/>
+                <a:ea typeface="黑体" panose="02010609060101010101" charset="-122"/>
+                <a:cs typeface="+mn-cs"/>
+              </a:rPr>
+              <a:t>敏捷工程实践</a:t>
+            </a:r>
+            <a:r>
+              <a:rPr lang="zh-CN" altLang="en-US" sz="3200" dirty="0" smtClean="0">
+                <a:solidFill>
+                  <a:srgbClr val="990000"/>
+                </a:solidFill>
+                <a:latin typeface="FrutigerNext LT Medium" pitchFamily="34" charset="0"/>
+                <a:ea typeface="黑体" panose="02010609060101010101" charset="-122"/>
+                <a:cs typeface="+mn-cs"/>
+              </a:rPr>
+              <a:t>：</a:t>
+            </a:r>
+            <a:r>
+              <a:rPr lang="en-US" altLang="zh-CN" sz="3200" dirty="0" err="1" smtClean="0">
+                <a:solidFill>
+                  <a:srgbClr val="990000"/>
+                </a:solidFill>
+                <a:latin typeface="FrutigerNext LT Medium" pitchFamily="34" charset="0"/>
+                <a:ea typeface="黑体" panose="02010609060101010101" charset="-122"/>
+                <a:cs typeface="+mn-cs"/>
+              </a:rPr>
+              <a:t>git</a:t>
+            </a:r>
+            <a:endParaRPr lang="en-US" altLang="zh-CN" sz="3200" dirty="0">
+              <a:solidFill>
+                <a:srgbClr val="990000"/>
+              </a:solidFill>
+              <a:latin typeface="FrutigerNext LT Medium" pitchFamily="34" charset="0"/>
+              <a:ea typeface="黑体" panose="02010609060101010101" charset="-122"/>
+              <a:cs typeface="+mn-cs"/>
+            </a:endParaRPr>
+          </a:p>
+        </p:txBody>
+      </p:sp>
+      <p:sp>
+        <p:nvSpPr>
+          <p:cNvPr id="7" name="Rectangle 3"/>
+          <p:cNvSpPr>
+            <a:spLocks noChangeArrowheads="1"/>
+          </p:cNvSpPr>
+          <p:nvPr/>
+        </p:nvSpPr>
+        <p:spPr bwMode="auto">
+          <a:xfrm>
+            <a:off x="602570" y="1460041"/>
+            <a:ext cx="6469384" cy="4258587"/>
+          </a:xfrm>
+          <a:prstGeom prst="rect">
+            <a:avLst/>
+          </a:prstGeom>
+          <a:noFill/>
+          <a:ln>
+            <a:noFill/>
+          </a:ln>
+          <a:extLst>
+            <a:ext uri="{909E8E84-426E-40DD-AFC4-6F175D3DCCD1}">
+              <a14:hiddenFill xmlns:a14="http://schemas.microsoft.com/office/drawing/2010/main">
+                <a:solidFill>
+                  <a:srgbClr val="FFFFFF"/>
+                </a:solidFill>
+              </a14:hiddenFill>
+            </a:ext>
+            <a:ext uri="{91240B29-F687-4F45-9708-019B960494DF}">
+              <a14:hiddenLine xmlns:a14="http://schemas.microsoft.com/office/drawing/2010/main" w="9525">
+                <a:solidFill>
+                  <a:srgbClr val="000000"/>
+                </a:solidFill>
+                <a:miter lim="800000"/>
+                <a:headEnd/>
+                <a:tailEnd/>
+              </a14:hiddenLine>
+            </a:ext>
+          </a:extLst>
+        </p:spPr>
+        <p:txBody>
+          <a:bodyPr lIns="80035" tIns="40018" rIns="80035" bIns="40018"/>
+          <a:lstStyle>
+            <a:lvl1pPr marL="298450" indent="-298450" defTabSz="800100" eaLnBrk="0" hangingPunct="0">
+              <a:defRPr sz="3200">
+                <a:solidFill>
+                  <a:srgbClr val="990000"/>
+                </a:solidFill>
+                <a:latin typeface="FrutigerNext LT Medium" pitchFamily="34" charset="0"/>
+                <a:ea typeface="黑体" panose="02010609060101010101" charset="-122"/>
+              </a:defRPr>
+            </a:lvl1pPr>
+            <a:lvl2pPr marL="742950" indent="-285750" defTabSz="800100" eaLnBrk="0" hangingPunct="0">
+              <a:defRPr sz="3200">
+                <a:solidFill>
+                  <a:srgbClr val="990000"/>
+                </a:solidFill>
+                <a:latin typeface="FrutigerNext LT Medium" pitchFamily="34" charset="0"/>
+                <a:ea typeface="黑体" panose="02010609060101010101" charset="-122"/>
+              </a:defRPr>
+            </a:lvl2pPr>
+            <a:lvl3pPr marL="1143000" indent="-228600" defTabSz="800100" eaLnBrk="0" hangingPunct="0">
+              <a:defRPr sz="3200">
+                <a:solidFill>
+                  <a:srgbClr val="990000"/>
+                </a:solidFill>
+                <a:latin typeface="FrutigerNext LT Medium" pitchFamily="34" charset="0"/>
+                <a:ea typeface="黑体" panose="02010609060101010101" charset="-122"/>
+              </a:defRPr>
+            </a:lvl3pPr>
+            <a:lvl4pPr marL="1600200" indent="-228600" defTabSz="800100" eaLnBrk="0" hangingPunct="0">
+              <a:defRPr sz="3200">
+                <a:solidFill>
+                  <a:srgbClr val="990000"/>
+                </a:solidFill>
+                <a:latin typeface="FrutigerNext LT Medium" pitchFamily="34" charset="0"/>
+                <a:ea typeface="黑体" panose="02010609060101010101" charset="-122"/>
+              </a:defRPr>
+            </a:lvl4pPr>
+            <a:lvl5pPr marL="2057400" indent="-228600" defTabSz="800100" eaLnBrk="0" hangingPunct="0">
+              <a:defRPr sz="3200">
+                <a:solidFill>
+                  <a:srgbClr val="990000"/>
+                </a:solidFill>
+                <a:latin typeface="FrutigerNext LT Medium" pitchFamily="34" charset="0"/>
+                <a:ea typeface="黑体" panose="02010609060101010101" charset="-122"/>
+              </a:defRPr>
+            </a:lvl5pPr>
+            <a:lvl6pPr marL="2514600" indent="-228600" algn="ctr" defTabSz="800100" eaLnBrk="0" fontAlgn="base" hangingPunct="0">
+              <a:spcBef>
+                <a:spcPct val="0"/>
+              </a:spcBef>
+              <a:spcAft>
+                <a:spcPct val="0"/>
+              </a:spcAft>
+              <a:defRPr sz="3200">
+                <a:solidFill>
+                  <a:srgbClr val="990000"/>
+                </a:solidFill>
+                <a:latin typeface="FrutigerNext LT Medium" pitchFamily="34" charset="0"/>
+                <a:ea typeface="黑体" panose="02010609060101010101" charset="-122"/>
+              </a:defRPr>
+            </a:lvl6pPr>
+            <a:lvl7pPr marL="2971800" indent="-228600" algn="ctr" defTabSz="800100" eaLnBrk="0" fontAlgn="base" hangingPunct="0">
+              <a:spcBef>
+                <a:spcPct val="0"/>
+              </a:spcBef>
+              <a:spcAft>
+                <a:spcPct val="0"/>
+              </a:spcAft>
+              <a:defRPr sz="3200">
+                <a:solidFill>
+                  <a:srgbClr val="990000"/>
+                </a:solidFill>
+                <a:latin typeface="FrutigerNext LT Medium" pitchFamily="34" charset="0"/>
+                <a:ea typeface="黑体" panose="02010609060101010101" charset="-122"/>
+              </a:defRPr>
+            </a:lvl7pPr>
+            <a:lvl8pPr marL="3429000" indent="-228600" algn="ctr" defTabSz="800100" eaLnBrk="0" fontAlgn="base" hangingPunct="0">
+              <a:spcBef>
+                <a:spcPct val="0"/>
+              </a:spcBef>
+              <a:spcAft>
+                <a:spcPct val="0"/>
+              </a:spcAft>
+              <a:defRPr sz="3200">
+                <a:solidFill>
+                  <a:srgbClr val="990000"/>
+                </a:solidFill>
+                <a:latin typeface="FrutigerNext LT Medium" pitchFamily="34" charset="0"/>
+                <a:ea typeface="黑体" panose="02010609060101010101" charset="-122"/>
+              </a:defRPr>
+            </a:lvl8pPr>
+            <a:lvl9pPr marL="3886200" indent="-228600" algn="ctr" defTabSz="800100" eaLnBrk="0" fontAlgn="base" hangingPunct="0">
+              <a:spcBef>
+                <a:spcPct val="0"/>
+              </a:spcBef>
+              <a:spcAft>
+                <a:spcPct val="0"/>
+              </a:spcAft>
+              <a:defRPr sz="3200">
+                <a:solidFill>
+                  <a:srgbClr val="990000"/>
+                </a:solidFill>
+                <a:latin typeface="FrutigerNext LT Medium" pitchFamily="34" charset="0"/>
+                <a:ea typeface="黑体" panose="02010609060101010101" charset="-122"/>
+              </a:defRPr>
+            </a:lvl9pPr>
+          </a:lstStyle>
+          <a:p>
+            <a:pPr>
+              <a:lnSpc>
+                <a:spcPct val="90000"/>
+              </a:lnSpc>
+              <a:buClr>
+                <a:schemeClr val="bg2"/>
+              </a:buClr>
+              <a:buSzPct val="60000"/>
+              <a:buFont typeface="Wingdings" panose="05000000000000000000" pitchFamily="2" charset="2"/>
+              <a:buNone/>
+            </a:pPr>
+            <a:r>
+              <a:rPr lang="zh-CN" altLang="en-US" sz="1800" b="1" dirty="0">
+                <a:solidFill>
+                  <a:schemeClr val="tx1"/>
+                </a:solidFill>
+                <a:latin typeface="微软雅黑" panose="020B0503020204020204" pitchFamily="34" charset="-122"/>
+                <a:ea typeface="微软雅黑" panose="020B0503020204020204" pitchFamily="34" charset="-122"/>
+              </a:rPr>
+              <a:t>  </a:t>
+            </a:r>
+            <a:r>
+              <a:rPr lang="en-US" altLang="zh-CN" sz="2000" b="1" dirty="0" err="1" smtClean="0">
+                <a:solidFill>
+                  <a:schemeClr val="tx1"/>
+                </a:solidFill>
+                <a:latin typeface="微软雅黑" panose="020B0503020204020204" pitchFamily="34" charset="-122"/>
+                <a:ea typeface="微软雅黑" panose="020B0503020204020204" pitchFamily="34" charset="-122"/>
+              </a:rPr>
+              <a:t>git</a:t>
+            </a:r>
+            <a:r>
+              <a:rPr lang="en-US" altLang="zh-CN" sz="2000" b="1" dirty="0" smtClean="0">
+                <a:solidFill>
+                  <a:schemeClr val="tx1"/>
+                </a:solidFill>
+                <a:latin typeface="微软雅黑" panose="020B0503020204020204" pitchFamily="34" charset="-122"/>
+                <a:ea typeface="微软雅黑" panose="020B0503020204020204" pitchFamily="34" charset="-122"/>
+              </a:rPr>
+              <a:t> </a:t>
+            </a:r>
+            <a:r>
+              <a:rPr lang="zh-CN" altLang="en-US" sz="2000" b="1" dirty="0" smtClean="0">
+                <a:solidFill>
+                  <a:schemeClr val="tx1"/>
+                </a:solidFill>
+                <a:latin typeface="微软雅黑" panose="020B0503020204020204" pitchFamily="34" charset="-122"/>
+                <a:ea typeface="微软雅黑" panose="020B0503020204020204" pitchFamily="34" charset="-122"/>
+              </a:rPr>
+              <a:t>工作原理和流程</a:t>
+            </a:r>
+            <a:endParaRPr lang="zh-CN" altLang="en-US" sz="2000" b="1" dirty="0">
+              <a:solidFill>
+                <a:schemeClr val="tx1"/>
+              </a:solidFill>
+              <a:latin typeface="微软雅黑" panose="020B0503020204020204" pitchFamily="34" charset="-122"/>
+              <a:ea typeface="微软雅黑" panose="020B0503020204020204" pitchFamily="34" charset="-122"/>
+            </a:endParaRPr>
+          </a:p>
+        </p:txBody>
+      </p:sp>
+      <p:cxnSp>
+        <p:nvCxnSpPr>
+          <p:cNvPr id="5" name="直接连接符 4"/>
+          <p:cNvCxnSpPr/>
+          <p:nvPr/>
+        </p:nvCxnSpPr>
+        <p:spPr>
+          <a:xfrm>
+            <a:off x="0" y="1019125"/>
+            <a:ext cx="12192000" cy="0"/>
+          </a:xfrm>
+          <a:prstGeom prst="line">
+            <a:avLst/>
+          </a:prstGeom>
+          <a:ln>
+            <a:solidFill>
+              <a:srgbClr val="B82E24"/>
+            </a:solidFill>
+            <a:prstDash val="solid"/>
+          </a:ln>
+        </p:spPr>
+        <p:style>
+          <a:lnRef idx="1">
+            <a:schemeClr val="accent1"/>
+          </a:lnRef>
+          <a:fillRef idx="0">
+            <a:schemeClr val="accent1"/>
+          </a:fillRef>
+          <a:effectRef idx="0">
+            <a:schemeClr val="accent1"/>
+          </a:effectRef>
+          <a:fontRef idx="minor">
+            <a:schemeClr val="tx1"/>
+          </a:fontRef>
+        </p:style>
+      </p:cxnSp>
+      <p:pic>
+        <p:nvPicPr>
+          <p:cNvPr id="2" name="图片 1"/>
+          <p:cNvPicPr>
+            <a:picLocks noChangeAspect="1"/>
+          </p:cNvPicPr>
+          <p:nvPr/>
+        </p:nvPicPr>
+        <p:blipFill>
+          <a:blip r:embed="rId3"/>
+          <a:stretch>
+            <a:fillRect/>
+          </a:stretch>
+        </p:blipFill>
+        <p:spPr>
+          <a:xfrm>
+            <a:off x="1536091" y="1791506"/>
+            <a:ext cx="9119817" cy="4612472"/>
+          </a:xfrm>
+          <a:prstGeom prst="rect">
+            <a:avLst/>
+          </a:prstGeom>
+        </p:spPr>
+      </p:pic>
+    </p:spTree>
+    <p:extLst>
+      <p:ext uri="{BB962C8B-B14F-4D97-AF65-F5344CB8AC3E}">
+        <p14:creationId xmlns:p14="http://schemas.microsoft.com/office/powerpoint/2010/main" val="3035213618"/>
+      </p:ext>
+    </p:extLst>
+  </p:cSld>
+  <p:clrMapOvr>
+    <a:masterClrMapping/>
+  </p:clrMapOvr>
+  <p:timing>
+    <p:tnLst>
+      <p:par>
+        <p:cTn id="1" dur="indefinite" restart="never" nodeType="tmRoot"/>
+      </p:par>
+    </p:tnLst>
+  </p:timing>
+</p:sld>
+</file>
+
+<file path=ppt/slides/slide24.xml><?xml version="1.0" encoding="utf-8"?>
+<p:sld xmlns:a="http://schemas.openxmlformats.org/drawingml/2006/main" xmlns:r="http://schemas.openxmlformats.org/officeDocument/2006/relationships" xmlns:p="http://schemas.openxmlformats.org/presentationml/2006/main">
+  <p:cSld>
+    <p:spTree>
+      <p:nvGrpSpPr>
+        <p:cNvPr id="1" name=""/>
+        <p:cNvGrpSpPr/>
+        <p:nvPr/>
+      </p:nvGrpSpPr>
+      <p:grpSpPr>
+        <a:xfrm>
+          <a:off x="0" y="0"/>
+          <a:ext cx="0" cy="0"/>
+          <a:chOff x="0" y="0"/>
+          <a:chExt cx="0" cy="0"/>
+        </a:xfrm>
+      </p:grpSpPr>
+      <p:sp>
+        <p:nvSpPr>
+          <p:cNvPr id="3077" name="Rectangle 2"/>
+          <p:cNvSpPr>
+            <a:spLocks noGrp="1" noChangeArrowheads="1"/>
+          </p:cNvSpPr>
+          <p:nvPr>
+            <p:ph type="title" idx="4294967295"/>
+          </p:nvPr>
+        </p:nvSpPr>
+        <p:spPr>
+          <a:xfrm>
+            <a:off x="487363" y="502719"/>
+            <a:ext cx="7545387" cy="414337"/>
+          </a:xfrm>
+          <a:noFill/>
+          <a:ln>
+            <a:noFill/>
+          </a:ln>
+          <a:extLst>
+            <a:ext uri="{909E8E84-426E-40DD-AFC4-6F175D3DCCD1}">
+              <a14:hiddenFill xmlns:a14="http://schemas.microsoft.com/office/drawing/2010/main">
+                <a:solidFill>
+                  <a:srgbClr val="FFFFFF"/>
+                </a:solidFill>
+              </a14:hiddenFill>
+            </a:ext>
+            <a:ext uri="{91240B29-F687-4F45-9708-019B960494DF}">
+              <a14:hiddenLine xmlns:a14="http://schemas.microsoft.com/office/drawing/2010/main" w="9525">
+                <a:solidFill>
+                  <a:srgbClr val="000000"/>
+                </a:solidFill>
+                <a:miter lim="800000"/>
+                <a:headEnd/>
+                <a:tailEnd/>
+              </a14:hiddenLine>
+            </a:ext>
+          </a:extLst>
+        </p:spPr>
+        <p:txBody>
+          <a:bodyPr wrap="square" lIns="80009" tIns="40006" rIns="80009" bIns="40006">
+            <a:spAutoFit/>
+          </a:bodyPr>
+          <a:lstStyle/>
+          <a:p>
+            <a:pPr defTabSz="802005">
+              <a:lnSpc>
+                <a:spcPct val="110000"/>
+              </a:lnSpc>
+            </a:pPr>
+            <a:r>
+              <a:rPr lang="zh-CN" altLang="en-US" sz="3200" dirty="0">
+                <a:solidFill>
+                  <a:srgbClr val="990000"/>
+                </a:solidFill>
+                <a:latin typeface="FrutigerNext LT Medium" pitchFamily="34" charset="0"/>
+                <a:ea typeface="黑体" panose="02010609060101010101" charset="-122"/>
+                <a:cs typeface="+mn-cs"/>
+              </a:rPr>
+              <a:t>敏捷工程实践：</a:t>
+            </a:r>
+            <a:r>
+              <a:rPr lang="en-US" altLang="zh-CN" sz="3200" dirty="0">
+                <a:solidFill>
+                  <a:srgbClr val="990000"/>
+                </a:solidFill>
+                <a:latin typeface="FrutigerNext LT Medium" pitchFamily="34" charset="0"/>
+                <a:ea typeface="黑体" panose="02010609060101010101" charset="-122"/>
+                <a:cs typeface="+mn-cs"/>
+              </a:rPr>
+              <a:t>Code Review</a:t>
+            </a:r>
           </a:p>
         </p:txBody>
       </p:sp>
@@ -20056,10 +21289,6 @@
               </a:rPr>
               <a:t>能从他们的角度来发现问题并且提出更好的解决方案。</a:t>
             </a:r>
-            <a:endParaRPr lang="zh-CN" altLang="en-US" sz="2000" dirty="0">
-              <a:latin typeface="微软雅黑" panose="020B0503020204020204" pitchFamily="34" charset="-122"/>
-              <a:ea typeface="微软雅黑" panose="020B0503020204020204" pitchFamily="34" charset="-122"/>
-            </a:endParaRPr>
           </a:p>
           <a:p>
             <a:pPr marL="285750" indent="-285750">
@@ -20090,10 +21319,6 @@
               </a:rPr>
               <a:t>的另一个其他成员熟悉你的代码，通过给新员工看有经验的开发者的代码能够某种程度上提高他们的水平。</a:t>
             </a:r>
-            <a:endParaRPr lang="zh-CN" altLang="en-US" sz="2000" dirty="0">
-              <a:latin typeface="微软雅黑" panose="020B0503020204020204" pitchFamily="34" charset="-122"/>
-              <a:ea typeface="微软雅黑" panose="020B0503020204020204" pitchFamily="34" charset="-122"/>
-            </a:endParaRPr>
           </a:p>
           <a:p>
             <a:pPr marL="285750" indent="-285750">
@@ -20124,10 +21349,6 @@
               </a:rPr>
               <a:t>和被复查者的想法和经验能够促进团队间的知识的分享。</a:t>
             </a:r>
-            <a:endParaRPr lang="zh-CN" altLang="en-US" sz="2000" dirty="0">
-              <a:latin typeface="微软雅黑" panose="020B0503020204020204" pitchFamily="34" charset="-122"/>
-              <a:ea typeface="微软雅黑" panose="020B0503020204020204" pitchFamily="34" charset="-122"/>
-            </a:endParaRPr>
           </a:p>
           <a:p>
             <a:pPr marL="285750" indent="-285750">
@@ -20172,10 +21393,6 @@
               </a:rPr>
               <a:t>将被其他的人阅读。</a:t>
             </a:r>
-            <a:endParaRPr lang="zh-CN" altLang="en-US" sz="2000" dirty="0">
-              <a:latin typeface="微软雅黑" panose="020B0503020204020204" pitchFamily="34" charset="-122"/>
-              <a:ea typeface="微软雅黑" panose="020B0503020204020204" pitchFamily="34" charset="-122"/>
-            </a:endParaRPr>
           </a:p>
           <a:p>
             <a:pPr marL="298450" indent="-298450" defTabSz="800100" eaLnBrk="0" hangingPunct="0">
@@ -20205,7 +21422,7 @@
           <p:nvPr/>
         </p:nvPicPr>
         <p:blipFill>
-          <a:blip r:embed="rId1">
+          <a:blip r:embed="rId3">
             <a:extLst>
               <a:ext uri="{28A0092B-C50C-407E-A947-70E740481C1C}">
                 <a14:useLocalDpi xmlns:a14="http://schemas.microsoft.com/office/drawing/2010/main" val="0"/>
@@ -20339,13 +21556,6 @@
               </a:rPr>
               <a:t>上</a:t>
             </a:r>
-            <a:endParaRPr lang="zh-CN" altLang="en-US" b="1" dirty="0">
-              <a:solidFill>
-                <a:schemeClr val="tx2"/>
-              </a:solidFill>
-              <a:latin typeface="微软雅黑" panose="020B0503020204020204" pitchFamily="34" charset="-122"/>
-              <a:ea typeface="微软雅黑" panose="020B0503020204020204" pitchFamily="34" charset="-122"/>
-            </a:endParaRPr>
           </a:p>
         </p:txBody>
       </p:sp>
@@ -20538,7 +21748,7 @@
 </p:sld>
 </file>
 
-<file path=ppt/slides/slide23.xml><?xml version="1.0" encoding="utf-8"?>
+<file path=ppt/slides/slide25.xml><?xml version="1.0" encoding="utf-8"?>
 <p:sld xmlns:a="http://schemas.openxmlformats.org/drawingml/2006/main" xmlns:r="http://schemas.openxmlformats.org/officeDocument/2006/relationships" xmlns:p="http://schemas.openxmlformats.org/presentationml/2006/main">
   <p:cSld>
     <p:spTree>
@@ -20652,7 +21862,7 @@
           <p:nvPr/>
         </p:nvPicPr>
         <p:blipFill>
-          <a:blip r:embed="rId1">
+          <a:blip r:embed="rId3">
             <a:extLst>
               <a:ext uri="{28A0092B-C50C-407E-A947-70E740481C1C}">
                 <a14:useLocalDpi xmlns:a14="http://schemas.microsoft.com/office/drawing/2010/main" val="0"/>
@@ -20693,7 +21903,7 @@
           <p:nvPr/>
         </p:nvPicPr>
         <p:blipFill>
-          <a:blip r:embed="rId2">
+          <a:blip r:embed="rId4">
             <a:extLst>
               <a:ext uri="{28A0092B-C50C-407E-A947-70E740481C1C}">
                 <a14:useLocalDpi xmlns:a14="http://schemas.microsoft.com/office/drawing/2010/main" val="0"/>
@@ -20795,10 +22005,6 @@
               </a:rPr>
               <a:t>多次迭代发布，传统项目、大型项目</a:t>
             </a:r>
-            <a:endParaRPr lang="zh-CN" altLang="en-US" sz="2000" dirty="0">
-              <a:latin typeface="微软雅黑" panose="020B0503020204020204" pitchFamily="34" charset="-122"/>
-              <a:ea typeface="微软雅黑" panose="020B0503020204020204" pitchFamily="34" charset="-122"/>
-            </a:endParaRPr>
           </a:p>
         </p:txBody>
       </p:sp>
@@ -20991,7 +22197,7 @@
 </p:sld>
 </file>
 
-<file path=ppt/slides/slide24.xml><?xml version="1.0" encoding="utf-8"?>
+<file path=ppt/slides/slide26.xml><?xml version="1.0" encoding="utf-8"?>
 <p:sld xmlns:a="http://schemas.openxmlformats.org/drawingml/2006/main" xmlns:r="http://schemas.openxmlformats.org/officeDocument/2006/relationships" xmlns:p="http://schemas.openxmlformats.org/presentationml/2006/main">
   <p:cSld>
     <p:spTree>
@@ -21040,13 +22246,6 @@
               </a:rPr>
               <a:t>目录</a:t>
             </a:r>
-            <a:endParaRPr lang="zh-CN" altLang="en-US" sz="3200" b="1" dirty="0">
-              <a:solidFill>
-                <a:srgbClr val="141316"/>
-              </a:solidFill>
-              <a:latin typeface="微软雅黑" panose="020B0503020204020204" pitchFamily="34" charset="-122"/>
-              <a:ea typeface="微软雅黑" panose="020B0503020204020204" pitchFamily="34" charset="-122"/>
-            </a:endParaRPr>
           </a:p>
         </p:txBody>
       </p:sp>
@@ -21854,13 +23053,6 @@
                 </a:rPr>
                 <a:t>一</a:t>
               </a:r>
-              <a:endParaRPr lang="zh-CN" altLang="en-US" sz="2000" b="1" dirty="0">
-                <a:solidFill>
-                  <a:schemeClr val="bg1"/>
-                </a:solidFill>
-                <a:latin typeface="微软雅黑" panose="020B0503020204020204" pitchFamily="34" charset="-122"/>
-                <a:ea typeface="微软雅黑" panose="020B0503020204020204" pitchFamily="34" charset="-122"/>
-              </a:endParaRPr>
             </a:p>
           </p:txBody>
         </p:sp>
@@ -22096,13 +23288,6 @@
                 </a:rPr>
                 <a:t>二</a:t>
               </a:r>
-              <a:endParaRPr lang="zh-CN" altLang="en-US" sz="2000" b="1" dirty="0">
-                <a:solidFill>
-                  <a:schemeClr val="bg1"/>
-                </a:solidFill>
-                <a:latin typeface="微软雅黑" panose="020B0503020204020204" pitchFamily="34" charset="-122"/>
-                <a:ea typeface="微软雅黑" panose="020B0503020204020204" pitchFamily="34" charset="-122"/>
-              </a:endParaRPr>
             </a:p>
           </p:txBody>
         </p:sp>
@@ -22185,13 +23370,6 @@
               </a:rPr>
               <a:t>敏捷工程实践</a:t>
             </a:r>
-            <a:endParaRPr lang="zh-CN" altLang="en-US" sz="2000" b="1" dirty="0">
-              <a:solidFill>
-                <a:schemeClr val="bg1"/>
-              </a:solidFill>
-              <a:latin typeface="微软雅黑" panose="020B0503020204020204" pitchFamily="34" charset="-122"/>
-              <a:ea typeface="微软雅黑" panose="020B0503020204020204" pitchFamily="34" charset="-122"/>
-            </a:endParaRPr>
           </a:p>
         </p:txBody>
       </p:sp>
@@ -22227,13 +23405,6 @@
               </a:rPr>
               <a:t>敏捷工程实践训练</a:t>
             </a:r>
-            <a:endParaRPr lang="zh-CN" altLang="en-US" sz="2000" b="1" dirty="0">
-              <a:solidFill>
-                <a:schemeClr val="bg1"/>
-              </a:solidFill>
-              <a:latin typeface="微软雅黑" panose="020B0503020204020204" pitchFamily="34" charset="-122"/>
-              <a:ea typeface="微软雅黑" panose="020B0503020204020204" pitchFamily="34" charset="-122"/>
-            </a:endParaRPr>
           </a:p>
         </p:txBody>
       </p:sp>
@@ -22242,20 +23413,20 @@
   <p:clrMapOvr>
     <a:masterClrMapping/>
   </p:clrMapOvr>
-  <mc:AlternateContent xmlns:mc="http://schemas.openxmlformats.org/markup-compatibility/2006">
-    <mc:Choice xmlns:p14="http://schemas.microsoft.com/office/powerpoint/2010/main" Requires="p14">
+  <mc:AlternateContent xmlns:mc="http://schemas.openxmlformats.org/markup-compatibility/2006" xmlns:p14="http://schemas.microsoft.com/office/powerpoint/2010/main">
+    <mc:Choice Requires="p14">
       <p:transition spd="med" p14:dur="700">
         <p:fade/>
       </p:transition>
     </mc:Choice>
-    <mc:Fallback>
+    <mc:Fallback xmlns="">
       <p:transition spd="med">
         <p:fade/>
       </p:transition>
     </mc:Fallback>
   </mc:AlternateContent>
-  <mc:AlternateContent xmlns:mc="http://schemas.openxmlformats.org/markup-compatibility/2006">
-    <mc:Choice xmlns:p14="http://schemas.microsoft.com/office/powerpoint/2010/main" Requires="p14">
+  <mc:AlternateContent xmlns:mc="http://schemas.openxmlformats.org/markup-compatibility/2006" xmlns:p14="http://schemas.microsoft.com/office/powerpoint/2010/main">
+    <mc:Choice Requires="p14">
       <p:timing>
         <p:tnLst>
           <p:par>
@@ -22492,7 +23663,7 @@
         </p:bldLst>
       </p:timing>
     </mc:Choice>
-    <mc:Fallback>
+    <mc:Fallback xmlns="">
       <p:timing>
         <p:tnLst>
           <p:par>
@@ -22733,7 +23904,7 @@
 </p:sld>
 </file>
 
-<file path=ppt/slides/slide25.xml><?xml version="1.0" encoding="utf-8"?>
+<file path=ppt/slides/slide27.xml><?xml version="1.0" encoding="utf-8"?>
 <p:sld xmlns:a="http://schemas.openxmlformats.org/drawingml/2006/main" xmlns:r="http://schemas.openxmlformats.org/officeDocument/2006/relationships" xmlns:p="http://schemas.openxmlformats.org/presentationml/2006/main">
   <p:cSld>
     <p:spTree>
@@ -22906,10 +24077,6 @@
               </a:rPr>
               <a:t>PO</a:t>
             </a:r>
-            <a:endParaRPr lang="en-US" altLang="zh-CN" sz="2800" dirty="0">
-              <a:latin typeface="微软雅黑" panose="020B0503020204020204" pitchFamily="34" charset="-122"/>
-              <a:ea typeface="微软雅黑" panose="020B0503020204020204" pitchFamily="34" charset="-122"/>
-            </a:endParaRPr>
           </a:p>
           <a:p>
             <a:pPr marL="571500" indent="-571500">
@@ -23008,10 +24175,6 @@
               </a:rPr>
               <a:t>中的特性定义优先级别和估算工时（人天数）</a:t>
             </a:r>
-            <a:endParaRPr lang="zh-CN" altLang="en-US" dirty="0">
-              <a:latin typeface="微软雅黑" panose="020B0503020204020204" pitchFamily="34" charset="-122"/>
-              <a:ea typeface="微软雅黑" panose="020B0503020204020204" pitchFamily="34" charset="-122"/>
-            </a:endParaRPr>
           </a:p>
           <a:p>
             <a:pPr marL="1028700" lvl="1" indent="-571500">
@@ -23056,10 +24219,6 @@
               </a:rPr>
               <a:t>，并将每项特性分解为任务，估算各项任务的工时（人时数），并分工到团队成员上</a:t>
             </a:r>
-            <a:endParaRPr lang="zh-CN" altLang="en-US" dirty="0">
-              <a:latin typeface="微软雅黑" panose="020B0503020204020204" pitchFamily="34" charset="-122"/>
-              <a:ea typeface="微软雅黑" panose="020B0503020204020204" pitchFamily="34" charset="-122"/>
-            </a:endParaRPr>
           </a:p>
           <a:p>
             <a:pPr marL="1028700" lvl="1" indent="-571500">
@@ -23090,10 +24249,6 @@
               </a:rPr>
               <a:t>天的例会进度，画出和跟踪燃尽图的变化</a:t>
             </a:r>
-            <a:endParaRPr lang="zh-CN" altLang="en-US" dirty="0">
-              <a:latin typeface="微软雅黑" panose="020B0503020204020204" pitchFamily="34" charset="-122"/>
-              <a:ea typeface="微软雅黑" panose="020B0503020204020204" pitchFamily="34" charset="-122"/>
-            </a:endParaRPr>
           </a:p>
           <a:p>
             <a:pPr marL="1028700" lvl="1" indent="-571500">
@@ -23110,10 +24265,6 @@
               </a:rPr>
               <a:t>以界面原型为工作成果，在评审会上演示工作成果</a:t>
             </a:r>
-            <a:endParaRPr lang="zh-CN" altLang="en-US" dirty="0">
-              <a:latin typeface="微软雅黑" panose="020B0503020204020204" pitchFamily="34" charset="-122"/>
-              <a:ea typeface="微软雅黑" panose="020B0503020204020204" pitchFamily="34" charset="-122"/>
-            </a:endParaRPr>
           </a:p>
           <a:p>
             <a:pPr marL="1028700" lvl="1" indent="-571500">
@@ -23130,10 +24281,6 @@
               </a:rPr>
               <a:t>召开回顾会，探讨流程中的可改进点（集体发言，并最终归类为：避免犯的错误，可以做的更好的经验，继续发扬的好做法）</a:t>
             </a:r>
-            <a:endParaRPr lang="zh-CN" altLang="en-US" dirty="0">
-              <a:latin typeface="微软雅黑" panose="020B0503020204020204" pitchFamily="34" charset="-122"/>
-              <a:ea typeface="微软雅黑" panose="020B0503020204020204" pitchFamily="34" charset="-122"/>
-            </a:endParaRPr>
           </a:p>
         </p:txBody>
       </p:sp>
@@ -23326,7 +24473,7 @@
 </p:sld>
 </file>
 
-<file path=ppt/slides/slide26.xml><?xml version="1.0" encoding="utf-8"?>
+<file path=ppt/slides/slide28.xml><?xml version="1.0" encoding="utf-8"?>
 <p:sld xmlns:a="http://schemas.openxmlformats.org/drawingml/2006/main" xmlns:r="http://schemas.openxmlformats.org/officeDocument/2006/relationships" xmlns:p="http://schemas.openxmlformats.org/presentationml/2006/main">
   <p:cSld>
     <p:spTree>
@@ -23375,13 +24522,6 @@
               </a:rPr>
               <a:t>总结</a:t>
             </a:r>
-            <a:endParaRPr lang="zh-CN" altLang="en-US" sz="2800" b="1" dirty="0">
-              <a:solidFill>
-                <a:srgbClr val="141316"/>
-              </a:solidFill>
-              <a:latin typeface="微软雅黑" panose="020B0503020204020204" pitchFamily="34" charset="-122"/>
-              <a:ea typeface="微软雅黑" panose="020B0503020204020204" pitchFamily="34" charset="-122"/>
-            </a:endParaRPr>
           </a:p>
         </p:txBody>
       </p:sp>
@@ -23975,10 +25115,6 @@
               </a:rPr>
               <a:t>用户故事</a:t>
             </a:r>
-            <a:endParaRPr lang="zh-CN" altLang="en-US" sz="2400" dirty="0">
-              <a:latin typeface="微软雅黑" panose="020B0503020204020204" pitchFamily="34" charset="-122"/>
-              <a:ea typeface="微软雅黑" panose="020B0503020204020204" pitchFamily="34" charset="-122"/>
-            </a:endParaRPr>
           </a:p>
           <a:p>
             <a:pPr marL="457200" indent="-457200">
@@ -23995,10 +25131,6 @@
               </a:rPr>
               <a:t>结对编程</a:t>
             </a:r>
-            <a:endParaRPr lang="zh-CN" altLang="en-US" sz="2400" dirty="0">
-              <a:latin typeface="微软雅黑" panose="020B0503020204020204" pitchFamily="34" charset="-122"/>
-              <a:ea typeface="微软雅黑" panose="020B0503020204020204" pitchFamily="34" charset="-122"/>
-            </a:endParaRPr>
           </a:p>
           <a:p>
             <a:pPr marL="457200" indent="-457200">
@@ -24049,10 +25181,6 @@
               </a:rPr>
               <a:t>持续集成</a:t>
             </a:r>
-            <a:endParaRPr lang="zh-CN" altLang="en-US" sz="2400" dirty="0">
-              <a:latin typeface="微软雅黑" panose="020B0503020204020204" pitchFamily="34" charset="-122"/>
-              <a:ea typeface="微软雅黑" panose="020B0503020204020204" pitchFamily="34" charset="-122"/>
-            </a:endParaRPr>
           </a:p>
           <a:p>
             <a:pPr marL="457200" indent="-457200">
@@ -24091,7 +25219,7 @@
 </p:sld>
 </file>
 
-<file path=ppt/slides/slide27.xml><?xml version="1.0" encoding="utf-8"?>
+<file path=ppt/slides/slide29.xml><?xml version="1.0" encoding="utf-8"?>
 <p:sld xmlns:a="http://schemas.openxmlformats.org/drawingml/2006/main" xmlns:r="http://schemas.openxmlformats.org/officeDocument/2006/relationships" xmlns:p="http://schemas.openxmlformats.org/presentationml/2006/main">
   <p:cSld>
     <p:spTree>
@@ -24201,13 +25329,13 @@
   <p:clrMapOvr>
     <a:masterClrMapping/>
   </p:clrMapOvr>
-  <mc:AlternateContent xmlns:mc="http://schemas.openxmlformats.org/markup-compatibility/2006">
-    <mc:Choice xmlns:p14="http://schemas.microsoft.com/office/powerpoint/2010/main" Requires="p14">
+  <mc:AlternateContent xmlns:mc="http://schemas.openxmlformats.org/markup-compatibility/2006" xmlns:p14="http://schemas.microsoft.com/office/powerpoint/2010/main">
+    <mc:Choice Requires="p14">
       <p:transition spd="med" p14:dur="700">
         <p:fade/>
       </p:transition>
     </mc:Choice>
-    <mc:Fallback>
+    <mc:Fallback xmlns="">
       <p:transition spd="med">
         <p:fade/>
       </p:transition>
@@ -24503,10 +25631,6 @@
               </a:rPr>
               <a:t>用户故事</a:t>
             </a:r>
-            <a:endParaRPr lang="zh-CN" altLang="en-US" sz="2800" dirty="0">
-              <a:latin typeface="微软雅黑" panose="020B0503020204020204" pitchFamily="34" charset="-122"/>
-              <a:ea typeface="微软雅黑" panose="020B0503020204020204" pitchFamily="34" charset="-122"/>
-            </a:endParaRPr>
           </a:p>
           <a:p>
             <a:pPr marL="285750" indent="-285750">
@@ -24523,10 +25647,6 @@
               </a:rPr>
               <a:t>结对编程</a:t>
             </a:r>
-            <a:endParaRPr lang="zh-CN" altLang="en-US" sz="2800" dirty="0">
-              <a:latin typeface="微软雅黑" panose="020B0503020204020204" pitchFamily="34" charset="-122"/>
-              <a:ea typeface="微软雅黑" panose="020B0503020204020204" pitchFamily="34" charset="-122"/>
-            </a:endParaRPr>
           </a:p>
           <a:p>
             <a:pPr marL="285750" indent="-285750">
@@ -24550,10 +25670,6 @@
               </a:rPr>
               <a:t>（测试驱动开发）</a:t>
             </a:r>
-            <a:endParaRPr lang="zh-CN" altLang="en-US" sz="2800" dirty="0">
-              <a:latin typeface="微软雅黑" panose="020B0503020204020204" pitchFamily="34" charset="-122"/>
-              <a:ea typeface="微软雅黑" panose="020B0503020204020204" pitchFamily="34" charset="-122"/>
-            </a:endParaRPr>
           </a:p>
           <a:p>
             <a:pPr marL="285750" indent="-285750">
@@ -24570,10 +25686,6 @@
               </a:rPr>
               <a:t>持续集成</a:t>
             </a:r>
-            <a:endParaRPr lang="zh-CN" altLang="en-US" sz="2800" dirty="0">
-              <a:latin typeface="微软雅黑" panose="020B0503020204020204" pitchFamily="34" charset="-122"/>
-              <a:ea typeface="微软雅黑" panose="020B0503020204020204" pitchFamily="34" charset="-122"/>
-            </a:endParaRPr>
           </a:p>
           <a:p>
             <a:pPr marL="285750" indent="-285750">
@@ -25176,13 +26288,6 @@
               </a:rPr>
               <a:t>什么是用户故事</a:t>
             </a:r>
-            <a:endParaRPr lang="zh-CN" altLang="en-US" sz="2600" b="1" dirty="0">
-              <a:solidFill>
-                <a:schemeClr val="tx1"/>
-              </a:solidFill>
-              <a:latin typeface="微软雅黑" panose="020B0503020204020204" pitchFamily="34" charset="-122"/>
-              <a:ea typeface="微软雅黑" panose="020B0503020204020204" pitchFamily="34" charset="-122"/>
-            </a:endParaRPr>
           </a:p>
           <a:p>
             <a:pPr>
@@ -25335,13 +26440,6 @@
               </a:rPr>
               <a:t>。</a:t>
             </a:r>
-            <a:endParaRPr lang="zh-CN" altLang="en-US" sz="2400" dirty="0" smtClean="0">
-              <a:solidFill>
-                <a:schemeClr val="tx1"/>
-              </a:solidFill>
-              <a:latin typeface="微软雅黑" panose="020B0503020204020204" pitchFamily="34" charset="-122"/>
-              <a:ea typeface="微软雅黑" panose="020B0503020204020204" pitchFamily="34" charset="-122"/>
-            </a:endParaRPr>
           </a:p>
           <a:p>
             <a:pPr algn="l">
@@ -25405,13 +26503,6 @@
               </a:rPr>
               <a:t>故事是站在用户角度描述需求的一种方式；</a:t>
             </a:r>
-            <a:endParaRPr lang="zh-CN" altLang="de-DE" sz="2400" dirty="0">
-              <a:solidFill>
-                <a:schemeClr val="tx1"/>
-              </a:solidFill>
-              <a:latin typeface="微软雅黑" panose="020B0503020204020204" pitchFamily="34" charset="-122"/>
-              <a:ea typeface="微软雅黑" panose="020B0503020204020204" pitchFamily="34" charset="-122"/>
-            </a:endParaRPr>
           </a:p>
           <a:p>
             <a:pPr algn="l">
@@ -26114,13 +27205,6 @@
               </a:rPr>
               <a:t>用户故事的好处</a:t>
             </a:r>
-            <a:endParaRPr lang="zh-CN" altLang="en-US" sz="2400" b="1" dirty="0">
-              <a:solidFill>
-                <a:schemeClr val="tx1"/>
-              </a:solidFill>
-              <a:latin typeface="微软雅黑" panose="020B0503020204020204" pitchFamily="34" charset="-122"/>
-              <a:ea typeface="微软雅黑" panose="020B0503020204020204" pitchFamily="34" charset="-122"/>
-            </a:endParaRPr>
           </a:p>
           <a:p>
             <a:pPr algn="l">
@@ -26156,13 +27240,6 @@
               </a:rPr>
               <a:t>在用户视角便于和客户交流，准确描述客户需求；</a:t>
             </a:r>
-            <a:endParaRPr lang="zh-CN" altLang="en-US" sz="2200" dirty="0">
-              <a:solidFill>
-                <a:schemeClr val="tx1"/>
-              </a:solidFill>
-              <a:latin typeface="微软雅黑" panose="020B0503020204020204" pitchFamily="34" charset="-122"/>
-              <a:ea typeface="微软雅黑" panose="020B0503020204020204" pitchFamily="34" charset="-122"/>
-            </a:endParaRPr>
           </a:p>
           <a:p>
             <a:pPr algn="l">
@@ -26188,13 +27265,6 @@
               </a:rPr>
               <a:t>用户故事可独立交付单元、规模小，适于迭代开发，以获得用户快速反馈；</a:t>
             </a:r>
-            <a:endParaRPr lang="zh-CN" altLang="en-US" sz="2200" dirty="0">
-              <a:solidFill>
-                <a:schemeClr val="tx1"/>
-              </a:solidFill>
-              <a:latin typeface="微软雅黑" panose="020B0503020204020204" pitchFamily="34" charset="-122"/>
-              <a:ea typeface="微软雅黑" panose="020B0503020204020204" pitchFamily="34" charset="-122"/>
-            </a:endParaRPr>
           </a:p>
           <a:p>
             <a:pPr algn="l">
@@ -26220,13 +27290,6 @@
               </a:rPr>
               <a:t>用户故事强调编写验收测试用例作为验收标准，能促使需求分析人员准确把握需求，牵引开发人员避免过度设计。</a:t>
             </a:r>
-            <a:endParaRPr lang="zh-CN" altLang="en-US" sz="2200" dirty="0">
-              <a:solidFill>
-                <a:schemeClr val="tx1"/>
-              </a:solidFill>
-              <a:latin typeface="微软雅黑" panose="020B0503020204020204" pitchFamily="34" charset="-122"/>
-              <a:ea typeface="微软雅黑" panose="020B0503020204020204" pitchFamily="34" charset="-122"/>
-            </a:endParaRPr>
           </a:p>
         </p:txBody>
       </p:sp>
@@ -26401,13 +27464,6 @@
               </a:rPr>
               <a:t>用户故事的关键要点</a:t>
             </a:r>
-            <a:endParaRPr lang="zh-CN" altLang="en-US" sz="2400" b="1" dirty="0">
-              <a:solidFill>
-                <a:schemeClr val="tx1"/>
-              </a:solidFill>
-              <a:latin typeface="微软雅黑" panose="020B0503020204020204" pitchFamily="34" charset="-122"/>
-              <a:ea typeface="微软雅黑" panose="020B0503020204020204" pitchFamily="34" charset="-122"/>
-            </a:endParaRPr>
           </a:p>
           <a:p>
             <a:pPr lvl="1" algn="l">
@@ -26441,13 +27497,6 @@
               </a:rPr>
               <a:t>，可独立交付给客户</a:t>
             </a:r>
-            <a:endParaRPr lang="zh-CN" altLang="en-US" sz="2200" dirty="0">
-              <a:solidFill>
-                <a:schemeClr val="tx1"/>
-              </a:solidFill>
-              <a:latin typeface="微软雅黑" panose="020B0503020204020204" pitchFamily="34" charset="-122"/>
-              <a:ea typeface="微软雅黑" panose="020B0503020204020204" pitchFamily="34" charset="-122"/>
-            </a:endParaRPr>
           </a:p>
           <a:p>
             <a:pPr lvl="1" algn="l">
@@ -26481,13 +27530,6 @@
               </a:rPr>
               <a:t>，便于与客户交流</a:t>
             </a:r>
-            <a:endParaRPr lang="zh-CN" altLang="en-US" sz="2200" dirty="0">
-              <a:solidFill>
-                <a:schemeClr val="tx1"/>
-              </a:solidFill>
-              <a:latin typeface="微软雅黑" panose="020B0503020204020204" pitchFamily="34" charset="-122"/>
-              <a:ea typeface="微软雅黑" panose="020B0503020204020204" pitchFamily="34" charset="-122"/>
-            </a:endParaRPr>
           </a:p>
           <a:p>
             <a:pPr lvl="1" algn="l">
@@ -26521,13 +27563,6 @@
               </a:rPr>
               <a:t>，对客户有价值</a:t>
             </a:r>
-            <a:endParaRPr lang="zh-CN" altLang="en-US" sz="2200" dirty="0">
-              <a:solidFill>
-                <a:schemeClr val="tx1"/>
-              </a:solidFill>
-              <a:latin typeface="微软雅黑" panose="020B0503020204020204" pitchFamily="34" charset="-122"/>
-              <a:ea typeface="微软雅黑" panose="020B0503020204020204" pitchFamily="34" charset="-122"/>
-            </a:endParaRPr>
           </a:p>
           <a:p>
             <a:pPr lvl="1" algn="l">
@@ -26561,13 +27596,6 @@
               </a:rPr>
               <a:t>，能估计出工作量</a:t>
             </a:r>
-            <a:endParaRPr lang="zh-CN" altLang="en-US" sz="2200" dirty="0">
-              <a:solidFill>
-                <a:schemeClr val="tx1"/>
-              </a:solidFill>
-              <a:latin typeface="微软雅黑" panose="020B0503020204020204" pitchFamily="34" charset="-122"/>
-              <a:ea typeface="微软雅黑" panose="020B0503020204020204" pitchFamily="34" charset="-122"/>
-            </a:endParaRPr>
           </a:p>
           <a:p>
             <a:pPr lvl="1" algn="l">
@@ -26601,13 +27629,6 @@
               </a:rPr>
               <a:t>，分解到最底层的用户故事粒度尽量小，至少在一个迭代中能完成</a:t>
             </a:r>
-            <a:endParaRPr lang="zh-CN" altLang="en-US" sz="2200" dirty="0">
-              <a:solidFill>
-                <a:schemeClr val="tx1"/>
-              </a:solidFill>
-              <a:latin typeface="微软雅黑" panose="020B0503020204020204" pitchFamily="34" charset="-122"/>
-              <a:ea typeface="微软雅黑" panose="020B0503020204020204" pitchFamily="34" charset="-122"/>
-            </a:endParaRPr>
           </a:p>
           <a:p>
             <a:pPr lvl="1" algn="l">
@@ -26641,13 +27662,6 @@
               </a:rPr>
               <a:t>，可测试 </a:t>
             </a:r>
-            <a:endParaRPr lang="zh-CN" altLang="en-US" sz="2200" dirty="0">
-              <a:solidFill>
-                <a:schemeClr val="tx1"/>
-              </a:solidFill>
-              <a:latin typeface="微软雅黑" panose="020B0503020204020204" pitchFamily="34" charset="-122"/>
-              <a:ea typeface="微软雅黑" panose="020B0503020204020204" pitchFamily="34" charset="-122"/>
-            </a:endParaRPr>
           </a:p>
         </p:txBody>
       </p:sp>
@@ -26969,13 +27983,6 @@
               </a:rPr>
               <a:t>用户故事便于团队站在用户角度分解细化需求并制定验收标准</a:t>
             </a:r>
-            <a:endParaRPr lang="zh-CN" altLang="en-US" sz="2400" b="1" dirty="0">
-              <a:solidFill>
-                <a:schemeClr val="tx2"/>
-              </a:solidFill>
-              <a:latin typeface="微软雅黑" panose="020B0503020204020204" pitchFamily="34" charset="-122"/>
-              <a:ea typeface="微软雅黑" panose="020B0503020204020204" pitchFamily="34" charset="-122"/>
-            </a:endParaRPr>
           </a:p>
         </p:txBody>
       </p:sp>
@@ -27674,14 +28681,6 @@
               </a:rPr>
               <a:t>想要增加网络容量和服务</a:t>
             </a:r>
-            <a:endParaRPr lang="zh-CN" altLang="en-US" sz="2000" b="1" dirty="0">
-              <a:solidFill>
-                <a:srgbClr val="644300"/>
-              </a:solidFill>
-              <a:latin typeface="微软雅黑" panose="020B0503020204020204" pitchFamily="34" charset="-122"/>
-              <a:ea typeface="微软雅黑" panose="020B0503020204020204" pitchFamily="34" charset="-122"/>
-              <a:cs typeface="Times New Roman" panose="02020603050405020304" pitchFamily="18" charset="0"/>
-            </a:endParaRPr>
           </a:p>
           <a:p>
             <a:pPr algn="l" eaLnBrk="1" hangingPunct="1">
@@ -27731,14 +28730,6 @@
               </a:rPr>
               <a:t>作为网络规划人员，我想把媒体网关参数上传到管理系统</a:t>
             </a:r>
-            <a:endParaRPr lang="zh-CN" altLang="en-US" sz="2000" dirty="0">
-              <a:solidFill>
-                <a:srgbClr val="644300"/>
-              </a:solidFill>
-              <a:latin typeface="微软雅黑" panose="020B0503020204020204" pitchFamily="34" charset="-122"/>
-              <a:ea typeface="微软雅黑" panose="020B0503020204020204" pitchFamily="34" charset="-122"/>
-              <a:cs typeface="Times New Roman" panose="02020603050405020304" pitchFamily="18" charset="0"/>
-            </a:endParaRPr>
           </a:p>
           <a:p>
             <a:pPr algn="l" eaLnBrk="1" hangingPunct="1">
@@ -27788,14 +28779,6 @@
               </a:rPr>
               <a:t>作为网络规划人员，我想从管理系统下载媒体网关参数</a:t>
             </a:r>
-            <a:endParaRPr lang="zh-CN" altLang="en-US" sz="2000" dirty="0">
-              <a:solidFill>
-                <a:srgbClr val="644300"/>
-              </a:solidFill>
-              <a:latin typeface="微软雅黑" panose="020B0503020204020204" pitchFamily="34" charset="-122"/>
-              <a:ea typeface="微软雅黑" panose="020B0503020204020204" pitchFamily="34" charset="-122"/>
-              <a:cs typeface="Times New Roman" panose="02020603050405020304" pitchFamily="18" charset="0"/>
-            </a:endParaRPr>
           </a:p>
           <a:p>
             <a:pPr algn="l" eaLnBrk="1" hangingPunct="1">
@@ -27845,14 +28828,6 @@
               </a:rPr>
               <a:t>作为网络规划人员，我想用文件方式从管理系统下载媒体网关参数</a:t>
             </a:r>
-            <a:endParaRPr lang="zh-CN" altLang="en-US" sz="2000" dirty="0">
-              <a:solidFill>
-                <a:srgbClr val="644300"/>
-              </a:solidFill>
-              <a:latin typeface="微软雅黑" panose="020B0503020204020204" pitchFamily="34" charset="-122"/>
-              <a:ea typeface="微软雅黑" panose="020B0503020204020204" pitchFamily="34" charset="-122"/>
-              <a:cs typeface="Times New Roman" panose="02020603050405020304" pitchFamily="18" charset="0"/>
-            </a:endParaRPr>
           </a:p>
           <a:p>
             <a:pPr marL="1296035" algn="l" eaLnBrk="1" hangingPunct="1">
@@ -27924,14 +28899,6 @@
               </a:rPr>
               <a:t>是否正确下载到本地且内容正确</a:t>
             </a:r>
-            <a:endParaRPr lang="zh-CN" altLang="en-US" sz="2000" dirty="0">
-              <a:solidFill>
-                <a:srgbClr val="343434"/>
-              </a:solidFill>
-              <a:latin typeface="微软雅黑" panose="020B0503020204020204" pitchFamily="34" charset="-122"/>
-              <a:ea typeface="微软雅黑" panose="020B0503020204020204" pitchFamily="34" charset="-122"/>
-              <a:cs typeface="Times New Roman" panose="02020603050405020304" pitchFamily="18" charset="0"/>
-            </a:endParaRPr>
           </a:p>
           <a:p>
             <a:pPr algn="l" eaLnBrk="1" hangingPunct="1">
@@ -28014,14 +28981,6 @@
               </a:rPr>
               <a:t>结构方式从管理系统下载媒体网关的参数</a:t>
             </a:r>
-            <a:endParaRPr lang="zh-CN" altLang="en-US" sz="2000" dirty="0">
-              <a:solidFill>
-                <a:srgbClr val="644300"/>
-              </a:solidFill>
-              <a:latin typeface="微软雅黑" panose="020B0503020204020204" pitchFamily="34" charset="-122"/>
-              <a:ea typeface="微软雅黑" panose="020B0503020204020204" pitchFamily="34" charset="-122"/>
-              <a:cs typeface="Times New Roman" panose="02020603050405020304" pitchFamily="18" charset="0"/>
-            </a:endParaRPr>
           </a:p>
           <a:p>
             <a:pPr algn="l" eaLnBrk="1" hangingPunct="1">
@@ -28082,14 +29041,6 @@
               </a:rPr>
               <a:t>:…………</a:t>
             </a:r>
-            <a:endParaRPr lang="en-US" altLang="zh-CN" sz="2000" dirty="0">
-              <a:solidFill>
-                <a:srgbClr val="343434"/>
-              </a:solidFill>
-              <a:latin typeface="微软雅黑" panose="020B0503020204020204" pitchFamily="34" charset="-122"/>
-              <a:ea typeface="微软雅黑" panose="020B0503020204020204" pitchFamily="34" charset="-122"/>
-              <a:cs typeface="Times New Roman" panose="02020603050405020304" pitchFamily="18" charset="0"/>
-            </a:endParaRPr>
           </a:p>
         </p:txBody>
       </p:sp>
@@ -28414,13 +29365,6 @@
               </a:rPr>
               <a:t>故事样例</a:t>
             </a:r>
-            <a:endParaRPr lang="zh-CN" altLang="en-US" sz="2400" b="1" dirty="0">
-              <a:solidFill>
-                <a:schemeClr val="tx1"/>
-              </a:solidFill>
-              <a:latin typeface="微软雅黑" panose="020B0503020204020204" pitchFamily="34" charset="-122"/>
-              <a:ea typeface="微软雅黑" panose="020B0503020204020204" pitchFamily="34" charset="-122"/>
-            </a:endParaRPr>
           </a:p>
         </p:txBody>
       </p:sp>
@@ -28594,13 +29538,6 @@
               </a:rPr>
               <a:t>用户故事便于团队站在用户角度分解细化需求并制定验收标准</a:t>
             </a:r>
-            <a:endParaRPr lang="zh-CN" altLang="en-US" sz="2000" b="1" dirty="0">
-              <a:solidFill>
-                <a:schemeClr val="tx2"/>
-              </a:solidFill>
-              <a:latin typeface="微软雅黑" panose="020B0503020204020204" pitchFamily="34" charset="-122"/>
-              <a:ea typeface="微软雅黑" panose="020B0503020204020204" pitchFamily="34" charset="-122"/>
-            </a:endParaRPr>
           </a:p>
         </p:txBody>
       </p:sp>
@@ -29048,10 +29985,6 @@
               </a:rPr>
               <a:t>XXX</a:t>
             </a:r>
-            <a:endParaRPr lang="en-US" altLang="zh-CN" sz="2200" dirty="0">
-              <a:latin typeface="微软雅黑" panose="020B0503020204020204" pitchFamily="34" charset="-122"/>
-              <a:ea typeface="微软雅黑" panose="020B0503020204020204" pitchFamily="34" charset="-122"/>
-            </a:endParaRPr>
           </a:p>
           <a:p>
             <a:pPr marL="1028700" lvl="1" indent="-571500">
@@ -29609,10 +30542,6 @@
               </a:rPr>
               <a:t>&gt;</a:t>
             </a:r>
-            <a:endParaRPr lang="en-US" altLang="zh-CN" sz="2400" dirty="0" smtClean="0">
-              <a:latin typeface="微软雅黑" panose="020B0503020204020204" pitchFamily="34" charset="-122"/>
-              <a:ea typeface="微软雅黑" panose="020B0503020204020204" pitchFamily="34" charset="-122"/>
-            </a:endParaRPr>
           </a:p>
         </p:txBody>
       </p:sp>
@@ -29661,7 +30590,7 @@
           <p:nvPr/>
         </p:nvPicPr>
         <p:blipFill>
-          <a:blip r:embed="rId1">
+          <a:blip r:embed="rId2">
             <a:extLst>
               <a:ext uri="{28A0092B-C50C-407E-A947-70E740481C1C}">
                 <a14:useLocalDpi xmlns:a14="http://schemas.microsoft.com/office/drawing/2010/main" val="0"/>
@@ -30495,6 +31424,8 @@
       </a:bgFillStyleLst>
     </a:fmtScheme>
   </a:themeElements>
+  <a:objectDefaults/>
+  <a:extraClrSchemeLst/>
   <a:extLst>
     <a:ext uri="{05A4C25C-085E-4340-85A3-A5531E510DB2}">
       <thm15:themeFamily xmlns:thm15="http://schemas.microsoft.com/office/thememl/2012/main" name="Office Theme" id="{62F939B6-93AF-4DB8-9C6B-D6C7DFDC589F}" vid="{4A3C46E8-61CC-4603-A589-7422A47A8E4A}"/>
@@ -30754,6 +31685,8 @@
       </a:bgFillStyleLst>
     </a:fmtScheme>
   </a:themeElements>
+  <a:objectDefaults/>
+  <a:extraClrSchemeLst/>
   <a:extLst>
     <a:ext uri="{05A4C25C-085E-4340-85A3-A5531E510DB2}">
       <thm15:themeFamily xmlns:thm15="http://schemas.microsoft.com/office/thememl/2012/main" name="Office Theme" id="{62F939B6-93AF-4DB8-9C6B-D6C7DFDC589F}" vid="{4A3C46E8-61CC-4603-A589-7422A47A8E4A}"/>
